--- a/practical_notes.pptx
+++ b/practical_notes.pptx
@@ -8,7 +8,11 @@
     <p:sldId id="256" r:id="rId2"/>
     <p:sldId id="257" r:id="rId3"/>
     <p:sldId id="258" r:id="rId4"/>
-    <p:sldId id="259" r:id="rId5"/>
+    <p:sldId id="260" r:id="rId5"/>
+    <p:sldId id="263" r:id="rId6"/>
+    <p:sldId id="262" r:id="rId7"/>
+    <p:sldId id="261" r:id="rId8"/>
+    <p:sldId id="259" r:id="rId9"/>
   </p:sldIdLst>
   <p:sldSz cx="12192000" cy="6858000"/>
   <p:notesSz cx="6858000" cy="9144000"/>
@@ -262,7 +266,7 @@
           <a:p>
             <a:fld id="{3F3D5FB4-2115-4B56-9A81-48967C59654E}" type="datetimeFigureOut">
               <a:rPr lang="en-US" smtClean="0"/>
-              <a:t>1/6/2021</a:t>
+              <a:t>1/12/2021</a:t>
             </a:fld>
             <a:endParaRPr lang="en-US"/>
           </a:p>
@@ -460,7 +464,7 @@
           <a:p>
             <a:fld id="{3F3D5FB4-2115-4B56-9A81-48967C59654E}" type="datetimeFigureOut">
               <a:rPr lang="en-US" smtClean="0"/>
-              <a:t>1/6/2021</a:t>
+              <a:t>1/12/2021</a:t>
             </a:fld>
             <a:endParaRPr lang="en-US"/>
           </a:p>
@@ -668,7 +672,7 @@
           <a:p>
             <a:fld id="{3F3D5FB4-2115-4B56-9A81-48967C59654E}" type="datetimeFigureOut">
               <a:rPr lang="en-US" smtClean="0"/>
-              <a:t>1/6/2021</a:t>
+              <a:t>1/12/2021</a:t>
             </a:fld>
             <a:endParaRPr lang="en-US"/>
           </a:p>
@@ -866,7 +870,7 @@
           <a:p>
             <a:fld id="{3F3D5FB4-2115-4B56-9A81-48967C59654E}" type="datetimeFigureOut">
               <a:rPr lang="en-US" smtClean="0"/>
-              <a:t>1/6/2021</a:t>
+              <a:t>1/12/2021</a:t>
             </a:fld>
             <a:endParaRPr lang="en-US"/>
           </a:p>
@@ -1141,7 +1145,7 @@
           <a:p>
             <a:fld id="{3F3D5FB4-2115-4B56-9A81-48967C59654E}" type="datetimeFigureOut">
               <a:rPr lang="en-US" smtClean="0"/>
-              <a:t>1/6/2021</a:t>
+              <a:t>1/12/2021</a:t>
             </a:fld>
             <a:endParaRPr lang="en-US"/>
           </a:p>
@@ -1406,7 +1410,7 @@
           <a:p>
             <a:fld id="{3F3D5FB4-2115-4B56-9A81-48967C59654E}" type="datetimeFigureOut">
               <a:rPr lang="en-US" smtClean="0"/>
-              <a:t>1/6/2021</a:t>
+              <a:t>1/12/2021</a:t>
             </a:fld>
             <a:endParaRPr lang="en-US"/>
           </a:p>
@@ -1818,7 +1822,7 @@
           <a:p>
             <a:fld id="{3F3D5FB4-2115-4B56-9A81-48967C59654E}" type="datetimeFigureOut">
               <a:rPr lang="en-US" smtClean="0"/>
-              <a:t>1/6/2021</a:t>
+              <a:t>1/12/2021</a:t>
             </a:fld>
             <a:endParaRPr lang="en-US"/>
           </a:p>
@@ -1959,7 +1963,7 @@
           <a:p>
             <a:fld id="{3F3D5FB4-2115-4B56-9A81-48967C59654E}" type="datetimeFigureOut">
               <a:rPr lang="en-US" smtClean="0"/>
-              <a:t>1/6/2021</a:t>
+              <a:t>1/12/2021</a:t>
             </a:fld>
             <a:endParaRPr lang="en-US"/>
           </a:p>
@@ -2072,7 +2076,7 @@
           <a:p>
             <a:fld id="{3F3D5FB4-2115-4B56-9A81-48967C59654E}" type="datetimeFigureOut">
               <a:rPr lang="en-US" smtClean="0"/>
-              <a:t>1/6/2021</a:t>
+              <a:t>1/12/2021</a:t>
             </a:fld>
             <a:endParaRPr lang="en-US"/>
           </a:p>
@@ -2383,7 +2387,7 @@
           <a:p>
             <a:fld id="{3F3D5FB4-2115-4B56-9A81-48967C59654E}" type="datetimeFigureOut">
               <a:rPr lang="en-US" smtClean="0"/>
-              <a:t>1/6/2021</a:t>
+              <a:t>1/12/2021</a:t>
             </a:fld>
             <a:endParaRPr lang="en-US"/>
           </a:p>
@@ -2671,7 +2675,7 @@
           <a:p>
             <a:fld id="{3F3D5FB4-2115-4B56-9A81-48967C59654E}" type="datetimeFigureOut">
               <a:rPr lang="en-US" smtClean="0"/>
-              <a:t>1/6/2021</a:t>
+              <a:t>1/12/2021</a:t>
             </a:fld>
             <a:endParaRPr lang="en-US"/>
           </a:p>
@@ -2915,7 +2919,7 @@
           <a:p>
             <a:fld id="{3F3D5FB4-2115-4B56-9A81-48967C59654E}" type="datetimeFigureOut">
               <a:rPr lang="en-US" smtClean="0"/>
-              <a:t>1/6/2021</a:t>
+              <a:t>1/12/2021</a:t>
             </a:fld>
             <a:endParaRPr lang="en-US"/>
           </a:p>
@@ -3444,8 +3448,8 @@
         </p:nvSpPr>
         <p:spPr>
           <a:xfrm>
-            <a:off x="3787515" y="1782395"/>
-            <a:ext cx="4616970" cy="3293209"/>
+            <a:off x="3787515" y="1089898"/>
+            <a:ext cx="4616970" cy="4678204"/>
           </a:xfrm>
           <a:prstGeom prst="rect">
             <a:avLst/>
@@ -3585,7 +3589,55 @@
               </a:rPr>
               <a:t>runserver</a:t>
             </a:r>
+            <a:endParaRPr lang="en-US" altLang="en-US" b="1" i="1" dirty="0">
+              <a:latin typeface="Consolas" panose="020B0609020204030204" pitchFamily="49" charset="0"/>
+            </a:endParaRPr>
+          </a:p>
+          <a:p>
+            <a:endParaRPr lang="en-US" b="1" i="1" dirty="0">
+              <a:latin typeface="Consolas" panose="020B0609020204030204" pitchFamily="49" charset="0"/>
+            </a:endParaRPr>
+          </a:p>
+          <a:p>
+            <a:r>
+              <a:rPr lang="en-US" b="1" dirty="0"/>
+              <a:t>explore pypi.org</a:t>
+            </a:r>
+          </a:p>
+          <a:p>
             <a:endParaRPr lang="en-US" b="1" dirty="0"/>
+          </a:p>
+          <a:p>
+            <a:r>
+              <a:rPr lang="en-US" b="1" dirty="0"/>
+              <a:t>how to navigate folder or </a:t>
+            </a:r>
+            <a:r>
+              <a:rPr lang="en-US" b="1" dirty="0" err="1"/>
+              <a:t>dir</a:t>
+            </a:r>
+            <a:r>
+              <a:rPr lang="en-US" b="1" dirty="0"/>
+              <a:t> in </a:t>
+            </a:r>
+            <a:r>
+              <a:rPr lang="en-US" b="1" dirty="0" err="1"/>
+              <a:t>cmd</a:t>
+            </a:r>
+            <a:r>
+              <a:rPr lang="en-US" b="1" dirty="0"/>
+              <a:t> prompt</a:t>
+            </a:r>
+          </a:p>
+          <a:p>
+            <a:r>
+              <a:rPr lang="en-US" b="1" dirty="0" err="1"/>
+              <a:t>cmd</a:t>
+            </a:r>
+            <a:r>
+              <a:rPr lang="en-US" b="1" dirty="0"/>
+              <a:t> history</a:t>
+            </a:r>
           </a:p>
         </p:txBody>
       </p:sp>
@@ -3796,6 +3848,3244 @@
 </file>
 
 <file path=ppt/slides/slide4.xml><?xml version="1.0" encoding="utf-8"?>
+<p:sld xmlns:a="http://schemas.openxmlformats.org/drawingml/2006/main" xmlns:r="http://schemas.openxmlformats.org/officeDocument/2006/relationships" xmlns:p="http://schemas.openxmlformats.org/presentationml/2006/main">
+  <p:cSld>
+    <p:spTree>
+      <p:nvGrpSpPr>
+        <p:cNvPr id="1" name=""/>
+        <p:cNvGrpSpPr/>
+        <p:nvPr/>
+      </p:nvGrpSpPr>
+      <p:grpSpPr>
+        <a:xfrm>
+          <a:off x="0" y="0"/>
+          <a:ext cx="0" cy="0"/>
+          <a:chOff x="0" y="0"/>
+          <a:chExt cx="0" cy="0"/>
+        </a:xfrm>
+      </p:grpSpPr>
+      <p:grpSp>
+        <p:nvGrpSpPr>
+          <p:cNvPr id="42" name="Group 41">
+            <a:extLst>
+              <a:ext uri="{FF2B5EF4-FFF2-40B4-BE49-F238E27FC236}">
+                <a16:creationId xmlns:a16="http://schemas.microsoft.com/office/drawing/2014/main" id="{AEDE1FE4-0D21-4DD2-9538-F734239C69B7}"/>
+              </a:ext>
+            </a:extLst>
+          </p:cNvPr>
+          <p:cNvGrpSpPr/>
+          <p:nvPr/>
+        </p:nvGrpSpPr>
+        <p:grpSpPr>
+          <a:xfrm>
+            <a:off x="577702" y="733079"/>
+            <a:ext cx="11036595" cy="946835"/>
+            <a:chOff x="733647" y="541693"/>
+            <a:chExt cx="11036595" cy="946835"/>
+          </a:xfrm>
+        </p:grpSpPr>
+        <p:sp>
+          <p:nvSpPr>
+            <p:cNvPr id="2" name="Rectangle 1">
+              <a:extLst>
+                <a:ext uri="{FF2B5EF4-FFF2-40B4-BE49-F238E27FC236}">
+                  <a16:creationId xmlns:a16="http://schemas.microsoft.com/office/drawing/2014/main" id="{2DF6E6F4-7FC8-49E9-A9B7-325EA31FA6A1}"/>
+                </a:ext>
+              </a:extLst>
+            </p:cNvPr>
+            <p:cNvSpPr/>
+            <p:nvPr/>
+          </p:nvSpPr>
+          <p:spPr>
+            <a:xfrm>
+              <a:off x="3312938" y="541693"/>
+              <a:ext cx="1828800" cy="914400"/>
+            </a:xfrm>
+            <a:prstGeom prst="rect">
+              <a:avLst/>
+            </a:prstGeom>
+            <a:solidFill>
+              <a:srgbClr val="F0F0F0"/>
+            </a:solidFill>
+            <a:ln>
+              <a:solidFill>
+                <a:schemeClr val="tx1"/>
+              </a:solidFill>
+            </a:ln>
+          </p:spPr>
+          <p:style>
+            <a:lnRef idx="2">
+              <a:schemeClr val="accent1">
+                <a:shade val="50000"/>
+              </a:schemeClr>
+            </a:lnRef>
+            <a:fillRef idx="1">
+              <a:schemeClr val="accent1"/>
+            </a:fillRef>
+            <a:effectRef idx="0">
+              <a:schemeClr val="accent1"/>
+            </a:effectRef>
+            <a:fontRef idx="minor">
+              <a:schemeClr val="lt1"/>
+            </a:fontRef>
+          </p:style>
+          <p:txBody>
+            <a:bodyPr rtlCol="0" anchor="ctr"/>
+            <a:lstStyle/>
+            <a:p>
+              <a:pPr algn="ctr"/>
+              <a:r>
+                <a:rPr lang="en-US" dirty="0">
+                  <a:solidFill>
+                    <a:sysClr val="windowText" lastClr="000000"/>
+                  </a:solidFill>
+                </a:rPr>
+                <a:t>URLs</a:t>
+              </a:r>
+            </a:p>
+            <a:p>
+              <a:pPr algn="ctr"/>
+              <a:r>
+                <a:rPr lang="en-US" dirty="0">
+                  <a:solidFill>
+                    <a:sysClr val="windowText" lastClr="000000"/>
+                  </a:solidFill>
+                </a:rPr>
+                <a:t>(urls.py)</a:t>
+              </a:r>
+            </a:p>
+          </p:txBody>
+        </p:sp>
+        <p:sp>
+          <p:nvSpPr>
+            <p:cNvPr id="3" name="Rectangle 2">
+              <a:extLst>
+                <a:ext uri="{FF2B5EF4-FFF2-40B4-BE49-F238E27FC236}">
+                  <a16:creationId xmlns:a16="http://schemas.microsoft.com/office/drawing/2014/main" id="{367421AA-1A29-4261-B77D-B842D149C7C8}"/>
+                </a:ext>
+              </a:extLst>
+            </p:cNvPr>
+            <p:cNvSpPr/>
+            <p:nvPr/>
+          </p:nvSpPr>
+          <p:spPr>
+            <a:xfrm>
+              <a:off x="7483111" y="541693"/>
+              <a:ext cx="1828800" cy="914400"/>
+            </a:xfrm>
+            <a:prstGeom prst="rect">
+              <a:avLst/>
+            </a:prstGeom>
+            <a:solidFill>
+              <a:srgbClr val="F0F0F0"/>
+            </a:solidFill>
+            <a:ln>
+              <a:solidFill>
+                <a:schemeClr val="tx1"/>
+              </a:solidFill>
+            </a:ln>
+          </p:spPr>
+          <p:style>
+            <a:lnRef idx="2">
+              <a:schemeClr val="accent1">
+                <a:shade val="50000"/>
+              </a:schemeClr>
+            </a:lnRef>
+            <a:fillRef idx="1">
+              <a:schemeClr val="accent1"/>
+            </a:fillRef>
+            <a:effectRef idx="0">
+              <a:schemeClr val="accent1"/>
+            </a:effectRef>
+            <a:fontRef idx="minor">
+              <a:schemeClr val="lt1"/>
+            </a:fontRef>
+          </p:style>
+          <p:txBody>
+            <a:bodyPr rtlCol="0" anchor="ctr"/>
+            <a:lstStyle/>
+            <a:p>
+              <a:pPr algn="ctr"/>
+              <a:r>
+                <a:rPr lang="en-US" dirty="0">
+                  <a:solidFill>
+                    <a:sysClr val="windowText" lastClr="000000"/>
+                  </a:solidFill>
+                </a:rPr>
+                <a:t>View</a:t>
+              </a:r>
+            </a:p>
+            <a:p>
+              <a:pPr algn="ctr"/>
+              <a:r>
+                <a:rPr lang="en-US" dirty="0">
+                  <a:solidFill>
+                    <a:sysClr val="windowText" lastClr="000000"/>
+                  </a:solidFill>
+                </a:rPr>
+                <a:t>(views.py)</a:t>
+              </a:r>
+            </a:p>
+          </p:txBody>
+        </p:sp>
+        <p:cxnSp>
+          <p:nvCxnSpPr>
+            <p:cNvPr id="7" name="Straight Arrow Connector 6">
+              <a:extLst>
+                <a:ext uri="{FF2B5EF4-FFF2-40B4-BE49-F238E27FC236}">
+                  <a16:creationId xmlns:a16="http://schemas.microsoft.com/office/drawing/2014/main" id="{A942C7F4-2E7F-4461-81EE-C6577B13A9BD}"/>
+                </a:ext>
+              </a:extLst>
+            </p:cNvPr>
+            <p:cNvCxnSpPr>
+              <a:cxnSpLocks/>
+              <a:endCxn id="2" idx="1"/>
+            </p:cNvCxnSpPr>
+            <p:nvPr/>
+          </p:nvCxnSpPr>
+          <p:spPr>
+            <a:xfrm>
+              <a:off x="733647" y="998893"/>
+              <a:ext cx="2579291" cy="0"/>
+            </a:xfrm>
+            <a:prstGeom prst="straightConnector1">
+              <a:avLst/>
+            </a:prstGeom>
+            <a:ln>
+              <a:solidFill>
+                <a:schemeClr val="tx1"/>
+              </a:solidFill>
+              <a:tailEnd type="triangle"/>
+            </a:ln>
+          </p:spPr>
+          <p:style>
+            <a:lnRef idx="1">
+              <a:schemeClr val="accent1"/>
+            </a:lnRef>
+            <a:fillRef idx="0">
+              <a:schemeClr val="accent1"/>
+            </a:fillRef>
+            <a:effectRef idx="0">
+              <a:schemeClr val="accent1"/>
+            </a:effectRef>
+            <a:fontRef idx="minor">
+              <a:schemeClr val="tx1"/>
+            </a:fontRef>
+          </p:style>
+        </p:cxnSp>
+        <p:sp>
+          <p:nvSpPr>
+            <p:cNvPr id="8" name="TextBox 7">
+              <a:extLst>
+                <a:ext uri="{FF2B5EF4-FFF2-40B4-BE49-F238E27FC236}">
+                  <a16:creationId xmlns:a16="http://schemas.microsoft.com/office/drawing/2014/main" id="{3853AA7B-AD3A-4FC8-96F5-D5B474691303}"/>
+                </a:ext>
+              </a:extLst>
+            </p:cNvPr>
+            <p:cNvSpPr txBox="1"/>
+            <p:nvPr/>
+          </p:nvSpPr>
+          <p:spPr>
+            <a:xfrm>
+              <a:off x="1369539" y="565198"/>
+              <a:ext cx="1345497" cy="369332"/>
+            </a:xfrm>
+            <a:prstGeom prst="rect">
+              <a:avLst/>
+            </a:prstGeom>
+            <a:noFill/>
+          </p:spPr>
+          <p:txBody>
+            <a:bodyPr wrap="none" rtlCol="0">
+              <a:spAutoFit/>
+            </a:bodyPr>
+            <a:lstStyle/>
+            <a:p>
+              <a:r>
+                <a:rPr lang="en-US" dirty="0"/>
+                <a:t>http request</a:t>
+              </a:r>
+            </a:p>
+          </p:txBody>
+        </p:sp>
+        <p:cxnSp>
+          <p:nvCxnSpPr>
+            <p:cNvPr id="10" name="Straight Arrow Connector 9">
+              <a:extLst>
+                <a:ext uri="{FF2B5EF4-FFF2-40B4-BE49-F238E27FC236}">
+                  <a16:creationId xmlns:a16="http://schemas.microsoft.com/office/drawing/2014/main" id="{DA4CD683-6AA5-4E6F-910F-86F70C57993C}"/>
+                </a:ext>
+              </a:extLst>
+            </p:cNvPr>
+            <p:cNvCxnSpPr>
+              <a:cxnSpLocks/>
+              <a:stCxn id="2" idx="3"/>
+              <a:endCxn id="3" idx="1"/>
+            </p:cNvCxnSpPr>
+            <p:nvPr/>
+          </p:nvCxnSpPr>
+          <p:spPr>
+            <a:xfrm>
+              <a:off x="5141738" y="998893"/>
+              <a:ext cx="2341373" cy="0"/>
+            </a:xfrm>
+            <a:prstGeom prst="straightConnector1">
+              <a:avLst/>
+            </a:prstGeom>
+            <a:ln>
+              <a:solidFill>
+                <a:schemeClr val="tx1"/>
+              </a:solidFill>
+              <a:tailEnd type="triangle"/>
+            </a:ln>
+          </p:spPr>
+          <p:style>
+            <a:lnRef idx="1">
+              <a:schemeClr val="accent1"/>
+            </a:lnRef>
+            <a:fillRef idx="0">
+              <a:schemeClr val="accent1"/>
+            </a:fillRef>
+            <a:effectRef idx="0">
+              <a:schemeClr val="accent1"/>
+            </a:effectRef>
+            <a:fontRef idx="minor">
+              <a:schemeClr val="tx1"/>
+            </a:fontRef>
+          </p:style>
+        </p:cxnSp>
+        <p:cxnSp>
+          <p:nvCxnSpPr>
+            <p:cNvPr id="17" name="Straight Arrow Connector 16">
+              <a:extLst>
+                <a:ext uri="{FF2B5EF4-FFF2-40B4-BE49-F238E27FC236}">
+                  <a16:creationId xmlns:a16="http://schemas.microsoft.com/office/drawing/2014/main" id="{3D3ED576-937E-400F-AB42-F830EB1126A4}"/>
+                </a:ext>
+              </a:extLst>
+            </p:cNvPr>
+            <p:cNvCxnSpPr>
+              <a:cxnSpLocks/>
+              <a:stCxn id="3" idx="3"/>
+            </p:cNvCxnSpPr>
+            <p:nvPr/>
+          </p:nvCxnSpPr>
+          <p:spPr>
+            <a:xfrm>
+              <a:off x="9311911" y="998893"/>
+              <a:ext cx="2458331" cy="0"/>
+            </a:xfrm>
+            <a:prstGeom prst="straightConnector1">
+              <a:avLst/>
+            </a:prstGeom>
+            <a:ln>
+              <a:solidFill>
+                <a:schemeClr val="tx1"/>
+              </a:solidFill>
+              <a:tailEnd type="triangle"/>
+            </a:ln>
+          </p:spPr>
+          <p:style>
+            <a:lnRef idx="1">
+              <a:schemeClr val="accent1"/>
+            </a:lnRef>
+            <a:fillRef idx="0">
+              <a:schemeClr val="accent1"/>
+            </a:fillRef>
+            <a:effectRef idx="0">
+              <a:schemeClr val="accent1"/>
+            </a:effectRef>
+            <a:fontRef idx="minor">
+              <a:schemeClr val="tx1"/>
+            </a:fontRef>
+          </p:style>
+        </p:cxnSp>
+        <p:sp>
+          <p:nvSpPr>
+            <p:cNvPr id="24" name="TextBox 23">
+              <a:extLst>
+                <a:ext uri="{FF2B5EF4-FFF2-40B4-BE49-F238E27FC236}">
+                  <a16:creationId xmlns:a16="http://schemas.microsoft.com/office/drawing/2014/main" id="{798F7E9B-F143-41EE-A7E0-0C3DC62C454F}"/>
+                </a:ext>
+              </a:extLst>
+            </p:cNvPr>
+            <p:cNvSpPr txBox="1"/>
+            <p:nvPr/>
+          </p:nvSpPr>
+          <p:spPr>
+            <a:xfrm>
+              <a:off x="5353696" y="565198"/>
+              <a:ext cx="2029210" cy="923330"/>
+            </a:xfrm>
+            <a:prstGeom prst="rect">
+              <a:avLst/>
+            </a:prstGeom>
+            <a:noFill/>
+          </p:spPr>
+          <p:txBody>
+            <a:bodyPr wrap="none" rtlCol="0">
+              <a:spAutoFit/>
+            </a:bodyPr>
+            <a:lstStyle/>
+            <a:p>
+              <a:pPr algn="ctr"/>
+              <a:r>
+                <a:rPr lang="en-US" dirty="0"/>
+                <a:t>Forward request </a:t>
+              </a:r>
+            </a:p>
+            <a:p>
+              <a:pPr algn="ctr"/>
+              <a:endParaRPr lang="en-US" dirty="0"/>
+            </a:p>
+            <a:p>
+              <a:pPr algn="ctr"/>
+              <a:r>
+                <a:rPr lang="en-US" dirty="0"/>
+                <a:t>to appropriate view</a:t>
+              </a:r>
+            </a:p>
+          </p:txBody>
+        </p:sp>
+        <p:sp>
+          <p:nvSpPr>
+            <p:cNvPr id="26" name="TextBox 25">
+              <a:extLst>
+                <a:ext uri="{FF2B5EF4-FFF2-40B4-BE49-F238E27FC236}">
+                  <a16:creationId xmlns:a16="http://schemas.microsoft.com/office/drawing/2014/main" id="{CE12494D-5ABB-4562-8727-B0DB256DC2A4}"/>
+                </a:ext>
+              </a:extLst>
+            </p:cNvPr>
+            <p:cNvSpPr txBox="1"/>
+            <p:nvPr/>
+          </p:nvSpPr>
+          <p:spPr>
+            <a:xfrm>
+              <a:off x="9400616" y="541693"/>
+              <a:ext cx="2252668" cy="369332"/>
+            </a:xfrm>
+            <a:prstGeom prst="rect">
+              <a:avLst/>
+            </a:prstGeom>
+            <a:noFill/>
+          </p:spPr>
+          <p:txBody>
+            <a:bodyPr wrap="none" rtlCol="0">
+              <a:spAutoFit/>
+            </a:bodyPr>
+            <a:lstStyle/>
+            <a:p>
+              <a:r>
+                <a:rPr lang="en-US" dirty="0"/>
+                <a:t>Http response (HTML)</a:t>
+              </a:r>
+            </a:p>
+          </p:txBody>
+        </p:sp>
+      </p:grpSp>
+      <p:grpSp>
+        <p:nvGrpSpPr>
+          <p:cNvPr id="49" name="Group 48">
+            <a:extLst>
+              <a:ext uri="{FF2B5EF4-FFF2-40B4-BE49-F238E27FC236}">
+                <a16:creationId xmlns:a16="http://schemas.microsoft.com/office/drawing/2014/main" id="{21203BA3-A904-4196-9F93-1E26784F3E39}"/>
+              </a:ext>
+            </a:extLst>
+          </p:cNvPr>
+          <p:cNvGrpSpPr/>
+          <p:nvPr/>
+        </p:nvGrpSpPr>
+        <p:grpSpPr>
+          <a:xfrm>
+            <a:off x="577702" y="2462272"/>
+            <a:ext cx="3912781" cy="2921146"/>
+            <a:chOff x="577702" y="2462272"/>
+            <a:chExt cx="3912781" cy="2921146"/>
+          </a:xfrm>
+        </p:grpSpPr>
+        <p:sp>
+          <p:nvSpPr>
+            <p:cNvPr id="43" name="Rectangle 42">
+              <a:extLst>
+                <a:ext uri="{FF2B5EF4-FFF2-40B4-BE49-F238E27FC236}">
+                  <a16:creationId xmlns:a16="http://schemas.microsoft.com/office/drawing/2014/main" id="{3059DE54-E649-4162-A342-C4AA9FA2F57B}"/>
+                </a:ext>
+              </a:extLst>
+            </p:cNvPr>
+            <p:cNvSpPr/>
+            <p:nvPr/>
+          </p:nvSpPr>
+          <p:spPr>
+            <a:xfrm>
+              <a:off x="577702" y="2831604"/>
+              <a:ext cx="3912781" cy="2551814"/>
+            </a:xfrm>
+            <a:prstGeom prst="rect">
+              <a:avLst/>
+            </a:prstGeom>
+            <a:solidFill>
+              <a:schemeClr val="bg1"/>
+            </a:solidFill>
+            <a:ln>
+              <a:solidFill>
+                <a:srgbClr val="F0F0F0"/>
+              </a:solidFill>
+            </a:ln>
+          </p:spPr>
+          <p:style>
+            <a:lnRef idx="2">
+              <a:schemeClr val="accent1">
+                <a:shade val="50000"/>
+              </a:schemeClr>
+            </a:lnRef>
+            <a:fillRef idx="1">
+              <a:schemeClr val="accent1"/>
+            </a:fillRef>
+            <a:effectRef idx="0">
+              <a:schemeClr val="accent1"/>
+            </a:effectRef>
+            <a:fontRef idx="minor">
+              <a:schemeClr val="lt1"/>
+            </a:fontRef>
+          </p:style>
+          <p:txBody>
+            <a:bodyPr rtlCol="0" anchor="ctr"/>
+            <a:lstStyle/>
+            <a:p>
+              <a:r>
+                <a:rPr lang="en-US" b="1" i="1" dirty="0">
+                  <a:solidFill>
+                    <a:sysClr val="windowText" lastClr="000000"/>
+                  </a:solidFill>
+                  <a:latin typeface="Consolas" panose="020B0609020204030204" pitchFamily="49" charset="0"/>
+                </a:rPr>
+                <a:t>from .views import index</a:t>
+              </a:r>
+            </a:p>
+            <a:p>
+              <a:endParaRPr lang="en-US" i="1" dirty="0">
+                <a:solidFill>
+                  <a:sysClr val="windowText" lastClr="000000"/>
+                </a:solidFill>
+                <a:latin typeface="Consolas" panose="020B0609020204030204" pitchFamily="49" charset="0"/>
+              </a:endParaRPr>
+            </a:p>
+            <a:p>
+              <a:r>
+                <a:rPr lang="en-US" i="1" dirty="0" err="1">
+                  <a:solidFill>
+                    <a:sysClr val="windowText" lastClr="000000"/>
+                  </a:solidFill>
+                  <a:latin typeface="Consolas" panose="020B0609020204030204" pitchFamily="49" charset="0"/>
+                </a:rPr>
+                <a:t>urlpatterns</a:t>
+              </a:r>
+              <a:r>
+                <a:rPr lang="en-US" i="1" dirty="0">
+                  <a:solidFill>
+                    <a:sysClr val="windowText" lastClr="000000"/>
+                  </a:solidFill>
+                  <a:latin typeface="Consolas" panose="020B0609020204030204" pitchFamily="49" charset="0"/>
+                </a:rPr>
+                <a:t> = [</a:t>
+              </a:r>
+            </a:p>
+            <a:p>
+              <a:r>
+                <a:rPr lang="en-US" i="1" dirty="0">
+                  <a:solidFill>
+                    <a:sysClr val="windowText" lastClr="000000"/>
+                  </a:solidFill>
+                  <a:latin typeface="Consolas" panose="020B0609020204030204" pitchFamily="49" charset="0"/>
+                </a:rPr>
+                <a:t>    path('admin/', </a:t>
+              </a:r>
+              <a:r>
+                <a:rPr lang="en-US" i="1" dirty="0" err="1">
+                  <a:solidFill>
+                    <a:sysClr val="windowText" lastClr="000000"/>
+                  </a:solidFill>
+                  <a:latin typeface="Consolas" panose="020B0609020204030204" pitchFamily="49" charset="0"/>
+                </a:rPr>
+                <a:t>admin.site.urls</a:t>
+              </a:r>
+              <a:r>
+                <a:rPr lang="en-US" i="1" dirty="0">
+                  <a:solidFill>
+                    <a:sysClr val="windowText" lastClr="000000"/>
+                  </a:solidFill>
+                  <a:latin typeface="Consolas" panose="020B0609020204030204" pitchFamily="49" charset="0"/>
+                </a:rPr>
+                <a:t>),</a:t>
+              </a:r>
+            </a:p>
+            <a:p>
+              <a:r>
+                <a:rPr lang="en-US" i="1" dirty="0">
+                  <a:solidFill>
+                    <a:sysClr val="windowText" lastClr="000000"/>
+                  </a:solidFill>
+                  <a:latin typeface="Consolas" panose="020B0609020204030204" pitchFamily="49" charset="0"/>
+                </a:rPr>
+                <a:t>    </a:t>
+              </a:r>
+              <a:r>
+                <a:rPr lang="en-US" b="1" i="1" dirty="0">
+                  <a:solidFill>
+                    <a:sysClr val="windowText" lastClr="000000"/>
+                  </a:solidFill>
+                  <a:latin typeface="Consolas" panose="020B0609020204030204" pitchFamily="49" charset="0"/>
+                </a:rPr>
+                <a:t>path('', index),</a:t>
+              </a:r>
+            </a:p>
+            <a:p>
+              <a:r>
+                <a:rPr lang="en-US" i="1" dirty="0">
+                  <a:solidFill>
+                    <a:sysClr val="windowText" lastClr="000000"/>
+                  </a:solidFill>
+                  <a:latin typeface="Consolas" panose="020B0609020204030204" pitchFamily="49" charset="0"/>
+                </a:rPr>
+                <a:t>]</a:t>
+              </a:r>
+            </a:p>
+          </p:txBody>
+        </p:sp>
+        <p:sp>
+          <p:nvSpPr>
+            <p:cNvPr id="44" name="TextBox 43">
+              <a:extLst>
+                <a:ext uri="{FF2B5EF4-FFF2-40B4-BE49-F238E27FC236}">
+                  <a16:creationId xmlns:a16="http://schemas.microsoft.com/office/drawing/2014/main" id="{7475B422-0320-444C-9677-B271A776EA67}"/>
+                </a:ext>
+              </a:extLst>
+            </p:cNvPr>
+            <p:cNvSpPr txBox="1"/>
+            <p:nvPr/>
+          </p:nvSpPr>
+          <p:spPr>
+            <a:xfrm>
+              <a:off x="577702" y="2462272"/>
+              <a:ext cx="914400" cy="369332"/>
+            </a:xfrm>
+            <a:prstGeom prst="rect">
+              <a:avLst/>
+            </a:prstGeom>
+            <a:solidFill>
+              <a:schemeClr val="bg1"/>
+            </a:solidFill>
+            <a:ln>
+              <a:solidFill>
+                <a:srgbClr val="F0F0F0"/>
+              </a:solidFill>
+            </a:ln>
+          </p:spPr>
+          <p:txBody>
+            <a:bodyPr wrap="square" rtlCol="0">
+              <a:spAutoFit/>
+            </a:bodyPr>
+            <a:lstStyle/>
+            <a:p>
+              <a:r>
+                <a:rPr lang="en-US" b="1" dirty="0"/>
+                <a:t>urls.py</a:t>
+              </a:r>
+            </a:p>
+          </p:txBody>
+        </p:sp>
+      </p:grpSp>
+      <p:sp>
+        <p:nvSpPr>
+          <p:cNvPr id="47" name="Rectangle 46">
+            <a:extLst>
+              <a:ext uri="{FF2B5EF4-FFF2-40B4-BE49-F238E27FC236}">
+                <a16:creationId xmlns:a16="http://schemas.microsoft.com/office/drawing/2014/main" id="{9C97BC1E-D4C6-4566-BECC-CC373EEB9C47}"/>
+              </a:ext>
+            </a:extLst>
+          </p:cNvPr>
+          <p:cNvSpPr/>
+          <p:nvPr/>
+        </p:nvSpPr>
+        <p:spPr>
+          <a:xfrm>
+            <a:off x="5844362" y="2827123"/>
+            <a:ext cx="5769935" cy="2551814"/>
+          </a:xfrm>
+          <a:prstGeom prst="rect">
+            <a:avLst/>
+          </a:prstGeom>
+          <a:solidFill>
+            <a:schemeClr val="bg1"/>
+          </a:solidFill>
+          <a:ln>
+            <a:solidFill>
+              <a:srgbClr val="F0F0F0"/>
+            </a:solidFill>
+          </a:ln>
+        </p:spPr>
+        <p:style>
+          <a:lnRef idx="2">
+            <a:schemeClr val="accent1">
+              <a:shade val="50000"/>
+            </a:schemeClr>
+          </a:lnRef>
+          <a:fillRef idx="1">
+            <a:schemeClr val="accent1"/>
+          </a:fillRef>
+          <a:effectRef idx="0">
+            <a:schemeClr val="accent1"/>
+          </a:effectRef>
+          <a:fontRef idx="minor">
+            <a:schemeClr val="lt1"/>
+          </a:fontRef>
+        </p:style>
+        <p:txBody>
+          <a:bodyPr rtlCol="0" anchor="ctr"/>
+          <a:lstStyle/>
+          <a:p>
+            <a:endParaRPr lang="en-US" i="1" dirty="0">
+              <a:solidFill>
+                <a:sysClr val="windowText" lastClr="000000"/>
+              </a:solidFill>
+              <a:latin typeface="Consolas" panose="020B0609020204030204" pitchFamily="49" charset="0"/>
+            </a:endParaRPr>
+          </a:p>
+          <a:p>
+            <a:r>
+              <a:rPr lang="en-US" i="1" dirty="0">
+                <a:solidFill>
+                  <a:sysClr val="windowText" lastClr="000000"/>
+                </a:solidFill>
+                <a:latin typeface="Consolas" panose="020B0609020204030204" pitchFamily="49" charset="0"/>
+              </a:rPr>
+              <a:t>from </a:t>
+            </a:r>
+            <a:r>
+              <a:rPr lang="en-US" i="1" dirty="0" err="1">
+                <a:solidFill>
+                  <a:sysClr val="windowText" lastClr="000000"/>
+                </a:solidFill>
+                <a:latin typeface="Consolas" panose="020B0609020204030204" pitchFamily="49" charset="0"/>
+              </a:rPr>
+              <a:t>django.http</a:t>
+            </a:r>
+            <a:r>
+              <a:rPr lang="en-US" i="1" dirty="0">
+                <a:solidFill>
+                  <a:sysClr val="windowText" lastClr="000000"/>
+                </a:solidFill>
+                <a:latin typeface="Consolas" panose="020B0609020204030204" pitchFamily="49" charset="0"/>
+              </a:rPr>
+              <a:t> import </a:t>
+            </a:r>
+            <a:r>
+              <a:rPr lang="en-US" i="1" dirty="0" err="1">
+                <a:solidFill>
+                  <a:sysClr val="windowText" lastClr="000000"/>
+                </a:solidFill>
+                <a:latin typeface="Consolas" panose="020B0609020204030204" pitchFamily="49" charset="0"/>
+              </a:rPr>
+              <a:t>HttpResponse</a:t>
+            </a:r>
+            <a:endParaRPr lang="en-US" i="1" dirty="0">
+              <a:solidFill>
+                <a:sysClr val="windowText" lastClr="000000"/>
+              </a:solidFill>
+              <a:latin typeface="Consolas" panose="020B0609020204030204" pitchFamily="49" charset="0"/>
+            </a:endParaRPr>
+          </a:p>
+          <a:p>
+            <a:endParaRPr lang="en-US" i="1" dirty="0">
+              <a:solidFill>
+                <a:sysClr val="windowText" lastClr="000000"/>
+              </a:solidFill>
+              <a:latin typeface="Consolas" panose="020B0609020204030204" pitchFamily="49" charset="0"/>
+            </a:endParaRPr>
+          </a:p>
+          <a:p>
+            <a:r>
+              <a:rPr lang="en-US" i="1" dirty="0">
+                <a:solidFill>
+                  <a:sysClr val="windowText" lastClr="000000"/>
+                </a:solidFill>
+                <a:latin typeface="Consolas" panose="020B0609020204030204" pitchFamily="49" charset="0"/>
+              </a:rPr>
+              <a:t>def index(request):</a:t>
+            </a:r>
+          </a:p>
+          <a:p>
+            <a:r>
+              <a:rPr lang="en-US" i="1" dirty="0">
+                <a:solidFill>
+                  <a:sysClr val="windowText" lastClr="000000"/>
+                </a:solidFill>
+                <a:latin typeface="Consolas" panose="020B0609020204030204" pitchFamily="49" charset="0"/>
+              </a:rPr>
+              <a:t>    return </a:t>
+            </a:r>
+            <a:r>
+              <a:rPr lang="en-US" i="1" dirty="0" err="1">
+                <a:solidFill>
+                  <a:sysClr val="windowText" lastClr="000000"/>
+                </a:solidFill>
+                <a:latin typeface="Consolas" panose="020B0609020204030204" pitchFamily="49" charset="0"/>
+              </a:rPr>
+              <a:t>HttpResponse</a:t>
+            </a:r>
+            <a:r>
+              <a:rPr lang="en-US" i="1" dirty="0">
+                <a:solidFill>
+                  <a:sysClr val="windowText" lastClr="000000"/>
+                </a:solidFill>
+                <a:latin typeface="Consolas" panose="020B0609020204030204" pitchFamily="49" charset="0"/>
+              </a:rPr>
+              <a:t>('&lt;b&gt;Hello world&lt;b&gt;')</a:t>
+            </a:r>
+          </a:p>
+          <a:p>
+            <a:endParaRPr lang="en-US" i="1" dirty="0">
+              <a:solidFill>
+                <a:sysClr val="windowText" lastClr="000000"/>
+              </a:solidFill>
+              <a:latin typeface="Consolas" panose="020B0609020204030204" pitchFamily="49" charset="0"/>
+            </a:endParaRPr>
+          </a:p>
+        </p:txBody>
+      </p:sp>
+      <p:sp>
+        <p:nvSpPr>
+          <p:cNvPr id="48" name="TextBox 47">
+            <a:extLst>
+              <a:ext uri="{FF2B5EF4-FFF2-40B4-BE49-F238E27FC236}">
+                <a16:creationId xmlns:a16="http://schemas.microsoft.com/office/drawing/2014/main" id="{51E472DF-F8F6-4DF9-A248-2C38A3AE049E}"/>
+              </a:ext>
+            </a:extLst>
+          </p:cNvPr>
+          <p:cNvSpPr txBox="1"/>
+          <p:nvPr/>
+        </p:nvSpPr>
+        <p:spPr>
+          <a:xfrm>
+            <a:off x="5844361" y="2457791"/>
+            <a:ext cx="1077433" cy="369332"/>
+          </a:xfrm>
+          <a:prstGeom prst="rect">
+            <a:avLst/>
+          </a:prstGeom>
+          <a:solidFill>
+            <a:schemeClr val="bg1"/>
+          </a:solidFill>
+          <a:ln>
+            <a:solidFill>
+              <a:srgbClr val="F0F0F0"/>
+            </a:solidFill>
+          </a:ln>
+        </p:spPr>
+        <p:txBody>
+          <a:bodyPr wrap="square" rtlCol="0">
+            <a:spAutoFit/>
+          </a:bodyPr>
+          <a:lstStyle/>
+          <a:p>
+            <a:r>
+              <a:rPr lang="en-US" b="1" dirty="0"/>
+              <a:t>views.py</a:t>
+            </a:r>
+          </a:p>
+        </p:txBody>
+      </p:sp>
+    </p:spTree>
+    <p:extLst>
+      <p:ext uri="{BB962C8B-B14F-4D97-AF65-F5344CB8AC3E}">
+        <p14:creationId xmlns:p14="http://schemas.microsoft.com/office/powerpoint/2010/main" val="1345047216"/>
+      </p:ext>
+    </p:extLst>
+  </p:cSld>
+  <p:clrMapOvr>
+    <a:masterClrMapping/>
+  </p:clrMapOvr>
+</p:sld>
+</file>
+
+<file path=ppt/slides/slide5.xml><?xml version="1.0" encoding="utf-8"?>
+<p:sld xmlns:a="http://schemas.openxmlformats.org/drawingml/2006/main" xmlns:r="http://schemas.openxmlformats.org/officeDocument/2006/relationships" xmlns:p="http://schemas.openxmlformats.org/presentationml/2006/main">
+  <p:cSld>
+    <p:spTree>
+      <p:nvGrpSpPr>
+        <p:cNvPr id="1" name=""/>
+        <p:cNvGrpSpPr/>
+        <p:nvPr/>
+      </p:nvGrpSpPr>
+      <p:grpSpPr>
+        <a:xfrm>
+          <a:off x="0" y="0"/>
+          <a:ext cx="0" cy="0"/>
+          <a:chOff x="0" y="0"/>
+          <a:chExt cx="0" cy="0"/>
+        </a:xfrm>
+      </p:grpSpPr>
+      <p:sp>
+        <p:nvSpPr>
+          <p:cNvPr id="4" name="Rectangle 3">
+            <a:extLst>
+              <a:ext uri="{FF2B5EF4-FFF2-40B4-BE49-F238E27FC236}">
+                <a16:creationId xmlns:a16="http://schemas.microsoft.com/office/drawing/2014/main" id="{7BB7D0DA-D7A4-4F9A-8780-2354106BC039}"/>
+              </a:ext>
+            </a:extLst>
+          </p:cNvPr>
+          <p:cNvSpPr/>
+          <p:nvPr/>
+        </p:nvSpPr>
+        <p:spPr>
+          <a:xfrm>
+            <a:off x="4131455" y="496019"/>
+            <a:ext cx="3929089" cy="400110"/>
+          </a:xfrm>
+          <a:prstGeom prst="rect">
+            <a:avLst/>
+          </a:prstGeom>
+        </p:spPr>
+        <p:txBody>
+          <a:bodyPr wrap="none">
+            <a:spAutoFit/>
+          </a:bodyPr>
+          <a:lstStyle/>
+          <a:p>
+            <a:pPr lvl="0"/>
+            <a:r>
+              <a:rPr lang="en-US" sz="2000" b="1" dirty="0">
+                <a:solidFill>
+                  <a:prstClr val="black"/>
+                </a:solidFill>
+              </a:rPr>
+              <a:t>Models – A way to interact with DB</a:t>
+            </a:r>
+          </a:p>
+        </p:txBody>
+      </p:sp>
+      <p:grpSp>
+        <p:nvGrpSpPr>
+          <p:cNvPr id="5" name="Group 4">
+            <a:extLst>
+              <a:ext uri="{FF2B5EF4-FFF2-40B4-BE49-F238E27FC236}">
+                <a16:creationId xmlns:a16="http://schemas.microsoft.com/office/drawing/2014/main" id="{43CA294B-8230-4504-8682-52FBBA937624}"/>
+              </a:ext>
+            </a:extLst>
+          </p:cNvPr>
+          <p:cNvGrpSpPr/>
+          <p:nvPr/>
+        </p:nvGrpSpPr>
+        <p:grpSpPr>
+          <a:xfrm>
+            <a:off x="577701" y="1441996"/>
+            <a:ext cx="11036595" cy="946835"/>
+            <a:chOff x="733647" y="541693"/>
+            <a:chExt cx="11036595" cy="946835"/>
+          </a:xfrm>
+        </p:grpSpPr>
+        <p:sp>
+          <p:nvSpPr>
+            <p:cNvPr id="6" name="Rectangle 5">
+              <a:extLst>
+                <a:ext uri="{FF2B5EF4-FFF2-40B4-BE49-F238E27FC236}">
+                  <a16:creationId xmlns:a16="http://schemas.microsoft.com/office/drawing/2014/main" id="{EDD619F5-FBF8-4117-B758-DBD4026929E8}"/>
+                </a:ext>
+              </a:extLst>
+            </p:cNvPr>
+            <p:cNvSpPr/>
+            <p:nvPr/>
+          </p:nvSpPr>
+          <p:spPr>
+            <a:xfrm>
+              <a:off x="3312938" y="541693"/>
+              <a:ext cx="1828800" cy="914400"/>
+            </a:xfrm>
+            <a:prstGeom prst="rect">
+              <a:avLst/>
+            </a:prstGeom>
+            <a:solidFill>
+              <a:srgbClr val="F0F0F0"/>
+            </a:solidFill>
+            <a:ln>
+              <a:solidFill>
+                <a:schemeClr val="tx1"/>
+              </a:solidFill>
+            </a:ln>
+          </p:spPr>
+          <p:style>
+            <a:lnRef idx="2">
+              <a:schemeClr val="accent1">
+                <a:shade val="50000"/>
+              </a:schemeClr>
+            </a:lnRef>
+            <a:fillRef idx="1">
+              <a:schemeClr val="accent1"/>
+            </a:fillRef>
+            <a:effectRef idx="0">
+              <a:schemeClr val="accent1"/>
+            </a:effectRef>
+            <a:fontRef idx="minor">
+              <a:schemeClr val="lt1"/>
+            </a:fontRef>
+          </p:style>
+          <p:txBody>
+            <a:bodyPr rtlCol="0" anchor="ctr"/>
+            <a:lstStyle/>
+            <a:p>
+              <a:pPr algn="ctr"/>
+              <a:r>
+                <a:rPr lang="en-US" dirty="0">
+                  <a:solidFill>
+                    <a:sysClr val="windowText" lastClr="000000"/>
+                  </a:solidFill>
+                </a:rPr>
+                <a:t>URLs</a:t>
+              </a:r>
+            </a:p>
+            <a:p>
+              <a:pPr algn="ctr"/>
+              <a:r>
+                <a:rPr lang="en-US" dirty="0">
+                  <a:solidFill>
+                    <a:sysClr val="windowText" lastClr="000000"/>
+                  </a:solidFill>
+                </a:rPr>
+                <a:t>(urls.py)</a:t>
+              </a:r>
+            </a:p>
+          </p:txBody>
+        </p:sp>
+        <p:sp>
+          <p:nvSpPr>
+            <p:cNvPr id="7" name="Rectangle 6">
+              <a:extLst>
+                <a:ext uri="{FF2B5EF4-FFF2-40B4-BE49-F238E27FC236}">
+                  <a16:creationId xmlns:a16="http://schemas.microsoft.com/office/drawing/2014/main" id="{AF61F62A-566F-4116-B547-11B8AAEE9082}"/>
+                </a:ext>
+              </a:extLst>
+            </p:cNvPr>
+            <p:cNvSpPr/>
+            <p:nvPr/>
+          </p:nvSpPr>
+          <p:spPr>
+            <a:xfrm>
+              <a:off x="7483111" y="541693"/>
+              <a:ext cx="1828800" cy="914400"/>
+            </a:xfrm>
+            <a:prstGeom prst="rect">
+              <a:avLst/>
+            </a:prstGeom>
+            <a:solidFill>
+              <a:srgbClr val="F0F0F0"/>
+            </a:solidFill>
+            <a:ln>
+              <a:solidFill>
+                <a:schemeClr val="tx1"/>
+              </a:solidFill>
+            </a:ln>
+          </p:spPr>
+          <p:style>
+            <a:lnRef idx="2">
+              <a:schemeClr val="accent1">
+                <a:shade val="50000"/>
+              </a:schemeClr>
+            </a:lnRef>
+            <a:fillRef idx="1">
+              <a:schemeClr val="accent1"/>
+            </a:fillRef>
+            <a:effectRef idx="0">
+              <a:schemeClr val="accent1"/>
+            </a:effectRef>
+            <a:fontRef idx="minor">
+              <a:schemeClr val="lt1"/>
+            </a:fontRef>
+          </p:style>
+          <p:txBody>
+            <a:bodyPr rtlCol="0" anchor="ctr"/>
+            <a:lstStyle/>
+            <a:p>
+              <a:pPr algn="ctr"/>
+              <a:r>
+                <a:rPr lang="en-US" dirty="0">
+                  <a:solidFill>
+                    <a:sysClr val="windowText" lastClr="000000"/>
+                  </a:solidFill>
+                </a:rPr>
+                <a:t>View</a:t>
+              </a:r>
+            </a:p>
+            <a:p>
+              <a:pPr algn="ctr"/>
+              <a:r>
+                <a:rPr lang="en-US" dirty="0">
+                  <a:solidFill>
+                    <a:sysClr val="windowText" lastClr="000000"/>
+                  </a:solidFill>
+                </a:rPr>
+                <a:t>(views.py)</a:t>
+              </a:r>
+            </a:p>
+          </p:txBody>
+        </p:sp>
+        <p:cxnSp>
+          <p:nvCxnSpPr>
+            <p:cNvPr id="8" name="Straight Arrow Connector 7">
+              <a:extLst>
+                <a:ext uri="{FF2B5EF4-FFF2-40B4-BE49-F238E27FC236}">
+                  <a16:creationId xmlns:a16="http://schemas.microsoft.com/office/drawing/2014/main" id="{F7247987-2F3C-4AEC-8DCA-371279C25CE3}"/>
+                </a:ext>
+              </a:extLst>
+            </p:cNvPr>
+            <p:cNvCxnSpPr>
+              <a:cxnSpLocks/>
+              <a:endCxn id="6" idx="1"/>
+            </p:cNvCxnSpPr>
+            <p:nvPr/>
+          </p:nvCxnSpPr>
+          <p:spPr>
+            <a:xfrm>
+              <a:off x="733647" y="998893"/>
+              <a:ext cx="2579291" cy="0"/>
+            </a:xfrm>
+            <a:prstGeom prst="straightConnector1">
+              <a:avLst/>
+            </a:prstGeom>
+            <a:ln>
+              <a:solidFill>
+                <a:schemeClr val="tx1"/>
+              </a:solidFill>
+              <a:tailEnd type="triangle"/>
+            </a:ln>
+          </p:spPr>
+          <p:style>
+            <a:lnRef idx="1">
+              <a:schemeClr val="accent1"/>
+            </a:lnRef>
+            <a:fillRef idx="0">
+              <a:schemeClr val="accent1"/>
+            </a:fillRef>
+            <a:effectRef idx="0">
+              <a:schemeClr val="accent1"/>
+            </a:effectRef>
+            <a:fontRef idx="minor">
+              <a:schemeClr val="tx1"/>
+            </a:fontRef>
+          </p:style>
+        </p:cxnSp>
+        <p:sp>
+          <p:nvSpPr>
+            <p:cNvPr id="9" name="TextBox 8">
+              <a:extLst>
+                <a:ext uri="{FF2B5EF4-FFF2-40B4-BE49-F238E27FC236}">
+                  <a16:creationId xmlns:a16="http://schemas.microsoft.com/office/drawing/2014/main" id="{47954275-4F58-45EB-81C3-17F865838E01}"/>
+                </a:ext>
+              </a:extLst>
+            </p:cNvPr>
+            <p:cNvSpPr txBox="1"/>
+            <p:nvPr/>
+          </p:nvSpPr>
+          <p:spPr>
+            <a:xfrm>
+              <a:off x="1369539" y="565198"/>
+              <a:ext cx="1345497" cy="369332"/>
+            </a:xfrm>
+            <a:prstGeom prst="rect">
+              <a:avLst/>
+            </a:prstGeom>
+            <a:noFill/>
+          </p:spPr>
+          <p:txBody>
+            <a:bodyPr wrap="none" rtlCol="0">
+              <a:spAutoFit/>
+            </a:bodyPr>
+            <a:lstStyle/>
+            <a:p>
+              <a:r>
+                <a:rPr lang="en-US" dirty="0"/>
+                <a:t>http request</a:t>
+              </a:r>
+            </a:p>
+          </p:txBody>
+        </p:sp>
+        <p:cxnSp>
+          <p:nvCxnSpPr>
+            <p:cNvPr id="10" name="Straight Arrow Connector 9">
+              <a:extLst>
+                <a:ext uri="{FF2B5EF4-FFF2-40B4-BE49-F238E27FC236}">
+                  <a16:creationId xmlns:a16="http://schemas.microsoft.com/office/drawing/2014/main" id="{B60CDAF6-6DEC-4478-A38C-2A2D47FE50CD}"/>
+                </a:ext>
+              </a:extLst>
+            </p:cNvPr>
+            <p:cNvCxnSpPr>
+              <a:cxnSpLocks/>
+              <a:stCxn id="6" idx="3"/>
+              <a:endCxn id="7" idx="1"/>
+            </p:cNvCxnSpPr>
+            <p:nvPr/>
+          </p:nvCxnSpPr>
+          <p:spPr>
+            <a:xfrm>
+              <a:off x="5141738" y="998893"/>
+              <a:ext cx="2341373" cy="0"/>
+            </a:xfrm>
+            <a:prstGeom prst="straightConnector1">
+              <a:avLst/>
+            </a:prstGeom>
+            <a:ln>
+              <a:solidFill>
+                <a:schemeClr val="tx1"/>
+              </a:solidFill>
+              <a:tailEnd type="triangle"/>
+            </a:ln>
+          </p:spPr>
+          <p:style>
+            <a:lnRef idx="1">
+              <a:schemeClr val="accent1"/>
+            </a:lnRef>
+            <a:fillRef idx="0">
+              <a:schemeClr val="accent1"/>
+            </a:fillRef>
+            <a:effectRef idx="0">
+              <a:schemeClr val="accent1"/>
+            </a:effectRef>
+            <a:fontRef idx="minor">
+              <a:schemeClr val="tx1"/>
+            </a:fontRef>
+          </p:style>
+        </p:cxnSp>
+        <p:cxnSp>
+          <p:nvCxnSpPr>
+            <p:cNvPr id="11" name="Straight Arrow Connector 10">
+              <a:extLst>
+                <a:ext uri="{FF2B5EF4-FFF2-40B4-BE49-F238E27FC236}">
+                  <a16:creationId xmlns:a16="http://schemas.microsoft.com/office/drawing/2014/main" id="{0A0C3FAB-E1F0-4AC2-BB07-5AFCF1D2412A}"/>
+                </a:ext>
+              </a:extLst>
+            </p:cNvPr>
+            <p:cNvCxnSpPr>
+              <a:cxnSpLocks/>
+              <a:stCxn id="7" idx="3"/>
+            </p:cNvCxnSpPr>
+            <p:nvPr/>
+          </p:nvCxnSpPr>
+          <p:spPr>
+            <a:xfrm>
+              <a:off x="9311911" y="998893"/>
+              <a:ext cx="2458331" cy="0"/>
+            </a:xfrm>
+            <a:prstGeom prst="straightConnector1">
+              <a:avLst/>
+            </a:prstGeom>
+            <a:ln>
+              <a:solidFill>
+                <a:schemeClr val="tx1"/>
+              </a:solidFill>
+              <a:tailEnd type="triangle"/>
+            </a:ln>
+          </p:spPr>
+          <p:style>
+            <a:lnRef idx="1">
+              <a:schemeClr val="accent1"/>
+            </a:lnRef>
+            <a:fillRef idx="0">
+              <a:schemeClr val="accent1"/>
+            </a:fillRef>
+            <a:effectRef idx="0">
+              <a:schemeClr val="accent1"/>
+            </a:effectRef>
+            <a:fontRef idx="minor">
+              <a:schemeClr val="tx1"/>
+            </a:fontRef>
+          </p:style>
+        </p:cxnSp>
+        <p:sp>
+          <p:nvSpPr>
+            <p:cNvPr id="12" name="TextBox 11">
+              <a:extLst>
+                <a:ext uri="{FF2B5EF4-FFF2-40B4-BE49-F238E27FC236}">
+                  <a16:creationId xmlns:a16="http://schemas.microsoft.com/office/drawing/2014/main" id="{080B68BE-00A9-4DCB-9972-8A748B29FFC4}"/>
+                </a:ext>
+              </a:extLst>
+            </p:cNvPr>
+            <p:cNvSpPr txBox="1"/>
+            <p:nvPr/>
+          </p:nvSpPr>
+          <p:spPr>
+            <a:xfrm>
+              <a:off x="5353696" y="565198"/>
+              <a:ext cx="2029210" cy="923330"/>
+            </a:xfrm>
+            <a:prstGeom prst="rect">
+              <a:avLst/>
+            </a:prstGeom>
+            <a:noFill/>
+          </p:spPr>
+          <p:txBody>
+            <a:bodyPr wrap="none" rtlCol="0">
+              <a:spAutoFit/>
+            </a:bodyPr>
+            <a:lstStyle/>
+            <a:p>
+              <a:pPr algn="ctr"/>
+              <a:r>
+                <a:rPr lang="en-US" dirty="0"/>
+                <a:t>Forward request </a:t>
+              </a:r>
+            </a:p>
+            <a:p>
+              <a:pPr algn="ctr"/>
+              <a:endParaRPr lang="en-US" dirty="0"/>
+            </a:p>
+            <a:p>
+              <a:pPr algn="ctr"/>
+              <a:r>
+                <a:rPr lang="en-US" dirty="0"/>
+                <a:t>to appropriate view</a:t>
+              </a:r>
+            </a:p>
+          </p:txBody>
+        </p:sp>
+        <p:sp>
+          <p:nvSpPr>
+            <p:cNvPr id="13" name="TextBox 12">
+              <a:extLst>
+                <a:ext uri="{FF2B5EF4-FFF2-40B4-BE49-F238E27FC236}">
+                  <a16:creationId xmlns:a16="http://schemas.microsoft.com/office/drawing/2014/main" id="{03D3F928-10F4-4D96-856A-1132E22D3586}"/>
+                </a:ext>
+              </a:extLst>
+            </p:cNvPr>
+            <p:cNvSpPr txBox="1"/>
+            <p:nvPr/>
+          </p:nvSpPr>
+          <p:spPr>
+            <a:xfrm>
+              <a:off x="9400616" y="541693"/>
+              <a:ext cx="2252668" cy="369332"/>
+            </a:xfrm>
+            <a:prstGeom prst="rect">
+              <a:avLst/>
+            </a:prstGeom>
+            <a:noFill/>
+          </p:spPr>
+          <p:txBody>
+            <a:bodyPr wrap="none" rtlCol="0">
+              <a:spAutoFit/>
+            </a:bodyPr>
+            <a:lstStyle/>
+            <a:p>
+              <a:r>
+                <a:rPr lang="en-US" dirty="0"/>
+                <a:t>Http response (HTML)</a:t>
+              </a:r>
+            </a:p>
+          </p:txBody>
+        </p:sp>
+      </p:grpSp>
+      <p:sp>
+        <p:nvSpPr>
+          <p:cNvPr id="14" name="Rectangle 13">
+            <a:extLst>
+              <a:ext uri="{FF2B5EF4-FFF2-40B4-BE49-F238E27FC236}">
+                <a16:creationId xmlns:a16="http://schemas.microsoft.com/office/drawing/2014/main" id="{AC45C60F-2E2C-4731-8F96-D476451F2E8C}"/>
+              </a:ext>
+            </a:extLst>
+          </p:cNvPr>
+          <p:cNvSpPr/>
+          <p:nvPr/>
+        </p:nvSpPr>
+        <p:spPr>
+          <a:xfrm>
+            <a:off x="7327165" y="3359463"/>
+            <a:ext cx="1828800" cy="914400"/>
+          </a:xfrm>
+          <a:prstGeom prst="rect">
+            <a:avLst/>
+          </a:prstGeom>
+          <a:solidFill>
+            <a:srgbClr val="F0F0F0"/>
+          </a:solidFill>
+          <a:ln>
+            <a:solidFill>
+              <a:schemeClr val="tx1"/>
+            </a:solidFill>
+          </a:ln>
+        </p:spPr>
+        <p:style>
+          <a:lnRef idx="2">
+            <a:schemeClr val="accent1">
+              <a:shade val="50000"/>
+            </a:schemeClr>
+          </a:lnRef>
+          <a:fillRef idx="1">
+            <a:schemeClr val="accent1"/>
+          </a:fillRef>
+          <a:effectRef idx="0">
+            <a:schemeClr val="accent1"/>
+          </a:effectRef>
+          <a:fontRef idx="minor">
+            <a:schemeClr val="lt1"/>
+          </a:fontRef>
+        </p:style>
+        <p:txBody>
+          <a:bodyPr rtlCol="0" anchor="ctr"/>
+          <a:lstStyle/>
+          <a:p>
+            <a:pPr algn="ctr"/>
+            <a:r>
+              <a:rPr lang="en-US" dirty="0">
+                <a:solidFill>
+                  <a:sysClr val="windowText" lastClr="000000"/>
+                </a:solidFill>
+              </a:rPr>
+              <a:t>Model</a:t>
+            </a:r>
+          </a:p>
+          <a:p>
+            <a:pPr algn="ctr"/>
+            <a:r>
+              <a:rPr lang="en-US" dirty="0">
+                <a:solidFill>
+                  <a:sysClr val="windowText" lastClr="000000"/>
+                </a:solidFill>
+              </a:rPr>
+              <a:t>(models.py)</a:t>
+            </a:r>
+          </a:p>
+        </p:txBody>
+      </p:sp>
+      <p:sp>
+        <p:nvSpPr>
+          <p:cNvPr id="15" name="TextBox 14">
+            <a:extLst>
+              <a:ext uri="{FF2B5EF4-FFF2-40B4-BE49-F238E27FC236}">
+                <a16:creationId xmlns:a16="http://schemas.microsoft.com/office/drawing/2014/main" id="{84B644E6-8286-4076-85CE-5B6EB3F1DAFA}"/>
+              </a:ext>
+            </a:extLst>
+          </p:cNvPr>
+          <p:cNvSpPr txBox="1"/>
+          <p:nvPr/>
+        </p:nvSpPr>
+        <p:spPr>
+          <a:xfrm>
+            <a:off x="8241565" y="2938006"/>
+            <a:ext cx="2375074" cy="369332"/>
+          </a:xfrm>
+          <a:prstGeom prst="rect">
+            <a:avLst/>
+          </a:prstGeom>
+          <a:noFill/>
+        </p:spPr>
+        <p:txBody>
+          <a:bodyPr wrap="none" rtlCol="0">
+            <a:spAutoFit/>
+          </a:bodyPr>
+          <a:lstStyle/>
+          <a:p>
+            <a:pPr algn="ctr"/>
+            <a:r>
+              <a:rPr lang="en-US" dirty="0"/>
+              <a:t>Read / write data to DB</a:t>
+            </a:r>
+          </a:p>
+        </p:txBody>
+      </p:sp>
+      <p:cxnSp>
+        <p:nvCxnSpPr>
+          <p:cNvPr id="17" name="Straight Arrow Connector 16">
+            <a:extLst>
+              <a:ext uri="{FF2B5EF4-FFF2-40B4-BE49-F238E27FC236}">
+                <a16:creationId xmlns:a16="http://schemas.microsoft.com/office/drawing/2014/main" id="{AB3E37F6-DE69-4CC3-BBD1-BC656152AC49}"/>
+              </a:ext>
+            </a:extLst>
+          </p:cNvPr>
+          <p:cNvCxnSpPr>
+            <a:stCxn id="14" idx="0"/>
+            <a:endCxn id="7" idx="2"/>
+          </p:cNvCxnSpPr>
+          <p:nvPr/>
+        </p:nvCxnSpPr>
+        <p:spPr>
+          <a:xfrm flipV="1">
+            <a:off x="8241565" y="2356396"/>
+            <a:ext cx="0" cy="1003067"/>
+          </a:xfrm>
+          <a:prstGeom prst="straightConnector1">
+            <a:avLst/>
+          </a:prstGeom>
+          <a:ln>
+            <a:tailEnd type="triangle"/>
+          </a:ln>
+        </p:spPr>
+        <p:style>
+          <a:lnRef idx="1">
+            <a:schemeClr val="dk1"/>
+          </a:lnRef>
+          <a:fillRef idx="0">
+            <a:schemeClr val="dk1"/>
+          </a:fillRef>
+          <a:effectRef idx="0">
+            <a:schemeClr val="dk1"/>
+          </a:effectRef>
+          <a:fontRef idx="minor">
+            <a:schemeClr val="tx1"/>
+          </a:fontRef>
+        </p:style>
+      </p:cxnSp>
+      <p:sp>
+        <p:nvSpPr>
+          <p:cNvPr id="20" name="Rectangle 19">
+            <a:extLst>
+              <a:ext uri="{FF2B5EF4-FFF2-40B4-BE49-F238E27FC236}">
+                <a16:creationId xmlns:a16="http://schemas.microsoft.com/office/drawing/2014/main" id="{1FB19E9C-6CFF-4B10-948F-A2A90B2AB462}"/>
+              </a:ext>
+            </a:extLst>
+          </p:cNvPr>
+          <p:cNvSpPr/>
+          <p:nvPr/>
+        </p:nvSpPr>
+        <p:spPr>
+          <a:xfrm>
+            <a:off x="577701" y="5062061"/>
+            <a:ext cx="3715312" cy="707886"/>
+          </a:xfrm>
+          <a:prstGeom prst="rect">
+            <a:avLst/>
+          </a:prstGeom>
+        </p:spPr>
+        <p:txBody>
+          <a:bodyPr wrap="none">
+            <a:spAutoFit/>
+          </a:bodyPr>
+          <a:lstStyle/>
+          <a:p>
+            <a:pPr marL="285750" lvl="0" indent="-285750">
+              <a:buFont typeface="Arial" panose="020B0604020202020204" pitchFamily="34" charset="0"/>
+              <a:buChar char="•"/>
+            </a:pPr>
+            <a:r>
+              <a:rPr lang="en-US" sz="2000" dirty="0">
+                <a:solidFill>
+                  <a:prstClr val="black"/>
+                </a:solidFill>
+              </a:rPr>
+              <a:t>Sqlite3 download</a:t>
+            </a:r>
+          </a:p>
+          <a:p>
+            <a:pPr marL="285750" lvl="0" indent="-285750">
+              <a:buFont typeface="Arial" panose="020B0604020202020204" pitchFamily="34" charset="0"/>
+              <a:buChar char="•"/>
+            </a:pPr>
+            <a:r>
+              <a:rPr lang="en-US" sz="2000" dirty="0">
+                <a:solidFill>
+                  <a:prstClr val="black"/>
+                </a:solidFill>
+              </a:rPr>
+              <a:t>View all the tables in sqlite3 </a:t>
+            </a:r>
+            <a:r>
+              <a:rPr lang="en-US" sz="2000" dirty="0" err="1">
+                <a:solidFill>
+                  <a:prstClr val="black"/>
+                </a:solidFill>
+              </a:rPr>
+              <a:t>db</a:t>
+            </a:r>
+            <a:endParaRPr lang="en-US" sz="2000" dirty="0">
+              <a:solidFill>
+                <a:prstClr val="black"/>
+              </a:solidFill>
+            </a:endParaRPr>
+          </a:p>
+        </p:txBody>
+      </p:sp>
+    </p:spTree>
+    <p:extLst>
+      <p:ext uri="{BB962C8B-B14F-4D97-AF65-F5344CB8AC3E}">
+        <p14:creationId xmlns:p14="http://schemas.microsoft.com/office/powerpoint/2010/main" val="833045202"/>
+      </p:ext>
+    </p:extLst>
+  </p:cSld>
+  <p:clrMapOvr>
+    <a:masterClrMapping/>
+  </p:clrMapOvr>
+</p:sld>
+</file>
+
+<file path=ppt/slides/slide6.xml><?xml version="1.0" encoding="utf-8"?>
+<p:sld xmlns:a="http://schemas.openxmlformats.org/drawingml/2006/main" xmlns:r="http://schemas.openxmlformats.org/officeDocument/2006/relationships" xmlns:p="http://schemas.openxmlformats.org/presentationml/2006/main">
+  <p:cSld>
+    <p:spTree>
+      <p:nvGrpSpPr>
+        <p:cNvPr id="1" name=""/>
+        <p:cNvGrpSpPr/>
+        <p:nvPr/>
+      </p:nvGrpSpPr>
+      <p:grpSpPr>
+        <a:xfrm>
+          <a:off x="0" y="0"/>
+          <a:ext cx="0" cy="0"/>
+          <a:chOff x="0" y="0"/>
+          <a:chExt cx="0" cy="0"/>
+        </a:xfrm>
+      </p:grpSpPr>
+      <p:sp>
+        <p:nvSpPr>
+          <p:cNvPr id="11" name="TextBox 10">
+            <a:extLst>
+              <a:ext uri="{FF2B5EF4-FFF2-40B4-BE49-F238E27FC236}">
+                <a16:creationId xmlns:a16="http://schemas.microsoft.com/office/drawing/2014/main" id="{DAFFE2D4-D037-4D82-9F8C-26D099072A26}"/>
+              </a:ext>
+            </a:extLst>
+          </p:cNvPr>
+          <p:cNvSpPr txBox="1"/>
+          <p:nvPr/>
+        </p:nvSpPr>
+        <p:spPr>
+          <a:xfrm>
+            <a:off x="680869" y="140314"/>
+            <a:ext cx="4231351" cy="7109639"/>
+          </a:xfrm>
+          <a:prstGeom prst="rect">
+            <a:avLst/>
+          </a:prstGeom>
+          <a:noFill/>
+        </p:spPr>
+        <p:txBody>
+          <a:bodyPr wrap="square" rtlCol="0">
+            <a:spAutoFit/>
+          </a:bodyPr>
+          <a:lstStyle/>
+          <a:p>
+            <a:endParaRPr lang="en-US" sz="1600" b="1" dirty="0"/>
+          </a:p>
+          <a:p>
+            <a:r>
+              <a:rPr lang="en-US" sz="2000" b="1" dirty="0"/>
+              <a:t>Models – A way to interact with DB</a:t>
+            </a:r>
+          </a:p>
+          <a:p>
+            <a:endParaRPr lang="en-US" sz="2000" b="1" dirty="0"/>
+          </a:p>
+          <a:p>
+            <a:pPr marL="285750" indent="-285750">
+              <a:buFont typeface="Arial" panose="020B0604020202020204" pitchFamily="34" charset="0"/>
+              <a:buChar char="•"/>
+            </a:pPr>
+            <a:r>
+              <a:rPr lang="en-US" sz="1600" dirty="0"/>
+              <a:t>Start an app</a:t>
+            </a:r>
+          </a:p>
+          <a:p>
+            <a:r>
+              <a:rPr lang="en-US" sz="1600" i="1" dirty="0">
+                <a:highlight>
+                  <a:srgbClr val="FFFF00"/>
+                </a:highlight>
+                <a:latin typeface="Consolas" panose="020B0609020204030204" pitchFamily="49" charset="0"/>
+              </a:rPr>
+              <a:t>&gt;python manage.py </a:t>
+            </a:r>
+            <a:r>
+              <a:rPr lang="en-US" sz="1600" i="1" dirty="0" err="1">
+                <a:highlight>
+                  <a:srgbClr val="FFFF00"/>
+                </a:highlight>
+                <a:latin typeface="Consolas" panose="020B0609020204030204" pitchFamily="49" charset="0"/>
+              </a:rPr>
+              <a:t>startapp</a:t>
+            </a:r>
+            <a:r>
+              <a:rPr lang="en-US" sz="1600" i="1" dirty="0">
+                <a:highlight>
+                  <a:srgbClr val="FFFF00"/>
+                </a:highlight>
+                <a:latin typeface="Consolas" panose="020B0609020204030204" pitchFamily="49" charset="0"/>
+              </a:rPr>
+              <a:t> members</a:t>
+            </a:r>
+          </a:p>
+          <a:p>
+            <a:endParaRPr lang="en-US" sz="1600" dirty="0"/>
+          </a:p>
+          <a:p>
+            <a:pPr marL="285750" indent="-285750">
+              <a:buFont typeface="Arial" panose="020B0604020202020204" pitchFamily="34" charset="0"/>
+              <a:buChar char="•"/>
+            </a:pPr>
+            <a:r>
+              <a:rPr lang="en-US" sz="1600" dirty="0"/>
+              <a:t>Edit members/models.py</a:t>
+            </a:r>
+          </a:p>
+          <a:p>
+            <a:endParaRPr lang="en-US" sz="1600" dirty="0"/>
+          </a:p>
+          <a:p>
+            <a:pPr marL="285750" indent="-285750">
+              <a:buFont typeface="Arial" panose="020B0604020202020204" pitchFamily="34" charset="0"/>
+              <a:buChar char="•"/>
+            </a:pPr>
+            <a:r>
+              <a:rPr lang="en-US" sz="1600" dirty="0"/>
+              <a:t>Edit gymsite/settings.py</a:t>
+            </a:r>
+          </a:p>
+          <a:p>
+            <a:endParaRPr lang="en-US" sz="1600" dirty="0"/>
+          </a:p>
+          <a:p>
+            <a:pPr marL="285750" indent="-285750">
+              <a:buFont typeface="Arial" panose="020B0604020202020204" pitchFamily="34" charset="0"/>
+              <a:buChar char="•"/>
+            </a:pPr>
+            <a:r>
+              <a:rPr lang="en-US" sz="1600" dirty="0" err="1"/>
+              <a:t>Makemigrations</a:t>
+            </a:r>
+            <a:endParaRPr lang="en-US" sz="1600" dirty="0"/>
+          </a:p>
+          <a:p>
+            <a:r>
+              <a:rPr lang="en-US" sz="1600" i="1" dirty="0">
+                <a:highlight>
+                  <a:srgbClr val="FFFF00"/>
+                </a:highlight>
+                <a:latin typeface="Consolas" panose="020B0609020204030204" pitchFamily="49" charset="0"/>
+              </a:rPr>
+              <a:t>&gt; practice\</a:t>
+            </a:r>
+            <a:r>
+              <a:rPr lang="en-US" sz="1600" i="1" dirty="0" err="1">
+                <a:highlight>
+                  <a:srgbClr val="FFFF00"/>
+                </a:highlight>
+                <a:latin typeface="Consolas" panose="020B0609020204030204" pitchFamily="49" charset="0"/>
+              </a:rPr>
+              <a:t>gymsite</a:t>
+            </a:r>
+            <a:r>
+              <a:rPr lang="en-US" sz="1600" i="1" dirty="0">
+                <a:highlight>
+                  <a:srgbClr val="FFFF00"/>
+                </a:highlight>
+                <a:latin typeface="Consolas" panose="020B0609020204030204" pitchFamily="49" charset="0"/>
+              </a:rPr>
+              <a:t>\</a:t>
+            </a:r>
+            <a:r>
+              <a:rPr lang="en-US" sz="1600" i="1" dirty="0" err="1">
+                <a:highlight>
+                  <a:srgbClr val="FFFF00"/>
+                </a:highlight>
+                <a:latin typeface="Consolas" panose="020B0609020204030204" pitchFamily="49" charset="0"/>
+              </a:rPr>
+              <a:t>gymsite</a:t>
+            </a:r>
+            <a:r>
+              <a:rPr lang="en-US" sz="1600" i="1" dirty="0">
+                <a:highlight>
+                  <a:srgbClr val="FFFF00"/>
+                </a:highlight>
+                <a:latin typeface="Consolas" panose="020B0609020204030204" pitchFamily="49" charset="0"/>
+              </a:rPr>
+              <a:t>&gt;</a:t>
+            </a:r>
+            <a:r>
+              <a:rPr lang="en-US" sz="1600" b="1" i="1" dirty="0">
+                <a:highlight>
+                  <a:srgbClr val="FFFF00"/>
+                </a:highlight>
+                <a:latin typeface="Consolas" panose="020B0609020204030204" pitchFamily="49" charset="0"/>
+              </a:rPr>
+              <a:t>python manage.py </a:t>
+            </a:r>
+            <a:r>
+              <a:rPr lang="en-US" sz="1600" b="1" i="1" dirty="0" err="1">
+                <a:highlight>
+                  <a:srgbClr val="FFFF00"/>
+                </a:highlight>
+                <a:latin typeface="Consolas" panose="020B0609020204030204" pitchFamily="49" charset="0"/>
+              </a:rPr>
+              <a:t>makemigrations</a:t>
+            </a:r>
+            <a:endParaRPr lang="en-US" sz="1600" b="1" i="1" dirty="0">
+              <a:highlight>
+                <a:srgbClr val="FFFF00"/>
+              </a:highlight>
+              <a:latin typeface="Consolas" panose="020B0609020204030204" pitchFamily="49" charset="0"/>
+            </a:endParaRPr>
+          </a:p>
+          <a:p>
+            <a:r>
+              <a:rPr lang="en-US" sz="1600" i="1" dirty="0">
+                <a:highlight>
+                  <a:srgbClr val="FFFF00"/>
+                </a:highlight>
+                <a:latin typeface="Consolas" panose="020B0609020204030204" pitchFamily="49" charset="0"/>
+              </a:rPr>
+              <a:t>Migrations for 'ex':</a:t>
+            </a:r>
+          </a:p>
+          <a:p>
+            <a:r>
+              <a:rPr lang="en-US" sz="1600" i="1" dirty="0">
+                <a:highlight>
+                  <a:srgbClr val="FFFF00"/>
+                </a:highlight>
+                <a:latin typeface="Consolas" panose="020B0609020204030204" pitchFamily="49" charset="0"/>
+              </a:rPr>
+              <a:t>  ex\migrations\0001_initial.py</a:t>
+            </a:r>
+          </a:p>
+          <a:p>
+            <a:r>
+              <a:rPr lang="en-US" sz="1600" i="1" dirty="0">
+                <a:highlight>
+                  <a:srgbClr val="FFFF00"/>
+                </a:highlight>
+                <a:latin typeface="Consolas" panose="020B0609020204030204" pitchFamily="49" charset="0"/>
+              </a:rPr>
+              <a:t>    - Create model ex</a:t>
+            </a:r>
+          </a:p>
+          <a:p>
+            <a:endParaRPr lang="en-US" sz="1600" dirty="0"/>
+          </a:p>
+          <a:p>
+            <a:pPr marL="285750" indent="-285750">
+              <a:buFont typeface="Arial" panose="020B0604020202020204" pitchFamily="34" charset="0"/>
+              <a:buChar char="•"/>
+            </a:pPr>
+            <a:r>
+              <a:rPr lang="en-US" sz="1600" dirty="0"/>
+              <a:t>Migrate</a:t>
+            </a:r>
+          </a:p>
+          <a:p>
+            <a:r>
+              <a:rPr lang="en-US" sz="1600" i="1" dirty="0">
+                <a:highlight>
+                  <a:srgbClr val="FFFF00"/>
+                </a:highlight>
+                <a:latin typeface="Consolas" panose="020B0609020204030204" pitchFamily="49" charset="0"/>
+              </a:rPr>
+              <a:t>&gt; practice\</a:t>
+            </a:r>
+            <a:r>
+              <a:rPr lang="en-US" sz="1600" i="1" dirty="0" err="1">
+                <a:highlight>
+                  <a:srgbClr val="FFFF00"/>
+                </a:highlight>
+                <a:latin typeface="Consolas" panose="020B0609020204030204" pitchFamily="49" charset="0"/>
+              </a:rPr>
+              <a:t>gymsite</a:t>
+            </a:r>
+            <a:r>
+              <a:rPr lang="en-US" sz="1600" i="1" dirty="0">
+                <a:highlight>
+                  <a:srgbClr val="FFFF00"/>
+                </a:highlight>
+                <a:latin typeface="Consolas" panose="020B0609020204030204" pitchFamily="49" charset="0"/>
+              </a:rPr>
+              <a:t>\</a:t>
+            </a:r>
+            <a:r>
+              <a:rPr lang="en-US" sz="1600" i="1" dirty="0" err="1">
+                <a:highlight>
+                  <a:srgbClr val="FFFF00"/>
+                </a:highlight>
+                <a:latin typeface="Consolas" panose="020B0609020204030204" pitchFamily="49" charset="0"/>
+              </a:rPr>
+              <a:t>gymsite</a:t>
+            </a:r>
+            <a:r>
+              <a:rPr lang="en-US" sz="1600" i="1" dirty="0">
+                <a:highlight>
+                  <a:srgbClr val="FFFF00"/>
+                </a:highlight>
+                <a:latin typeface="Consolas" panose="020B0609020204030204" pitchFamily="49" charset="0"/>
+              </a:rPr>
+              <a:t>&gt;</a:t>
+            </a:r>
+            <a:r>
+              <a:rPr lang="en-US" sz="1600" b="1" i="1" dirty="0">
+                <a:highlight>
+                  <a:srgbClr val="FFFF00"/>
+                </a:highlight>
+                <a:latin typeface="Consolas" panose="020B0609020204030204" pitchFamily="49" charset="0"/>
+              </a:rPr>
+              <a:t>python manage.py migrate</a:t>
+            </a:r>
+          </a:p>
+          <a:p>
+            <a:r>
+              <a:rPr lang="en-US" sz="1600" i="1" dirty="0">
+                <a:highlight>
+                  <a:srgbClr val="FFFF00"/>
+                </a:highlight>
+                <a:latin typeface="Consolas" panose="020B0609020204030204" pitchFamily="49" charset="0"/>
+              </a:rPr>
+              <a:t>Operations to perform:</a:t>
+            </a:r>
+          </a:p>
+          <a:p>
+            <a:r>
+              <a:rPr lang="en-US" sz="1600" i="1" dirty="0">
+                <a:highlight>
+                  <a:srgbClr val="FFFF00"/>
+                </a:highlight>
+                <a:latin typeface="Consolas" panose="020B0609020204030204" pitchFamily="49" charset="0"/>
+              </a:rPr>
+              <a:t>  Apply all migrations: admin, auth, </a:t>
+            </a:r>
+            <a:r>
+              <a:rPr lang="en-US" sz="1600" i="1" dirty="0" err="1">
+                <a:highlight>
+                  <a:srgbClr val="FFFF00"/>
+                </a:highlight>
+                <a:latin typeface="Consolas" panose="020B0609020204030204" pitchFamily="49" charset="0"/>
+              </a:rPr>
+              <a:t>contenttypes</a:t>
+            </a:r>
+            <a:r>
+              <a:rPr lang="en-US" sz="1600" i="1" dirty="0">
+                <a:highlight>
+                  <a:srgbClr val="FFFF00"/>
+                </a:highlight>
+                <a:latin typeface="Consolas" panose="020B0609020204030204" pitchFamily="49" charset="0"/>
+              </a:rPr>
+              <a:t>, ex, members, sessions</a:t>
+            </a:r>
+          </a:p>
+          <a:p>
+            <a:r>
+              <a:rPr lang="en-US" sz="1600" i="1" dirty="0">
+                <a:highlight>
+                  <a:srgbClr val="FFFF00"/>
+                </a:highlight>
+                <a:latin typeface="Consolas" panose="020B0609020204030204" pitchFamily="49" charset="0"/>
+              </a:rPr>
+              <a:t>Running migrations:</a:t>
+            </a:r>
+          </a:p>
+          <a:p>
+            <a:r>
+              <a:rPr lang="en-US" sz="1600" i="1" dirty="0">
+                <a:highlight>
+                  <a:srgbClr val="FFFF00"/>
+                </a:highlight>
+                <a:latin typeface="Consolas" panose="020B0609020204030204" pitchFamily="49" charset="0"/>
+              </a:rPr>
+              <a:t>  Applying ex.0001_initial... OK</a:t>
+            </a:r>
+          </a:p>
+          <a:p>
+            <a:endParaRPr lang="en-US" sz="1600" i="1" dirty="0">
+              <a:latin typeface="Consolas" panose="020B0609020204030204" pitchFamily="49" charset="0"/>
+            </a:endParaRPr>
+          </a:p>
+          <a:p>
+            <a:endParaRPr lang="en-US" sz="1600" dirty="0"/>
+          </a:p>
+          <a:p>
+            <a:endParaRPr lang="en-US" sz="1600" dirty="0"/>
+          </a:p>
+        </p:txBody>
+      </p:sp>
+      <p:grpSp>
+        <p:nvGrpSpPr>
+          <p:cNvPr id="15" name="Group 14">
+            <a:extLst>
+              <a:ext uri="{FF2B5EF4-FFF2-40B4-BE49-F238E27FC236}">
+                <a16:creationId xmlns:a16="http://schemas.microsoft.com/office/drawing/2014/main" id="{2926A01D-43B1-4A95-A4EA-4FA0BE78E13B}"/>
+              </a:ext>
+            </a:extLst>
+          </p:cNvPr>
+          <p:cNvGrpSpPr/>
+          <p:nvPr/>
+        </p:nvGrpSpPr>
+        <p:grpSpPr>
+          <a:xfrm>
+            <a:off x="5211346" y="633469"/>
+            <a:ext cx="6490919" cy="2921146"/>
+            <a:chOff x="577701" y="2462272"/>
+            <a:chExt cx="6490919" cy="2921146"/>
+          </a:xfrm>
+        </p:grpSpPr>
+        <p:sp>
+          <p:nvSpPr>
+            <p:cNvPr id="13" name="Rectangle 12">
+              <a:extLst>
+                <a:ext uri="{FF2B5EF4-FFF2-40B4-BE49-F238E27FC236}">
+                  <a16:creationId xmlns:a16="http://schemas.microsoft.com/office/drawing/2014/main" id="{B0DBBB8D-3CE0-4886-941C-BBEEF2C6D859}"/>
+                </a:ext>
+              </a:extLst>
+            </p:cNvPr>
+            <p:cNvSpPr/>
+            <p:nvPr/>
+          </p:nvSpPr>
+          <p:spPr>
+            <a:xfrm>
+              <a:off x="577702" y="2831604"/>
+              <a:ext cx="6490918" cy="2551814"/>
+            </a:xfrm>
+            <a:prstGeom prst="rect">
+              <a:avLst/>
+            </a:prstGeom>
+            <a:solidFill>
+              <a:schemeClr val="bg1"/>
+            </a:solidFill>
+            <a:ln>
+              <a:solidFill>
+                <a:srgbClr val="F0F0F0"/>
+              </a:solidFill>
+            </a:ln>
+          </p:spPr>
+          <p:style>
+            <a:lnRef idx="2">
+              <a:schemeClr val="accent1">
+                <a:shade val="50000"/>
+              </a:schemeClr>
+            </a:lnRef>
+            <a:fillRef idx="1">
+              <a:schemeClr val="accent1"/>
+            </a:fillRef>
+            <a:effectRef idx="0">
+              <a:schemeClr val="accent1"/>
+            </a:effectRef>
+            <a:fontRef idx="minor">
+              <a:schemeClr val="lt1"/>
+            </a:fontRef>
+          </p:style>
+          <p:txBody>
+            <a:bodyPr rtlCol="0" anchor="ctr"/>
+            <a:lstStyle/>
+            <a:p>
+              <a:r>
+                <a:rPr lang="en-US" i="1" dirty="0">
+                  <a:solidFill>
+                    <a:sysClr val="windowText" lastClr="000000"/>
+                  </a:solidFill>
+                  <a:latin typeface="Consolas" panose="020B0609020204030204" pitchFamily="49" charset="0"/>
+                </a:rPr>
+                <a:t>from </a:t>
+              </a:r>
+              <a:r>
+                <a:rPr lang="en-US" i="1" dirty="0" err="1">
+                  <a:solidFill>
+                    <a:sysClr val="windowText" lastClr="000000"/>
+                  </a:solidFill>
+                  <a:latin typeface="Consolas" panose="020B0609020204030204" pitchFamily="49" charset="0"/>
+                </a:rPr>
+                <a:t>django.db</a:t>
+              </a:r>
+              <a:r>
+                <a:rPr lang="en-US" i="1" dirty="0">
+                  <a:solidFill>
+                    <a:sysClr val="windowText" lastClr="000000"/>
+                  </a:solidFill>
+                  <a:latin typeface="Consolas" panose="020B0609020204030204" pitchFamily="49" charset="0"/>
+                </a:rPr>
+                <a:t> import models</a:t>
+              </a:r>
+            </a:p>
+            <a:p>
+              <a:endParaRPr lang="en-US" i="1" dirty="0">
+                <a:solidFill>
+                  <a:sysClr val="windowText" lastClr="000000"/>
+                </a:solidFill>
+                <a:latin typeface="Consolas" panose="020B0609020204030204" pitchFamily="49" charset="0"/>
+              </a:endParaRPr>
+            </a:p>
+            <a:p>
+              <a:r>
+                <a:rPr lang="en-US" i="1" dirty="0">
+                  <a:solidFill>
+                    <a:sysClr val="windowText" lastClr="000000"/>
+                  </a:solidFill>
+                  <a:latin typeface="Consolas" panose="020B0609020204030204" pitchFamily="49" charset="0"/>
+                </a:rPr>
+                <a:t># members records</a:t>
+              </a:r>
+            </a:p>
+            <a:p>
+              <a:r>
+                <a:rPr lang="en-US" b="1" i="1" dirty="0">
+                  <a:solidFill>
+                    <a:sysClr val="windowText" lastClr="000000"/>
+                  </a:solidFill>
+                  <a:latin typeface="Consolas" panose="020B0609020204030204" pitchFamily="49" charset="0"/>
+                </a:rPr>
+                <a:t>class members(</a:t>
+              </a:r>
+              <a:r>
+                <a:rPr lang="en-US" b="1" i="1" dirty="0" err="1">
+                  <a:solidFill>
+                    <a:sysClr val="windowText" lastClr="000000"/>
+                  </a:solidFill>
+                  <a:latin typeface="Consolas" panose="020B0609020204030204" pitchFamily="49" charset="0"/>
+                </a:rPr>
+                <a:t>models.Model</a:t>
+              </a:r>
+              <a:r>
+                <a:rPr lang="en-US" b="1" i="1" dirty="0">
+                  <a:solidFill>
+                    <a:sysClr val="windowText" lastClr="000000"/>
+                  </a:solidFill>
+                  <a:latin typeface="Consolas" panose="020B0609020204030204" pitchFamily="49" charset="0"/>
+                </a:rPr>
+                <a:t>):</a:t>
+              </a:r>
+            </a:p>
+            <a:p>
+              <a:r>
+                <a:rPr lang="en-US" b="1" i="1" dirty="0">
+                  <a:solidFill>
+                    <a:sysClr val="windowText" lastClr="000000"/>
+                  </a:solidFill>
+                  <a:latin typeface="Consolas" panose="020B0609020204030204" pitchFamily="49" charset="0"/>
+                </a:rPr>
+                <a:t>	name = </a:t>
+              </a:r>
+              <a:r>
+                <a:rPr lang="en-US" b="1" i="1" dirty="0" err="1">
+                  <a:solidFill>
+                    <a:sysClr val="windowText" lastClr="000000"/>
+                  </a:solidFill>
+                  <a:latin typeface="Consolas" panose="020B0609020204030204" pitchFamily="49" charset="0"/>
+                </a:rPr>
+                <a:t>models.CharField</a:t>
+              </a:r>
+              <a:r>
+                <a:rPr lang="en-US" b="1" i="1" dirty="0">
+                  <a:solidFill>
+                    <a:sysClr val="windowText" lastClr="000000"/>
+                  </a:solidFill>
+                  <a:latin typeface="Consolas" panose="020B0609020204030204" pitchFamily="49" charset="0"/>
+                </a:rPr>
+                <a:t>(</a:t>
+              </a:r>
+              <a:r>
+                <a:rPr lang="en-US" b="1" i="1" dirty="0" err="1">
+                  <a:solidFill>
+                    <a:sysClr val="windowText" lastClr="000000"/>
+                  </a:solidFill>
+                  <a:latin typeface="Consolas" panose="020B0609020204030204" pitchFamily="49" charset="0"/>
+                </a:rPr>
+                <a:t>max_length</a:t>
+              </a:r>
+              <a:r>
+                <a:rPr lang="en-US" b="1" i="1" dirty="0">
+                  <a:solidFill>
+                    <a:sysClr val="windowText" lastClr="000000"/>
+                  </a:solidFill>
+                  <a:latin typeface="Consolas" panose="020B0609020204030204" pitchFamily="49" charset="0"/>
+                </a:rPr>
+                <a:t>=30)</a:t>
+              </a:r>
+            </a:p>
+          </p:txBody>
+        </p:sp>
+        <p:sp>
+          <p:nvSpPr>
+            <p:cNvPr id="14" name="TextBox 13">
+              <a:extLst>
+                <a:ext uri="{FF2B5EF4-FFF2-40B4-BE49-F238E27FC236}">
+                  <a16:creationId xmlns:a16="http://schemas.microsoft.com/office/drawing/2014/main" id="{C75708B0-4C18-4181-B20F-19C6143E8095}"/>
+                </a:ext>
+              </a:extLst>
+            </p:cNvPr>
+            <p:cNvSpPr txBox="1"/>
+            <p:nvPr/>
+          </p:nvSpPr>
+          <p:spPr>
+            <a:xfrm>
+              <a:off x="577701" y="2462272"/>
+              <a:ext cx="1333291" cy="369332"/>
+            </a:xfrm>
+            <a:prstGeom prst="rect">
+              <a:avLst/>
+            </a:prstGeom>
+            <a:solidFill>
+              <a:schemeClr val="bg1"/>
+            </a:solidFill>
+            <a:ln>
+              <a:solidFill>
+                <a:srgbClr val="F0F0F0"/>
+              </a:solidFill>
+            </a:ln>
+          </p:spPr>
+          <p:txBody>
+            <a:bodyPr wrap="square" rtlCol="0">
+              <a:spAutoFit/>
+            </a:bodyPr>
+            <a:lstStyle/>
+            <a:p>
+              <a:r>
+                <a:rPr lang="en-US" b="1" dirty="0"/>
+                <a:t>models.py</a:t>
+              </a:r>
+            </a:p>
+          </p:txBody>
+        </p:sp>
+      </p:grpSp>
+      <p:grpSp>
+        <p:nvGrpSpPr>
+          <p:cNvPr id="16" name="Group 15">
+            <a:extLst>
+              <a:ext uri="{FF2B5EF4-FFF2-40B4-BE49-F238E27FC236}">
+                <a16:creationId xmlns:a16="http://schemas.microsoft.com/office/drawing/2014/main" id="{25590B1D-A3D9-4708-BB07-7F8C0BBA1970}"/>
+              </a:ext>
+            </a:extLst>
+          </p:cNvPr>
+          <p:cNvGrpSpPr/>
+          <p:nvPr/>
+        </p:nvGrpSpPr>
+        <p:grpSpPr>
+          <a:xfrm>
+            <a:off x="5211346" y="3601331"/>
+            <a:ext cx="6490919" cy="2921146"/>
+            <a:chOff x="577701" y="2462272"/>
+            <a:chExt cx="6490919" cy="2921146"/>
+          </a:xfrm>
+        </p:grpSpPr>
+        <p:sp>
+          <p:nvSpPr>
+            <p:cNvPr id="17" name="Rectangle 16">
+              <a:extLst>
+                <a:ext uri="{FF2B5EF4-FFF2-40B4-BE49-F238E27FC236}">
+                  <a16:creationId xmlns:a16="http://schemas.microsoft.com/office/drawing/2014/main" id="{C5F6C80D-7A25-4058-9658-E363C4630F0A}"/>
+                </a:ext>
+              </a:extLst>
+            </p:cNvPr>
+            <p:cNvSpPr/>
+            <p:nvPr/>
+          </p:nvSpPr>
+          <p:spPr>
+            <a:xfrm>
+              <a:off x="577702" y="2831604"/>
+              <a:ext cx="6490918" cy="2551814"/>
+            </a:xfrm>
+            <a:prstGeom prst="rect">
+              <a:avLst/>
+            </a:prstGeom>
+            <a:solidFill>
+              <a:schemeClr val="bg1"/>
+            </a:solidFill>
+            <a:ln>
+              <a:solidFill>
+                <a:srgbClr val="F0F0F0"/>
+              </a:solidFill>
+            </a:ln>
+          </p:spPr>
+          <p:style>
+            <a:lnRef idx="2">
+              <a:schemeClr val="accent1">
+                <a:shade val="50000"/>
+              </a:schemeClr>
+            </a:lnRef>
+            <a:fillRef idx="1">
+              <a:schemeClr val="accent1"/>
+            </a:fillRef>
+            <a:effectRef idx="0">
+              <a:schemeClr val="accent1"/>
+            </a:effectRef>
+            <a:fontRef idx="minor">
+              <a:schemeClr val="lt1"/>
+            </a:fontRef>
+          </p:style>
+          <p:txBody>
+            <a:bodyPr rtlCol="0" anchor="ctr"/>
+            <a:lstStyle/>
+            <a:p>
+              <a:r>
+                <a:rPr lang="en-US" i="1" dirty="0">
+                  <a:solidFill>
+                    <a:sysClr val="windowText" lastClr="000000"/>
+                  </a:solidFill>
+                  <a:latin typeface="Consolas" panose="020B0609020204030204" pitchFamily="49" charset="0"/>
+                </a:rPr>
+                <a:t>INSTALLED_APPS = [</a:t>
+              </a:r>
+            </a:p>
+            <a:p>
+              <a:r>
+                <a:rPr lang="en-US" i="1" dirty="0">
+                  <a:solidFill>
+                    <a:sysClr val="windowText" lastClr="000000"/>
+                  </a:solidFill>
+                  <a:latin typeface="Consolas" panose="020B0609020204030204" pitchFamily="49" charset="0"/>
+                </a:rPr>
+                <a:t>    '</a:t>
+              </a:r>
+              <a:r>
+                <a:rPr lang="en-US" i="1" dirty="0" err="1">
+                  <a:solidFill>
+                    <a:sysClr val="windowText" lastClr="000000"/>
+                  </a:solidFill>
+                  <a:latin typeface="Consolas" panose="020B0609020204030204" pitchFamily="49" charset="0"/>
+                </a:rPr>
+                <a:t>django.contrib.admin</a:t>
+              </a:r>
+              <a:r>
+                <a:rPr lang="en-US" i="1" dirty="0">
+                  <a:solidFill>
+                    <a:sysClr val="windowText" lastClr="000000"/>
+                  </a:solidFill>
+                  <a:latin typeface="Consolas" panose="020B0609020204030204" pitchFamily="49" charset="0"/>
+                </a:rPr>
+                <a:t>',</a:t>
+              </a:r>
+            </a:p>
+            <a:p>
+              <a:r>
+                <a:rPr lang="en-US" i="1" dirty="0">
+                  <a:solidFill>
+                    <a:sysClr val="windowText" lastClr="000000"/>
+                  </a:solidFill>
+                  <a:latin typeface="Consolas" panose="020B0609020204030204" pitchFamily="49" charset="0"/>
+                </a:rPr>
+                <a:t>    '</a:t>
+              </a:r>
+              <a:r>
+                <a:rPr lang="en-US" i="1" dirty="0" err="1">
+                  <a:solidFill>
+                    <a:sysClr val="windowText" lastClr="000000"/>
+                  </a:solidFill>
+                  <a:latin typeface="Consolas" panose="020B0609020204030204" pitchFamily="49" charset="0"/>
+                </a:rPr>
+                <a:t>django.contrib.auth</a:t>
+              </a:r>
+              <a:r>
+                <a:rPr lang="en-US" i="1" dirty="0">
+                  <a:solidFill>
+                    <a:sysClr val="windowText" lastClr="000000"/>
+                  </a:solidFill>
+                  <a:latin typeface="Consolas" panose="020B0609020204030204" pitchFamily="49" charset="0"/>
+                </a:rPr>
+                <a:t>',</a:t>
+              </a:r>
+            </a:p>
+            <a:p>
+              <a:r>
+                <a:rPr lang="en-US" i="1" dirty="0">
+                  <a:solidFill>
+                    <a:sysClr val="windowText" lastClr="000000"/>
+                  </a:solidFill>
+                  <a:latin typeface="Consolas" panose="020B0609020204030204" pitchFamily="49" charset="0"/>
+                </a:rPr>
+                <a:t>    '</a:t>
+              </a:r>
+              <a:r>
+                <a:rPr lang="en-US" i="1" dirty="0" err="1">
+                  <a:solidFill>
+                    <a:sysClr val="windowText" lastClr="000000"/>
+                  </a:solidFill>
+                  <a:latin typeface="Consolas" panose="020B0609020204030204" pitchFamily="49" charset="0"/>
+                </a:rPr>
+                <a:t>django.contrib.contenttypes</a:t>
+              </a:r>
+              <a:r>
+                <a:rPr lang="en-US" i="1" dirty="0">
+                  <a:solidFill>
+                    <a:sysClr val="windowText" lastClr="000000"/>
+                  </a:solidFill>
+                  <a:latin typeface="Consolas" panose="020B0609020204030204" pitchFamily="49" charset="0"/>
+                </a:rPr>
+                <a:t>',</a:t>
+              </a:r>
+            </a:p>
+            <a:p>
+              <a:r>
+                <a:rPr lang="en-US" i="1" dirty="0">
+                  <a:solidFill>
+                    <a:sysClr val="windowText" lastClr="000000"/>
+                  </a:solidFill>
+                  <a:latin typeface="Consolas" panose="020B0609020204030204" pitchFamily="49" charset="0"/>
+                </a:rPr>
+                <a:t>    '</a:t>
+              </a:r>
+              <a:r>
+                <a:rPr lang="en-US" i="1" dirty="0" err="1">
+                  <a:solidFill>
+                    <a:sysClr val="windowText" lastClr="000000"/>
+                  </a:solidFill>
+                  <a:latin typeface="Consolas" panose="020B0609020204030204" pitchFamily="49" charset="0"/>
+                </a:rPr>
+                <a:t>django.contrib.sessions</a:t>
+              </a:r>
+              <a:r>
+                <a:rPr lang="en-US" i="1" dirty="0">
+                  <a:solidFill>
+                    <a:sysClr val="windowText" lastClr="000000"/>
+                  </a:solidFill>
+                  <a:latin typeface="Consolas" panose="020B0609020204030204" pitchFamily="49" charset="0"/>
+                </a:rPr>
+                <a:t>',</a:t>
+              </a:r>
+            </a:p>
+            <a:p>
+              <a:r>
+                <a:rPr lang="en-US" i="1" dirty="0">
+                  <a:solidFill>
+                    <a:sysClr val="windowText" lastClr="000000"/>
+                  </a:solidFill>
+                  <a:latin typeface="Consolas" panose="020B0609020204030204" pitchFamily="49" charset="0"/>
+                </a:rPr>
+                <a:t>    '</a:t>
+              </a:r>
+              <a:r>
+                <a:rPr lang="en-US" i="1" dirty="0" err="1">
+                  <a:solidFill>
+                    <a:sysClr val="windowText" lastClr="000000"/>
+                  </a:solidFill>
+                  <a:latin typeface="Consolas" panose="020B0609020204030204" pitchFamily="49" charset="0"/>
+                </a:rPr>
+                <a:t>django.contrib.messages</a:t>
+              </a:r>
+              <a:r>
+                <a:rPr lang="en-US" i="1" dirty="0">
+                  <a:solidFill>
+                    <a:sysClr val="windowText" lastClr="000000"/>
+                  </a:solidFill>
+                  <a:latin typeface="Consolas" panose="020B0609020204030204" pitchFamily="49" charset="0"/>
+                </a:rPr>
+                <a:t>',</a:t>
+              </a:r>
+            </a:p>
+            <a:p>
+              <a:r>
+                <a:rPr lang="en-US" i="1" dirty="0">
+                  <a:solidFill>
+                    <a:sysClr val="windowText" lastClr="000000"/>
+                  </a:solidFill>
+                  <a:latin typeface="Consolas" panose="020B0609020204030204" pitchFamily="49" charset="0"/>
+                </a:rPr>
+                <a:t>    '</a:t>
+              </a:r>
+              <a:r>
+                <a:rPr lang="en-US" i="1" dirty="0" err="1">
+                  <a:solidFill>
+                    <a:sysClr val="windowText" lastClr="000000"/>
+                  </a:solidFill>
+                  <a:latin typeface="Consolas" panose="020B0609020204030204" pitchFamily="49" charset="0"/>
+                </a:rPr>
+                <a:t>django.contrib.staticfiles</a:t>
+              </a:r>
+              <a:r>
+                <a:rPr lang="en-US" i="1" dirty="0">
+                  <a:solidFill>
+                    <a:sysClr val="windowText" lastClr="000000"/>
+                  </a:solidFill>
+                  <a:latin typeface="Consolas" panose="020B0609020204030204" pitchFamily="49" charset="0"/>
+                </a:rPr>
+                <a:t>',</a:t>
+              </a:r>
+            </a:p>
+            <a:p>
+              <a:r>
+                <a:rPr lang="en-US" b="1" i="1" dirty="0">
+                  <a:solidFill>
+                    <a:sysClr val="windowText" lastClr="000000"/>
+                  </a:solidFill>
+                  <a:latin typeface="Consolas" panose="020B0609020204030204" pitchFamily="49" charset="0"/>
+                </a:rPr>
+                <a:t>    'members'</a:t>
+              </a:r>
+            </a:p>
+            <a:p>
+              <a:r>
+                <a:rPr lang="en-US" i="1" dirty="0">
+                  <a:solidFill>
+                    <a:sysClr val="windowText" lastClr="000000"/>
+                  </a:solidFill>
+                  <a:latin typeface="Consolas" panose="020B0609020204030204" pitchFamily="49" charset="0"/>
+                </a:rPr>
+                <a:t>]</a:t>
+              </a:r>
+            </a:p>
+          </p:txBody>
+        </p:sp>
+        <p:sp>
+          <p:nvSpPr>
+            <p:cNvPr id="18" name="TextBox 17">
+              <a:extLst>
+                <a:ext uri="{FF2B5EF4-FFF2-40B4-BE49-F238E27FC236}">
+                  <a16:creationId xmlns:a16="http://schemas.microsoft.com/office/drawing/2014/main" id="{1BD43280-F42C-4065-B8E2-4489F727C88F}"/>
+                </a:ext>
+              </a:extLst>
+            </p:cNvPr>
+            <p:cNvSpPr txBox="1"/>
+            <p:nvPr/>
+          </p:nvSpPr>
+          <p:spPr>
+            <a:xfrm>
+              <a:off x="577701" y="2462272"/>
+              <a:ext cx="1333291" cy="369332"/>
+            </a:xfrm>
+            <a:prstGeom prst="rect">
+              <a:avLst/>
+            </a:prstGeom>
+            <a:solidFill>
+              <a:schemeClr val="bg1"/>
+            </a:solidFill>
+            <a:ln>
+              <a:solidFill>
+                <a:srgbClr val="F0F0F0"/>
+              </a:solidFill>
+            </a:ln>
+          </p:spPr>
+          <p:txBody>
+            <a:bodyPr wrap="square" rtlCol="0">
+              <a:spAutoFit/>
+            </a:bodyPr>
+            <a:lstStyle/>
+            <a:p>
+              <a:r>
+                <a:rPr lang="en-US" b="1" dirty="0"/>
+                <a:t>settings.py</a:t>
+              </a:r>
+            </a:p>
+          </p:txBody>
+        </p:sp>
+      </p:grpSp>
+    </p:spTree>
+    <p:extLst>
+      <p:ext uri="{BB962C8B-B14F-4D97-AF65-F5344CB8AC3E}">
+        <p14:creationId xmlns:p14="http://schemas.microsoft.com/office/powerpoint/2010/main" val="3657260403"/>
+      </p:ext>
+    </p:extLst>
+  </p:cSld>
+  <p:clrMapOvr>
+    <a:masterClrMapping/>
+  </p:clrMapOvr>
+</p:sld>
+</file>
+
+<file path=ppt/slides/slide7.xml><?xml version="1.0" encoding="utf-8"?>
+<p:sld xmlns:a="http://schemas.openxmlformats.org/drawingml/2006/main" xmlns:r="http://schemas.openxmlformats.org/officeDocument/2006/relationships" xmlns:p="http://schemas.openxmlformats.org/presentationml/2006/main">
+  <p:cSld>
+    <p:spTree>
+      <p:nvGrpSpPr>
+        <p:cNvPr id="1" name=""/>
+        <p:cNvGrpSpPr/>
+        <p:nvPr/>
+      </p:nvGrpSpPr>
+      <p:grpSpPr>
+        <a:xfrm>
+          <a:off x="0" y="0"/>
+          <a:ext cx="0" cy="0"/>
+          <a:chOff x="0" y="0"/>
+          <a:chExt cx="0" cy="0"/>
+        </a:xfrm>
+      </p:grpSpPr>
+      <p:sp>
+        <p:nvSpPr>
+          <p:cNvPr id="2" name="Rectangle 1">
+            <a:extLst>
+              <a:ext uri="{FF2B5EF4-FFF2-40B4-BE49-F238E27FC236}">
+                <a16:creationId xmlns:a16="http://schemas.microsoft.com/office/drawing/2014/main" id="{2DF6E6F4-7FC8-49E9-A9B7-325EA31FA6A1}"/>
+              </a:ext>
+            </a:extLst>
+          </p:cNvPr>
+          <p:cNvSpPr/>
+          <p:nvPr/>
+        </p:nvSpPr>
+        <p:spPr>
+          <a:xfrm>
+            <a:off x="5003515" y="585627"/>
+            <a:ext cx="1828800" cy="914400"/>
+          </a:xfrm>
+          <a:prstGeom prst="rect">
+            <a:avLst/>
+          </a:prstGeom>
+          <a:solidFill>
+            <a:srgbClr val="F0F0F0"/>
+          </a:solidFill>
+          <a:ln>
+            <a:solidFill>
+              <a:schemeClr val="tx1"/>
+            </a:solidFill>
+          </a:ln>
+        </p:spPr>
+        <p:style>
+          <a:lnRef idx="2">
+            <a:schemeClr val="accent1">
+              <a:shade val="50000"/>
+            </a:schemeClr>
+          </a:lnRef>
+          <a:fillRef idx="1">
+            <a:schemeClr val="accent1"/>
+          </a:fillRef>
+          <a:effectRef idx="0">
+            <a:schemeClr val="accent1"/>
+          </a:effectRef>
+          <a:fontRef idx="minor">
+            <a:schemeClr val="lt1"/>
+          </a:fontRef>
+        </p:style>
+        <p:txBody>
+          <a:bodyPr rtlCol="0" anchor="ctr"/>
+          <a:lstStyle/>
+          <a:p>
+            <a:pPr algn="ctr"/>
+            <a:r>
+              <a:rPr lang="en-US" dirty="0">
+                <a:solidFill>
+                  <a:sysClr val="windowText" lastClr="000000"/>
+                </a:solidFill>
+              </a:rPr>
+              <a:t>URLs</a:t>
+            </a:r>
+          </a:p>
+          <a:p>
+            <a:pPr algn="ctr"/>
+            <a:r>
+              <a:rPr lang="en-US" dirty="0">
+                <a:solidFill>
+                  <a:sysClr val="windowText" lastClr="000000"/>
+                </a:solidFill>
+              </a:rPr>
+              <a:t>(urls.py)</a:t>
+            </a:r>
+          </a:p>
+        </p:txBody>
+      </p:sp>
+      <p:sp>
+        <p:nvSpPr>
+          <p:cNvPr id="3" name="Rectangle 2">
+            <a:extLst>
+              <a:ext uri="{FF2B5EF4-FFF2-40B4-BE49-F238E27FC236}">
+                <a16:creationId xmlns:a16="http://schemas.microsoft.com/office/drawing/2014/main" id="{367421AA-1A29-4261-B77D-B842D149C7C8}"/>
+              </a:ext>
+            </a:extLst>
+          </p:cNvPr>
+          <p:cNvSpPr/>
+          <p:nvPr/>
+        </p:nvSpPr>
+        <p:spPr>
+          <a:xfrm>
+            <a:off x="5003515" y="2762036"/>
+            <a:ext cx="1828800" cy="914400"/>
+          </a:xfrm>
+          <a:prstGeom prst="rect">
+            <a:avLst/>
+          </a:prstGeom>
+          <a:solidFill>
+            <a:srgbClr val="F0F0F0"/>
+          </a:solidFill>
+          <a:ln>
+            <a:solidFill>
+              <a:schemeClr val="tx1"/>
+            </a:solidFill>
+          </a:ln>
+        </p:spPr>
+        <p:style>
+          <a:lnRef idx="2">
+            <a:schemeClr val="accent1">
+              <a:shade val="50000"/>
+            </a:schemeClr>
+          </a:lnRef>
+          <a:fillRef idx="1">
+            <a:schemeClr val="accent1"/>
+          </a:fillRef>
+          <a:effectRef idx="0">
+            <a:schemeClr val="accent1"/>
+          </a:effectRef>
+          <a:fontRef idx="minor">
+            <a:schemeClr val="lt1"/>
+          </a:fontRef>
+        </p:style>
+        <p:txBody>
+          <a:bodyPr rtlCol="0" anchor="ctr"/>
+          <a:lstStyle/>
+          <a:p>
+            <a:pPr algn="ctr"/>
+            <a:r>
+              <a:rPr lang="en-US" dirty="0">
+                <a:solidFill>
+                  <a:sysClr val="windowText" lastClr="000000"/>
+                </a:solidFill>
+              </a:rPr>
+              <a:t>View</a:t>
+            </a:r>
+          </a:p>
+          <a:p>
+            <a:pPr algn="ctr"/>
+            <a:r>
+              <a:rPr lang="en-US" dirty="0">
+                <a:solidFill>
+                  <a:sysClr val="windowText" lastClr="000000"/>
+                </a:solidFill>
+              </a:rPr>
+              <a:t>(views.py)</a:t>
+            </a:r>
+          </a:p>
+        </p:txBody>
+      </p:sp>
+      <p:sp>
+        <p:nvSpPr>
+          <p:cNvPr id="4" name="Rectangle 3">
+            <a:extLst>
+              <a:ext uri="{FF2B5EF4-FFF2-40B4-BE49-F238E27FC236}">
+                <a16:creationId xmlns:a16="http://schemas.microsoft.com/office/drawing/2014/main" id="{63F544CD-4966-4D98-83F7-234E7A38AEFD}"/>
+              </a:ext>
+            </a:extLst>
+          </p:cNvPr>
+          <p:cNvSpPr/>
+          <p:nvPr/>
+        </p:nvSpPr>
+        <p:spPr>
+          <a:xfrm>
+            <a:off x="1468209" y="2762036"/>
+            <a:ext cx="1828800" cy="914400"/>
+          </a:xfrm>
+          <a:prstGeom prst="rect">
+            <a:avLst/>
+          </a:prstGeom>
+          <a:solidFill>
+            <a:srgbClr val="F0F0F0"/>
+          </a:solidFill>
+          <a:ln>
+            <a:solidFill>
+              <a:schemeClr val="tx1"/>
+            </a:solidFill>
+          </a:ln>
+        </p:spPr>
+        <p:style>
+          <a:lnRef idx="2">
+            <a:schemeClr val="accent1">
+              <a:shade val="50000"/>
+            </a:schemeClr>
+          </a:lnRef>
+          <a:fillRef idx="1">
+            <a:schemeClr val="accent1"/>
+          </a:fillRef>
+          <a:effectRef idx="0">
+            <a:schemeClr val="accent1"/>
+          </a:effectRef>
+          <a:fontRef idx="minor">
+            <a:schemeClr val="lt1"/>
+          </a:fontRef>
+        </p:style>
+        <p:txBody>
+          <a:bodyPr rtlCol="0" anchor="ctr"/>
+          <a:lstStyle/>
+          <a:p>
+            <a:pPr algn="ctr"/>
+            <a:r>
+              <a:rPr lang="en-US" dirty="0">
+                <a:solidFill>
+                  <a:sysClr val="windowText" lastClr="000000"/>
+                </a:solidFill>
+              </a:rPr>
+              <a:t>Model</a:t>
+            </a:r>
+          </a:p>
+          <a:p>
+            <a:pPr algn="ctr"/>
+            <a:r>
+              <a:rPr lang="en-US" dirty="0">
+                <a:solidFill>
+                  <a:sysClr val="windowText" lastClr="000000"/>
+                </a:solidFill>
+              </a:rPr>
+              <a:t>(models.py)</a:t>
+            </a:r>
+          </a:p>
+        </p:txBody>
+      </p:sp>
+      <p:sp>
+        <p:nvSpPr>
+          <p:cNvPr id="5" name="Rectangle 4">
+            <a:extLst>
+              <a:ext uri="{FF2B5EF4-FFF2-40B4-BE49-F238E27FC236}">
+                <a16:creationId xmlns:a16="http://schemas.microsoft.com/office/drawing/2014/main" id="{B4EDD870-EA90-4318-9AAF-098030CD4C5B}"/>
+              </a:ext>
+            </a:extLst>
+          </p:cNvPr>
+          <p:cNvSpPr/>
+          <p:nvPr/>
+        </p:nvSpPr>
+        <p:spPr>
+          <a:xfrm>
+            <a:off x="5003515" y="4938445"/>
+            <a:ext cx="1828800" cy="914400"/>
+          </a:xfrm>
+          <a:prstGeom prst="rect">
+            <a:avLst/>
+          </a:prstGeom>
+          <a:solidFill>
+            <a:srgbClr val="F0F0F0"/>
+          </a:solidFill>
+          <a:ln>
+            <a:solidFill>
+              <a:schemeClr val="tx1"/>
+            </a:solidFill>
+          </a:ln>
+        </p:spPr>
+        <p:style>
+          <a:lnRef idx="2">
+            <a:schemeClr val="accent1">
+              <a:shade val="50000"/>
+            </a:schemeClr>
+          </a:lnRef>
+          <a:fillRef idx="1">
+            <a:schemeClr val="accent1"/>
+          </a:fillRef>
+          <a:effectRef idx="0">
+            <a:schemeClr val="accent1"/>
+          </a:effectRef>
+          <a:fontRef idx="minor">
+            <a:schemeClr val="lt1"/>
+          </a:fontRef>
+        </p:style>
+        <p:txBody>
+          <a:bodyPr rtlCol="0" anchor="ctr"/>
+          <a:lstStyle/>
+          <a:p>
+            <a:pPr algn="ctr"/>
+            <a:r>
+              <a:rPr lang="en-US" dirty="0">
+                <a:solidFill>
+                  <a:sysClr val="windowText" lastClr="000000"/>
+                </a:solidFill>
+              </a:rPr>
+              <a:t>Template</a:t>
+            </a:r>
+          </a:p>
+          <a:p>
+            <a:pPr algn="ctr"/>
+            <a:r>
+              <a:rPr lang="en-US" dirty="0">
+                <a:solidFill>
+                  <a:sysClr val="windowText" lastClr="000000"/>
+                </a:solidFill>
+              </a:rPr>
+              <a:t>(html files)</a:t>
+            </a:r>
+          </a:p>
+        </p:txBody>
+      </p:sp>
+      <p:grpSp>
+        <p:nvGrpSpPr>
+          <p:cNvPr id="18" name="Group 17">
+            <a:extLst>
+              <a:ext uri="{FF2B5EF4-FFF2-40B4-BE49-F238E27FC236}">
+                <a16:creationId xmlns:a16="http://schemas.microsoft.com/office/drawing/2014/main" id="{0AB8DBEB-7E02-4B28-A280-BE45CAD0ED71}"/>
+              </a:ext>
+            </a:extLst>
+          </p:cNvPr>
+          <p:cNvGrpSpPr/>
+          <p:nvPr/>
+        </p:nvGrpSpPr>
+        <p:grpSpPr>
+          <a:xfrm>
+            <a:off x="2568539" y="673495"/>
+            <a:ext cx="2434976" cy="369332"/>
+            <a:chOff x="2568539" y="673495"/>
+            <a:chExt cx="2434976" cy="369332"/>
+          </a:xfrm>
+        </p:grpSpPr>
+        <p:cxnSp>
+          <p:nvCxnSpPr>
+            <p:cNvPr id="7" name="Straight Arrow Connector 6">
+              <a:extLst>
+                <a:ext uri="{FF2B5EF4-FFF2-40B4-BE49-F238E27FC236}">
+                  <a16:creationId xmlns:a16="http://schemas.microsoft.com/office/drawing/2014/main" id="{A942C7F4-2E7F-4461-81EE-C6577B13A9BD}"/>
+                </a:ext>
+              </a:extLst>
+            </p:cNvPr>
+            <p:cNvCxnSpPr>
+              <a:cxnSpLocks/>
+              <a:endCxn id="2" idx="1"/>
+            </p:cNvCxnSpPr>
+            <p:nvPr/>
+          </p:nvCxnSpPr>
+          <p:spPr>
+            <a:xfrm>
+              <a:off x="2568539" y="1042827"/>
+              <a:ext cx="2434976" cy="0"/>
+            </a:xfrm>
+            <a:prstGeom prst="straightConnector1">
+              <a:avLst/>
+            </a:prstGeom>
+            <a:ln>
+              <a:solidFill>
+                <a:schemeClr val="tx1"/>
+              </a:solidFill>
+              <a:tailEnd type="triangle"/>
+            </a:ln>
+          </p:spPr>
+          <p:style>
+            <a:lnRef idx="1">
+              <a:schemeClr val="accent1"/>
+            </a:lnRef>
+            <a:fillRef idx="0">
+              <a:schemeClr val="accent1"/>
+            </a:fillRef>
+            <a:effectRef idx="0">
+              <a:schemeClr val="accent1"/>
+            </a:effectRef>
+            <a:fontRef idx="minor">
+              <a:schemeClr val="tx1"/>
+            </a:fontRef>
+          </p:style>
+        </p:cxnSp>
+        <p:sp>
+          <p:nvSpPr>
+            <p:cNvPr id="8" name="TextBox 7">
+              <a:extLst>
+                <a:ext uri="{FF2B5EF4-FFF2-40B4-BE49-F238E27FC236}">
+                  <a16:creationId xmlns:a16="http://schemas.microsoft.com/office/drawing/2014/main" id="{3853AA7B-AD3A-4FC8-96F5-D5B474691303}"/>
+                </a:ext>
+              </a:extLst>
+            </p:cNvPr>
+            <p:cNvSpPr txBox="1"/>
+            <p:nvPr/>
+          </p:nvSpPr>
+          <p:spPr>
+            <a:xfrm>
+              <a:off x="3113278" y="673495"/>
+              <a:ext cx="1345497" cy="369332"/>
+            </a:xfrm>
+            <a:prstGeom prst="rect">
+              <a:avLst/>
+            </a:prstGeom>
+            <a:noFill/>
+          </p:spPr>
+          <p:txBody>
+            <a:bodyPr wrap="none" rtlCol="0">
+              <a:spAutoFit/>
+            </a:bodyPr>
+            <a:lstStyle/>
+            <a:p>
+              <a:r>
+                <a:rPr lang="en-US" dirty="0"/>
+                <a:t>http request</a:t>
+              </a:r>
+            </a:p>
+          </p:txBody>
+        </p:sp>
+      </p:grpSp>
+      <p:cxnSp>
+        <p:nvCxnSpPr>
+          <p:cNvPr id="10" name="Straight Arrow Connector 9">
+            <a:extLst>
+              <a:ext uri="{FF2B5EF4-FFF2-40B4-BE49-F238E27FC236}">
+                <a16:creationId xmlns:a16="http://schemas.microsoft.com/office/drawing/2014/main" id="{DA4CD683-6AA5-4E6F-910F-86F70C57993C}"/>
+              </a:ext>
+            </a:extLst>
+          </p:cNvPr>
+          <p:cNvCxnSpPr>
+            <a:cxnSpLocks/>
+            <a:stCxn id="2" idx="2"/>
+            <a:endCxn id="3" idx="0"/>
+          </p:cNvCxnSpPr>
+          <p:nvPr/>
+        </p:nvCxnSpPr>
+        <p:spPr>
+          <a:xfrm>
+            <a:off x="5917915" y="1500027"/>
+            <a:ext cx="0" cy="1262009"/>
+          </a:xfrm>
+          <a:prstGeom prst="straightConnector1">
+            <a:avLst/>
+          </a:prstGeom>
+          <a:ln>
+            <a:solidFill>
+              <a:schemeClr val="tx1"/>
+            </a:solidFill>
+            <a:tailEnd type="triangle"/>
+          </a:ln>
+        </p:spPr>
+        <p:style>
+          <a:lnRef idx="1">
+            <a:schemeClr val="accent1"/>
+          </a:lnRef>
+          <a:fillRef idx="0">
+            <a:schemeClr val="accent1"/>
+          </a:fillRef>
+          <a:effectRef idx="0">
+            <a:schemeClr val="accent1"/>
+          </a:effectRef>
+          <a:fontRef idx="minor">
+            <a:schemeClr val="tx1"/>
+          </a:fontRef>
+        </p:style>
+      </p:cxnSp>
+      <p:cxnSp>
+        <p:nvCxnSpPr>
+          <p:cNvPr id="12" name="Straight Arrow Connector 11">
+            <a:extLst>
+              <a:ext uri="{FF2B5EF4-FFF2-40B4-BE49-F238E27FC236}">
+                <a16:creationId xmlns:a16="http://schemas.microsoft.com/office/drawing/2014/main" id="{45F1ACCB-F493-4162-98B0-D729A6E48880}"/>
+              </a:ext>
+            </a:extLst>
+          </p:cNvPr>
+          <p:cNvCxnSpPr>
+            <a:cxnSpLocks/>
+            <a:stCxn id="4" idx="3"/>
+            <a:endCxn id="3" idx="1"/>
+          </p:cNvCxnSpPr>
+          <p:nvPr/>
+        </p:nvCxnSpPr>
+        <p:spPr>
+          <a:xfrm>
+            <a:off x="3297009" y="3219236"/>
+            <a:ext cx="1706506" cy="0"/>
+          </a:xfrm>
+          <a:prstGeom prst="straightConnector1">
+            <a:avLst/>
+          </a:prstGeom>
+          <a:ln>
+            <a:solidFill>
+              <a:schemeClr val="tx1"/>
+            </a:solidFill>
+            <a:headEnd type="triangle"/>
+            <a:tailEnd type="triangle"/>
+          </a:ln>
+        </p:spPr>
+        <p:style>
+          <a:lnRef idx="1">
+            <a:schemeClr val="accent1"/>
+          </a:lnRef>
+          <a:fillRef idx="0">
+            <a:schemeClr val="accent1"/>
+          </a:fillRef>
+          <a:effectRef idx="0">
+            <a:schemeClr val="accent1"/>
+          </a:effectRef>
+          <a:fontRef idx="minor">
+            <a:schemeClr val="tx1"/>
+          </a:fontRef>
+        </p:style>
+      </p:cxnSp>
+      <p:cxnSp>
+        <p:nvCxnSpPr>
+          <p:cNvPr id="15" name="Straight Arrow Connector 14">
+            <a:extLst>
+              <a:ext uri="{FF2B5EF4-FFF2-40B4-BE49-F238E27FC236}">
+                <a16:creationId xmlns:a16="http://schemas.microsoft.com/office/drawing/2014/main" id="{215A6138-1094-435A-BCC2-D9AE77BB67CE}"/>
+              </a:ext>
+            </a:extLst>
+          </p:cNvPr>
+          <p:cNvCxnSpPr>
+            <a:stCxn id="5" idx="0"/>
+            <a:endCxn id="3" idx="2"/>
+          </p:cNvCxnSpPr>
+          <p:nvPr/>
+        </p:nvCxnSpPr>
+        <p:spPr>
+          <a:xfrm flipV="1">
+            <a:off x="5917915" y="3676436"/>
+            <a:ext cx="0" cy="1262009"/>
+          </a:xfrm>
+          <a:prstGeom prst="straightConnector1">
+            <a:avLst/>
+          </a:prstGeom>
+          <a:ln>
+            <a:solidFill>
+              <a:schemeClr val="tx1"/>
+            </a:solidFill>
+            <a:tailEnd type="triangle"/>
+          </a:ln>
+        </p:spPr>
+        <p:style>
+          <a:lnRef idx="1">
+            <a:schemeClr val="accent1"/>
+          </a:lnRef>
+          <a:fillRef idx="0">
+            <a:schemeClr val="accent1"/>
+          </a:fillRef>
+          <a:effectRef idx="0">
+            <a:schemeClr val="accent1"/>
+          </a:effectRef>
+          <a:fontRef idx="minor">
+            <a:schemeClr val="tx1"/>
+          </a:fontRef>
+        </p:style>
+      </p:cxnSp>
+      <p:cxnSp>
+        <p:nvCxnSpPr>
+          <p:cNvPr id="17" name="Straight Arrow Connector 16">
+            <a:extLst>
+              <a:ext uri="{FF2B5EF4-FFF2-40B4-BE49-F238E27FC236}">
+                <a16:creationId xmlns:a16="http://schemas.microsoft.com/office/drawing/2014/main" id="{3D3ED576-937E-400F-AB42-F830EB1126A4}"/>
+              </a:ext>
+            </a:extLst>
+          </p:cNvPr>
+          <p:cNvCxnSpPr>
+            <a:cxnSpLocks/>
+            <a:stCxn id="3" idx="3"/>
+          </p:cNvCxnSpPr>
+          <p:nvPr/>
+        </p:nvCxnSpPr>
+        <p:spPr>
+          <a:xfrm>
+            <a:off x="6832315" y="3219236"/>
+            <a:ext cx="2903464" cy="0"/>
+          </a:xfrm>
+          <a:prstGeom prst="straightConnector1">
+            <a:avLst/>
+          </a:prstGeom>
+          <a:ln>
+            <a:solidFill>
+              <a:schemeClr val="tx1"/>
+            </a:solidFill>
+            <a:tailEnd type="triangle"/>
+          </a:ln>
+        </p:spPr>
+        <p:style>
+          <a:lnRef idx="1">
+            <a:schemeClr val="accent1"/>
+          </a:lnRef>
+          <a:fillRef idx="0">
+            <a:schemeClr val="accent1"/>
+          </a:fillRef>
+          <a:effectRef idx="0">
+            <a:schemeClr val="accent1"/>
+          </a:effectRef>
+          <a:fontRef idx="minor">
+            <a:schemeClr val="tx1"/>
+          </a:fontRef>
+        </p:style>
+      </p:cxnSp>
+      <p:sp>
+        <p:nvSpPr>
+          <p:cNvPr id="24" name="TextBox 23">
+            <a:extLst>
+              <a:ext uri="{FF2B5EF4-FFF2-40B4-BE49-F238E27FC236}">
+                <a16:creationId xmlns:a16="http://schemas.microsoft.com/office/drawing/2014/main" id="{798F7E9B-F143-41EE-A7E0-0C3DC62C454F}"/>
+              </a:ext>
+            </a:extLst>
+          </p:cNvPr>
+          <p:cNvSpPr txBox="1"/>
+          <p:nvPr/>
+        </p:nvSpPr>
+        <p:spPr>
+          <a:xfrm>
+            <a:off x="5917915" y="1929391"/>
+            <a:ext cx="3628622" cy="369332"/>
+          </a:xfrm>
+          <a:prstGeom prst="rect">
+            <a:avLst/>
+          </a:prstGeom>
+          <a:noFill/>
+        </p:spPr>
+        <p:txBody>
+          <a:bodyPr wrap="none" rtlCol="0">
+            <a:spAutoFit/>
+          </a:bodyPr>
+          <a:lstStyle/>
+          <a:p>
+            <a:r>
+              <a:rPr lang="en-US" dirty="0"/>
+              <a:t>Forward request to appropriate view</a:t>
+            </a:r>
+          </a:p>
+        </p:txBody>
+      </p:sp>
+      <p:sp>
+        <p:nvSpPr>
+          <p:cNvPr id="25" name="TextBox 24">
+            <a:extLst>
+              <a:ext uri="{FF2B5EF4-FFF2-40B4-BE49-F238E27FC236}">
+                <a16:creationId xmlns:a16="http://schemas.microsoft.com/office/drawing/2014/main" id="{F1BE528A-472B-414D-A43B-1AF8A6146EB4}"/>
+              </a:ext>
+            </a:extLst>
+          </p:cNvPr>
+          <p:cNvSpPr txBox="1"/>
+          <p:nvPr/>
+        </p:nvSpPr>
+        <p:spPr>
+          <a:xfrm>
+            <a:off x="3488256" y="2785005"/>
+            <a:ext cx="1389996" cy="923330"/>
+          </a:xfrm>
+          <a:prstGeom prst="rect">
+            <a:avLst/>
+          </a:prstGeom>
+          <a:noFill/>
+        </p:spPr>
+        <p:txBody>
+          <a:bodyPr wrap="none" rtlCol="0">
+            <a:spAutoFit/>
+          </a:bodyPr>
+          <a:lstStyle/>
+          <a:p>
+            <a:pPr algn="ctr"/>
+            <a:r>
+              <a:rPr lang="en-US" dirty="0"/>
+              <a:t>Read / write </a:t>
+            </a:r>
+          </a:p>
+          <a:p>
+            <a:pPr algn="ctr"/>
+            <a:endParaRPr lang="en-US" dirty="0"/>
+          </a:p>
+          <a:p>
+            <a:pPr algn="ctr"/>
+            <a:r>
+              <a:rPr lang="en-US" dirty="0"/>
+              <a:t>data</a:t>
+            </a:r>
+          </a:p>
+        </p:txBody>
+      </p:sp>
+      <p:sp>
+        <p:nvSpPr>
+          <p:cNvPr id="26" name="TextBox 25">
+            <a:extLst>
+              <a:ext uri="{FF2B5EF4-FFF2-40B4-BE49-F238E27FC236}">
+                <a16:creationId xmlns:a16="http://schemas.microsoft.com/office/drawing/2014/main" id="{CE12494D-5ABB-4562-8727-B0DB256DC2A4}"/>
+              </a:ext>
+            </a:extLst>
+          </p:cNvPr>
+          <p:cNvSpPr txBox="1"/>
+          <p:nvPr/>
+        </p:nvSpPr>
+        <p:spPr>
+          <a:xfrm>
+            <a:off x="7483111" y="2803841"/>
+            <a:ext cx="2252668" cy="369332"/>
+          </a:xfrm>
+          <a:prstGeom prst="rect">
+            <a:avLst/>
+          </a:prstGeom>
+          <a:noFill/>
+        </p:spPr>
+        <p:txBody>
+          <a:bodyPr wrap="none" rtlCol="0">
+            <a:spAutoFit/>
+          </a:bodyPr>
+          <a:lstStyle/>
+          <a:p>
+            <a:r>
+              <a:rPr lang="en-US" dirty="0"/>
+              <a:t>Http response (HTML)</a:t>
+            </a:r>
+          </a:p>
+        </p:txBody>
+      </p:sp>
+    </p:spTree>
+    <p:extLst>
+      <p:ext uri="{BB962C8B-B14F-4D97-AF65-F5344CB8AC3E}">
+        <p14:creationId xmlns:p14="http://schemas.microsoft.com/office/powerpoint/2010/main" val="681026470"/>
+      </p:ext>
+    </p:extLst>
+  </p:cSld>
+  <p:clrMapOvr>
+    <a:masterClrMapping/>
+  </p:clrMapOvr>
+</p:sld>
+</file>
+
+<file path=ppt/slides/slide8.xml><?xml version="1.0" encoding="utf-8"?>
 <p:sld xmlns:a="http://schemas.openxmlformats.org/drawingml/2006/main" xmlns:r="http://schemas.openxmlformats.org/officeDocument/2006/relationships" xmlns:p="http://schemas.openxmlformats.org/presentationml/2006/main">
   <p:cSld>
     <p:spTree>

--- a/practical_notes.pptx
+++ b/practical_notes.pptx
@@ -266,7 +266,7 @@
           <a:p>
             <a:fld id="{3F3D5FB4-2115-4B56-9A81-48967C59654E}" type="datetimeFigureOut">
               <a:rPr lang="en-US" smtClean="0"/>
-              <a:t>1/12/2021</a:t>
+              <a:t>1/18/2021</a:t>
             </a:fld>
             <a:endParaRPr lang="en-US"/>
           </a:p>
@@ -464,7 +464,7 @@
           <a:p>
             <a:fld id="{3F3D5FB4-2115-4B56-9A81-48967C59654E}" type="datetimeFigureOut">
               <a:rPr lang="en-US" smtClean="0"/>
-              <a:t>1/12/2021</a:t>
+              <a:t>1/18/2021</a:t>
             </a:fld>
             <a:endParaRPr lang="en-US"/>
           </a:p>
@@ -672,7 +672,7 @@
           <a:p>
             <a:fld id="{3F3D5FB4-2115-4B56-9A81-48967C59654E}" type="datetimeFigureOut">
               <a:rPr lang="en-US" smtClean="0"/>
-              <a:t>1/12/2021</a:t>
+              <a:t>1/18/2021</a:t>
             </a:fld>
             <a:endParaRPr lang="en-US"/>
           </a:p>
@@ -870,7 +870,7 @@
           <a:p>
             <a:fld id="{3F3D5FB4-2115-4B56-9A81-48967C59654E}" type="datetimeFigureOut">
               <a:rPr lang="en-US" smtClean="0"/>
-              <a:t>1/12/2021</a:t>
+              <a:t>1/18/2021</a:t>
             </a:fld>
             <a:endParaRPr lang="en-US"/>
           </a:p>
@@ -1145,7 +1145,7 @@
           <a:p>
             <a:fld id="{3F3D5FB4-2115-4B56-9A81-48967C59654E}" type="datetimeFigureOut">
               <a:rPr lang="en-US" smtClean="0"/>
-              <a:t>1/12/2021</a:t>
+              <a:t>1/18/2021</a:t>
             </a:fld>
             <a:endParaRPr lang="en-US"/>
           </a:p>
@@ -1410,7 +1410,7 @@
           <a:p>
             <a:fld id="{3F3D5FB4-2115-4B56-9A81-48967C59654E}" type="datetimeFigureOut">
               <a:rPr lang="en-US" smtClean="0"/>
-              <a:t>1/12/2021</a:t>
+              <a:t>1/18/2021</a:t>
             </a:fld>
             <a:endParaRPr lang="en-US"/>
           </a:p>
@@ -1822,7 +1822,7 @@
           <a:p>
             <a:fld id="{3F3D5FB4-2115-4B56-9A81-48967C59654E}" type="datetimeFigureOut">
               <a:rPr lang="en-US" smtClean="0"/>
-              <a:t>1/12/2021</a:t>
+              <a:t>1/18/2021</a:t>
             </a:fld>
             <a:endParaRPr lang="en-US"/>
           </a:p>
@@ -1963,7 +1963,7 @@
           <a:p>
             <a:fld id="{3F3D5FB4-2115-4B56-9A81-48967C59654E}" type="datetimeFigureOut">
               <a:rPr lang="en-US" smtClean="0"/>
-              <a:t>1/12/2021</a:t>
+              <a:t>1/18/2021</a:t>
             </a:fld>
             <a:endParaRPr lang="en-US"/>
           </a:p>
@@ -2076,7 +2076,7 @@
           <a:p>
             <a:fld id="{3F3D5FB4-2115-4B56-9A81-48967C59654E}" type="datetimeFigureOut">
               <a:rPr lang="en-US" smtClean="0"/>
-              <a:t>1/12/2021</a:t>
+              <a:t>1/18/2021</a:t>
             </a:fld>
             <a:endParaRPr lang="en-US"/>
           </a:p>
@@ -2387,7 +2387,7 @@
           <a:p>
             <a:fld id="{3F3D5FB4-2115-4B56-9A81-48967C59654E}" type="datetimeFigureOut">
               <a:rPr lang="en-US" smtClean="0"/>
-              <a:t>1/12/2021</a:t>
+              <a:t>1/18/2021</a:t>
             </a:fld>
             <a:endParaRPr lang="en-US"/>
           </a:p>
@@ -2675,7 +2675,7 @@
           <a:p>
             <a:fld id="{3F3D5FB4-2115-4B56-9A81-48967C59654E}" type="datetimeFigureOut">
               <a:rPr lang="en-US" smtClean="0"/>
-              <a:t>1/12/2021</a:t>
+              <a:t>1/18/2021</a:t>
             </a:fld>
             <a:endParaRPr lang="en-US"/>
           </a:p>
@@ -2919,7 +2919,7 @@
           <a:p>
             <a:fld id="{3F3D5FB4-2115-4B56-9A81-48967C59654E}" type="datetimeFigureOut">
               <a:rPr lang="en-US" smtClean="0"/>
-              <a:t>1/12/2021</a:t>
+              <a:t>1/18/2021</a:t>
             </a:fld>
             <a:endParaRPr lang="en-US"/>
           </a:p>
@@ -5445,7 +5445,7 @@
         <p:spPr>
           <a:xfrm>
             <a:off x="680869" y="140314"/>
-            <a:ext cx="4231351" cy="7109639"/>
+            <a:ext cx="4231351" cy="5139869"/>
           </a:xfrm>
           <a:prstGeom prst="rect">
             <a:avLst/>
@@ -5620,39 +5620,6 @@
             </a:endParaRPr>
           </a:p>
           <a:p>
-            <a:r>
-              <a:rPr lang="en-US" sz="1600" i="1" dirty="0">
-                <a:highlight>
-                  <a:srgbClr val="FFFF00"/>
-                </a:highlight>
-                <a:latin typeface="Consolas" panose="020B0609020204030204" pitchFamily="49" charset="0"/>
-              </a:rPr>
-              <a:t>Migrations for 'ex':</a:t>
-            </a:r>
-          </a:p>
-          <a:p>
-            <a:r>
-              <a:rPr lang="en-US" sz="1600" i="1" dirty="0">
-                <a:highlight>
-                  <a:srgbClr val="FFFF00"/>
-                </a:highlight>
-                <a:latin typeface="Consolas" panose="020B0609020204030204" pitchFamily="49" charset="0"/>
-              </a:rPr>
-              <a:t>  ex\migrations\0001_initial.py</a:t>
-            </a:r>
-          </a:p>
-          <a:p>
-            <a:r>
-              <a:rPr lang="en-US" sz="1600" i="1" dirty="0">
-                <a:highlight>
-                  <a:srgbClr val="FFFF00"/>
-                </a:highlight>
-                <a:latin typeface="Consolas" panose="020B0609020204030204" pitchFamily="49" charset="0"/>
-              </a:rPr>
-              <a:t>    - Create model ex</a:t>
-            </a:r>
-          </a:p>
-          <a:p>
             <a:endParaRPr lang="en-US" sz="1600" dirty="0"/>
           </a:p>
           <a:p>
@@ -5719,68 +5686,6 @@
                 <a:latin typeface="Consolas" panose="020B0609020204030204" pitchFamily="49" charset="0"/>
               </a:rPr>
               <a:t>python manage.py migrate</a:t>
-            </a:r>
-          </a:p>
-          <a:p>
-            <a:r>
-              <a:rPr lang="en-US" sz="1600" i="1" dirty="0">
-                <a:highlight>
-                  <a:srgbClr val="FFFF00"/>
-                </a:highlight>
-                <a:latin typeface="Consolas" panose="020B0609020204030204" pitchFamily="49" charset="0"/>
-              </a:rPr>
-              <a:t>Operations to perform:</a:t>
-            </a:r>
-          </a:p>
-          <a:p>
-            <a:r>
-              <a:rPr lang="en-US" sz="1600" i="1" dirty="0">
-                <a:highlight>
-                  <a:srgbClr val="FFFF00"/>
-                </a:highlight>
-                <a:latin typeface="Consolas" panose="020B0609020204030204" pitchFamily="49" charset="0"/>
-              </a:rPr>
-              <a:t>  Apply all migrations: admin, auth, </a:t>
-            </a:r>
-            <a:r>
-              <a:rPr lang="en-US" sz="1600" i="1" dirty="0" err="1">
-                <a:highlight>
-                  <a:srgbClr val="FFFF00"/>
-                </a:highlight>
-                <a:latin typeface="Consolas" panose="020B0609020204030204" pitchFamily="49" charset="0"/>
-              </a:rPr>
-              <a:t>contenttypes</a:t>
-            </a:r>
-            <a:r>
-              <a:rPr lang="en-US" sz="1600" i="1" dirty="0">
-                <a:highlight>
-                  <a:srgbClr val="FFFF00"/>
-                </a:highlight>
-                <a:latin typeface="Consolas" panose="020B0609020204030204" pitchFamily="49" charset="0"/>
-              </a:rPr>
-              <a:t>, ex, members, sessions</a:t>
-            </a:r>
-          </a:p>
-          <a:p>
-            <a:r>
-              <a:rPr lang="en-US" sz="1600" i="1" dirty="0">
-                <a:highlight>
-                  <a:srgbClr val="FFFF00"/>
-                </a:highlight>
-                <a:latin typeface="Consolas" panose="020B0609020204030204" pitchFamily="49" charset="0"/>
-              </a:rPr>
-              <a:t>Running migrations:</a:t>
-            </a:r>
-          </a:p>
-          <a:p>
-            <a:r>
-              <a:rPr lang="en-US" sz="1600" i="1" dirty="0">
-                <a:highlight>
-                  <a:srgbClr val="FFFF00"/>
-                </a:highlight>
-                <a:latin typeface="Consolas" panose="020B0609020204030204" pitchFamily="49" charset="0"/>
-              </a:rPr>
-              <a:t>  Applying ex.0001_initial... OK</a:t>
             </a:r>
           </a:p>
           <a:p>

--- a/practical_notes.pptx
+++ b/practical_notes.pptx
@@ -6,13 +6,19 @@
   </p:sldMasterIdLst>
   <p:sldIdLst>
     <p:sldId id="256" r:id="rId2"/>
-    <p:sldId id="257" r:id="rId3"/>
-    <p:sldId id="258" r:id="rId4"/>
-    <p:sldId id="260" r:id="rId5"/>
-    <p:sldId id="263" r:id="rId6"/>
-    <p:sldId id="262" r:id="rId7"/>
-    <p:sldId id="261" r:id="rId8"/>
-    <p:sldId id="259" r:id="rId9"/>
+    <p:sldId id="258" r:id="rId3"/>
+    <p:sldId id="260" r:id="rId4"/>
+    <p:sldId id="257" r:id="rId5"/>
+    <p:sldId id="264" r:id="rId6"/>
+    <p:sldId id="265" r:id="rId7"/>
+    <p:sldId id="266" r:id="rId8"/>
+    <p:sldId id="270" r:id="rId9"/>
+    <p:sldId id="267" r:id="rId10"/>
+    <p:sldId id="269" r:id="rId11"/>
+    <p:sldId id="263" r:id="rId12"/>
+    <p:sldId id="262" r:id="rId13"/>
+    <p:sldId id="261" r:id="rId14"/>
+    <p:sldId id="259" r:id="rId15"/>
   </p:sldIdLst>
   <p:sldSz cx="12192000" cy="6858000"/>
   <p:notesSz cx="6858000" cy="9144000"/>
@@ -266,7 +272,7 @@
           <a:p>
             <a:fld id="{3F3D5FB4-2115-4B56-9A81-48967C59654E}" type="datetimeFigureOut">
               <a:rPr lang="en-US" smtClean="0"/>
-              <a:t>1/18/2021</a:t>
+              <a:t>1/20/2021</a:t>
             </a:fld>
             <a:endParaRPr lang="en-US"/>
           </a:p>
@@ -464,7 +470,7 @@
           <a:p>
             <a:fld id="{3F3D5FB4-2115-4B56-9A81-48967C59654E}" type="datetimeFigureOut">
               <a:rPr lang="en-US" smtClean="0"/>
-              <a:t>1/18/2021</a:t>
+              <a:t>1/20/2021</a:t>
             </a:fld>
             <a:endParaRPr lang="en-US"/>
           </a:p>
@@ -672,7 +678,7 @@
           <a:p>
             <a:fld id="{3F3D5FB4-2115-4B56-9A81-48967C59654E}" type="datetimeFigureOut">
               <a:rPr lang="en-US" smtClean="0"/>
-              <a:t>1/18/2021</a:t>
+              <a:t>1/20/2021</a:t>
             </a:fld>
             <a:endParaRPr lang="en-US"/>
           </a:p>
@@ -870,7 +876,7 @@
           <a:p>
             <a:fld id="{3F3D5FB4-2115-4B56-9A81-48967C59654E}" type="datetimeFigureOut">
               <a:rPr lang="en-US" smtClean="0"/>
-              <a:t>1/18/2021</a:t>
+              <a:t>1/20/2021</a:t>
             </a:fld>
             <a:endParaRPr lang="en-US"/>
           </a:p>
@@ -1145,7 +1151,7 @@
           <a:p>
             <a:fld id="{3F3D5FB4-2115-4B56-9A81-48967C59654E}" type="datetimeFigureOut">
               <a:rPr lang="en-US" smtClean="0"/>
-              <a:t>1/18/2021</a:t>
+              <a:t>1/20/2021</a:t>
             </a:fld>
             <a:endParaRPr lang="en-US"/>
           </a:p>
@@ -1410,7 +1416,7 @@
           <a:p>
             <a:fld id="{3F3D5FB4-2115-4B56-9A81-48967C59654E}" type="datetimeFigureOut">
               <a:rPr lang="en-US" smtClean="0"/>
-              <a:t>1/18/2021</a:t>
+              <a:t>1/20/2021</a:t>
             </a:fld>
             <a:endParaRPr lang="en-US"/>
           </a:p>
@@ -1822,7 +1828,7 @@
           <a:p>
             <a:fld id="{3F3D5FB4-2115-4B56-9A81-48967C59654E}" type="datetimeFigureOut">
               <a:rPr lang="en-US" smtClean="0"/>
-              <a:t>1/18/2021</a:t>
+              <a:t>1/20/2021</a:t>
             </a:fld>
             <a:endParaRPr lang="en-US"/>
           </a:p>
@@ -1963,7 +1969,7 @@
           <a:p>
             <a:fld id="{3F3D5FB4-2115-4B56-9A81-48967C59654E}" type="datetimeFigureOut">
               <a:rPr lang="en-US" smtClean="0"/>
-              <a:t>1/18/2021</a:t>
+              <a:t>1/20/2021</a:t>
             </a:fld>
             <a:endParaRPr lang="en-US"/>
           </a:p>
@@ -2076,7 +2082,7 @@
           <a:p>
             <a:fld id="{3F3D5FB4-2115-4B56-9A81-48967C59654E}" type="datetimeFigureOut">
               <a:rPr lang="en-US" smtClean="0"/>
-              <a:t>1/18/2021</a:t>
+              <a:t>1/20/2021</a:t>
             </a:fld>
             <a:endParaRPr lang="en-US"/>
           </a:p>
@@ -2387,7 +2393,7 @@
           <a:p>
             <a:fld id="{3F3D5FB4-2115-4B56-9A81-48967C59654E}" type="datetimeFigureOut">
               <a:rPr lang="en-US" smtClean="0"/>
-              <a:t>1/18/2021</a:t>
+              <a:t>1/20/2021</a:t>
             </a:fld>
             <a:endParaRPr lang="en-US"/>
           </a:p>
@@ -2675,7 +2681,7 @@
           <a:p>
             <a:fld id="{3F3D5FB4-2115-4B56-9A81-48967C59654E}" type="datetimeFigureOut">
               <a:rPr lang="en-US" smtClean="0"/>
-              <a:t>1/18/2021</a:t>
+              <a:t>1/20/2021</a:t>
             </a:fld>
             <a:endParaRPr lang="en-US"/>
           </a:p>
@@ -2919,7 +2925,7 @@
           <a:p>
             <a:fld id="{3F3D5FB4-2115-4B56-9A81-48967C59654E}" type="datetimeFigureOut">
               <a:rPr lang="en-US" smtClean="0"/>
-              <a:t>1/18/2021</a:t>
+              <a:t>1/20/2021</a:t>
             </a:fld>
             <a:endParaRPr lang="en-US"/>
           </a:p>
@@ -3417,437 +3423,7 @@
 </p:sld>
 </file>
 
-<file path=ppt/slides/slide2.xml><?xml version="1.0" encoding="utf-8"?>
-<p:sld xmlns:a="http://schemas.openxmlformats.org/drawingml/2006/main" xmlns:r="http://schemas.openxmlformats.org/officeDocument/2006/relationships" xmlns:p="http://schemas.openxmlformats.org/presentationml/2006/main">
-  <p:cSld>
-    <p:spTree>
-      <p:nvGrpSpPr>
-        <p:cNvPr id="1" name=""/>
-        <p:cNvGrpSpPr/>
-        <p:nvPr/>
-      </p:nvGrpSpPr>
-      <p:grpSpPr>
-        <a:xfrm>
-          <a:off x="0" y="0"/>
-          <a:ext cx="0" cy="0"/>
-          <a:chOff x="0" y="0"/>
-          <a:chExt cx="0" cy="0"/>
-        </a:xfrm>
-      </p:grpSpPr>
-      <p:sp>
-        <p:nvSpPr>
-          <p:cNvPr id="2" name="TextBox 1">
-            <a:extLst>
-              <a:ext uri="{FF2B5EF4-FFF2-40B4-BE49-F238E27FC236}">
-                <a16:creationId xmlns:a16="http://schemas.microsoft.com/office/drawing/2014/main" id="{45061799-8B0A-479F-A648-51079FA2ACAC}"/>
-              </a:ext>
-            </a:extLst>
-          </p:cNvPr>
-          <p:cNvSpPr txBox="1"/>
-          <p:nvPr/>
-        </p:nvSpPr>
-        <p:spPr>
-          <a:xfrm>
-            <a:off x="3787515" y="1089898"/>
-            <a:ext cx="4616970" cy="4678204"/>
-          </a:xfrm>
-          <a:prstGeom prst="rect">
-            <a:avLst/>
-          </a:prstGeom>
-          <a:noFill/>
-        </p:spPr>
-        <p:txBody>
-          <a:bodyPr wrap="none" rtlCol="0">
-            <a:spAutoFit/>
-          </a:bodyPr>
-          <a:lstStyle/>
-          <a:p>
-            <a:pPr algn="ctr"/>
-            <a:r>
-              <a:rPr lang="en-US" sz="2400" b="1" dirty="0"/>
-              <a:t>Hello World</a:t>
-            </a:r>
-          </a:p>
-          <a:p>
-            <a:endParaRPr lang="en-US" b="1" dirty="0"/>
-          </a:p>
-          <a:p>
-            <a:r>
-              <a:rPr lang="en-US" sz="2000" b="1" dirty="0"/>
-              <a:t>Run a development server</a:t>
-            </a:r>
-          </a:p>
-          <a:p>
-            <a:endParaRPr lang="en-US" sz="2000" dirty="0"/>
-          </a:p>
-          <a:p>
-            <a:pPr marL="342900" indent="-342900">
-              <a:buFont typeface="Arial" panose="020B0604020202020204" pitchFamily="34" charset="0"/>
-              <a:buChar char="•"/>
-            </a:pPr>
-            <a:r>
-              <a:rPr lang="en-US" dirty="0"/>
-              <a:t>Make a new project directory</a:t>
-            </a:r>
-          </a:p>
-          <a:p>
-            <a:endParaRPr lang="en-US" dirty="0"/>
-          </a:p>
-          <a:p>
-            <a:pPr marL="342900" indent="-342900">
-              <a:buFont typeface="Arial" panose="020B0604020202020204" pitchFamily="34" charset="0"/>
-              <a:buChar char="•"/>
-            </a:pPr>
-            <a:r>
-              <a:rPr lang="en-US" dirty="0"/>
-              <a:t>Start the project</a:t>
-            </a:r>
-          </a:p>
-          <a:p>
-            <a:r>
-              <a:rPr lang="en-US" b="1" i="1" dirty="0">
-                <a:latin typeface="Consolas" panose="020B0609020204030204" pitchFamily="49" charset="0"/>
-                <a:cs typeface="Times New Roman" panose="02020603050405020304" pitchFamily="18" charset="0"/>
-              </a:rPr>
-              <a:t>   </a:t>
-            </a:r>
-            <a:r>
-              <a:rPr lang="en-US" b="1" i="1" dirty="0" err="1">
-                <a:latin typeface="Consolas" panose="020B0609020204030204" pitchFamily="49" charset="0"/>
-                <a:cs typeface="Times New Roman" panose="02020603050405020304" pitchFamily="18" charset="0"/>
-              </a:rPr>
-              <a:t>django</a:t>
-            </a:r>
-            <a:r>
-              <a:rPr lang="en-US" b="1" i="1" dirty="0">
-                <a:latin typeface="Consolas" panose="020B0609020204030204" pitchFamily="49" charset="0"/>
-                <a:cs typeface="Times New Roman" panose="02020603050405020304" pitchFamily="18" charset="0"/>
-              </a:rPr>
-              <a:t>-admin </a:t>
-            </a:r>
-            <a:r>
-              <a:rPr lang="en-US" b="1" i="1" dirty="0" err="1">
-                <a:latin typeface="Consolas" panose="020B0609020204030204" pitchFamily="49" charset="0"/>
-                <a:cs typeface="Times New Roman" panose="02020603050405020304" pitchFamily="18" charset="0"/>
-              </a:rPr>
-              <a:t>startproject</a:t>
-            </a:r>
-            <a:r>
-              <a:rPr lang="en-US" b="1" i="1" dirty="0">
-                <a:latin typeface="Consolas" panose="020B0609020204030204" pitchFamily="49" charset="0"/>
-                <a:cs typeface="Times New Roman" panose="02020603050405020304" pitchFamily="18" charset="0"/>
-              </a:rPr>
-              <a:t> </a:t>
-            </a:r>
-            <a:r>
-              <a:rPr lang="en-US" b="1" i="1" dirty="0" err="1">
-                <a:latin typeface="Consolas" panose="020B0609020204030204" pitchFamily="49" charset="0"/>
-                <a:cs typeface="Times New Roman" panose="02020603050405020304" pitchFamily="18" charset="0"/>
-              </a:rPr>
-              <a:t>mysite</a:t>
-            </a:r>
-            <a:endParaRPr lang="en-US" b="1" i="1" dirty="0">
-              <a:latin typeface="Consolas" panose="020B0609020204030204" pitchFamily="49" charset="0"/>
-              <a:cs typeface="Times New Roman" panose="02020603050405020304" pitchFamily="18" charset="0"/>
-            </a:endParaRPr>
-          </a:p>
-          <a:p>
-            <a:endParaRPr lang="en-US" i="1" dirty="0">
-              <a:latin typeface="Consolas" panose="020B0609020204030204" pitchFamily="49" charset="0"/>
-              <a:cs typeface="Times New Roman" panose="02020603050405020304" pitchFamily="18" charset="0"/>
-            </a:endParaRPr>
-          </a:p>
-          <a:p>
-            <a:pPr marL="285750" indent="-285750">
-              <a:buFont typeface="Arial" panose="020B0604020202020204" pitchFamily="34" charset="0"/>
-              <a:buChar char="•"/>
-            </a:pPr>
-            <a:r>
-              <a:rPr lang="en-US" dirty="0">
-                <a:cs typeface="Times New Roman" panose="02020603050405020304" pitchFamily="18" charset="0"/>
-              </a:rPr>
-              <a:t>Run the server</a:t>
-            </a:r>
-          </a:p>
-          <a:p>
-            <a:r>
-              <a:rPr lang="en-US" altLang="en-US" b="1" i="1" dirty="0">
-                <a:latin typeface="Consolas" panose="020B0609020204030204" pitchFamily="49" charset="0"/>
-                <a:cs typeface="Times New Roman" panose="02020603050405020304" pitchFamily="18" charset="0"/>
-              </a:rPr>
-              <a:t>  </a:t>
-            </a:r>
-            <a:r>
-              <a:rPr lang="en-US" altLang="en-US" b="1" i="1" dirty="0">
-                <a:latin typeface="Consolas" panose="020B0609020204030204" pitchFamily="49" charset="0"/>
-              </a:rPr>
-              <a:t>python manage.py </a:t>
-            </a:r>
-            <a:r>
-              <a:rPr lang="en-US" altLang="en-US" b="1" i="1" dirty="0" err="1">
-                <a:latin typeface="Consolas" panose="020B0609020204030204" pitchFamily="49" charset="0"/>
-              </a:rPr>
-              <a:t>runserver</a:t>
-            </a:r>
-            <a:endParaRPr lang="en-US" altLang="en-US" b="1" i="1" dirty="0">
-              <a:latin typeface="Consolas" panose="020B0609020204030204" pitchFamily="49" charset="0"/>
-            </a:endParaRPr>
-          </a:p>
-          <a:p>
-            <a:endParaRPr lang="en-US" b="1" i="1" dirty="0">
-              <a:latin typeface="Consolas" panose="020B0609020204030204" pitchFamily="49" charset="0"/>
-            </a:endParaRPr>
-          </a:p>
-          <a:p>
-            <a:r>
-              <a:rPr lang="en-US" b="1" dirty="0"/>
-              <a:t>explore pypi.org</a:t>
-            </a:r>
-          </a:p>
-          <a:p>
-            <a:endParaRPr lang="en-US" b="1" dirty="0"/>
-          </a:p>
-          <a:p>
-            <a:r>
-              <a:rPr lang="en-US" b="1" dirty="0"/>
-              <a:t>how to navigate folder or </a:t>
-            </a:r>
-            <a:r>
-              <a:rPr lang="en-US" b="1" dirty="0" err="1"/>
-              <a:t>dir</a:t>
-            </a:r>
-            <a:r>
-              <a:rPr lang="en-US" b="1" dirty="0"/>
-              <a:t> in </a:t>
-            </a:r>
-            <a:r>
-              <a:rPr lang="en-US" b="1" dirty="0" err="1"/>
-              <a:t>cmd</a:t>
-            </a:r>
-            <a:r>
-              <a:rPr lang="en-US" b="1" dirty="0"/>
-              <a:t> prompt</a:t>
-            </a:r>
-          </a:p>
-          <a:p>
-            <a:r>
-              <a:rPr lang="en-US" b="1" dirty="0" err="1"/>
-              <a:t>cmd</a:t>
-            </a:r>
-            <a:r>
-              <a:rPr lang="en-US" b="1" dirty="0"/>
-              <a:t> history</a:t>
-            </a:r>
-          </a:p>
-        </p:txBody>
-      </p:sp>
-    </p:spTree>
-    <p:extLst>
-      <p:ext uri="{BB962C8B-B14F-4D97-AF65-F5344CB8AC3E}">
-        <p14:creationId xmlns:p14="http://schemas.microsoft.com/office/powerpoint/2010/main" val="1265443498"/>
-      </p:ext>
-    </p:extLst>
-  </p:cSld>
-  <p:clrMapOvr>
-    <a:masterClrMapping/>
-  </p:clrMapOvr>
-</p:sld>
-</file>
-
-<file path=ppt/slides/slide3.xml><?xml version="1.0" encoding="utf-8"?>
-<p:sld xmlns:a="http://schemas.openxmlformats.org/drawingml/2006/main" xmlns:r="http://schemas.openxmlformats.org/officeDocument/2006/relationships" xmlns:p="http://schemas.openxmlformats.org/presentationml/2006/main">
-  <p:cSld>
-    <p:spTree>
-      <p:nvGrpSpPr>
-        <p:cNvPr id="1" name=""/>
-        <p:cNvGrpSpPr/>
-        <p:nvPr/>
-      </p:nvGrpSpPr>
-      <p:grpSpPr>
-        <a:xfrm>
-          <a:off x="0" y="0"/>
-          <a:ext cx="0" cy="0"/>
-          <a:chOff x="0" y="0"/>
-          <a:chExt cx="0" cy="0"/>
-        </a:xfrm>
-      </p:grpSpPr>
-      <p:sp>
-        <p:nvSpPr>
-          <p:cNvPr id="2" name="TextBox 1">
-            <a:extLst>
-              <a:ext uri="{FF2B5EF4-FFF2-40B4-BE49-F238E27FC236}">
-                <a16:creationId xmlns:a16="http://schemas.microsoft.com/office/drawing/2014/main" id="{EC44C923-020D-4A94-9EA3-D78D2FF95329}"/>
-              </a:ext>
-            </a:extLst>
-          </p:cNvPr>
-          <p:cNvSpPr txBox="1"/>
-          <p:nvPr/>
-        </p:nvSpPr>
-        <p:spPr>
-          <a:xfrm>
-            <a:off x="2336284" y="1012954"/>
-            <a:ext cx="7519431" cy="4832092"/>
-          </a:xfrm>
-          <a:prstGeom prst="rect">
-            <a:avLst/>
-          </a:prstGeom>
-          <a:noFill/>
-        </p:spPr>
-        <p:txBody>
-          <a:bodyPr wrap="none" rtlCol="0">
-            <a:spAutoFit/>
-          </a:bodyPr>
-          <a:lstStyle/>
-          <a:p>
-            <a:pPr algn="ctr"/>
-            <a:r>
-              <a:rPr lang="en-US" sz="2400" b="1" dirty="0"/>
-              <a:t>Settings Module</a:t>
-            </a:r>
-          </a:p>
-          <a:p>
-            <a:pPr algn="ctr"/>
-            <a:endParaRPr lang="en-US" sz="2400" b="1" dirty="0"/>
-          </a:p>
-          <a:p>
-            <a:r>
-              <a:rPr lang="en-US" sz="2000" b="1" dirty="0"/>
-              <a:t>Separating dev, prod, test environments</a:t>
-            </a:r>
-          </a:p>
-          <a:p>
-            <a:endParaRPr lang="en-US" sz="2000" dirty="0"/>
-          </a:p>
-          <a:p>
-            <a:pPr marL="342900" indent="-342900">
-              <a:buFont typeface="Arial" panose="020B0604020202020204" pitchFamily="34" charset="0"/>
-              <a:buChar char="•"/>
-            </a:pPr>
-            <a:r>
-              <a:rPr lang="en-US" sz="2000" dirty="0"/>
-              <a:t>Create a folder called settings or config</a:t>
-            </a:r>
-          </a:p>
-          <a:p>
-            <a:pPr marL="342900" indent="-342900">
-              <a:buFont typeface="Arial" panose="020B0604020202020204" pitchFamily="34" charset="0"/>
-              <a:buChar char="•"/>
-            </a:pPr>
-            <a:r>
-              <a:rPr lang="en-US" sz="2000" dirty="0"/>
-              <a:t>Move the settings.py to that </a:t>
-            </a:r>
-            <a:r>
-              <a:rPr lang="en-US" sz="2000" dirty="0" err="1"/>
-              <a:t>dir</a:t>
-            </a:r>
-            <a:endParaRPr lang="en-US" sz="2000" dirty="0"/>
-          </a:p>
-          <a:p>
-            <a:pPr marL="342900" indent="-342900">
-              <a:buFont typeface="Arial" panose="020B0604020202020204" pitchFamily="34" charset="0"/>
-              <a:buChar char="•"/>
-            </a:pPr>
-            <a:r>
-              <a:rPr lang="en-US" sz="2000" dirty="0"/>
-              <a:t>Create a __init__.py</a:t>
-            </a:r>
-          </a:p>
-          <a:p>
-            <a:pPr marL="342900" indent="-342900">
-              <a:buFont typeface="Arial" panose="020B0604020202020204" pitchFamily="34" charset="0"/>
-              <a:buChar char="•"/>
-            </a:pPr>
-            <a:r>
-              <a:rPr lang="en-US" sz="2000" dirty="0"/>
-              <a:t>Create a dev.py, import settings to it, overwrite the values in dev.py</a:t>
-            </a:r>
-          </a:p>
-          <a:p>
-            <a:pPr marL="342900" indent="-342900">
-              <a:buFont typeface="Arial" panose="020B0604020202020204" pitchFamily="34" charset="0"/>
-              <a:buChar char="•"/>
-            </a:pPr>
-            <a:r>
-              <a:rPr lang="en-US" sz="2000" dirty="0"/>
-              <a:t>Repeat the same for prod.py</a:t>
-            </a:r>
-          </a:p>
-          <a:p>
-            <a:pPr marL="342900" indent="-342900">
-              <a:buFont typeface="Arial" panose="020B0604020202020204" pitchFamily="34" charset="0"/>
-              <a:buChar char="•"/>
-            </a:pPr>
-            <a:r>
-              <a:rPr lang="en-US" sz="2000" dirty="0"/>
-              <a:t>In settings.py, point the base </a:t>
-            </a:r>
-            <a:r>
-              <a:rPr lang="en-US" sz="2000" dirty="0" err="1"/>
-              <a:t>dir</a:t>
-            </a:r>
-            <a:r>
-              <a:rPr lang="en-US" sz="2000" dirty="0"/>
-              <a:t> one step up</a:t>
-            </a:r>
-          </a:p>
-          <a:p>
-            <a:pPr marL="342900" indent="-342900">
-              <a:buFont typeface="Arial" panose="020B0604020202020204" pitchFamily="34" charset="0"/>
-              <a:buChar char="•"/>
-            </a:pPr>
-            <a:r>
-              <a:rPr lang="en-US" sz="2000" dirty="0"/>
-              <a:t>In wsgi.py and manage.py, point the settings to dev</a:t>
-            </a:r>
-          </a:p>
-          <a:p>
-            <a:pPr marL="342900" indent="-342900">
-              <a:buFont typeface="Arial" panose="020B0604020202020204" pitchFamily="34" charset="0"/>
-              <a:buChar char="•"/>
-            </a:pPr>
-            <a:r>
-              <a:rPr lang="en-US" sz="2000" dirty="0"/>
-              <a:t>Run the server</a:t>
-            </a:r>
-          </a:p>
-          <a:p>
-            <a:pPr marL="342900" indent="-342900">
-              <a:buFont typeface="Arial" panose="020B0604020202020204" pitchFamily="34" charset="0"/>
-              <a:buChar char="•"/>
-            </a:pPr>
-            <a:endParaRPr lang="en-US" sz="2000" dirty="0"/>
-          </a:p>
-          <a:p>
-            <a:pPr marL="342900" indent="-342900">
-              <a:buFont typeface="Arial" panose="020B0604020202020204" pitchFamily="34" charset="0"/>
-              <a:buChar char="•"/>
-            </a:pPr>
-            <a:endParaRPr lang="en-US" sz="2000" dirty="0"/>
-          </a:p>
-          <a:p>
-            <a:pPr marL="342900" indent="-342900">
-              <a:buFont typeface="Arial" panose="020B0604020202020204" pitchFamily="34" charset="0"/>
-              <a:buChar char="•"/>
-            </a:pPr>
-            <a:endParaRPr lang="en-US" sz="2000" dirty="0"/>
-          </a:p>
-        </p:txBody>
-      </p:sp>
-    </p:spTree>
-    <p:extLst>
-      <p:ext uri="{BB962C8B-B14F-4D97-AF65-F5344CB8AC3E}">
-        <p14:creationId xmlns:p14="http://schemas.microsoft.com/office/powerpoint/2010/main" val="2402287818"/>
-      </p:ext>
-    </p:extLst>
-  </p:cSld>
-  <p:clrMapOvr>
-    <a:masterClrMapping/>
-  </p:clrMapOvr>
-</p:sld>
-</file>
-
-<file path=ppt/slides/slide4.xml><?xml version="1.0" encoding="utf-8"?>
+<file path=ppt/slides/slide10.xml><?xml version="1.0" encoding="utf-8"?>
 <p:sld xmlns:a="http://schemas.openxmlformats.org/drawingml/2006/main" xmlns:r="http://schemas.openxmlformats.org/officeDocument/2006/relationships" xmlns:p="http://schemas.openxmlformats.org/presentationml/2006/main">
   <p:cSld>
     <p:spTree>
@@ -3866,10 +3442,10 @@
       </p:grpSpPr>
       <p:grpSp>
         <p:nvGrpSpPr>
-          <p:cNvPr id="42" name="Group 41">
+          <p:cNvPr id="12" name="Group 11">
             <a:extLst>
               <a:ext uri="{FF2B5EF4-FFF2-40B4-BE49-F238E27FC236}">
-                <a16:creationId xmlns:a16="http://schemas.microsoft.com/office/drawing/2014/main" id="{AEDE1FE4-0D21-4DD2-9538-F734239C69B7}"/>
+                <a16:creationId xmlns:a16="http://schemas.microsoft.com/office/drawing/2014/main" id="{3DB914F9-F97E-41DA-B633-D6F6BDC0C85D}"/>
               </a:ext>
             </a:extLst>
           </p:cNvPr>
@@ -3878,786 +3454,688 @@
         </p:nvGrpSpPr>
         <p:grpSpPr>
           <a:xfrm>
-            <a:off x="577702" y="733079"/>
-            <a:ext cx="11036595" cy="946835"/>
-            <a:chOff x="733647" y="541693"/>
-            <a:chExt cx="11036595" cy="946835"/>
+            <a:off x="223520" y="2477022"/>
+            <a:ext cx="11744959" cy="4167618"/>
+            <a:chOff x="223520" y="28462"/>
+            <a:chExt cx="11744959" cy="4167618"/>
           </a:xfrm>
         </p:grpSpPr>
-        <p:sp>
-          <p:nvSpPr>
-            <p:cNvPr id="2" name="Rectangle 1">
+        <p:grpSp>
+          <p:nvGrpSpPr>
+            <p:cNvPr id="11" name="Group 10">
               <a:extLst>
                 <a:ext uri="{FF2B5EF4-FFF2-40B4-BE49-F238E27FC236}">
-                  <a16:creationId xmlns:a16="http://schemas.microsoft.com/office/drawing/2014/main" id="{2DF6E6F4-7FC8-49E9-A9B7-325EA31FA6A1}"/>
+                  <a16:creationId xmlns:a16="http://schemas.microsoft.com/office/drawing/2014/main" id="{31CB935B-E8C7-4D25-90D6-6548BFB302D2}"/>
                 </a:ext>
               </a:extLst>
             </p:cNvPr>
-            <p:cNvSpPr/>
+            <p:cNvGrpSpPr/>
             <p:nvPr/>
-          </p:nvSpPr>
-          <p:spPr>
+          </p:nvGrpSpPr>
+          <p:grpSpPr>
             <a:xfrm>
-              <a:off x="3312938" y="541693"/>
-              <a:ext cx="1828800" cy="914400"/>
+              <a:off x="223520" y="28462"/>
+              <a:ext cx="5603122" cy="4167618"/>
+              <a:chOff x="223520" y="28462"/>
+              <a:chExt cx="5603122" cy="4167618"/>
             </a:xfrm>
-            <a:prstGeom prst="rect">
-              <a:avLst/>
-            </a:prstGeom>
-            <a:solidFill>
-              <a:srgbClr val="F0F0F0"/>
-            </a:solidFill>
-            <a:ln>
+          </p:grpSpPr>
+          <p:sp>
+            <p:nvSpPr>
+              <p:cNvPr id="3" name="Rectangle 2">
+                <a:extLst>
+                  <a:ext uri="{FF2B5EF4-FFF2-40B4-BE49-F238E27FC236}">
+                    <a16:creationId xmlns:a16="http://schemas.microsoft.com/office/drawing/2014/main" id="{01139626-FCCF-4C68-8C03-E528BDBE066B}"/>
+                  </a:ext>
+                </a:extLst>
+              </p:cNvPr>
+              <p:cNvSpPr/>
+              <p:nvPr/>
+            </p:nvSpPr>
+            <p:spPr>
+              <a:xfrm>
+                <a:off x="223521" y="397794"/>
+                <a:ext cx="5603121" cy="3798286"/>
+              </a:xfrm>
+              <a:prstGeom prst="rect">
+                <a:avLst/>
+              </a:prstGeom>
               <a:solidFill>
-                <a:schemeClr val="tx1"/>
+                <a:schemeClr val="bg1"/>
               </a:solidFill>
-            </a:ln>
-          </p:spPr>
-          <p:style>
-            <a:lnRef idx="2">
-              <a:schemeClr val="accent1">
-                <a:shade val="50000"/>
-              </a:schemeClr>
-            </a:lnRef>
-            <a:fillRef idx="1">
-              <a:schemeClr val="accent1"/>
-            </a:fillRef>
-            <a:effectRef idx="0">
-              <a:schemeClr val="accent1"/>
-            </a:effectRef>
-            <a:fontRef idx="minor">
-              <a:schemeClr val="lt1"/>
-            </a:fontRef>
-          </p:style>
-          <p:txBody>
-            <a:bodyPr rtlCol="0" anchor="ctr"/>
-            <a:lstStyle/>
-            <a:p>
-              <a:pPr algn="ctr"/>
-              <a:r>
-                <a:rPr lang="en-US" dirty="0">
-                  <a:solidFill>
-                    <a:sysClr val="windowText" lastClr="000000"/>
-                  </a:solidFill>
-                </a:rPr>
-                <a:t>URLs</a:t>
-              </a:r>
-            </a:p>
-            <a:p>
-              <a:pPr algn="ctr"/>
-              <a:r>
-                <a:rPr lang="en-US" dirty="0">
-                  <a:solidFill>
-                    <a:sysClr val="windowText" lastClr="000000"/>
-                  </a:solidFill>
-                </a:rPr>
-                <a:t>(urls.py)</a:t>
-              </a:r>
-            </a:p>
-          </p:txBody>
-        </p:sp>
-        <p:sp>
-          <p:nvSpPr>
-            <p:cNvPr id="3" name="Rectangle 2">
-              <a:extLst>
-                <a:ext uri="{FF2B5EF4-FFF2-40B4-BE49-F238E27FC236}">
-                  <a16:creationId xmlns:a16="http://schemas.microsoft.com/office/drawing/2014/main" id="{367421AA-1A29-4261-B77D-B842D149C7C8}"/>
-                </a:ext>
-              </a:extLst>
-            </p:cNvPr>
-            <p:cNvSpPr/>
-            <p:nvPr/>
-          </p:nvSpPr>
-          <p:spPr>
-            <a:xfrm>
-              <a:off x="7483111" y="541693"/>
-              <a:ext cx="1828800" cy="914400"/>
-            </a:xfrm>
-            <a:prstGeom prst="rect">
-              <a:avLst/>
-            </a:prstGeom>
-            <a:solidFill>
-              <a:srgbClr val="F0F0F0"/>
-            </a:solidFill>
-            <a:ln>
-              <a:solidFill>
-                <a:schemeClr val="tx1"/>
-              </a:solidFill>
-            </a:ln>
-          </p:spPr>
-          <p:style>
-            <a:lnRef idx="2">
-              <a:schemeClr val="accent1">
-                <a:shade val="50000"/>
-              </a:schemeClr>
-            </a:lnRef>
-            <a:fillRef idx="1">
-              <a:schemeClr val="accent1"/>
-            </a:fillRef>
-            <a:effectRef idx="0">
-              <a:schemeClr val="accent1"/>
-            </a:effectRef>
-            <a:fontRef idx="minor">
-              <a:schemeClr val="lt1"/>
-            </a:fontRef>
-          </p:style>
-          <p:txBody>
-            <a:bodyPr rtlCol="0" anchor="ctr"/>
-            <a:lstStyle/>
-            <a:p>
-              <a:pPr algn="ctr"/>
-              <a:r>
-                <a:rPr lang="en-US" dirty="0">
-                  <a:solidFill>
-                    <a:sysClr val="windowText" lastClr="000000"/>
-                  </a:solidFill>
-                </a:rPr>
-                <a:t>View</a:t>
-              </a:r>
-            </a:p>
-            <a:p>
-              <a:pPr algn="ctr"/>
-              <a:r>
-                <a:rPr lang="en-US" dirty="0">
-                  <a:solidFill>
-                    <a:sysClr val="windowText" lastClr="000000"/>
-                  </a:solidFill>
-                </a:rPr>
-                <a:t>(views.py)</a:t>
-              </a:r>
-            </a:p>
-          </p:txBody>
-        </p:sp>
-        <p:cxnSp>
-          <p:nvCxnSpPr>
-            <p:cNvPr id="7" name="Straight Arrow Connector 6">
-              <a:extLst>
-                <a:ext uri="{FF2B5EF4-FFF2-40B4-BE49-F238E27FC236}">
-                  <a16:creationId xmlns:a16="http://schemas.microsoft.com/office/drawing/2014/main" id="{A942C7F4-2E7F-4461-81EE-C6577B13A9BD}"/>
-                </a:ext>
-              </a:extLst>
-            </p:cNvPr>
-            <p:cNvCxnSpPr>
-              <a:cxnSpLocks/>
-              <a:endCxn id="2" idx="1"/>
-            </p:cNvCxnSpPr>
-            <p:nvPr/>
-          </p:nvCxnSpPr>
-          <p:spPr>
-            <a:xfrm>
-              <a:off x="733647" y="998893"/>
-              <a:ext cx="2579291" cy="0"/>
-            </a:xfrm>
-            <a:prstGeom prst="straightConnector1">
-              <a:avLst/>
-            </a:prstGeom>
-            <a:ln>
-              <a:solidFill>
-                <a:schemeClr val="tx1"/>
-              </a:solidFill>
-              <a:tailEnd type="triangle"/>
-            </a:ln>
-          </p:spPr>
-          <p:style>
-            <a:lnRef idx="1">
-              <a:schemeClr val="accent1"/>
-            </a:lnRef>
-            <a:fillRef idx="0">
-              <a:schemeClr val="accent1"/>
-            </a:fillRef>
-            <a:effectRef idx="0">
-              <a:schemeClr val="accent1"/>
-            </a:effectRef>
-            <a:fontRef idx="minor">
-              <a:schemeClr val="tx1"/>
-            </a:fontRef>
-          </p:style>
-        </p:cxnSp>
-        <p:sp>
-          <p:nvSpPr>
-            <p:cNvPr id="8" name="TextBox 7">
-              <a:extLst>
-                <a:ext uri="{FF2B5EF4-FFF2-40B4-BE49-F238E27FC236}">
-                  <a16:creationId xmlns:a16="http://schemas.microsoft.com/office/drawing/2014/main" id="{3853AA7B-AD3A-4FC8-96F5-D5B474691303}"/>
-                </a:ext>
-              </a:extLst>
-            </p:cNvPr>
-            <p:cNvSpPr txBox="1"/>
-            <p:nvPr/>
-          </p:nvSpPr>
-          <p:spPr>
-            <a:xfrm>
-              <a:off x="1369539" y="565198"/>
-              <a:ext cx="1345497" cy="369332"/>
-            </a:xfrm>
-            <a:prstGeom prst="rect">
-              <a:avLst/>
-            </a:prstGeom>
-            <a:noFill/>
-          </p:spPr>
-          <p:txBody>
-            <a:bodyPr wrap="none" rtlCol="0">
-              <a:spAutoFit/>
-            </a:bodyPr>
-            <a:lstStyle/>
-            <a:p>
-              <a:r>
-                <a:rPr lang="en-US" dirty="0"/>
-                <a:t>http request</a:t>
-              </a:r>
-            </a:p>
-          </p:txBody>
-        </p:sp>
-        <p:cxnSp>
-          <p:nvCxnSpPr>
-            <p:cNvPr id="10" name="Straight Arrow Connector 9">
-              <a:extLst>
-                <a:ext uri="{FF2B5EF4-FFF2-40B4-BE49-F238E27FC236}">
-                  <a16:creationId xmlns:a16="http://schemas.microsoft.com/office/drawing/2014/main" id="{DA4CD683-6AA5-4E6F-910F-86F70C57993C}"/>
-                </a:ext>
-              </a:extLst>
-            </p:cNvPr>
-            <p:cNvCxnSpPr>
-              <a:cxnSpLocks/>
-              <a:stCxn id="2" idx="3"/>
-              <a:endCxn id="3" idx="1"/>
-            </p:cNvCxnSpPr>
-            <p:nvPr/>
-          </p:nvCxnSpPr>
-          <p:spPr>
-            <a:xfrm>
-              <a:off x="5141738" y="998893"/>
-              <a:ext cx="2341373" cy="0"/>
-            </a:xfrm>
-            <a:prstGeom prst="straightConnector1">
-              <a:avLst/>
-            </a:prstGeom>
-            <a:ln>
-              <a:solidFill>
-                <a:schemeClr val="tx1"/>
-              </a:solidFill>
-              <a:tailEnd type="triangle"/>
-            </a:ln>
-          </p:spPr>
-          <p:style>
-            <a:lnRef idx="1">
-              <a:schemeClr val="accent1"/>
-            </a:lnRef>
-            <a:fillRef idx="0">
-              <a:schemeClr val="accent1"/>
-            </a:fillRef>
-            <a:effectRef idx="0">
-              <a:schemeClr val="accent1"/>
-            </a:effectRef>
-            <a:fontRef idx="minor">
-              <a:schemeClr val="tx1"/>
-            </a:fontRef>
-          </p:style>
-        </p:cxnSp>
-        <p:cxnSp>
-          <p:nvCxnSpPr>
-            <p:cNvPr id="17" name="Straight Arrow Connector 16">
-              <a:extLst>
-                <a:ext uri="{FF2B5EF4-FFF2-40B4-BE49-F238E27FC236}">
-                  <a16:creationId xmlns:a16="http://schemas.microsoft.com/office/drawing/2014/main" id="{3D3ED576-937E-400F-AB42-F830EB1126A4}"/>
-                </a:ext>
-              </a:extLst>
-            </p:cNvPr>
-            <p:cNvCxnSpPr>
-              <a:cxnSpLocks/>
-              <a:stCxn id="3" idx="3"/>
-            </p:cNvCxnSpPr>
-            <p:nvPr/>
-          </p:nvCxnSpPr>
-          <p:spPr>
-            <a:xfrm>
-              <a:off x="9311911" y="998893"/>
-              <a:ext cx="2458331" cy="0"/>
-            </a:xfrm>
-            <a:prstGeom prst="straightConnector1">
-              <a:avLst/>
-            </a:prstGeom>
-            <a:ln>
-              <a:solidFill>
-                <a:schemeClr val="tx1"/>
-              </a:solidFill>
-              <a:tailEnd type="triangle"/>
-            </a:ln>
-          </p:spPr>
-          <p:style>
-            <a:lnRef idx="1">
-              <a:schemeClr val="accent1"/>
-            </a:lnRef>
-            <a:fillRef idx="0">
-              <a:schemeClr val="accent1"/>
-            </a:fillRef>
-            <a:effectRef idx="0">
-              <a:schemeClr val="accent1"/>
-            </a:effectRef>
-            <a:fontRef idx="minor">
-              <a:schemeClr val="tx1"/>
-            </a:fontRef>
-          </p:style>
-        </p:cxnSp>
-        <p:sp>
-          <p:nvSpPr>
-            <p:cNvPr id="24" name="TextBox 23">
-              <a:extLst>
-                <a:ext uri="{FF2B5EF4-FFF2-40B4-BE49-F238E27FC236}">
-                  <a16:creationId xmlns:a16="http://schemas.microsoft.com/office/drawing/2014/main" id="{798F7E9B-F143-41EE-A7E0-0C3DC62C454F}"/>
-                </a:ext>
-              </a:extLst>
-            </p:cNvPr>
-            <p:cNvSpPr txBox="1"/>
-            <p:nvPr/>
-          </p:nvSpPr>
-          <p:spPr>
-            <a:xfrm>
-              <a:off x="5353696" y="565198"/>
-              <a:ext cx="2029210" cy="923330"/>
-            </a:xfrm>
-            <a:prstGeom prst="rect">
-              <a:avLst/>
-            </a:prstGeom>
-            <a:noFill/>
-          </p:spPr>
-          <p:txBody>
-            <a:bodyPr wrap="none" rtlCol="0">
-              <a:spAutoFit/>
-            </a:bodyPr>
-            <a:lstStyle/>
-            <a:p>
-              <a:pPr algn="ctr"/>
-              <a:r>
-                <a:rPr lang="en-US" dirty="0"/>
-                <a:t>Forward request </a:t>
-              </a:r>
-            </a:p>
-            <a:p>
-              <a:pPr algn="ctr"/>
-              <a:endParaRPr lang="en-US" dirty="0"/>
-            </a:p>
-            <a:p>
-              <a:pPr algn="ctr"/>
-              <a:r>
-                <a:rPr lang="en-US" dirty="0"/>
-                <a:t>to appropriate view</a:t>
-              </a:r>
-            </a:p>
-          </p:txBody>
-        </p:sp>
-        <p:sp>
-          <p:nvSpPr>
-            <p:cNvPr id="26" name="TextBox 25">
-              <a:extLst>
-                <a:ext uri="{FF2B5EF4-FFF2-40B4-BE49-F238E27FC236}">
-                  <a16:creationId xmlns:a16="http://schemas.microsoft.com/office/drawing/2014/main" id="{CE12494D-5ABB-4562-8727-B0DB256DC2A4}"/>
-                </a:ext>
-              </a:extLst>
-            </p:cNvPr>
-            <p:cNvSpPr txBox="1"/>
-            <p:nvPr/>
-          </p:nvSpPr>
-          <p:spPr>
-            <a:xfrm>
-              <a:off x="9400616" y="541693"/>
-              <a:ext cx="2252668" cy="369332"/>
-            </a:xfrm>
-            <a:prstGeom prst="rect">
-              <a:avLst/>
-            </a:prstGeom>
-            <a:noFill/>
-          </p:spPr>
-          <p:txBody>
-            <a:bodyPr wrap="none" rtlCol="0">
-              <a:spAutoFit/>
-            </a:bodyPr>
-            <a:lstStyle/>
-            <a:p>
-              <a:r>
-                <a:rPr lang="en-US" dirty="0"/>
-                <a:t>Http response (HTML)</a:t>
-              </a:r>
-            </a:p>
-          </p:txBody>
-        </p:sp>
-      </p:grpSp>
-      <p:grpSp>
-        <p:nvGrpSpPr>
-          <p:cNvPr id="49" name="Group 48">
-            <a:extLst>
-              <a:ext uri="{FF2B5EF4-FFF2-40B4-BE49-F238E27FC236}">
-                <a16:creationId xmlns:a16="http://schemas.microsoft.com/office/drawing/2014/main" id="{21203BA3-A904-4196-9F93-1E26784F3E39}"/>
-              </a:ext>
-            </a:extLst>
-          </p:cNvPr>
-          <p:cNvGrpSpPr/>
-          <p:nvPr/>
-        </p:nvGrpSpPr>
-        <p:grpSpPr>
-          <a:xfrm>
-            <a:off x="577702" y="2462272"/>
-            <a:ext cx="3912781" cy="2921146"/>
-            <a:chOff x="577702" y="2462272"/>
-            <a:chExt cx="3912781" cy="2921146"/>
-          </a:xfrm>
-        </p:grpSpPr>
-        <p:sp>
-          <p:nvSpPr>
-            <p:cNvPr id="43" name="Rectangle 42">
-              <a:extLst>
-                <a:ext uri="{FF2B5EF4-FFF2-40B4-BE49-F238E27FC236}">
-                  <a16:creationId xmlns:a16="http://schemas.microsoft.com/office/drawing/2014/main" id="{3059DE54-E649-4162-A342-C4AA9FA2F57B}"/>
-                </a:ext>
-              </a:extLst>
-            </p:cNvPr>
-            <p:cNvSpPr/>
-            <p:nvPr/>
-          </p:nvSpPr>
-          <p:spPr>
-            <a:xfrm>
-              <a:off x="577702" y="2831604"/>
-              <a:ext cx="3912781" cy="2551814"/>
-            </a:xfrm>
-            <a:prstGeom prst="rect">
-              <a:avLst/>
-            </a:prstGeom>
-            <a:solidFill>
-              <a:schemeClr val="bg1"/>
-            </a:solidFill>
-            <a:ln>
-              <a:solidFill>
-                <a:srgbClr val="F0F0F0"/>
-              </a:solidFill>
-            </a:ln>
-          </p:spPr>
-          <p:style>
-            <a:lnRef idx="2">
-              <a:schemeClr val="accent1">
-                <a:shade val="50000"/>
-              </a:schemeClr>
-            </a:lnRef>
-            <a:fillRef idx="1">
-              <a:schemeClr val="accent1"/>
-            </a:fillRef>
-            <a:effectRef idx="0">
-              <a:schemeClr val="accent1"/>
-            </a:effectRef>
-            <a:fontRef idx="minor">
-              <a:schemeClr val="lt1"/>
-            </a:fontRef>
-          </p:style>
-          <p:txBody>
-            <a:bodyPr rtlCol="0" anchor="ctr"/>
-            <a:lstStyle/>
-            <a:p>
-              <a:r>
-                <a:rPr lang="en-US" b="1" i="1" dirty="0">
+              <a:ln>
+                <a:solidFill>
+                  <a:srgbClr val="F0F0F0"/>
+                </a:solidFill>
+              </a:ln>
+            </p:spPr>
+            <p:style>
+              <a:lnRef idx="2">
+                <a:schemeClr val="accent1">
+                  <a:shade val="50000"/>
+                </a:schemeClr>
+              </a:lnRef>
+              <a:fillRef idx="1">
+                <a:schemeClr val="accent1"/>
+              </a:fillRef>
+              <a:effectRef idx="0">
+                <a:schemeClr val="accent1"/>
+              </a:effectRef>
+              <a:fontRef idx="minor">
+                <a:schemeClr val="lt1"/>
+              </a:fontRef>
+            </p:style>
+            <p:txBody>
+              <a:bodyPr numCol="1" rtlCol="0" anchor="ctr"/>
+              <a:lstStyle/>
+              <a:p>
+                <a:r>
+                  <a:rPr lang="en-US" sz="1600" i="1" dirty="0">
+                    <a:solidFill>
+                      <a:sysClr val="windowText" lastClr="000000"/>
+                    </a:solidFill>
+                    <a:latin typeface="Consolas" panose="020B0609020204030204" pitchFamily="49" charset="0"/>
+                  </a:rPr>
+                  <a:t>&lt;body&gt;</a:t>
+                </a:r>
+              </a:p>
+              <a:p>
+                <a:r>
+                  <a:rPr lang="en-US" sz="1600" i="1" dirty="0">
+                    <a:solidFill>
+                      <a:sysClr val="windowText" lastClr="000000"/>
+                    </a:solidFill>
+                    <a:latin typeface="Consolas" panose="020B0609020204030204" pitchFamily="49" charset="0"/>
+                  </a:rPr>
+                  <a:t>&lt;table&gt;</a:t>
+                </a:r>
+              </a:p>
+              <a:p>
+                <a:r>
+                  <a:rPr lang="en-US" sz="1600" i="1" dirty="0">
+                    <a:solidFill>
+                      <a:sysClr val="windowText" lastClr="000000"/>
+                    </a:solidFill>
+                    <a:latin typeface="Consolas" panose="020B0609020204030204" pitchFamily="49" charset="0"/>
+                  </a:rPr>
+                  <a:t>	&lt;tr&gt;</a:t>
+                </a:r>
+              </a:p>
+              <a:p>
+                <a:r>
+                  <a:rPr lang="en-US" sz="1600" i="1" dirty="0">
+                    <a:solidFill>
+                      <a:sysClr val="windowText" lastClr="000000"/>
+                    </a:solidFill>
+                    <a:latin typeface="Consolas" panose="020B0609020204030204" pitchFamily="49" charset="0"/>
+                  </a:rPr>
+                  <a:t>	&lt;</a:t>
+                </a:r>
+                <a:r>
+                  <a:rPr lang="en-US" sz="1600" i="1" dirty="0" err="1">
+                    <a:solidFill>
+                      <a:sysClr val="windowText" lastClr="000000"/>
+                    </a:solidFill>
+                    <a:latin typeface="Consolas" panose="020B0609020204030204" pitchFamily="49" charset="0"/>
+                  </a:rPr>
+                  <a:t>th</a:t>
+                </a:r>
+                <a:r>
+                  <a:rPr lang="en-US" sz="1600" i="1" dirty="0">
+                    <a:solidFill>
+                      <a:sysClr val="windowText" lastClr="000000"/>
+                    </a:solidFill>
+                    <a:latin typeface="Consolas" panose="020B0609020204030204" pitchFamily="49" charset="0"/>
+                  </a:rPr>
+                  <a:t>&gt; Name &lt;/</a:t>
+                </a:r>
+                <a:r>
+                  <a:rPr lang="en-US" sz="1600" i="1" dirty="0" err="1">
+                    <a:solidFill>
+                      <a:sysClr val="windowText" lastClr="000000"/>
+                    </a:solidFill>
+                    <a:latin typeface="Consolas" panose="020B0609020204030204" pitchFamily="49" charset="0"/>
+                  </a:rPr>
+                  <a:t>th</a:t>
+                </a:r>
+                <a:r>
+                  <a:rPr lang="en-US" sz="1600" i="1" dirty="0">
+                    <a:solidFill>
+                      <a:sysClr val="windowText" lastClr="000000"/>
+                    </a:solidFill>
+                    <a:latin typeface="Consolas" panose="020B0609020204030204" pitchFamily="49" charset="0"/>
+                  </a:rPr>
+                  <a:t>&gt;&lt;</a:t>
+                </a:r>
+                <a:r>
+                  <a:rPr lang="en-US" sz="1600" i="1" dirty="0" err="1">
+                    <a:solidFill>
+                      <a:sysClr val="windowText" lastClr="000000"/>
+                    </a:solidFill>
+                    <a:latin typeface="Consolas" panose="020B0609020204030204" pitchFamily="49" charset="0"/>
+                  </a:rPr>
+                  <a:t>th</a:t>
+                </a:r>
+                <a:r>
+                  <a:rPr lang="en-US" sz="1600" i="1" dirty="0">
+                    <a:solidFill>
+                      <a:sysClr val="windowText" lastClr="000000"/>
+                    </a:solidFill>
+                    <a:latin typeface="Consolas" panose="020B0609020204030204" pitchFamily="49" charset="0"/>
+                  </a:rPr>
+                  <a:t>&gt; Active &lt;/</a:t>
+                </a:r>
+                <a:r>
+                  <a:rPr lang="en-US" sz="1600" i="1" dirty="0" err="1">
+                    <a:solidFill>
+                      <a:sysClr val="windowText" lastClr="000000"/>
+                    </a:solidFill>
+                    <a:latin typeface="Consolas" panose="020B0609020204030204" pitchFamily="49" charset="0"/>
+                  </a:rPr>
+                  <a:t>th</a:t>
+                </a:r>
+                <a:r>
+                  <a:rPr lang="en-US" sz="1600" i="1" dirty="0">
+                    <a:solidFill>
+                      <a:sysClr val="windowText" lastClr="000000"/>
+                    </a:solidFill>
+                    <a:latin typeface="Consolas" panose="020B0609020204030204" pitchFamily="49" charset="0"/>
+                  </a:rPr>
+                  <a:t>&gt;</a:t>
+                </a:r>
+              </a:p>
+              <a:p>
+                <a:r>
+                  <a:rPr lang="en-US" sz="1600" i="1" dirty="0">
+                    <a:solidFill>
+                      <a:sysClr val="windowText" lastClr="000000"/>
+                    </a:solidFill>
+                    <a:latin typeface="Consolas" panose="020B0609020204030204" pitchFamily="49" charset="0"/>
+                  </a:rPr>
+                  <a:t>	&lt;/tr&gt;</a:t>
+                </a:r>
+              </a:p>
+              <a:p>
+                <a:endParaRPr lang="en-US" sz="1600" i="1" dirty="0">
                   <a:solidFill>
                     <a:sysClr val="windowText" lastClr="000000"/>
                   </a:solidFill>
                   <a:latin typeface="Consolas" panose="020B0609020204030204" pitchFamily="49" charset="0"/>
-                </a:rPr>
-                <a:t>from .views import index</a:t>
-              </a:r>
-            </a:p>
-            <a:p>
-              <a:endParaRPr lang="en-US" i="1" dirty="0">
+                </a:endParaRPr>
+              </a:p>
+              <a:p>
+                <a:r>
+                  <a:rPr lang="en-US" sz="1600" i="1" dirty="0">
+                    <a:solidFill>
+                      <a:sysClr val="windowText" lastClr="000000"/>
+                    </a:solidFill>
+                    <a:latin typeface="Consolas" panose="020B0609020204030204" pitchFamily="49" charset="0"/>
+                  </a:rPr>
+                  <a:t>	{% for member in members %}</a:t>
+                </a:r>
+              </a:p>
+              <a:p>
+                <a:r>
+                  <a:rPr lang="en-US" sz="1600" i="1" dirty="0">
+                    <a:solidFill>
+                      <a:sysClr val="windowText" lastClr="000000"/>
+                    </a:solidFill>
+                    <a:latin typeface="Consolas" panose="020B0609020204030204" pitchFamily="49" charset="0"/>
+                  </a:rPr>
+                  <a:t>	&lt;tr&gt;</a:t>
+                </a:r>
+              </a:p>
+              <a:p>
+                <a:r>
+                  <a:rPr lang="en-US" sz="1600" i="1" dirty="0">
+                    <a:solidFill>
+                      <a:sysClr val="windowText" lastClr="000000"/>
+                    </a:solidFill>
+                    <a:latin typeface="Consolas" panose="020B0609020204030204" pitchFamily="49" charset="0"/>
+                  </a:rPr>
+                  <a:t>	&lt;td&gt; {{ member.name }} &lt;/td&gt;</a:t>
+                </a:r>
+              </a:p>
+              <a:p>
+                <a:r>
+                  <a:rPr lang="en-US" sz="1600" i="1" dirty="0">
+                    <a:solidFill>
+                      <a:sysClr val="windowText" lastClr="000000"/>
+                    </a:solidFill>
+                    <a:latin typeface="Consolas" panose="020B0609020204030204" pitchFamily="49" charset="0"/>
+                  </a:rPr>
+                  <a:t>	&lt;td&gt; {{ </a:t>
+                </a:r>
+                <a:r>
+                  <a:rPr lang="en-US" sz="1600" i="1" dirty="0" err="1">
+                    <a:solidFill>
+                      <a:sysClr val="windowText" lastClr="000000"/>
+                    </a:solidFill>
+                    <a:latin typeface="Consolas" panose="020B0609020204030204" pitchFamily="49" charset="0"/>
+                  </a:rPr>
+                  <a:t>member.active</a:t>
+                </a:r>
+                <a:r>
+                  <a:rPr lang="en-US" sz="1600" i="1" dirty="0">
+                    <a:solidFill>
+                      <a:sysClr val="windowText" lastClr="000000"/>
+                    </a:solidFill>
+                    <a:latin typeface="Consolas" panose="020B0609020204030204" pitchFamily="49" charset="0"/>
+                  </a:rPr>
+                  <a:t> }} &lt;/td&gt;</a:t>
+                </a:r>
+              </a:p>
+              <a:p>
+                <a:r>
+                  <a:rPr lang="en-US" sz="1600" i="1" dirty="0">
+                    <a:solidFill>
+                      <a:sysClr val="windowText" lastClr="000000"/>
+                    </a:solidFill>
+                    <a:latin typeface="Consolas" panose="020B0609020204030204" pitchFamily="49" charset="0"/>
+                  </a:rPr>
+                  <a:t>	&lt;/tr&gt;</a:t>
+                </a:r>
+              </a:p>
+              <a:p>
+                <a:r>
+                  <a:rPr lang="en-US" sz="1600" i="1" dirty="0">
+                    <a:solidFill>
+                      <a:sysClr val="windowText" lastClr="000000"/>
+                    </a:solidFill>
+                    <a:latin typeface="Consolas" panose="020B0609020204030204" pitchFamily="49" charset="0"/>
+                  </a:rPr>
+                  <a:t>	{% </a:t>
+                </a:r>
+                <a:r>
+                  <a:rPr lang="en-US" sz="1600" i="1" dirty="0" err="1">
+                    <a:solidFill>
+                      <a:sysClr val="windowText" lastClr="000000"/>
+                    </a:solidFill>
+                    <a:latin typeface="Consolas" panose="020B0609020204030204" pitchFamily="49" charset="0"/>
+                  </a:rPr>
+                  <a:t>endfor</a:t>
+                </a:r>
+                <a:r>
+                  <a:rPr lang="en-US" sz="1600" i="1" dirty="0">
+                    <a:solidFill>
+                      <a:sysClr val="windowText" lastClr="000000"/>
+                    </a:solidFill>
+                    <a:latin typeface="Consolas" panose="020B0609020204030204" pitchFamily="49" charset="0"/>
+                  </a:rPr>
+                  <a:t> %}</a:t>
+                </a:r>
+              </a:p>
+              <a:p>
+                <a:r>
+                  <a:rPr lang="en-US" sz="1600" i="1" dirty="0">
+                    <a:solidFill>
+                      <a:sysClr val="windowText" lastClr="000000"/>
+                    </a:solidFill>
+                    <a:latin typeface="Consolas" panose="020B0609020204030204" pitchFamily="49" charset="0"/>
+                  </a:rPr>
+                  <a:t>&lt;/table&gt;</a:t>
+                </a:r>
+              </a:p>
+              <a:p>
+                <a:r>
+                  <a:rPr lang="en-US" sz="1600" i="1" dirty="0">
+                    <a:solidFill>
+                      <a:sysClr val="windowText" lastClr="000000"/>
+                    </a:solidFill>
+                    <a:latin typeface="Consolas" panose="020B0609020204030204" pitchFamily="49" charset="0"/>
+                  </a:rPr>
+                  <a:t>&lt;/body&gt;</a:t>
+                </a:r>
+              </a:p>
+            </p:txBody>
+          </p:sp>
+          <p:sp>
+            <p:nvSpPr>
+              <p:cNvPr id="4" name="TextBox 3">
+                <a:extLst>
+                  <a:ext uri="{FF2B5EF4-FFF2-40B4-BE49-F238E27FC236}">
+                    <a16:creationId xmlns:a16="http://schemas.microsoft.com/office/drawing/2014/main" id="{D78DEB9A-8721-4EFA-BBA7-8F6D77288245}"/>
+                  </a:ext>
+                </a:extLst>
+              </p:cNvPr>
+              <p:cNvSpPr txBox="1"/>
+              <p:nvPr/>
+            </p:nvSpPr>
+            <p:spPr>
+              <a:xfrm>
+                <a:off x="223520" y="28462"/>
+                <a:ext cx="2154507" cy="369332"/>
+              </a:xfrm>
+              <a:prstGeom prst="rect">
+                <a:avLst/>
+              </a:prstGeom>
+              <a:solidFill>
+                <a:schemeClr val="bg1"/>
+              </a:solidFill>
+              <a:ln>
                 <a:solidFill>
-                  <a:sysClr val="windowText" lastClr="000000"/>
+                  <a:srgbClr val="F0F0F0"/>
                 </a:solidFill>
-                <a:latin typeface="Consolas" panose="020B0609020204030204" pitchFamily="49" charset="0"/>
-              </a:endParaRPr>
-            </a:p>
-            <a:p>
-              <a:r>
-                <a:rPr lang="en-US" i="1" dirty="0" err="1">
+              </a:ln>
+            </p:spPr>
+            <p:txBody>
+              <a:bodyPr wrap="square" rtlCol="0">
+                <a:spAutoFit/>
+              </a:bodyPr>
+              <a:lstStyle/>
+              <a:p>
+                <a:r>
+                  <a:rPr lang="en-US" b="1" dirty="0"/>
+                  <a:t>index.html</a:t>
+                </a:r>
+              </a:p>
+            </p:txBody>
+          </p:sp>
+        </p:grpSp>
+        <p:grpSp>
+          <p:nvGrpSpPr>
+            <p:cNvPr id="10" name="Group 9">
+              <a:extLst>
+                <a:ext uri="{FF2B5EF4-FFF2-40B4-BE49-F238E27FC236}">
+                  <a16:creationId xmlns:a16="http://schemas.microsoft.com/office/drawing/2014/main" id="{E79DC33E-07FC-46FB-B70F-6C9452C51E65}"/>
+                </a:ext>
+              </a:extLst>
+            </p:cNvPr>
+            <p:cNvGrpSpPr/>
+            <p:nvPr/>
+          </p:nvGrpSpPr>
+          <p:grpSpPr>
+            <a:xfrm>
+              <a:off x="6008550" y="28462"/>
+              <a:ext cx="5959929" cy="4167618"/>
+              <a:chOff x="6008550" y="28462"/>
+              <a:chExt cx="5959929" cy="4167618"/>
+            </a:xfrm>
+          </p:grpSpPr>
+          <p:sp>
+            <p:nvSpPr>
+              <p:cNvPr id="6" name="Rectangle 5">
+                <a:extLst>
+                  <a:ext uri="{FF2B5EF4-FFF2-40B4-BE49-F238E27FC236}">
+                    <a16:creationId xmlns:a16="http://schemas.microsoft.com/office/drawing/2014/main" id="{E36C48F8-14CE-400C-8603-1BCC4540BD1C}"/>
+                  </a:ext>
+                </a:extLst>
+              </p:cNvPr>
+              <p:cNvSpPr/>
+              <p:nvPr/>
+            </p:nvSpPr>
+            <p:spPr>
+              <a:xfrm>
+                <a:off x="6008550" y="397794"/>
+                <a:ext cx="5959929" cy="3798286"/>
+              </a:xfrm>
+              <a:prstGeom prst="rect">
+                <a:avLst/>
+              </a:prstGeom>
+              <a:solidFill>
+                <a:schemeClr val="bg1"/>
+              </a:solidFill>
+              <a:ln>
+                <a:solidFill>
+                  <a:srgbClr val="F0F0F0"/>
+                </a:solidFill>
+              </a:ln>
+            </p:spPr>
+            <p:style>
+              <a:lnRef idx="2">
+                <a:schemeClr val="accent1">
+                  <a:shade val="50000"/>
+                </a:schemeClr>
+              </a:lnRef>
+              <a:fillRef idx="1">
+                <a:schemeClr val="accent1"/>
+              </a:fillRef>
+              <a:effectRef idx="0">
+                <a:schemeClr val="accent1"/>
+              </a:effectRef>
+              <a:fontRef idx="minor">
+                <a:schemeClr val="lt1"/>
+              </a:fontRef>
+            </p:style>
+            <p:txBody>
+              <a:bodyPr numCol="1" rtlCol="0" anchor="ctr"/>
+              <a:lstStyle/>
+              <a:p>
+                <a:r>
+                  <a:rPr lang="en-US" sz="1600" i="1" dirty="0">
+                    <a:solidFill>
+                      <a:sysClr val="windowText" lastClr="000000"/>
+                    </a:solidFill>
+                    <a:latin typeface="Consolas" panose="020B0609020204030204" pitchFamily="49" charset="0"/>
+                  </a:rPr>
+                  <a:t>from </a:t>
+                </a:r>
+                <a:r>
+                  <a:rPr lang="en-US" sz="1600" i="1" dirty="0" err="1">
+                    <a:solidFill>
+                      <a:sysClr val="windowText" lastClr="000000"/>
+                    </a:solidFill>
+                    <a:latin typeface="Consolas" panose="020B0609020204030204" pitchFamily="49" charset="0"/>
+                  </a:rPr>
+                  <a:t>django.shortcuts</a:t>
+                </a:r>
+                <a:r>
+                  <a:rPr lang="en-US" sz="1600" i="1" dirty="0">
+                    <a:solidFill>
+                      <a:sysClr val="windowText" lastClr="000000"/>
+                    </a:solidFill>
+                    <a:latin typeface="Consolas" panose="020B0609020204030204" pitchFamily="49" charset="0"/>
+                  </a:rPr>
+                  <a:t> import render</a:t>
+                </a:r>
+              </a:p>
+              <a:p>
+                <a:r>
+                  <a:rPr lang="en-US" sz="1600" i="1" dirty="0">
+                    <a:solidFill>
+                      <a:sysClr val="windowText" lastClr="000000"/>
+                    </a:solidFill>
+                    <a:latin typeface="Consolas" panose="020B0609020204030204" pitchFamily="49" charset="0"/>
+                  </a:rPr>
+                  <a:t># Create your views here.</a:t>
+                </a:r>
+              </a:p>
+              <a:p>
+                <a:endParaRPr lang="en-US" sz="1600" i="1" dirty="0">
                   <a:solidFill>
                     <a:sysClr val="windowText" lastClr="000000"/>
                   </a:solidFill>
                   <a:latin typeface="Consolas" panose="020B0609020204030204" pitchFamily="49" charset="0"/>
-                </a:rPr>
-                <a:t>urlpatterns</a:t>
-              </a:r>
-              <a:r>
-                <a:rPr lang="en-US" i="1" dirty="0">
+                </a:endParaRPr>
+              </a:p>
+              <a:p>
+                <a:r>
+                  <a:rPr lang="en-US" sz="1600" b="1" i="1" dirty="0">
+                    <a:solidFill>
+                      <a:sysClr val="windowText" lastClr="000000"/>
+                    </a:solidFill>
+                    <a:latin typeface="Consolas" panose="020B0609020204030204" pitchFamily="49" charset="0"/>
+                  </a:rPr>
+                  <a:t>context = {'members': [</a:t>
+                </a:r>
+              </a:p>
+              <a:p>
+                <a:r>
+                  <a:rPr lang="en-US" sz="1600" b="1" i="1" dirty="0">
+                    <a:solidFill>
+                      <a:sysClr val="windowText" lastClr="000000"/>
+                    </a:solidFill>
+                    <a:latin typeface="Consolas" panose="020B0609020204030204" pitchFamily="49" charset="0"/>
+                  </a:rPr>
+                  <a:t>	{'name': 'jessie', 'active': True},</a:t>
+                </a:r>
+              </a:p>
+              <a:p>
+                <a:r>
+                  <a:rPr lang="en-US" sz="1600" b="1" i="1" dirty="0">
+                    <a:solidFill>
+                      <a:sysClr val="windowText" lastClr="000000"/>
+                    </a:solidFill>
+                    <a:latin typeface="Consolas" panose="020B0609020204030204" pitchFamily="49" charset="0"/>
+                  </a:rPr>
+                  <a:t>	{'name': '</a:t>
+                </a:r>
+                <a:r>
+                  <a:rPr lang="en-US" sz="1600" b="1" i="1" dirty="0" err="1">
+                    <a:solidFill>
+                      <a:sysClr val="windowText" lastClr="000000"/>
+                    </a:solidFill>
+                    <a:latin typeface="Consolas" panose="020B0609020204030204" pitchFamily="49" charset="0"/>
+                  </a:rPr>
+                  <a:t>malini</a:t>
+                </a:r>
+                <a:r>
+                  <a:rPr lang="en-US" sz="1600" b="1" i="1" dirty="0">
+                    <a:solidFill>
+                      <a:sysClr val="windowText" lastClr="000000"/>
+                    </a:solidFill>
+                    <a:latin typeface="Consolas" panose="020B0609020204030204" pitchFamily="49" charset="0"/>
+                  </a:rPr>
+                  <a:t>', 'active': False}</a:t>
+                </a:r>
+              </a:p>
+              <a:p>
+                <a:r>
+                  <a:rPr lang="en-US" sz="1600" b="1" i="1" dirty="0">
+                    <a:solidFill>
+                      <a:sysClr val="windowText" lastClr="000000"/>
+                    </a:solidFill>
+                    <a:latin typeface="Consolas" panose="020B0609020204030204" pitchFamily="49" charset="0"/>
+                  </a:rPr>
+                  <a:t>]}</a:t>
+                </a:r>
+              </a:p>
+              <a:p>
+                <a:endParaRPr lang="en-US" sz="1600" i="1" dirty="0">
                   <a:solidFill>
                     <a:sysClr val="windowText" lastClr="000000"/>
                   </a:solidFill>
                   <a:latin typeface="Consolas" panose="020B0609020204030204" pitchFamily="49" charset="0"/>
-                </a:rPr>
-                <a:t> = [</a:t>
-              </a:r>
-            </a:p>
-            <a:p>
-              <a:r>
-                <a:rPr lang="en-US" i="1" dirty="0">
+                </a:endParaRPr>
+              </a:p>
+              <a:p>
+                <a:r>
+                  <a:rPr lang="en-US" sz="1600" i="1" dirty="0">
+                    <a:solidFill>
+                      <a:sysClr val="windowText" lastClr="000000"/>
+                    </a:solidFill>
+                    <a:latin typeface="Consolas" panose="020B0609020204030204" pitchFamily="49" charset="0"/>
+                  </a:rPr>
+                  <a:t>def url1(request):</a:t>
+                </a:r>
+              </a:p>
+              <a:p>
+                <a:r>
+                  <a:rPr lang="en-US" sz="1600" i="1" dirty="0">
+                    <a:solidFill>
+                      <a:sysClr val="windowText" lastClr="000000"/>
+                    </a:solidFill>
+                    <a:latin typeface="Consolas" panose="020B0609020204030204" pitchFamily="49" charset="0"/>
+                  </a:rPr>
+                  <a:t>	return render(</a:t>
+                </a:r>
+                <a:r>
+                  <a:rPr lang="en-US" sz="1600" i="1" dirty="0" err="1">
+                    <a:solidFill>
+                      <a:sysClr val="windowText" lastClr="000000"/>
+                    </a:solidFill>
+                    <a:latin typeface="Consolas" panose="020B0609020204030204" pitchFamily="49" charset="0"/>
+                  </a:rPr>
+                  <a:t>request,'backend</a:t>
+                </a:r>
+                <a:r>
+                  <a:rPr lang="en-US" sz="1600" i="1" dirty="0">
+                    <a:solidFill>
+                      <a:sysClr val="windowText" lastClr="000000"/>
+                    </a:solidFill>
+                    <a:latin typeface="Consolas" panose="020B0609020204030204" pitchFamily="49" charset="0"/>
+                  </a:rPr>
+                  <a:t>/index.html', </a:t>
+                </a:r>
+                <a:r>
+                  <a:rPr lang="en-US" sz="1600" b="1" i="1" dirty="0">
+                    <a:solidFill>
+                      <a:sysClr val="windowText" lastClr="000000"/>
+                    </a:solidFill>
+                    <a:latin typeface="Consolas" panose="020B0609020204030204" pitchFamily="49" charset="0"/>
+                  </a:rPr>
+                  <a:t>context</a:t>
+                </a:r>
+                <a:r>
+                  <a:rPr lang="en-US" sz="1600" i="1" dirty="0">
+                    <a:solidFill>
+                      <a:sysClr val="windowText" lastClr="000000"/>
+                    </a:solidFill>
+                    <a:latin typeface="Consolas" panose="020B0609020204030204" pitchFamily="49" charset="0"/>
+                  </a:rPr>
+                  <a:t>)</a:t>
+                </a:r>
+              </a:p>
+              <a:p>
+                <a:endParaRPr lang="en-US" sz="1600" i="1" dirty="0">
                   <a:solidFill>
                     <a:sysClr val="windowText" lastClr="000000"/>
                   </a:solidFill>
                   <a:latin typeface="Consolas" panose="020B0609020204030204" pitchFamily="49" charset="0"/>
-                </a:rPr>
-                <a:t>    path('admin/', </a:t>
-              </a:r>
-              <a:r>
-                <a:rPr lang="en-US" i="1" dirty="0" err="1">
-                  <a:solidFill>
-                    <a:sysClr val="windowText" lastClr="000000"/>
-                  </a:solidFill>
-                  <a:latin typeface="Consolas" panose="020B0609020204030204" pitchFamily="49" charset="0"/>
-                </a:rPr>
-                <a:t>admin.site.urls</a:t>
-              </a:r>
-              <a:r>
-                <a:rPr lang="en-US" i="1" dirty="0">
-                  <a:solidFill>
-                    <a:sysClr val="windowText" lastClr="000000"/>
-                  </a:solidFill>
-                  <a:latin typeface="Consolas" panose="020B0609020204030204" pitchFamily="49" charset="0"/>
-                </a:rPr>
-                <a:t>),</a:t>
-              </a:r>
-            </a:p>
-            <a:p>
-              <a:r>
-                <a:rPr lang="en-US" i="1" dirty="0">
-                  <a:solidFill>
-                    <a:sysClr val="windowText" lastClr="000000"/>
-                  </a:solidFill>
-                  <a:latin typeface="Consolas" panose="020B0609020204030204" pitchFamily="49" charset="0"/>
-                </a:rPr>
-                <a:t>    </a:t>
-              </a:r>
-              <a:r>
-                <a:rPr lang="en-US" b="1" i="1" dirty="0">
-                  <a:solidFill>
-                    <a:sysClr val="windowText" lastClr="000000"/>
-                  </a:solidFill>
-                  <a:latin typeface="Consolas" panose="020B0609020204030204" pitchFamily="49" charset="0"/>
-                </a:rPr>
-                <a:t>path('', index),</a:t>
-              </a:r>
-            </a:p>
-            <a:p>
-              <a:r>
-                <a:rPr lang="en-US" i="1" dirty="0">
-                  <a:solidFill>
-                    <a:sysClr val="windowText" lastClr="000000"/>
-                  </a:solidFill>
-                  <a:latin typeface="Consolas" panose="020B0609020204030204" pitchFamily="49" charset="0"/>
-                </a:rPr>
-                <a:t>]</a:t>
-              </a:r>
-            </a:p>
-          </p:txBody>
-        </p:sp>
-        <p:sp>
-          <p:nvSpPr>
-            <p:cNvPr id="44" name="TextBox 43">
-              <a:extLst>
-                <a:ext uri="{FF2B5EF4-FFF2-40B4-BE49-F238E27FC236}">
-                  <a16:creationId xmlns:a16="http://schemas.microsoft.com/office/drawing/2014/main" id="{7475B422-0320-444C-9677-B271A776EA67}"/>
-                </a:ext>
-              </a:extLst>
-            </p:cNvPr>
-            <p:cNvSpPr txBox="1"/>
-            <p:nvPr/>
-          </p:nvSpPr>
-          <p:spPr>
-            <a:xfrm>
-              <a:off x="577702" y="2462272"/>
-              <a:ext cx="914400" cy="369332"/>
-            </a:xfrm>
-            <a:prstGeom prst="rect">
-              <a:avLst/>
-            </a:prstGeom>
-            <a:solidFill>
-              <a:schemeClr val="bg1"/>
-            </a:solidFill>
-            <a:ln>
+                </a:endParaRPr>
+              </a:p>
+            </p:txBody>
+          </p:sp>
+          <p:sp>
+            <p:nvSpPr>
+              <p:cNvPr id="7" name="TextBox 6">
+                <a:extLst>
+                  <a:ext uri="{FF2B5EF4-FFF2-40B4-BE49-F238E27FC236}">
+                    <a16:creationId xmlns:a16="http://schemas.microsoft.com/office/drawing/2014/main" id="{EDF28FB2-32DA-414B-BE92-E8750B076745}"/>
+                  </a:ext>
+                </a:extLst>
+              </p:cNvPr>
+              <p:cNvSpPr txBox="1"/>
+              <p:nvPr/>
+            </p:nvSpPr>
+            <p:spPr>
+              <a:xfrm>
+                <a:off x="6008550" y="28462"/>
+                <a:ext cx="1302468" cy="369332"/>
+              </a:xfrm>
+              <a:prstGeom prst="rect">
+                <a:avLst/>
+              </a:prstGeom>
               <a:solidFill>
-                <a:srgbClr val="F0F0F0"/>
+                <a:schemeClr val="bg1"/>
               </a:solidFill>
-            </a:ln>
-          </p:spPr>
-          <p:txBody>
-            <a:bodyPr wrap="square" rtlCol="0">
-              <a:spAutoFit/>
-            </a:bodyPr>
-            <a:lstStyle/>
-            <a:p>
-              <a:r>
-                <a:rPr lang="en-US" b="1" dirty="0"/>
-                <a:t>urls.py</a:t>
-              </a:r>
-            </a:p>
-          </p:txBody>
-        </p:sp>
+              <a:ln>
+                <a:solidFill>
+                  <a:srgbClr val="F0F0F0"/>
+                </a:solidFill>
+              </a:ln>
+            </p:spPr>
+            <p:txBody>
+              <a:bodyPr wrap="square" rtlCol="0">
+                <a:spAutoFit/>
+              </a:bodyPr>
+              <a:lstStyle/>
+              <a:p>
+                <a:r>
+                  <a:rPr lang="en-US" b="1" dirty="0"/>
+                  <a:t>views.py</a:t>
+                </a:r>
+              </a:p>
+            </p:txBody>
+          </p:sp>
+        </p:grpSp>
       </p:grpSp>
       <p:sp>
         <p:nvSpPr>
-          <p:cNvPr id="47" name="Rectangle 46">
+          <p:cNvPr id="13" name="TextBox 12">
             <a:extLst>
               <a:ext uri="{FF2B5EF4-FFF2-40B4-BE49-F238E27FC236}">
-                <a16:creationId xmlns:a16="http://schemas.microsoft.com/office/drawing/2014/main" id="{9C97BC1E-D4C6-4566-BECC-CC373EEB9C47}"/>
-              </a:ext>
-            </a:extLst>
-          </p:cNvPr>
-          <p:cNvSpPr/>
-          <p:nvPr/>
-        </p:nvSpPr>
-        <p:spPr>
-          <a:xfrm>
-            <a:off x="5844362" y="2827123"/>
-            <a:ext cx="5769935" cy="2551814"/>
-          </a:xfrm>
-          <a:prstGeom prst="rect">
-            <a:avLst/>
-          </a:prstGeom>
-          <a:solidFill>
-            <a:schemeClr val="bg1"/>
-          </a:solidFill>
-          <a:ln>
-            <a:solidFill>
-              <a:srgbClr val="F0F0F0"/>
-            </a:solidFill>
-          </a:ln>
-        </p:spPr>
-        <p:style>
-          <a:lnRef idx="2">
-            <a:schemeClr val="accent1">
-              <a:shade val="50000"/>
-            </a:schemeClr>
-          </a:lnRef>
-          <a:fillRef idx="1">
-            <a:schemeClr val="accent1"/>
-          </a:fillRef>
-          <a:effectRef idx="0">
-            <a:schemeClr val="accent1"/>
-          </a:effectRef>
-          <a:fontRef idx="minor">
-            <a:schemeClr val="lt1"/>
-          </a:fontRef>
-        </p:style>
-        <p:txBody>
-          <a:bodyPr rtlCol="0" anchor="ctr"/>
-          <a:lstStyle/>
-          <a:p>
-            <a:endParaRPr lang="en-US" i="1" dirty="0">
-              <a:solidFill>
-                <a:sysClr val="windowText" lastClr="000000"/>
-              </a:solidFill>
-              <a:latin typeface="Consolas" panose="020B0609020204030204" pitchFamily="49" charset="0"/>
-            </a:endParaRPr>
-          </a:p>
-          <a:p>
-            <a:r>
-              <a:rPr lang="en-US" i="1" dirty="0">
-                <a:solidFill>
-                  <a:sysClr val="windowText" lastClr="000000"/>
-                </a:solidFill>
-                <a:latin typeface="Consolas" panose="020B0609020204030204" pitchFamily="49" charset="0"/>
-              </a:rPr>
-              <a:t>from </a:t>
-            </a:r>
-            <a:r>
-              <a:rPr lang="en-US" i="1" dirty="0" err="1">
-                <a:solidFill>
-                  <a:sysClr val="windowText" lastClr="000000"/>
-                </a:solidFill>
-                <a:latin typeface="Consolas" panose="020B0609020204030204" pitchFamily="49" charset="0"/>
-              </a:rPr>
-              <a:t>django.http</a:t>
-            </a:r>
-            <a:r>
-              <a:rPr lang="en-US" i="1" dirty="0">
-                <a:solidFill>
-                  <a:sysClr val="windowText" lastClr="000000"/>
-                </a:solidFill>
-                <a:latin typeface="Consolas" panose="020B0609020204030204" pitchFamily="49" charset="0"/>
-              </a:rPr>
-              <a:t> import </a:t>
-            </a:r>
-            <a:r>
-              <a:rPr lang="en-US" i="1" dirty="0" err="1">
-                <a:solidFill>
-                  <a:sysClr val="windowText" lastClr="000000"/>
-                </a:solidFill>
-                <a:latin typeface="Consolas" panose="020B0609020204030204" pitchFamily="49" charset="0"/>
-              </a:rPr>
-              <a:t>HttpResponse</a:t>
-            </a:r>
-            <a:endParaRPr lang="en-US" i="1" dirty="0">
-              <a:solidFill>
-                <a:sysClr val="windowText" lastClr="000000"/>
-              </a:solidFill>
-              <a:latin typeface="Consolas" panose="020B0609020204030204" pitchFamily="49" charset="0"/>
-            </a:endParaRPr>
-          </a:p>
-          <a:p>
-            <a:endParaRPr lang="en-US" i="1" dirty="0">
-              <a:solidFill>
-                <a:sysClr val="windowText" lastClr="000000"/>
-              </a:solidFill>
-              <a:latin typeface="Consolas" panose="020B0609020204030204" pitchFamily="49" charset="0"/>
-            </a:endParaRPr>
-          </a:p>
-          <a:p>
-            <a:r>
-              <a:rPr lang="en-US" i="1" dirty="0">
-                <a:solidFill>
-                  <a:sysClr val="windowText" lastClr="000000"/>
-                </a:solidFill>
-                <a:latin typeface="Consolas" panose="020B0609020204030204" pitchFamily="49" charset="0"/>
-              </a:rPr>
-              <a:t>def index(request):</a:t>
-            </a:r>
-          </a:p>
-          <a:p>
-            <a:r>
-              <a:rPr lang="en-US" i="1" dirty="0">
-                <a:solidFill>
-                  <a:sysClr val="windowText" lastClr="000000"/>
-                </a:solidFill>
-                <a:latin typeface="Consolas" panose="020B0609020204030204" pitchFamily="49" charset="0"/>
-              </a:rPr>
-              <a:t>    return </a:t>
-            </a:r>
-            <a:r>
-              <a:rPr lang="en-US" i="1" dirty="0" err="1">
-                <a:solidFill>
-                  <a:sysClr val="windowText" lastClr="000000"/>
-                </a:solidFill>
-                <a:latin typeface="Consolas" panose="020B0609020204030204" pitchFamily="49" charset="0"/>
-              </a:rPr>
-              <a:t>HttpResponse</a:t>
-            </a:r>
-            <a:r>
-              <a:rPr lang="en-US" i="1" dirty="0">
-                <a:solidFill>
-                  <a:sysClr val="windowText" lastClr="000000"/>
-                </a:solidFill>
-                <a:latin typeface="Consolas" panose="020B0609020204030204" pitchFamily="49" charset="0"/>
-              </a:rPr>
-              <a:t>('&lt;b&gt;Hello world&lt;b&gt;')</a:t>
-            </a:r>
-          </a:p>
-          <a:p>
-            <a:endParaRPr lang="en-US" i="1" dirty="0">
-              <a:solidFill>
-                <a:sysClr val="windowText" lastClr="000000"/>
-              </a:solidFill>
-              <a:latin typeface="Consolas" panose="020B0609020204030204" pitchFamily="49" charset="0"/>
-            </a:endParaRPr>
-          </a:p>
-        </p:txBody>
-      </p:sp>
-      <p:sp>
-        <p:nvSpPr>
-          <p:cNvPr id="48" name="TextBox 47">
-            <a:extLst>
-              <a:ext uri="{FF2B5EF4-FFF2-40B4-BE49-F238E27FC236}">
-                <a16:creationId xmlns:a16="http://schemas.microsoft.com/office/drawing/2014/main" id="{51E472DF-F8F6-4DF9-A248-2C38A3AE049E}"/>
+                <a16:creationId xmlns:a16="http://schemas.microsoft.com/office/drawing/2014/main" id="{A7A048CC-9F75-47EB-A073-D22B3DAF0A3D}"/>
               </a:ext>
             </a:extLst>
           </p:cNvPr>
@@ -4666,38 +4144,145 @@
         </p:nvSpPr>
         <p:spPr>
           <a:xfrm>
-            <a:off x="5844361" y="2457791"/>
-            <a:ext cx="1077433" cy="369332"/>
+            <a:off x="475406" y="-20226"/>
+            <a:ext cx="11493073" cy="2893100"/>
           </a:xfrm>
           <a:prstGeom prst="rect">
             <a:avLst/>
           </a:prstGeom>
-          <a:solidFill>
-            <a:schemeClr val="bg1"/>
-          </a:solidFill>
-          <a:ln>
-            <a:solidFill>
-              <a:srgbClr val="F0F0F0"/>
-            </a:solidFill>
-          </a:ln>
+          <a:noFill/>
         </p:spPr>
         <p:txBody>
-          <a:bodyPr wrap="square" rtlCol="0">
+          <a:bodyPr wrap="square" numCol="2" rtlCol="0">
             <a:spAutoFit/>
           </a:bodyPr>
           <a:lstStyle/>
           <a:p>
-            <a:r>
-              <a:rPr lang="en-US" b="1" dirty="0"/>
-              <a:t>views.py</a:t>
-            </a:r>
+            <a:endParaRPr lang="en-US" sz="1600" b="1" dirty="0"/>
+          </a:p>
+          <a:p>
+            <a:r>
+              <a:rPr lang="en-US" sz="2000" b="1" dirty="0"/>
+              <a:t>Template- Overview</a:t>
+            </a:r>
+          </a:p>
+          <a:p>
+            <a:endParaRPr lang="en-US" sz="2000" b="1" dirty="0"/>
+          </a:p>
+          <a:p>
+            <a:r>
+              <a:rPr lang="en-US" sz="2000" b="1" dirty="0"/>
+              <a:t>Template files with little complicated context</a:t>
+            </a:r>
+          </a:p>
+          <a:p>
+            <a:pPr lvl="0"/>
+            <a:endParaRPr lang="en-US" sz="1600" dirty="0">
+              <a:solidFill>
+                <a:prstClr val="black"/>
+              </a:solidFill>
+            </a:endParaRPr>
+          </a:p>
+          <a:p>
+            <a:pPr marL="285750" lvl="0" indent="-285750">
+              <a:buFont typeface="Arial" panose="020B0604020202020204" pitchFamily="34" charset="0"/>
+              <a:buChar char="•"/>
+            </a:pPr>
+            <a:r>
+              <a:rPr lang="en-US" dirty="0"/>
+              <a:t>In the app directory, edit views.py</a:t>
+            </a:r>
+          </a:p>
+          <a:p>
+            <a:pPr marL="285750" lvl="0" indent="-285750">
+              <a:buFont typeface="Arial" panose="020B0604020202020204" pitchFamily="34" charset="0"/>
+              <a:buChar char="•"/>
+            </a:pPr>
+            <a:endParaRPr lang="en-US" dirty="0"/>
+          </a:p>
+          <a:p>
+            <a:pPr marL="285750" lvl="0" indent="-285750">
+              <a:buFont typeface="Arial" panose="020B0604020202020204" pitchFamily="34" charset="0"/>
+              <a:buChar char="•"/>
+            </a:pPr>
+            <a:endParaRPr lang="en-US" dirty="0"/>
+          </a:p>
+          <a:p>
+            <a:pPr marL="285750" lvl="0" indent="-285750">
+              <a:buFont typeface="Arial" panose="020B0604020202020204" pitchFamily="34" charset="0"/>
+              <a:buChar char="•"/>
+            </a:pPr>
+            <a:endParaRPr lang="en-US" dirty="0"/>
+          </a:p>
+          <a:p>
+            <a:pPr marL="285750" lvl="0" indent="-285750">
+              <a:buFont typeface="Arial" panose="020B0604020202020204" pitchFamily="34" charset="0"/>
+              <a:buChar char="•"/>
+            </a:pPr>
+            <a:endParaRPr lang="en-US" dirty="0"/>
+          </a:p>
+          <a:p>
+            <a:pPr lvl="0"/>
+            <a:endParaRPr lang="en-US" dirty="0"/>
+          </a:p>
+          <a:p>
+            <a:pPr marL="285750" lvl="0" indent="-285750">
+              <a:buFont typeface="Arial" panose="020B0604020202020204" pitchFamily="34" charset="0"/>
+              <a:buChar char="•"/>
+            </a:pPr>
+            <a:endParaRPr lang="en-US" dirty="0"/>
+          </a:p>
+          <a:p>
+            <a:pPr marL="285750" lvl="0" indent="-285750">
+              <a:buFont typeface="Arial" panose="020B0604020202020204" pitchFamily="34" charset="0"/>
+              <a:buChar char="•"/>
+            </a:pPr>
+            <a:endParaRPr lang="en-US" dirty="0"/>
+          </a:p>
+          <a:p>
+            <a:pPr marL="285750" lvl="0" indent="-285750">
+              <a:buFont typeface="Arial" panose="020B0604020202020204" pitchFamily="34" charset="0"/>
+              <a:buChar char="•"/>
+            </a:pPr>
+            <a:r>
+              <a:rPr lang="en-US" dirty="0"/>
+              <a:t>In the app directory, edit templates </a:t>
+            </a:r>
+            <a:r>
+              <a:rPr lang="en-US" dirty="0">
+                <a:sym typeface="Wingdings" panose="05000000000000000000" pitchFamily="2" charset="2"/>
+              </a:rPr>
+              <a:t> backend  index</a:t>
+            </a:r>
+            <a:r>
+              <a:rPr lang="en-US">
+                <a:sym typeface="Wingdings" panose="05000000000000000000" pitchFamily="2" charset="2"/>
+              </a:rPr>
+              <a:t>.html</a:t>
+            </a:r>
+            <a:endParaRPr lang="en-US" dirty="0">
+              <a:sym typeface="Wingdings" panose="05000000000000000000" pitchFamily="2" charset="2"/>
+            </a:endParaRPr>
+          </a:p>
+          <a:p>
+            <a:pPr marL="285750" lvl="0" indent="-285750">
+              <a:buFont typeface="Arial" panose="020B0604020202020204" pitchFamily="34" charset="0"/>
+              <a:buChar char="•"/>
+            </a:pPr>
+            <a:r>
+              <a:rPr lang="en-US" dirty="0">
+                <a:sym typeface="Wingdings" panose="05000000000000000000" pitchFamily="2" charset="2"/>
+              </a:rPr>
+              <a:t>Run the server</a:t>
+            </a:r>
+            <a:endParaRPr lang="en-US" dirty="0"/>
           </a:p>
         </p:txBody>
       </p:sp>
     </p:spTree>
     <p:extLst>
       <p:ext uri="{BB962C8B-B14F-4D97-AF65-F5344CB8AC3E}">
-        <p14:creationId xmlns:p14="http://schemas.microsoft.com/office/powerpoint/2010/main" val="1345047216"/>
+        <p14:creationId xmlns:p14="http://schemas.microsoft.com/office/powerpoint/2010/main" val="1658790572"/>
       </p:ext>
     </p:extLst>
   </p:cSld>
@@ -4707,7 +4292,7 @@
 </p:sld>
 </file>
 
-<file path=ppt/slides/slide5.xml><?xml version="1.0" encoding="utf-8"?>
+<file path=ppt/slides/slide11.xml><?xml version="1.0" encoding="utf-8"?>
 <p:sld xmlns:a="http://schemas.openxmlformats.org/drawingml/2006/main" xmlns:r="http://schemas.openxmlformats.org/officeDocument/2006/relationships" xmlns:p="http://schemas.openxmlformats.org/presentationml/2006/main">
   <p:cSld>
     <p:spTree>
@@ -4738,8 +4323,8 @@
         </p:nvSpPr>
         <p:spPr>
           <a:xfrm>
-            <a:off x="4131455" y="496019"/>
-            <a:ext cx="3929089" cy="400110"/>
+            <a:off x="4336617" y="300416"/>
+            <a:ext cx="2890343" cy="707886"/>
           </a:xfrm>
           <a:prstGeom prst="rect">
             <a:avLst/>
@@ -4758,7 +4343,18 @@
                   <a:prstClr val="black"/>
                 </a:solidFill>
               </a:rPr>
-              <a:t>Models – A way to interact with DB</a:t>
+              <a:t>Models – Introduction</a:t>
+            </a:r>
+          </a:p>
+          <a:p>
+            <a:pPr lvl="0"/>
+            <a:r>
+              <a:rPr lang="en-US" sz="2000" b="1" dirty="0">
+                <a:solidFill>
+                  <a:prstClr val="black"/>
+                </a:solidFill>
+              </a:rPr>
+              <a:t>A way to interact with DB</a:t>
             </a:r>
           </a:p>
         </p:txBody>
@@ -5413,7 +5009,7 @@
 </p:sld>
 </file>
 
-<file path=ppt/slides/slide6.xml><?xml version="1.0" encoding="utf-8"?>
+<file path=ppt/slides/slide12.xml><?xml version="1.0" encoding="utf-8"?>
 <p:sld xmlns:a="http://schemas.openxmlformats.org/drawingml/2006/main" xmlns:r="http://schemas.openxmlformats.org/officeDocument/2006/relationships" xmlns:p="http://schemas.openxmlformats.org/presentationml/2006/main">
   <p:cSld>
     <p:spTree>
@@ -5445,7 +5041,7 @@
         <p:spPr>
           <a:xfrm>
             <a:off x="680869" y="140314"/>
-            <a:ext cx="4231351" cy="5139869"/>
+            <a:ext cx="4231351" cy="5755422"/>
           </a:xfrm>
           <a:prstGeom prst="rect">
             <a:avLst/>
@@ -5463,7 +5059,19 @@
           <a:p>
             <a:r>
               <a:rPr lang="en-US" sz="2000" b="1" dirty="0"/>
-              <a:t>Models – A way to interact with DB</a:t>
+              <a:t>Models – Introduction</a:t>
+            </a:r>
+          </a:p>
+          <a:p>
+            <a:r>
+              <a:rPr lang="en-US" sz="2000" b="1" dirty="0"/>
+              <a:t>A way to interact with DB</a:t>
+            </a:r>
+          </a:p>
+          <a:p>
+            <a:r>
+              <a:rPr lang="en-US" sz="2000" b="1" dirty="0"/>
+              <a:t>Creating a empty table</a:t>
             </a:r>
           </a:p>
           <a:p>
@@ -6271,7 +5879,7 @@
 </p:sld>
 </file>
 
-<file path=ppt/slides/slide7.xml><?xml version="1.0" encoding="utf-8"?>
+<file path=ppt/slides/slide13.xml><?xml version="1.0" encoding="utf-8"?>
 <p:sld xmlns:a="http://schemas.openxmlformats.org/drawingml/2006/main" xmlns:r="http://schemas.openxmlformats.org/officeDocument/2006/relationships" xmlns:p="http://schemas.openxmlformats.org/presentationml/2006/main">
   <p:cSld>
     <p:spTree>
@@ -6990,7 +6598,7 @@
 </p:sld>
 </file>
 
-<file path=ppt/slides/slide8.xml><?xml version="1.0" encoding="utf-8"?>
+<file path=ppt/slides/slide14.xml><?xml version="1.0" encoding="utf-8"?>
 <p:sld xmlns:a="http://schemas.openxmlformats.org/drawingml/2006/main" xmlns:r="http://schemas.openxmlformats.org/officeDocument/2006/relationships" xmlns:p="http://schemas.openxmlformats.org/presentationml/2006/main">
   <p:cSld>
     <p:spTree>
@@ -7153,6 +6761,4048 @@
     <p:extLst>
       <p:ext uri="{BB962C8B-B14F-4D97-AF65-F5344CB8AC3E}">
         <p14:creationId xmlns:p14="http://schemas.microsoft.com/office/powerpoint/2010/main" val="2492221621"/>
+      </p:ext>
+    </p:extLst>
+  </p:cSld>
+  <p:clrMapOvr>
+    <a:masterClrMapping/>
+  </p:clrMapOvr>
+</p:sld>
+</file>
+
+<file path=ppt/slides/slide2.xml><?xml version="1.0" encoding="utf-8"?>
+<p:sld xmlns:a="http://schemas.openxmlformats.org/drawingml/2006/main" xmlns:r="http://schemas.openxmlformats.org/officeDocument/2006/relationships" xmlns:p="http://schemas.openxmlformats.org/presentationml/2006/main">
+  <p:cSld>
+    <p:spTree>
+      <p:nvGrpSpPr>
+        <p:cNvPr id="1" name=""/>
+        <p:cNvGrpSpPr/>
+        <p:nvPr/>
+      </p:nvGrpSpPr>
+      <p:grpSpPr>
+        <a:xfrm>
+          <a:off x="0" y="0"/>
+          <a:ext cx="0" cy="0"/>
+          <a:chOff x="0" y="0"/>
+          <a:chExt cx="0" cy="0"/>
+        </a:xfrm>
+      </p:grpSpPr>
+      <p:sp>
+        <p:nvSpPr>
+          <p:cNvPr id="2" name="TextBox 1">
+            <a:extLst>
+              <a:ext uri="{FF2B5EF4-FFF2-40B4-BE49-F238E27FC236}">
+                <a16:creationId xmlns:a16="http://schemas.microsoft.com/office/drawing/2014/main" id="{EC44C923-020D-4A94-9EA3-D78D2FF95329}"/>
+              </a:ext>
+            </a:extLst>
+          </p:cNvPr>
+          <p:cNvSpPr txBox="1"/>
+          <p:nvPr/>
+        </p:nvSpPr>
+        <p:spPr>
+          <a:xfrm>
+            <a:off x="2336284" y="1012954"/>
+            <a:ext cx="7519431" cy="4832092"/>
+          </a:xfrm>
+          <a:prstGeom prst="rect">
+            <a:avLst/>
+          </a:prstGeom>
+          <a:noFill/>
+        </p:spPr>
+        <p:txBody>
+          <a:bodyPr wrap="none" rtlCol="0">
+            <a:spAutoFit/>
+          </a:bodyPr>
+          <a:lstStyle/>
+          <a:p>
+            <a:pPr algn="ctr"/>
+            <a:r>
+              <a:rPr lang="en-US" sz="2400" b="1" dirty="0"/>
+              <a:t>Settings Module</a:t>
+            </a:r>
+          </a:p>
+          <a:p>
+            <a:pPr algn="ctr"/>
+            <a:endParaRPr lang="en-US" sz="2400" b="1" dirty="0"/>
+          </a:p>
+          <a:p>
+            <a:r>
+              <a:rPr lang="en-US" sz="2000" b="1" dirty="0"/>
+              <a:t>Separating dev, prod, test environments</a:t>
+            </a:r>
+          </a:p>
+          <a:p>
+            <a:endParaRPr lang="en-US" sz="2000" dirty="0"/>
+          </a:p>
+          <a:p>
+            <a:pPr marL="342900" indent="-342900">
+              <a:buFont typeface="Arial" panose="020B0604020202020204" pitchFamily="34" charset="0"/>
+              <a:buChar char="•"/>
+            </a:pPr>
+            <a:r>
+              <a:rPr lang="en-US" sz="2000" dirty="0"/>
+              <a:t>Create a folder called settings or config</a:t>
+            </a:r>
+          </a:p>
+          <a:p>
+            <a:pPr marL="342900" indent="-342900">
+              <a:buFont typeface="Arial" panose="020B0604020202020204" pitchFamily="34" charset="0"/>
+              <a:buChar char="•"/>
+            </a:pPr>
+            <a:r>
+              <a:rPr lang="en-US" sz="2000" dirty="0"/>
+              <a:t>Move the settings.py to that </a:t>
+            </a:r>
+            <a:r>
+              <a:rPr lang="en-US" sz="2000" dirty="0" err="1"/>
+              <a:t>dir</a:t>
+            </a:r>
+            <a:endParaRPr lang="en-US" sz="2000" dirty="0"/>
+          </a:p>
+          <a:p>
+            <a:pPr marL="342900" indent="-342900">
+              <a:buFont typeface="Arial" panose="020B0604020202020204" pitchFamily="34" charset="0"/>
+              <a:buChar char="•"/>
+            </a:pPr>
+            <a:r>
+              <a:rPr lang="en-US" sz="2000" dirty="0"/>
+              <a:t>Create a __init__.py</a:t>
+            </a:r>
+          </a:p>
+          <a:p>
+            <a:pPr marL="342900" indent="-342900">
+              <a:buFont typeface="Arial" panose="020B0604020202020204" pitchFamily="34" charset="0"/>
+              <a:buChar char="•"/>
+            </a:pPr>
+            <a:r>
+              <a:rPr lang="en-US" sz="2000" dirty="0"/>
+              <a:t>Create a dev.py, import settings to it, overwrite the values in dev.py</a:t>
+            </a:r>
+          </a:p>
+          <a:p>
+            <a:pPr marL="342900" indent="-342900">
+              <a:buFont typeface="Arial" panose="020B0604020202020204" pitchFamily="34" charset="0"/>
+              <a:buChar char="•"/>
+            </a:pPr>
+            <a:r>
+              <a:rPr lang="en-US" sz="2000" dirty="0"/>
+              <a:t>Repeat the same for prod.py</a:t>
+            </a:r>
+          </a:p>
+          <a:p>
+            <a:pPr marL="342900" indent="-342900">
+              <a:buFont typeface="Arial" panose="020B0604020202020204" pitchFamily="34" charset="0"/>
+              <a:buChar char="•"/>
+            </a:pPr>
+            <a:r>
+              <a:rPr lang="en-US" sz="2000" dirty="0"/>
+              <a:t>In settings.py, point the base </a:t>
+            </a:r>
+            <a:r>
+              <a:rPr lang="en-US" sz="2000" dirty="0" err="1"/>
+              <a:t>dir</a:t>
+            </a:r>
+            <a:r>
+              <a:rPr lang="en-US" sz="2000" dirty="0"/>
+              <a:t> one step up</a:t>
+            </a:r>
+          </a:p>
+          <a:p>
+            <a:pPr marL="342900" indent="-342900">
+              <a:buFont typeface="Arial" panose="020B0604020202020204" pitchFamily="34" charset="0"/>
+              <a:buChar char="•"/>
+            </a:pPr>
+            <a:r>
+              <a:rPr lang="en-US" sz="2000" dirty="0"/>
+              <a:t>In wsgi.py and manage.py, point the settings to dev</a:t>
+            </a:r>
+          </a:p>
+          <a:p>
+            <a:pPr marL="342900" indent="-342900">
+              <a:buFont typeface="Arial" panose="020B0604020202020204" pitchFamily="34" charset="0"/>
+              <a:buChar char="•"/>
+            </a:pPr>
+            <a:r>
+              <a:rPr lang="en-US" sz="2000" dirty="0"/>
+              <a:t>Run the server</a:t>
+            </a:r>
+          </a:p>
+          <a:p>
+            <a:pPr marL="342900" indent="-342900">
+              <a:buFont typeface="Arial" panose="020B0604020202020204" pitchFamily="34" charset="0"/>
+              <a:buChar char="•"/>
+            </a:pPr>
+            <a:endParaRPr lang="en-US" sz="2000" dirty="0"/>
+          </a:p>
+          <a:p>
+            <a:pPr marL="342900" indent="-342900">
+              <a:buFont typeface="Arial" panose="020B0604020202020204" pitchFamily="34" charset="0"/>
+              <a:buChar char="•"/>
+            </a:pPr>
+            <a:endParaRPr lang="en-US" sz="2000" dirty="0"/>
+          </a:p>
+          <a:p>
+            <a:pPr marL="342900" indent="-342900">
+              <a:buFont typeface="Arial" panose="020B0604020202020204" pitchFamily="34" charset="0"/>
+              <a:buChar char="•"/>
+            </a:pPr>
+            <a:endParaRPr lang="en-US" sz="2000" dirty="0"/>
+          </a:p>
+        </p:txBody>
+      </p:sp>
+    </p:spTree>
+    <p:extLst>
+      <p:ext uri="{BB962C8B-B14F-4D97-AF65-F5344CB8AC3E}">
+        <p14:creationId xmlns:p14="http://schemas.microsoft.com/office/powerpoint/2010/main" val="2402287818"/>
+      </p:ext>
+    </p:extLst>
+  </p:cSld>
+  <p:clrMapOvr>
+    <a:masterClrMapping/>
+  </p:clrMapOvr>
+</p:sld>
+</file>
+
+<file path=ppt/slides/slide3.xml><?xml version="1.0" encoding="utf-8"?>
+<p:sld xmlns:a="http://schemas.openxmlformats.org/drawingml/2006/main" xmlns:r="http://schemas.openxmlformats.org/officeDocument/2006/relationships" xmlns:p="http://schemas.openxmlformats.org/presentationml/2006/main">
+  <p:cSld>
+    <p:spTree>
+      <p:nvGrpSpPr>
+        <p:cNvPr id="1" name=""/>
+        <p:cNvGrpSpPr/>
+        <p:nvPr/>
+      </p:nvGrpSpPr>
+      <p:grpSpPr>
+        <a:xfrm>
+          <a:off x="0" y="0"/>
+          <a:ext cx="0" cy="0"/>
+          <a:chOff x="0" y="0"/>
+          <a:chExt cx="0" cy="0"/>
+        </a:xfrm>
+      </p:grpSpPr>
+      <p:grpSp>
+        <p:nvGrpSpPr>
+          <p:cNvPr id="42" name="Group 41">
+            <a:extLst>
+              <a:ext uri="{FF2B5EF4-FFF2-40B4-BE49-F238E27FC236}">
+                <a16:creationId xmlns:a16="http://schemas.microsoft.com/office/drawing/2014/main" id="{AEDE1FE4-0D21-4DD2-9538-F734239C69B7}"/>
+              </a:ext>
+            </a:extLst>
+          </p:cNvPr>
+          <p:cNvGrpSpPr/>
+          <p:nvPr/>
+        </p:nvGrpSpPr>
+        <p:grpSpPr>
+          <a:xfrm>
+            <a:off x="577702" y="1383319"/>
+            <a:ext cx="11036595" cy="946835"/>
+            <a:chOff x="733647" y="541693"/>
+            <a:chExt cx="11036595" cy="946835"/>
+          </a:xfrm>
+        </p:grpSpPr>
+        <p:sp>
+          <p:nvSpPr>
+            <p:cNvPr id="2" name="Rectangle 1">
+              <a:extLst>
+                <a:ext uri="{FF2B5EF4-FFF2-40B4-BE49-F238E27FC236}">
+                  <a16:creationId xmlns:a16="http://schemas.microsoft.com/office/drawing/2014/main" id="{2DF6E6F4-7FC8-49E9-A9B7-325EA31FA6A1}"/>
+                </a:ext>
+              </a:extLst>
+            </p:cNvPr>
+            <p:cNvSpPr/>
+            <p:nvPr/>
+          </p:nvSpPr>
+          <p:spPr>
+            <a:xfrm>
+              <a:off x="3312938" y="541693"/>
+              <a:ext cx="1828800" cy="914400"/>
+            </a:xfrm>
+            <a:prstGeom prst="rect">
+              <a:avLst/>
+            </a:prstGeom>
+            <a:solidFill>
+              <a:srgbClr val="F0F0F0"/>
+            </a:solidFill>
+            <a:ln>
+              <a:solidFill>
+                <a:schemeClr val="tx1"/>
+              </a:solidFill>
+            </a:ln>
+          </p:spPr>
+          <p:style>
+            <a:lnRef idx="2">
+              <a:schemeClr val="accent1">
+                <a:shade val="50000"/>
+              </a:schemeClr>
+            </a:lnRef>
+            <a:fillRef idx="1">
+              <a:schemeClr val="accent1"/>
+            </a:fillRef>
+            <a:effectRef idx="0">
+              <a:schemeClr val="accent1"/>
+            </a:effectRef>
+            <a:fontRef idx="minor">
+              <a:schemeClr val="lt1"/>
+            </a:fontRef>
+          </p:style>
+          <p:txBody>
+            <a:bodyPr rtlCol="0" anchor="ctr"/>
+            <a:lstStyle/>
+            <a:p>
+              <a:pPr algn="ctr"/>
+              <a:r>
+                <a:rPr lang="en-US" dirty="0">
+                  <a:solidFill>
+                    <a:sysClr val="windowText" lastClr="000000"/>
+                  </a:solidFill>
+                </a:rPr>
+                <a:t>URLs</a:t>
+              </a:r>
+            </a:p>
+            <a:p>
+              <a:pPr algn="ctr"/>
+              <a:r>
+                <a:rPr lang="en-US" dirty="0">
+                  <a:solidFill>
+                    <a:sysClr val="windowText" lastClr="000000"/>
+                  </a:solidFill>
+                </a:rPr>
+                <a:t>(urls.py)</a:t>
+              </a:r>
+            </a:p>
+          </p:txBody>
+        </p:sp>
+        <p:sp>
+          <p:nvSpPr>
+            <p:cNvPr id="3" name="Rectangle 2">
+              <a:extLst>
+                <a:ext uri="{FF2B5EF4-FFF2-40B4-BE49-F238E27FC236}">
+                  <a16:creationId xmlns:a16="http://schemas.microsoft.com/office/drawing/2014/main" id="{367421AA-1A29-4261-B77D-B842D149C7C8}"/>
+                </a:ext>
+              </a:extLst>
+            </p:cNvPr>
+            <p:cNvSpPr/>
+            <p:nvPr/>
+          </p:nvSpPr>
+          <p:spPr>
+            <a:xfrm>
+              <a:off x="7483111" y="541693"/>
+              <a:ext cx="1828800" cy="914400"/>
+            </a:xfrm>
+            <a:prstGeom prst="rect">
+              <a:avLst/>
+            </a:prstGeom>
+            <a:solidFill>
+              <a:srgbClr val="F0F0F0"/>
+            </a:solidFill>
+            <a:ln>
+              <a:solidFill>
+                <a:schemeClr val="tx1"/>
+              </a:solidFill>
+            </a:ln>
+          </p:spPr>
+          <p:style>
+            <a:lnRef idx="2">
+              <a:schemeClr val="accent1">
+                <a:shade val="50000"/>
+              </a:schemeClr>
+            </a:lnRef>
+            <a:fillRef idx="1">
+              <a:schemeClr val="accent1"/>
+            </a:fillRef>
+            <a:effectRef idx="0">
+              <a:schemeClr val="accent1"/>
+            </a:effectRef>
+            <a:fontRef idx="minor">
+              <a:schemeClr val="lt1"/>
+            </a:fontRef>
+          </p:style>
+          <p:txBody>
+            <a:bodyPr rtlCol="0" anchor="ctr"/>
+            <a:lstStyle/>
+            <a:p>
+              <a:pPr algn="ctr"/>
+              <a:r>
+                <a:rPr lang="en-US" dirty="0">
+                  <a:solidFill>
+                    <a:sysClr val="windowText" lastClr="000000"/>
+                  </a:solidFill>
+                </a:rPr>
+                <a:t>View</a:t>
+              </a:r>
+            </a:p>
+            <a:p>
+              <a:pPr algn="ctr"/>
+              <a:r>
+                <a:rPr lang="en-US" dirty="0">
+                  <a:solidFill>
+                    <a:sysClr val="windowText" lastClr="000000"/>
+                  </a:solidFill>
+                </a:rPr>
+                <a:t>(views.py)</a:t>
+              </a:r>
+            </a:p>
+          </p:txBody>
+        </p:sp>
+        <p:cxnSp>
+          <p:nvCxnSpPr>
+            <p:cNvPr id="7" name="Straight Arrow Connector 6">
+              <a:extLst>
+                <a:ext uri="{FF2B5EF4-FFF2-40B4-BE49-F238E27FC236}">
+                  <a16:creationId xmlns:a16="http://schemas.microsoft.com/office/drawing/2014/main" id="{A942C7F4-2E7F-4461-81EE-C6577B13A9BD}"/>
+                </a:ext>
+              </a:extLst>
+            </p:cNvPr>
+            <p:cNvCxnSpPr>
+              <a:cxnSpLocks/>
+              <a:endCxn id="2" idx="1"/>
+            </p:cNvCxnSpPr>
+            <p:nvPr/>
+          </p:nvCxnSpPr>
+          <p:spPr>
+            <a:xfrm>
+              <a:off x="733647" y="998893"/>
+              <a:ext cx="2579291" cy="0"/>
+            </a:xfrm>
+            <a:prstGeom prst="straightConnector1">
+              <a:avLst/>
+            </a:prstGeom>
+            <a:ln>
+              <a:solidFill>
+                <a:schemeClr val="tx1"/>
+              </a:solidFill>
+              <a:tailEnd type="triangle"/>
+            </a:ln>
+          </p:spPr>
+          <p:style>
+            <a:lnRef idx="1">
+              <a:schemeClr val="accent1"/>
+            </a:lnRef>
+            <a:fillRef idx="0">
+              <a:schemeClr val="accent1"/>
+            </a:fillRef>
+            <a:effectRef idx="0">
+              <a:schemeClr val="accent1"/>
+            </a:effectRef>
+            <a:fontRef idx="minor">
+              <a:schemeClr val="tx1"/>
+            </a:fontRef>
+          </p:style>
+        </p:cxnSp>
+        <p:sp>
+          <p:nvSpPr>
+            <p:cNvPr id="8" name="TextBox 7">
+              <a:extLst>
+                <a:ext uri="{FF2B5EF4-FFF2-40B4-BE49-F238E27FC236}">
+                  <a16:creationId xmlns:a16="http://schemas.microsoft.com/office/drawing/2014/main" id="{3853AA7B-AD3A-4FC8-96F5-D5B474691303}"/>
+                </a:ext>
+              </a:extLst>
+            </p:cNvPr>
+            <p:cNvSpPr txBox="1"/>
+            <p:nvPr/>
+          </p:nvSpPr>
+          <p:spPr>
+            <a:xfrm>
+              <a:off x="1369539" y="565198"/>
+              <a:ext cx="1345497" cy="369332"/>
+            </a:xfrm>
+            <a:prstGeom prst="rect">
+              <a:avLst/>
+            </a:prstGeom>
+            <a:noFill/>
+          </p:spPr>
+          <p:txBody>
+            <a:bodyPr wrap="none" rtlCol="0">
+              <a:spAutoFit/>
+            </a:bodyPr>
+            <a:lstStyle/>
+            <a:p>
+              <a:r>
+                <a:rPr lang="en-US" dirty="0"/>
+                <a:t>http request</a:t>
+              </a:r>
+            </a:p>
+          </p:txBody>
+        </p:sp>
+        <p:cxnSp>
+          <p:nvCxnSpPr>
+            <p:cNvPr id="10" name="Straight Arrow Connector 9">
+              <a:extLst>
+                <a:ext uri="{FF2B5EF4-FFF2-40B4-BE49-F238E27FC236}">
+                  <a16:creationId xmlns:a16="http://schemas.microsoft.com/office/drawing/2014/main" id="{DA4CD683-6AA5-4E6F-910F-86F70C57993C}"/>
+                </a:ext>
+              </a:extLst>
+            </p:cNvPr>
+            <p:cNvCxnSpPr>
+              <a:cxnSpLocks/>
+              <a:stCxn id="2" idx="3"/>
+              <a:endCxn id="3" idx="1"/>
+            </p:cNvCxnSpPr>
+            <p:nvPr/>
+          </p:nvCxnSpPr>
+          <p:spPr>
+            <a:xfrm>
+              <a:off x="5141738" y="998893"/>
+              <a:ext cx="2341373" cy="0"/>
+            </a:xfrm>
+            <a:prstGeom prst="straightConnector1">
+              <a:avLst/>
+            </a:prstGeom>
+            <a:ln>
+              <a:solidFill>
+                <a:schemeClr val="tx1"/>
+              </a:solidFill>
+              <a:tailEnd type="triangle"/>
+            </a:ln>
+          </p:spPr>
+          <p:style>
+            <a:lnRef idx="1">
+              <a:schemeClr val="accent1"/>
+            </a:lnRef>
+            <a:fillRef idx="0">
+              <a:schemeClr val="accent1"/>
+            </a:fillRef>
+            <a:effectRef idx="0">
+              <a:schemeClr val="accent1"/>
+            </a:effectRef>
+            <a:fontRef idx="minor">
+              <a:schemeClr val="tx1"/>
+            </a:fontRef>
+          </p:style>
+        </p:cxnSp>
+        <p:cxnSp>
+          <p:nvCxnSpPr>
+            <p:cNvPr id="17" name="Straight Arrow Connector 16">
+              <a:extLst>
+                <a:ext uri="{FF2B5EF4-FFF2-40B4-BE49-F238E27FC236}">
+                  <a16:creationId xmlns:a16="http://schemas.microsoft.com/office/drawing/2014/main" id="{3D3ED576-937E-400F-AB42-F830EB1126A4}"/>
+                </a:ext>
+              </a:extLst>
+            </p:cNvPr>
+            <p:cNvCxnSpPr>
+              <a:cxnSpLocks/>
+              <a:stCxn id="3" idx="3"/>
+            </p:cNvCxnSpPr>
+            <p:nvPr/>
+          </p:nvCxnSpPr>
+          <p:spPr>
+            <a:xfrm>
+              <a:off x="9311911" y="998893"/>
+              <a:ext cx="2458331" cy="0"/>
+            </a:xfrm>
+            <a:prstGeom prst="straightConnector1">
+              <a:avLst/>
+            </a:prstGeom>
+            <a:ln>
+              <a:solidFill>
+                <a:schemeClr val="tx1"/>
+              </a:solidFill>
+              <a:tailEnd type="triangle"/>
+            </a:ln>
+          </p:spPr>
+          <p:style>
+            <a:lnRef idx="1">
+              <a:schemeClr val="accent1"/>
+            </a:lnRef>
+            <a:fillRef idx="0">
+              <a:schemeClr val="accent1"/>
+            </a:fillRef>
+            <a:effectRef idx="0">
+              <a:schemeClr val="accent1"/>
+            </a:effectRef>
+            <a:fontRef idx="minor">
+              <a:schemeClr val="tx1"/>
+            </a:fontRef>
+          </p:style>
+        </p:cxnSp>
+        <p:sp>
+          <p:nvSpPr>
+            <p:cNvPr id="24" name="TextBox 23">
+              <a:extLst>
+                <a:ext uri="{FF2B5EF4-FFF2-40B4-BE49-F238E27FC236}">
+                  <a16:creationId xmlns:a16="http://schemas.microsoft.com/office/drawing/2014/main" id="{798F7E9B-F143-41EE-A7E0-0C3DC62C454F}"/>
+                </a:ext>
+              </a:extLst>
+            </p:cNvPr>
+            <p:cNvSpPr txBox="1"/>
+            <p:nvPr/>
+          </p:nvSpPr>
+          <p:spPr>
+            <a:xfrm>
+              <a:off x="5353696" y="565198"/>
+              <a:ext cx="2029210" cy="923330"/>
+            </a:xfrm>
+            <a:prstGeom prst="rect">
+              <a:avLst/>
+            </a:prstGeom>
+            <a:noFill/>
+          </p:spPr>
+          <p:txBody>
+            <a:bodyPr wrap="none" rtlCol="0">
+              <a:spAutoFit/>
+            </a:bodyPr>
+            <a:lstStyle/>
+            <a:p>
+              <a:pPr algn="ctr"/>
+              <a:r>
+                <a:rPr lang="en-US" dirty="0"/>
+                <a:t>Forward request </a:t>
+              </a:r>
+            </a:p>
+            <a:p>
+              <a:pPr algn="ctr"/>
+              <a:endParaRPr lang="en-US" dirty="0"/>
+            </a:p>
+            <a:p>
+              <a:pPr algn="ctr"/>
+              <a:r>
+                <a:rPr lang="en-US" dirty="0"/>
+                <a:t>to appropriate view</a:t>
+              </a:r>
+            </a:p>
+          </p:txBody>
+        </p:sp>
+        <p:sp>
+          <p:nvSpPr>
+            <p:cNvPr id="26" name="TextBox 25">
+              <a:extLst>
+                <a:ext uri="{FF2B5EF4-FFF2-40B4-BE49-F238E27FC236}">
+                  <a16:creationId xmlns:a16="http://schemas.microsoft.com/office/drawing/2014/main" id="{CE12494D-5ABB-4562-8727-B0DB256DC2A4}"/>
+                </a:ext>
+              </a:extLst>
+            </p:cNvPr>
+            <p:cNvSpPr txBox="1"/>
+            <p:nvPr/>
+          </p:nvSpPr>
+          <p:spPr>
+            <a:xfrm>
+              <a:off x="9400616" y="541693"/>
+              <a:ext cx="2252668" cy="369332"/>
+            </a:xfrm>
+            <a:prstGeom prst="rect">
+              <a:avLst/>
+            </a:prstGeom>
+            <a:noFill/>
+          </p:spPr>
+          <p:txBody>
+            <a:bodyPr wrap="none" rtlCol="0">
+              <a:spAutoFit/>
+            </a:bodyPr>
+            <a:lstStyle/>
+            <a:p>
+              <a:r>
+                <a:rPr lang="en-US" dirty="0"/>
+                <a:t>Http response (HTML)</a:t>
+              </a:r>
+            </a:p>
+          </p:txBody>
+        </p:sp>
+      </p:grpSp>
+      <p:grpSp>
+        <p:nvGrpSpPr>
+          <p:cNvPr id="49" name="Group 48">
+            <a:extLst>
+              <a:ext uri="{FF2B5EF4-FFF2-40B4-BE49-F238E27FC236}">
+                <a16:creationId xmlns:a16="http://schemas.microsoft.com/office/drawing/2014/main" id="{21203BA3-A904-4196-9F93-1E26784F3E39}"/>
+              </a:ext>
+            </a:extLst>
+          </p:cNvPr>
+          <p:cNvGrpSpPr/>
+          <p:nvPr/>
+        </p:nvGrpSpPr>
+        <p:grpSpPr>
+          <a:xfrm>
+            <a:off x="577702" y="2462272"/>
+            <a:ext cx="3912781" cy="2921146"/>
+            <a:chOff x="577702" y="2462272"/>
+            <a:chExt cx="3912781" cy="2921146"/>
+          </a:xfrm>
+        </p:grpSpPr>
+        <p:sp>
+          <p:nvSpPr>
+            <p:cNvPr id="43" name="Rectangle 42">
+              <a:extLst>
+                <a:ext uri="{FF2B5EF4-FFF2-40B4-BE49-F238E27FC236}">
+                  <a16:creationId xmlns:a16="http://schemas.microsoft.com/office/drawing/2014/main" id="{3059DE54-E649-4162-A342-C4AA9FA2F57B}"/>
+                </a:ext>
+              </a:extLst>
+            </p:cNvPr>
+            <p:cNvSpPr/>
+            <p:nvPr/>
+          </p:nvSpPr>
+          <p:spPr>
+            <a:xfrm>
+              <a:off x="577702" y="2831604"/>
+              <a:ext cx="3912781" cy="2551814"/>
+            </a:xfrm>
+            <a:prstGeom prst="rect">
+              <a:avLst/>
+            </a:prstGeom>
+            <a:solidFill>
+              <a:schemeClr val="bg1"/>
+            </a:solidFill>
+            <a:ln>
+              <a:solidFill>
+                <a:srgbClr val="F0F0F0"/>
+              </a:solidFill>
+            </a:ln>
+          </p:spPr>
+          <p:style>
+            <a:lnRef idx="2">
+              <a:schemeClr val="accent1">
+                <a:shade val="50000"/>
+              </a:schemeClr>
+            </a:lnRef>
+            <a:fillRef idx="1">
+              <a:schemeClr val="accent1"/>
+            </a:fillRef>
+            <a:effectRef idx="0">
+              <a:schemeClr val="accent1"/>
+            </a:effectRef>
+            <a:fontRef idx="minor">
+              <a:schemeClr val="lt1"/>
+            </a:fontRef>
+          </p:style>
+          <p:txBody>
+            <a:bodyPr rtlCol="0" anchor="ctr"/>
+            <a:lstStyle/>
+            <a:p>
+              <a:r>
+                <a:rPr lang="en-US" b="1" i="1" dirty="0">
+                  <a:solidFill>
+                    <a:sysClr val="windowText" lastClr="000000"/>
+                  </a:solidFill>
+                  <a:latin typeface="Consolas" panose="020B0609020204030204" pitchFamily="49" charset="0"/>
+                </a:rPr>
+                <a:t>from .views import index</a:t>
+              </a:r>
+            </a:p>
+            <a:p>
+              <a:endParaRPr lang="en-US" i="1" dirty="0">
+                <a:solidFill>
+                  <a:sysClr val="windowText" lastClr="000000"/>
+                </a:solidFill>
+                <a:latin typeface="Consolas" panose="020B0609020204030204" pitchFamily="49" charset="0"/>
+              </a:endParaRPr>
+            </a:p>
+            <a:p>
+              <a:r>
+                <a:rPr lang="en-US" i="1" dirty="0" err="1">
+                  <a:solidFill>
+                    <a:sysClr val="windowText" lastClr="000000"/>
+                  </a:solidFill>
+                  <a:latin typeface="Consolas" panose="020B0609020204030204" pitchFamily="49" charset="0"/>
+                </a:rPr>
+                <a:t>urlpatterns</a:t>
+              </a:r>
+              <a:r>
+                <a:rPr lang="en-US" i="1" dirty="0">
+                  <a:solidFill>
+                    <a:sysClr val="windowText" lastClr="000000"/>
+                  </a:solidFill>
+                  <a:latin typeface="Consolas" panose="020B0609020204030204" pitchFamily="49" charset="0"/>
+                </a:rPr>
+                <a:t> = [</a:t>
+              </a:r>
+            </a:p>
+            <a:p>
+              <a:r>
+                <a:rPr lang="en-US" i="1" dirty="0">
+                  <a:solidFill>
+                    <a:sysClr val="windowText" lastClr="000000"/>
+                  </a:solidFill>
+                  <a:latin typeface="Consolas" panose="020B0609020204030204" pitchFamily="49" charset="0"/>
+                </a:rPr>
+                <a:t>    path('admin/', </a:t>
+              </a:r>
+              <a:r>
+                <a:rPr lang="en-US" i="1" dirty="0" err="1">
+                  <a:solidFill>
+                    <a:sysClr val="windowText" lastClr="000000"/>
+                  </a:solidFill>
+                  <a:latin typeface="Consolas" panose="020B0609020204030204" pitchFamily="49" charset="0"/>
+                </a:rPr>
+                <a:t>admin.site.urls</a:t>
+              </a:r>
+              <a:r>
+                <a:rPr lang="en-US" i="1" dirty="0">
+                  <a:solidFill>
+                    <a:sysClr val="windowText" lastClr="000000"/>
+                  </a:solidFill>
+                  <a:latin typeface="Consolas" panose="020B0609020204030204" pitchFamily="49" charset="0"/>
+                </a:rPr>
+                <a:t>),</a:t>
+              </a:r>
+            </a:p>
+            <a:p>
+              <a:r>
+                <a:rPr lang="en-US" i="1" dirty="0">
+                  <a:solidFill>
+                    <a:sysClr val="windowText" lastClr="000000"/>
+                  </a:solidFill>
+                  <a:latin typeface="Consolas" panose="020B0609020204030204" pitchFamily="49" charset="0"/>
+                </a:rPr>
+                <a:t>    </a:t>
+              </a:r>
+              <a:r>
+                <a:rPr lang="en-US" b="1" i="1" dirty="0">
+                  <a:solidFill>
+                    <a:sysClr val="windowText" lastClr="000000"/>
+                  </a:solidFill>
+                  <a:latin typeface="Consolas" panose="020B0609020204030204" pitchFamily="49" charset="0"/>
+                </a:rPr>
+                <a:t>path('', index),</a:t>
+              </a:r>
+            </a:p>
+            <a:p>
+              <a:r>
+                <a:rPr lang="en-US" i="1" dirty="0">
+                  <a:solidFill>
+                    <a:sysClr val="windowText" lastClr="000000"/>
+                  </a:solidFill>
+                  <a:latin typeface="Consolas" panose="020B0609020204030204" pitchFamily="49" charset="0"/>
+                </a:rPr>
+                <a:t>]</a:t>
+              </a:r>
+            </a:p>
+          </p:txBody>
+        </p:sp>
+        <p:sp>
+          <p:nvSpPr>
+            <p:cNvPr id="44" name="TextBox 43">
+              <a:extLst>
+                <a:ext uri="{FF2B5EF4-FFF2-40B4-BE49-F238E27FC236}">
+                  <a16:creationId xmlns:a16="http://schemas.microsoft.com/office/drawing/2014/main" id="{7475B422-0320-444C-9677-B271A776EA67}"/>
+                </a:ext>
+              </a:extLst>
+            </p:cNvPr>
+            <p:cNvSpPr txBox="1"/>
+            <p:nvPr/>
+          </p:nvSpPr>
+          <p:spPr>
+            <a:xfrm>
+              <a:off x="577702" y="2462272"/>
+              <a:ext cx="914400" cy="369332"/>
+            </a:xfrm>
+            <a:prstGeom prst="rect">
+              <a:avLst/>
+            </a:prstGeom>
+            <a:solidFill>
+              <a:schemeClr val="bg1"/>
+            </a:solidFill>
+            <a:ln>
+              <a:solidFill>
+                <a:srgbClr val="F0F0F0"/>
+              </a:solidFill>
+            </a:ln>
+          </p:spPr>
+          <p:txBody>
+            <a:bodyPr wrap="square" rtlCol="0">
+              <a:spAutoFit/>
+            </a:bodyPr>
+            <a:lstStyle/>
+            <a:p>
+              <a:r>
+                <a:rPr lang="en-US" b="1" dirty="0"/>
+                <a:t>urls.py</a:t>
+              </a:r>
+            </a:p>
+          </p:txBody>
+        </p:sp>
+      </p:grpSp>
+      <p:sp>
+        <p:nvSpPr>
+          <p:cNvPr id="47" name="Rectangle 46">
+            <a:extLst>
+              <a:ext uri="{FF2B5EF4-FFF2-40B4-BE49-F238E27FC236}">
+                <a16:creationId xmlns:a16="http://schemas.microsoft.com/office/drawing/2014/main" id="{9C97BC1E-D4C6-4566-BECC-CC373EEB9C47}"/>
+              </a:ext>
+            </a:extLst>
+          </p:cNvPr>
+          <p:cNvSpPr/>
+          <p:nvPr/>
+        </p:nvSpPr>
+        <p:spPr>
+          <a:xfrm>
+            <a:off x="5844362" y="2827123"/>
+            <a:ext cx="5769935" cy="2551814"/>
+          </a:xfrm>
+          <a:prstGeom prst="rect">
+            <a:avLst/>
+          </a:prstGeom>
+          <a:solidFill>
+            <a:schemeClr val="bg1"/>
+          </a:solidFill>
+          <a:ln>
+            <a:solidFill>
+              <a:srgbClr val="F0F0F0"/>
+            </a:solidFill>
+          </a:ln>
+        </p:spPr>
+        <p:style>
+          <a:lnRef idx="2">
+            <a:schemeClr val="accent1">
+              <a:shade val="50000"/>
+            </a:schemeClr>
+          </a:lnRef>
+          <a:fillRef idx="1">
+            <a:schemeClr val="accent1"/>
+          </a:fillRef>
+          <a:effectRef idx="0">
+            <a:schemeClr val="accent1"/>
+          </a:effectRef>
+          <a:fontRef idx="minor">
+            <a:schemeClr val="lt1"/>
+          </a:fontRef>
+        </p:style>
+        <p:txBody>
+          <a:bodyPr rtlCol="0" anchor="ctr"/>
+          <a:lstStyle/>
+          <a:p>
+            <a:endParaRPr lang="en-US" i="1" dirty="0">
+              <a:solidFill>
+                <a:sysClr val="windowText" lastClr="000000"/>
+              </a:solidFill>
+              <a:latin typeface="Consolas" panose="020B0609020204030204" pitchFamily="49" charset="0"/>
+            </a:endParaRPr>
+          </a:p>
+          <a:p>
+            <a:r>
+              <a:rPr lang="en-US" i="1" dirty="0">
+                <a:solidFill>
+                  <a:sysClr val="windowText" lastClr="000000"/>
+                </a:solidFill>
+                <a:latin typeface="Consolas" panose="020B0609020204030204" pitchFamily="49" charset="0"/>
+              </a:rPr>
+              <a:t>from </a:t>
+            </a:r>
+            <a:r>
+              <a:rPr lang="en-US" i="1" dirty="0" err="1">
+                <a:solidFill>
+                  <a:sysClr val="windowText" lastClr="000000"/>
+                </a:solidFill>
+                <a:latin typeface="Consolas" panose="020B0609020204030204" pitchFamily="49" charset="0"/>
+              </a:rPr>
+              <a:t>django.http</a:t>
+            </a:r>
+            <a:r>
+              <a:rPr lang="en-US" i="1" dirty="0">
+                <a:solidFill>
+                  <a:sysClr val="windowText" lastClr="000000"/>
+                </a:solidFill>
+                <a:latin typeface="Consolas" panose="020B0609020204030204" pitchFamily="49" charset="0"/>
+              </a:rPr>
+              <a:t> import </a:t>
+            </a:r>
+            <a:r>
+              <a:rPr lang="en-US" i="1" dirty="0" err="1">
+                <a:solidFill>
+                  <a:sysClr val="windowText" lastClr="000000"/>
+                </a:solidFill>
+                <a:latin typeface="Consolas" panose="020B0609020204030204" pitchFamily="49" charset="0"/>
+              </a:rPr>
+              <a:t>HttpResponse</a:t>
+            </a:r>
+            <a:endParaRPr lang="en-US" i="1" dirty="0">
+              <a:solidFill>
+                <a:sysClr val="windowText" lastClr="000000"/>
+              </a:solidFill>
+              <a:latin typeface="Consolas" panose="020B0609020204030204" pitchFamily="49" charset="0"/>
+            </a:endParaRPr>
+          </a:p>
+          <a:p>
+            <a:endParaRPr lang="en-US" i="1" dirty="0">
+              <a:solidFill>
+                <a:sysClr val="windowText" lastClr="000000"/>
+              </a:solidFill>
+              <a:latin typeface="Consolas" panose="020B0609020204030204" pitchFamily="49" charset="0"/>
+            </a:endParaRPr>
+          </a:p>
+          <a:p>
+            <a:r>
+              <a:rPr lang="en-US" i="1" dirty="0">
+                <a:solidFill>
+                  <a:sysClr val="windowText" lastClr="000000"/>
+                </a:solidFill>
+                <a:latin typeface="Consolas" panose="020B0609020204030204" pitchFamily="49" charset="0"/>
+              </a:rPr>
+              <a:t>def index(request):</a:t>
+            </a:r>
+          </a:p>
+          <a:p>
+            <a:r>
+              <a:rPr lang="en-US" i="1" dirty="0">
+                <a:solidFill>
+                  <a:sysClr val="windowText" lastClr="000000"/>
+                </a:solidFill>
+                <a:latin typeface="Consolas" panose="020B0609020204030204" pitchFamily="49" charset="0"/>
+              </a:rPr>
+              <a:t>    return </a:t>
+            </a:r>
+            <a:r>
+              <a:rPr lang="en-US" i="1" dirty="0" err="1">
+                <a:solidFill>
+                  <a:sysClr val="windowText" lastClr="000000"/>
+                </a:solidFill>
+                <a:latin typeface="Consolas" panose="020B0609020204030204" pitchFamily="49" charset="0"/>
+              </a:rPr>
+              <a:t>HttpResponse</a:t>
+            </a:r>
+            <a:r>
+              <a:rPr lang="en-US" i="1" dirty="0">
+                <a:solidFill>
+                  <a:sysClr val="windowText" lastClr="000000"/>
+                </a:solidFill>
+                <a:latin typeface="Consolas" panose="020B0609020204030204" pitchFamily="49" charset="0"/>
+              </a:rPr>
+              <a:t>('&lt;b&gt;Hello world&lt;b&gt;')</a:t>
+            </a:r>
+          </a:p>
+          <a:p>
+            <a:endParaRPr lang="en-US" i="1" dirty="0">
+              <a:solidFill>
+                <a:sysClr val="windowText" lastClr="000000"/>
+              </a:solidFill>
+              <a:latin typeface="Consolas" panose="020B0609020204030204" pitchFamily="49" charset="0"/>
+            </a:endParaRPr>
+          </a:p>
+        </p:txBody>
+      </p:sp>
+      <p:sp>
+        <p:nvSpPr>
+          <p:cNvPr id="48" name="TextBox 47">
+            <a:extLst>
+              <a:ext uri="{FF2B5EF4-FFF2-40B4-BE49-F238E27FC236}">
+                <a16:creationId xmlns:a16="http://schemas.microsoft.com/office/drawing/2014/main" id="{51E472DF-F8F6-4DF9-A248-2C38A3AE049E}"/>
+              </a:ext>
+            </a:extLst>
+          </p:cNvPr>
+          <p:cNvSpPr txBox="1"/>
+          <p:nvPr/>
+        </p:nvSpPr>
+        <p:spPr>
+          <a:xfrm>
+            <a:off x="5844361" y="2457791"/>
+            <a:ext cx="1077433" cy="369332"/>
+          </a:xfrm>
+          <a:prstGeom prst="rect">
+            <a:avLst/>
+          </a:prstGeom>
+          <a:solidFill>
+            <a:schemeClr val="bg1"/>
+          </a:solidFill>
+          <a:ln>
+            <a:solidFill>
+              <a:srgbClr val="F0F0F0"/>
+            </a:solidFill>
+          </a:ln>
+        </p:spPr>
+        <p:txBody>
+          <a:bodyPr wrap="square" rtlCol="0">
+            <a:spAutoFit/>
+          </a:bodyPr>
+          <a:lstStyle/>
+          <a:p>
+            <a:r>
+              <a:rPr lang="en-US" b="1" dirty="0"/>
+              <a:t>views.py</a:t>
+            </a:r>
+          </a:p>
+        </p:txBody>
+      </p:sp>
+      <p:sp>
+        <p:nvSpPr>
+          <p:cNvPr id="16" name="TextBox 15">
+            <a:extLst>
+              <a:ext uri="{FF2B5EF4-FFF2-40B4-BE49-F238E27FC236}">
+                <a16:creationId xmlns:a16="http://schemas.microsoft.com/office/drawing/2014/main" id="{E1680922-720E-4729-8C63-C8ADF8F19AA9}"/>
+              </a:ext>
+            </a:extLst>
+          </p:cNvPr>
+          <p:cNvSpPr txBox="1"/>
+          <p:nvPr/>
+        </p:nvSpPr>
+        <p:spPr>
+          <a:xfrm>
+            <a:off x="4860657" y="185488"/>
+            <a:ext cx="2466509" cy="400110"/>
+          </a:xfrm>
+          <a:prstGeom prst="rect">
+            <a:avLst/>
+          </a:prstGeom>
+          <a:noFill/>
+        </p:spPr>
+        <p:txBody>
+          <a:bodyPr wrap="none" rtlCol="0">
+            <a:spAutoFit/>
+          </a:bodyPr>
+          <a:lstStyle/>
+          <a:p>
+            <a:r>
+              <a:rPr lang="en-US" sz="2000" b="1" dirty="0"/>
+              <a:t>Requests &amp; Response</a:t>
+            </a:r>
+          </a:p>
+        </p:txBody>
+      </p:sp>
+    </p:spTree>
+    <p:extLst>
+      <p:ext uri="{BB962C8B-B14F-4D97-AF65-F5344CB8AC3E}">
+        <p14:creationId xmlns:p14="http://schemas.microsoft.com/office/powerpoint/2010/main" val="1345047216"/>
+      </p:ext>
+    </p:extLst>
+  </p:cSld>
+  <p:clrMapOvr>
+    <a:masterClrMapping/>
+  </p:clrMapOvr>
+</p:sld>
+</file>
+
+<file path=ppt/slides/slide4.xml><?xml version="1.0" encoding="utf-8"?>
+<p:sld xmlns:a="http://schemas.openxmlformats.org/drawingml/2006/main" xmlns:r="http://schemas.openxmlformats.org/officeDocument/2006/relationships" xmlns:p="http://schemas.openxmlformats.org/presentationml/2006/main">
+  <p:cSld>
+    <p:spTree>
+      <p:nvGrpSpPr>
+        <p:cNvPr id="1" name=""/>
+        <p:cNvGrpSpPr/>
+        <p:nvPr/>
+      </p:nvGrpSpPr>
+      <p:grpSpPr>
+        <a:xfrm>
+          <a:off x="0" y="0"/>
+          <a:ext cx="0" cy="0"/>
+          <a:chOff x="0" y="0"/>
+          <a:chExt cx="0" cy="0"/>
+        </a:xfrm>
+      </p:grpSpPr>
+      <p:sp>
+        <p:nvSpPr>
+          <p:cNvPr id="2" name="TextBox 1">
+            <a:extLst>
+              <a:ext uri="{FF2B5EF4-FFF2-40B4-BE49-F238E27FC236}">
+                <a16:creationId xmlns:a16="http://schemas.microsoft.com/office/drawing/2014/main" id="{45061799-8B0A-479F-A648-51079FA2ACAC}"/>
+              </a:ext>
+            </a:extLst>
+          </p:cNvPr>
+          <p:cNvSpPr txBox="1"/>
+          <p:nvPr/>
+        </p:nvSpPr>
+        <p:spPr>
+          <a:xfrm>
+            <a:off x="3787515" y="1089898"/>
+            <a:ext cx="4616970" cy="2923877"/>
+          </a:xfrm>
+          <a:prstGeom prst="rect">
+            <a:avLst/>
+          </a:prstGeom>
+          <a:noFill/>
+        </p:spPr>
+        <p:txBody>
+          <a:bodyPr wrap="none" rtlCol="0">
+            <a:spAutoFit/>
+          </a:bodyPr>
+          <a:lstStyle/>
+          <a:p>
+            <a:endParaRPr lang="en-US" b="1" dirty="0"/>
+          </a:p>
+          <a:p>
+            <a:r>
+              <a:rPr lang="en-US" sz="2000" b="1" dirty="0"/>
+              <a:t>Run a development server</a:t>
+            </a:r>
+          </a:p>
+          <a:p>
+            <a:endParaRPr lang="en-US" sz="2000" dirty="0"/>
+          </a:p>
+          <a:p>
+            <a:pPr marL="342900" indent="-342900">
+              <a:buFont typeface="Arial" panose="020B0604020202020204" pitchFamily="34" charset="0"/>
+              <a:buChar char="•"/>
+            </a:pPr>
+            <a:r>
+              <a:rPr lang="en-US" dirty="0"/>
+              <a:t>Make a new project directory</a:t>
+            </a:r>
+          </a:p>
+          <a:p>
+            <a:endParaRPr lang="en-US" dirty="0"/>
+          </a:p>
+          <a:p>
+            <a:pPr marL="342900" indent="-342900">
+              <a:buFont typeface="Arial" panose="020B0604020202020204" pitchFamily="34" charset="0"/>
+              <a:buChar char="•"/>
+            </a:pPr>
+            <a:r>
+              <a:rPr lang="en-US" dirty="0"/>
+              <a:t>Start the project</a:t>
+            </a:r>
+          </a:p>
+          <a:p>
+            <a:r>
+              <a:rPr lang="en-US" b="1" i="1" dirty="0">
+                <a:latin typeface="Consolas" panose="020B0609020204030204" pitchFamily="49" charset="0"/>
+                <a:cs typeface="Times New Roman" panose="02020603050405020304" pitchFamily="18" charset="0"/>
+              </a:rPr>
+              <a:t>   </a:t>
+            </a:r>
+            <a:r>
+              <a:rPr lang="en-US" b="1" i="1" dirty="0" err="1">
+                <a:latin typeface="Consolas" panose="020B0609020204030204" pitchFamily="49" charset="0"/>
+                <a:cs typeface="Times New Roman" panose="02020603050405020304" pitchFamily="18" charset="0"/>
+              </a:rPr>
+              <a:t>django</a:t>
+            </a:r>
+            <a:r>
+              <a:rPr lang="en-US" b="1" i="1" dirty="0">
+                <a:latin typeface="Consolas" panose="020B0609020204030204" pitchFamily="49" charset="0"/>
+                <a:cs typeface="Times New Roman" panose="02020603050405020304" pitchFamily="18" charset="0"/>
+              </a:rPr>
+              <a:t>-admin </a:t>
+            </a:r>
+            <a:r>
+              <a:rPr lang="en-US" b="1" i="1" dirty="0" err="1">
+                <a:latin typeface="Consolas" panose="020B0609020204030204" pitchFamily="49" charset="0"/>
+                <a:cs typeface="Times New Roman" panose="02020603050405020304" pitchFamily="18" charset="0"/>
+              </a:rPr>
+              <a:t>startproject</a:t>
+            </a:r>
+            <a:r>
+              <a:rPr lang="en-US" b="1" i="1" dirty="0">
+                <a:latin typeface="Consolas" panose="020B0609020204030204" pitchFamily="49" charset="0"/>
+                <a:cs typeface="Times New Roman" panose="02020603050405020304" pitchFamily="18" charset="0"/>
+              </a:rPr>
+              <a:t> </a:t>
+            </a:r>
+            <a:r>
+              <a:rPr lang="en-US" b="1" i="1" dirty="0" err="1">
+                <a:latin typeface="Consolas" panose="020B0609020204030204" pitchFamily="49" charset="0"/>
+                <a:cs typeface="Times New Roman" panose="02020603050405020304" pitchFamily="18" charset="0"/>
+              </a:rPr>
+              <a:t>mysite</a:t>
+            </a:r>
+            <a:endParaRPr lang="en-US" b="1" i="1" dirty="0">
+              <a:latin typeface="Consolas" panose="020B0609020204030204" pitchFamily="49" charset="0"/>
+              <a:cs typeface="Times New Roman" panose="02020603050405020304" pitchFamily="18" charset="0"/>
+            </a:endParaRPr>
+          </a:p>
+          <a:p>
+            <a:endParaRPr lang="en-US" i="1" dirty="0">
+              <a:latin typeface="Consolas" panose="020B0609020204030204" pitchFamily="49" charset="0"/>
+              <a:cs typeface="Times New Roman" panose="02020603050405020304" pitchFamily="18" charset="0"/>
+            </a:endParaRPr>
+          </a:p>
+          <a:p>
+            <a:pPr marL="285750" indent="-285750">
+              <a:buFont typeface="Arial" panose="020B0604020202020204" pitchFamily="34" charset="0"/>
+              <a:buChar char="•"/>
+            </a:pPr>
+            <a:r>
+              <a:rPr lang="en-US" dirty="0">
+                <a:cs typeface="Times New Roman" panose="02020603050405020304" pitchFamily="18" charset="0"/>
+              </a:rPr>
+              <a:t>Run the server</a:t>
+            </a:r>
+          </a:p>
+          <a:p>
+            <a:r>
+              <a:rPr lang="en-US" altLang="en-US" b="1" i="1" dirty="0">
+                <a:latin typeface="Consolas" panose="020B0609020204030204" pitchFamily="49" charset="0"/>
+                <a:cs typeface="Times New Roman" panose="02020603050405020304" pitchFamily="18" charset="0"/>
+              </a:rPr>
+              <a:t>  </a:t>
+            </a:r>
+            <a:r>
+              <a:rPr lang="en-US" altLang="en-US" b="1" i="1" dirty="0">
+                <a:latin typeface="Consolas" panose="020B0609020204030204" pitchFamily="49" charset="0"/>
+              </a:rPr>
+              <a:t>python manage.py </a:t>
+            </a:r>
+            <a:r>
+              <a:rPr lang="en-US" altLang="en-US" b="1" i="1" dirty="0" err="1">
+                <a:latin typeface="Consolas" panose="020B0609020204030204" pitchFamily="49" charset="0"/>
+              </a:rPr>
+              <a:t>runserver</a:t>
+            </a:r>
+            <a:endParaRPr lang="en-US" altLang="en-US" b="1" i="1" dirty="0">
+              <a:latin typeface="Consolas" panose="020B0609020204030204" pitchFamily="49" charset="0"/>
+            </a:endParaRPr>
+          </a:p>
+        </p:txBody>
+      </p:sp>
+    </p:spTree>
+    <p:extLst>
+      <p:ext uri="{BB962C8B-B14F-4D97-AF65-F5344CB8AC3E}">
+        <p14:creationId xmlns:p14="http://schemas.microsoft.com/office/powerpoint/2010/main" val="1265443498"/>
+      </p:ext>
+    </p:extLst>
+  </p:cSld>
+  <p:clrMapOvr>
+    <a:masterClrMapping/>
+  </p:clrMapOvr>
+</p:sld>
+</file>
+
+<file path=ppt/slides/slide5.xml><?xml version="1.0" encoding="utf-8"?>
+<p:sld xmlns:a="http://schemas.openxmlformats.org/drawingml/2006/main" xmlns:r="http://schemas.openxmlformats.org/officeDocument/2006/relationships" xmlns:p="http://schemas.openxmlformats.org/presentationml/2006/main">
+  <p:cSld>
+    <p:spTree>
+      <p:nvGrpSpPr>
+        <p:cNvPr id="1" name=""/>
+        <p:cNvGrpSpPr/>
+        <p:nvPr/>
+      </p:nvGrpSpPr>
+      <p:grpSpPr>
+        <a:xfrm>
+          <a:off x="0" y="0"/>
+          <a:ext cx="0" cy="0"/>
+          <a:chOff x="0" y="0"/>
+          <a:chExt cx="0" cy="0"/>
+        </a:xfrm>
+      </p:grpSpPr>
+      <p:grpSp>
+        <p:nvGrpSpPr>
+          <p:cNvPr id="2" name="Group 1">
+            <a:extLst>
+              <a:ext uri="{FF2B5EF4-FFF2-40B4-BE49-F238E27FC236}">
+                <a16:creationId xmlns:a16="http://schemas.microsoft.com/office/drawing/2014/main" id="{262784EE-BEBA-4BD2-8EC0-D5A435A8A2B4}"/>
+              </a:ext>
+            </a:extLst>
+          </p:cNvPr>
+          <p:cNvGrpSpPr/>
+          <p:nvPr/>
+        </p:nvGrpSpPr>
+        <p:grpSpPr>
+          <a:xfrm>
+            <a:off x="700992" y="2305024"/>
+            <a:ext cx="11036595" cy="946835"/>
+            <a:chOff x="733647" y="541693"/>
+            <a:chExt cx="11036595" cy="946835"/>
+          </a:xfrm>
+        </p:grpSpPr>
+        <p:sp>
+          <p:nvSpPr>
+            <p:cNvPr id="3" name="Rectangle 2">
+              <a:extLst>
+                <a:ext uri="{FF2B5EF4-FFF2-40B4-BE49-F238E27FC236}">
+                  <a16:creationId xmlns:a16="http://schemas.microsoft.com/office/drawing/2014/main" id="{DACF7596-4F02-48BA-AA9E-CE61FBD0001A}"/>
+                </a:ext>
+              </a:extLst>
+            </p:cNvPr>
+            <p:cNvSpPr/>
+            <p:nvPr/>
+          </p:nvSpPr>
+          <p:spPr>
+            <a:xfrm>
+              <a:off x="3312938" y="541693"/>
+              <a:ext cx="1828800" cy="914400"/>
+            </a:xfrm>
+            <a:prstGeom prst="rect">
+              <a:avLst/>
+            </a:prstGeom>
+            <a:solidFill>
+              <a:srgbClr val="F0F0F0"/>
+            </a:solidFill>
+            <a:ln>
+              <a:solidFill>
+                <a:schemeClr val="tx1"/>
+              </a:solidFill>
+            </a:ln>
+          </p:spPr>
+          <p:style>
+            <a:lnRef idx="2">
+              <a:schemeClr val="accent1">
+                <a:shade val="50000"/>
+              </a:schemeClr>
+            </a:lnRef>
+            <a:fillRef idx="1">
+              <a:schemeClr val="accent1"/>
+            </a:fillRef>
+            <a:effectRef idx="0">
+              <a:schemeClr val="accent1"/>
+            </a:effectRef>
+            <a:fontRef idx="minor">
+              <a:schemeClr val="lt1"/>
+            </a:fontRef>
+          </p:style>
+          <p:txBody>
+            <a:bodyPr rtlCol="0" anchor="ctr"/>
+            <a:lstStyle/>
+            <a:p>
+              <a:pPr algn="ctr"/>
+              <a:r>
+                <a:rPr lang="en-US" dirty="0">
+                  <a:solidFill>
+                    <a:sysClr val="windowText" lastClr="000000"/>
+                  </a:solidFill>
+                </a:rPr>
+                <a:t>URLs</a:t>
+              </a:r>
+            </a:p>
+            <a:p>
+              <a:pPr algn="ctr"/>
+              <a:r>
+                <a:rPr lang="en-US" dirty="0">
+                  <a:solidFill>
+                    <a:sysClr val="windowText" lastClr="000000"/>
+                  </a:solidFill>
+                </a:rPr>
+                <a:t>(urls.py)</a:t>
+              </a:r>
+            </a:p>
+          </p:txBody>
+        </p:sp>
+        <p:sp>
+          <p:nvSpPr>
+            <p:cNvPr id="4" name="Rectangle 3">
+              <a:extLst>
+                <a:ext uri="{FF2B5EF4-FFF2-40B4-BE49-F238E27FC236}">
+                  <a16:creationId xmlns:a16="http://schemas.microsoft.com/office/drawing/2014/main" id="{15B9517C-A157-40A7-B4E9-8A1992C6B8F4}"/>
+                </a:ext>
+              </a:extLst>
+            </p:cNvPr>
+            <p:cNvSpPr/>
+            <p:nvPr/>
+          </p:nvSpPr>
+          <p:spPr>
+            <a:xfrm>
+              <a:off x="7483111" y="541693"/>
+              <a:ext cx="1828800" cy="914400"/>
+            </a:xfrm>
+            <a:prstGeom prst="rect">
+              <a:avLst/>
+            </a:prstGeom>
+            <a:solidFill>
+              <a:srgbClr val="F0F0F0"/>
+            </a:solidFill>
+            <a:ln>
+              <a:solidFill>
+                <a:schemeClr val="tx1"/>
+              </a:solidFill>
+            </a:ln>
+          </p:spPr>
+          <p:style>
+            <a:lnRef idx="2">
+              <a:schemeClr val="accent1">
+                <a:shade val="50000"/>
+              </a:schemeClr>
+            </a:lnRef>
+            <a:fillRef idx="1">
+              <a:schemeClr val="accent1"/>
+            </a:fillRef>
+            <a:effectRef idx="0">
+              <a:schemeClr val="accent1"/>
+            </a:effectRef>
+            <a:fontRef idx="minor">
+              <a:schemeClr val="lt1"/>
+            </a:fontRef>
+          </p:style>
+          <p:txBody>
+            <a:bodyPr rtlCol="0" anchor="ctr"/>
+            <a:lstStyle/>
+            <a:p>
+              <a:pPr algn="ctr"/>
+              <a:r>
+                <a:rPr lang="en-US" dirty="0">
+                  <a:solidFill>
+                    <a:sysClr val="windowText" lastClr="000000"/>
+                  </a:solidFill>
+                </a:rPr>
+                <a:t>View</a:t>
+              </a:r>
+            </a:p>
+            <a:p>
+              <a:pPr algn="ctr"/>
+              <a:r>
+                <a:rPr lang="en-US" dirty="0">
+                  <a:solidFill>
+                    <a:sysClr val="windowText" lastClr="000000"/>
+                  </a:solidFill>
+                </a:rPr>
+                <a:t>(views.py)</a:t>
+              </a:r>
+            </a:p>
+          </p:txBody>
+        </p:sp>
+        <p:cxnSp>
+          <p:nvCxnSpPr>
+            <p:cNvPr id="5" name="Straight Arrow Connector 4">
+              <a:extLst>
+                <a:ext uri="{FF2B5EF4-FFF2-40B4-BE49-F238E27FC236}">
+                  <a16:creationId xmlns:a16="http://schemas.microsoft.com/office/drawing/2014/main" id="{B9BDC7FF-A1D2-4F9F-8121-C1DD8475EAB9}"/>
+                </a:ext>
+              </a:extLst>
+            </p:cNvPr>
+            <p:cNvCxnSpPr>
+              <a:cxnSpLocks/>
+              <a:endCxn id="3" idx="1"/>
+            </p:cNvCxnSpPr>
+            <p:nvPr/>
+          </p:nvCxnSpPr>
+          <p:spPr>
+            <a:xfrm>
+              <a:off x="733647" y="998893"/>
+              <a:ext cx="2579291" cy="0"/>
+            </a:xfrm>
+            <a:prstGeom prst="straightConnector1">
+              <a:avLst/>
+            </a:prstGeom>
+            <a:ln>
+              <a:solidFill>
+                <a:schemeClr val="tx1"/>
+              </a:solidFill>
+              <a:tailEnd type="triangle"/>
+            </a:ln>
+          </p:spPr>
+          <p:style>
+            <a:lnRef idx="1">
+              <a:schemeClr val="accent1"/>
+            </a:lnRef>
+            <a:fillRef idx="0">
+              <a:schemeClr val="accent1"/>
+            </a:fillRef>
+            <a:effectRef idx="0">
+              <a:schemeClr val="accent1"/>
+            </a:effectRef>
+            <a:fontRef idx="minor">
+              <a:schemeClr val="tx1"/>
+            </a:fontRef>
+          </p:style>
+        </p:cxnSp>
+        <p:sp>
+          <p:nvSpPr>
+            <p:cNvPr id="6" name="TextBox 5">
+              <a:extLst>
+                <a:ext uri="{FF2B5EF4-FFF2-40B4-BE49-F238E27FC236}">
+                  <a16:creationId xmlns:a16="http://schemas.microsoft.com/office/drawing/2014/main" id="{7FFEF54F-559B-4D03-B546-170E8E8FB55F}"/>
+                </a:ext>
+              </a:extLst>
+            </p:cNvPr>
+            <p:cNvSpPr txBox="1"/>
+            <p:nvPr/>
+          </p:nvSpPr>
+          <p:spPr>
+            <a:xfrm>
+              <a:off x="1369539" y="565198"/>
+              <a:ext cx="1345497" cy="369332"/>
+            </a:xfrm>
+            <a:prstGeom prst="rect">
+              <a:avLst/>
+            </a:prstGeom>
+            <a:noFill/>
+          </p:spPr>
+          <p:txBody>
+            <a:bodyPr wrap="none" rtlCol="0">
+              <a:spAutoFit/>
+            </a:bodyPr>
+            <a:lstStyle/>
+            <a:p>
+              <a:r>
+                <a:rPr lang="en-US" dirty="0"/>
+                <a:t>http request</a:t>
+              </a:r>
+            </a:p>
+          </p:txBody>
+        </p:sp>
+        <p:cxnSp>
+          <p:nvCxnSpPr>
+            <p:cNvPr id="7" name="Straight Arrow Connector 6">
+              <a:extLst>
+                <a:ext uri="{FF2B5EF4-FFF2-40B4-BE49-F238E27FC236}">
+                  <a16:creationId xmlns:a16="http://schemas.microsoft.com/office/drawing/2014/main" id="{5DFAF12B-3D65-47D4-BAAD-46C6B7998860}"/>
+                </a:ext>
+              </a:extLst>
+            </p:cNvPr>
+            <p:cNvCxnSpPr>
+              <a:cxnSpLocks/>
+              <a:stCxn id="3" idx="3"/>
+              <a:endCxn id="4" idx="1"/>
+            </p:cNvCxnSpPr>
+            <p:nvPr/>
+          </p:nvCxnSpPr>
+          <p:spPr>
+            <a:xfrm>
+              <a:off x="5141738" y="998893"/>
+              <a:ext cx="2341373" cy="0"/>
+            </a:xfrm>
+            <a:prstGeom prst="straightConnector1">
+              <a:avLst/>
+            </a:prstGeom>
+            <a:ln>
+              <a:solidFill>
+                <a:schemeClr val="tx1"/>
+              </a:solidFill>
+              <a:tailEnd type="triangle"/>
+            </a:ln>
+          </p:spPr>
+          <p:style>
+            <a:lnRef idx="1">
+              <a:schemeClr val="accent1"/>
+            </a:lnRef>
+            <a:fillRef idx="0">
+              <a:schemeClr val="accent1"/>
+            </a:fillRef>
+            <a:effectRef idx="0">
+              <a:schemeClr val="accent1"/>
+            </a:effectRef>
+            <a:fontRef idx="minor">
+              <a:schemeClr val="tx1"/>
+            </a:fontRef>
+          </p:style>
+        </p:cxnSp>
+        <p:cxnSp>
+          <p:nvCxnSpPr>
+            <p:cNvPr id="8" name="Straight Arrow Connector 7">
+              <a:extLst>
+                <a:ext uri="{FF2B5EF4-FFF2-40B4-BE49-F238E27FC236}">
+                  <a16:creationId xmlns:a16="http://schemas.microsoft.com/office/drawing/2014/main" id="{732FE918-62D8-4B71-92F1-09244BA552B2}"/>
+                </a:ext>
+              </a:extLst>
+            </p:cNvPr>
+            <p:cNvCxnSpPr>
+              <a:cxnSpLocks/>
+              <a:stCxn id="4" idx="3"/>
+            </p:cNvCxnSpPr>
+            <p:nvPr/>
+          </p:nvCxnSpPr>
+          <p:spPr>
+            <a:xfrm>
+              <a:off x="9311911" y="998893"/>
+              <a:ext cx="2458331" cy="0"/>
+            </a:xfrm>
+            <a:prstGeom prst="straightConnector1">
+              <a:avLst/>
+            </a:prstGeom>
+            <a:ln>
+              <a:solidFill>
+                <a:schemeClr val="tx1"/>
+              </a:solidFill>
+              <a:tailEnd type="triangle"/>
+            </a:ln>
+          </p:spPr>
+          <p:style>
+            <a:lnRef idx="1">
+              <a:schemeClr val="accent1"/>
+            </a:lnRef>
+            <a:fillRef idx="0">
+              <a:schemeClr val="accent1"/>
+            </a:fillRef>
+            <a:effectRef idx="0">
+              <a:schemeClr val="accent1"/>
+            </a:effectRef>
+            <a:fontRef idx="minor">
+              <a:schemeClr val="tx1"/>
+            </a:fontRef>
+          </p:style>
+        </p:cxnSp>
+        <p:sp>
+          <p:nvSpPr>
+            <p:cNvPr id="9" name="TextBox 8">
+              <a:extLst>
+                <a:ext uri="{FF2B5EF4-FFF2-40B4-BE49-F238E27FC236}">
+                  <a16:creationId xmlns:a16="http://schemas.microsoft.com/office/drawing/2014/main" id="{7E148299-5A87-4445-94C1-4D69BBA36EF8}"/>
+                </a:ext>
+              </a:extLst>
+            </p:cNvPr>
+            <p:cNvSpPr txBox="1"/>
+            <p:nvPr/>
+          </p:nvSpPr>
+          <p:spPr>
+            <a:xfrm>
+              <a:off x="5353696" y="565198"/>
+              <a:ext cx="2029210" cy="923330"/>
+            </a:xfrm>
+            <a:prstGeom prst="rect">
+              <a:avLst/>
+            </a:prstGeom>
+            <a:noFill/>
+          </p:spPr>
+          <p:txBody>
+            <a:bodyPr wrap="none" rtlCol="0">
+              <a:spAutoFit/>
+            </a:bodyPr>
+            <a:lstStyle/>
+            <a:p>
+              <a:pPr algn="ctr"/>
+              <a:r>
+                <a:rPr lang="en-US" dirty="0"/>
+                <a:t>Forward request </a:t>
+              </a:r>
+            </a:p>
+            <a:p>
+              <a:pPr algn="ctr"/>
+              <a:endParaRPr lang="en-US" dirty="0"/>
+            </a:p>
+            <a:p>
+              <a:pPr algn="ctr"/>
+              <a:r>
+                <a:rPr lang="en-US" dirty="0"/>
+                <a:t>to appropriate view</a:t>
+              </a:r>
+            </a:p>
+          </p:txBody>
+        </p:sp>
+        <p:sp>
+          <p:nvSpPr>
+            <p:cNvPr id="10" name="TextBox 9">
+              <a:extLst>
+                <a:ext uri="{FF2B5EF4-FFF2-40B4-BE49-F238E27FC236}">
+                  <a16:creationId xmlns:a16="http://schemas.microsoft.com/office/drawing/2014/main" id="{F40E1BDB-0C60-4539-80C9-E9B18DCD53D5}"/>
+                </a:ext>
+              </a:extLst>
+            </p:cNvPr>
+            <p:cNvSpPr txBox="1"/>
+            <p:nvPr/>
+          </p:nvSpPr>
+          <p:spPr>
+            <a:xfrm>
+              <a:off x="9400616" y="541693"/>
+              <a:ext cx="2252668" cy="369332"/>
+            </a:xfrm>
+            <a:prstGeom prst="rect">
+              <a:avLst/>
+            </a:prstGeom>
+            <a:noFill/>
+          </p:spPr>
+          <p:txBody>
+            <a:bodyPr wrap="none" rtlCol="0">
+              <a:spAutoFit/>
+            </a:bodyPr>
+            <a:lstStyle/>
+            <a:p>
+              <a:r>
+                <a:rPr lang="en-US" dirty="0"/>
+                <a:t>Http response (HTML)</a:t>
+              </a:r>
+            </a:p>
+          </p:txBody>
+        </p:sp>
+      </p:grpSp>
+      <p:sp>
+        <p:nvSpPr>
+          <p:cNvPr id="11" name="Rectangle 10">
+            <a:extLst>
+              <a:ext uri="{FF2B5EF4-FFF2-40B4-BE49-F238E27FC236}">
+                <a16:creationId xmlns:a16="http://schemas.microsoft.com/office/drawing/2014/main" id="{4ED6C95F-D340-483B-AA97-5522DF561A42}"/>
+              </a:ext>
+            </a:extLst>
+          </p:cNvPr>
+          <p:cNvSpPr/>
+          <p:nvPr/>
+        </p:nvSpPr>
+        <p:spPr>
+          <a:xfrm>
+            <a:off x="7456969" y="3655030"/>
+            <a:ext cx="1828800" cy="914400"/>
+          </a:xfrm>
+          <a:prstGeom prst="rect">
+            <a:avLst/>
+          </a:prstGeom>
+          <a:solidFill>
+            <a:srgbClr val="F0F0F0"/>
+          </a:solidFill>
+          <a:ln>
+            <a:solidFill>
+              <a:schemeClr val="tx1"/>
+            </a:solidFill>
+          </a:ln>
+        </p:spPr>
+        <p:style>
+          <a:lnRef idx="2">
+            <a:schemeClr val="accent1">
+              <a:shade val="50000"/>
+            </a:schemeClr>
+          </a:lnRef>
+          <a:fillRef idx="1">
+            <a:schemeClr val="accent1"/>
+          </a:fillRef>
+          <a:effectRef idx="0">
+            <a:schemeClr val="accent1"/>
+          </a:effectRef>
+          <a:fontRef idx="minor">
+            <a:schemeClr val="lt1"/>
+          </a:fontRef>
+        </p:style>
+        <p:txBody>
+          <a:bodyPr rtlCol="0" anchor="ctr"/>
+          <a:lstStyle/>
+          <a:p>
+            <a:pPr algn="ctr"/>
+            <a:r>
+              <a:rPr lang="en-US" dirty="0">
+                <a:solidFill>
+                  <a:sysClr val="windowText" lastClr="000000"/>
+                </a:solidFill>
+              </a:rPr>
+              <a:t>Template</a:t>
+            </a:r>
+          </a:p>
+          <a:p>
+            <a:pPr algn="ctr"/>
+            <a:r>
+              <a:rPr lang="en-US" dirty="0">
+                <a:solidFill>
+                  <a:sysClr val="windowText" lastClr="000000"/>
+                </a:solidFill>
+              </a:rPr>
+              <a:t>(html files)</a:t>
+            </a:r>
+          </a:p>
+        </p:txBody>
+      </p:sp>
+      <p:cxnSp>
+        <p:nvCxnSpPr>
+          <p:cNvPr id="13" name="Straight Arrow Connector 12">
+            <a:extLst>
+              <a:ext uri="{FF2B5EF4-FFF2-40B4-BE49-F238E27FC236}">
+                <a16:creationId xmlns:a16="http://schemas.microsoft.com/office/drawing/2014/main" id="{20797B9B-4233-4DFF-87DB-B277064CFF5C}"/>
+              </a:ext>
+            </a:extLst>
+          </p:cNvPr>
+          <p:cNvCxnSpPr>
+            <a:cxnSpLocks/>
+            <a:stCxn id="11" idx="0"/>
+            <a:endCxn id="4" idx="2"/>
+          </p:cNvCxnSpPr>
+          <p:nvPr/>
+        </p:nvCxnSpPr>
+        <p:spPr>
+          <a:xfrm flipH="1" flipV="1">
+            <a:off x="8364856" y="3219424"/>
+            <a:ext cx="6513" cy="435606"/>
+          </a:xfrm>
+          <a:prstGeom prst="straightConnector1">
+            <a:avLst/>
+          </a:prstGeom>
+          <a:ln>
+            <a:tailEnd type="triangle"/>
+          </a:ln>
+        </p:spPr>
+        <p:style>
+          <a:lnRef idx="1">
+            <a:schemeClr val="dk1"/>
+          </a:lnRef>
+          <a:fillRef idx="0">
+            <a:schemeClr val="dk1"/>
+          </a:fillRef>
+          <a:effectRef idx="0">
+            <a:schemeClr val="dk1"/>
+          </a:effectRef>
+          <a:fontRef idx="minor">
+            <a:schemeClr val="tx1"/>
+          </a:fontRef>
+        </p:style>
+      </p:cxnSp>
+    </p:spTree>
+    <p:extLst>
+      <p:ext uri="{BB962C8B-B14F-4D97-AF65-F5344CB8AC3E}">
+        <p14:creationId xmlns:p14="http://schemas.microsoft.com/office/powerpoint/2010/main" val="1344415473"/>
+      </p:ext>
+    </p:extLst>
+  </p:cSld>
+  <p:clrMapOvr>
+    <a:masterClrMapping/>
+  </p:clrMapOvr>
+</p:sld>
+</file>
+
+<file path=ppt/slides/slide6.xml><?xml version="1.0" encoding="utf-8"?>
+<p:sld xmlns:a="http://schemas.openxmlformats.org/drawingml/2006/main" xmlns:r="http://schemas.openxmlformats.org/officeDocument/2006/relationships" xmlns:p="http://schemas.openxmlformats.org/presentationml/2006/main">
+  <p:cSld>
+    <p:spTree>
+      <p:nvGrpSpPr>
+        <p:cNvPr id="1" name=""/>
+        <p:cNvGrpSpPr/>
+        <p:nvPr/>
+      </p:nvGrpSpPr>
+      <p:grpSpPr>
+        <a:xfrm>
+          <a:off x="0" y="0"/>
+          <a:ext cx="0" cy="0"/>
+          <a:chOff x="0" y="0"/>
+          <a:chExt cx="0" cy="0"/>
+        </a:xfrm>
+      </p:grpSpPr>
+      <p:sp>
+        <p:nvSpPr>
+          <p:cNvPr id="2" name="TextBox 1">
+            <a:extLst>
+              <a:ext uri="{FF2B5EF4-FFF2-40B4-BE49-F238E27FC236}">
+                <a16:creationId xmlns:a16="http://schemas.microsoft.com/office/drawing/2014/main" id="{73B9769D-6EA9-433A-88A0-88F2720B1AA3}"/>
+              </a:ext>
+            </a:extLst>
+          </p:cNvPr>
+          <p:cNvSpPr txBox="1"/>
+          <p:nvPr/>
+        </p:nvSpPr>
+        <p:spPr>
+          <a:xfrm>
+            <a:off x="703819" y="406351"/>
+            <a:ext cx="4231351" cy="6617196"/>
+          </a:xfrm>
+          <a:prstGeom prst="rect">
+            <a:avLst/>
+          </a:prstGeom>
+          <a:noFill/>
+        </p:spPr>
+        <p:txBody>
+          <a:bodyPr wrap="square" rtlCol="0">
+            <a:spAutoFit/>
+          </a:bodyPr>
+          <a:lstStyle/>
+          <a:p>
+            <a:endParaRPr lang="en-US" sz="1600" b="1" dirty="0"/>
+          </a:p>
+          <a:p>
+            <a:r>
+              <a:rPr lang="en-US" sz="2000" b="1" dirty="0"/>
+              <a:t>Template - Overview</a:t>
+            </a:r>
+          </a:p>
+          <a:p>
+            <a:endParaRPr lang="en-US" sz="2000" b="1" dirty="0"/>
+          </a:p>
+          <a:p>
+            <a:pPr marL="285750" indent="-285750">
+              <a:buFont typeface="Arial" panose="020B0604020202020204" pitchFamily="34" charset="0"/>
+              <a:buChar char="•"/>
+            </a:pPr>
+            <a:r>
+              <a:rPr lang="en-US" sz="1600" dirty="0"/>
+              <a:t>Start an app</a:t>
+            </a:r>
+          </a:p>
+          <a:p>
+            <a:r>
+              <a:rPr lang="en-US" sz="1600" i="1" dirty="0">
+                <a:highlight>
+                  <a:srgbClr val="FFFF00"/>
+                </a:highlight>
+                <a:latin typeface="Consolas" panose="020B0609020204030204" pitchFamily="49" charset="0"/>
+              </a:rPr>
+              <a:t>&gt;python manage.py </a:t>
+            </a:r>
+            <a:r>
+              <a:rPr lang="en-US" sz="1600" i="1" dirty="0" err="1">
+                <a:highlight>
+                  <a:srgbClr val="FFFF00"/>
+                </a:highlight>
+                <a:latin typeface="Consolas" panose="020B0609020204030204" pitchFamily="49" charset="0"/>
+              </a:rPr>
+              <a:t>startapp</a:t>
+            </a:r>
+            <a:r>
+              <a:rPr lang="en-US" sz="1600" i="1" dirty="0">
+                <a:highlight>
+                  <a:srgbClr val="FFFF00"/>
+                </a:highlight>
+                <a:latin typeface="Consolas" panose="020B0609020204030204" pitchFamily="49" charset="0"/>
+              </a:rPr>
+              <a:t> members</a:t>
+            </a:r>
+          </a:p>
+          <a:p>
+            <a:endParaRPr lang="en-US" sz="1600" dirty="0"/>
+          </a:p>
+          <a:p>
+            <a:pPr marL="285750" indent="-285750">
+              <a:buFont typeface="Arial" panose="020B0604020202020204" pitchFamily="34" charset="0"/>
+              <a:buChar char="•"/>
+            </a:pPr>
+            <a:r>
+              <a:rPr lang="en-US" sz="1600" dirty="0"/>
+              <a:t>Add app to Installed Apps</a:t>
+            </a:r>
+          </a:p>
+          <a:p>
+            <a:r>
+              <a:rPr lang="en-US" sz="1600" dirty="0"/>
+              <a:t>In project directory, in </a:t>
+            </a:r>
+            <a:r>
+              <a:rPr lang="en-US" sz="1600" i="1" dirty="0"/>
+              <a:t>settings.py, </a:t>
+            </a:r>
+            <a:r>
+              <a:rPr lang="en-US" sz="1600" dirty="0"/>
+              <a:t>add the newly created members</a:t>
+            </a:r>
+          </a:p>
+          <a:p>
+            <a:pPr lvl="1"/>
+            <a:r>
+              <a:rPr lang="en-US" sz="1600" i="1" dirty="0">
+                <a:highlight>
+                  <a:srgbClr val="FFFF00"/>
+                </a:highlight>
+              </a:rPr>
+              <a:t>INSTALLED_APPS = [</a:t>
+            </a:r>
+          </a:p>
+          <a:p>
+            <a:pPr lvl="1"/>
+            <a:r>
+              <a:rPr lang="en-US" sz="1600" i="1" dirty="0">
+                <a:highlight>
+                  <a:srgbClr val="FFFF00"/>
+                </a:highlight>
+              </a:rPr>
+              <a:t>    '</a:t>
+            </a:r>
+            <a:r>
+              <a:rPr lang="en-US" sz="1600" i="1" dirty="0" err="1">
+                <a:highlight>
+                  <a:srgbClr val="FFFF00"/>
+                </a:highlight>
+              </a:rPr>
+              <a:t>django.contrib.admin</a:t>
+            </a:r>
+            <a:r>
+              <a:rPr lang="en-US" sz="1600" i="1" dirty="0">
+                <a:highlight>
+                  <a:srgbClr val="FFFF00"/>
+                </a:highlight>
+              </a:rPr>
+              <a:t>',</a:t>
+            </a:r>
+          </a:p>
+          <a:p>
+            <a:pPr lvl="1"/>
+            <a:r>
+              <a:rPr lang="en-US" sz="1600" i="1" dirty="0">
+                <a:highlight>
+                  <a:srgbClr val="FFFF00"/>
+                </a:highlight>
+              </a:rPr>
+              <a:t>    '</a:t>
+            </a:r>
+            <a:r>
+              <a:rPr lang="en-US" sz="1600" i="1" dirty="0" err="1">
+                <a:highlight>
+                  <a:srgbClr val="FFFF00"/>
+                </a:highlight>
+              </a:rPr>
+              <a:t>django.contrib.auth</a:t>
+            </a:r>
+            <a:r>
+              <a:rPr lang="en-US" sz="1600" i="1" dirty="0">
+                <a:highlight>
+                  <a:srgbClr val="FFFF00"/>
+                </a:highlight>
+              </a:rPr>
+              <a:t>',</a:t>
+            </a:r>
+          </a:p>
+          <a:p>
+            <a:pPr lvl="1"/>
+            <a:r>
+              <a:rPr lang="en-US" sz="1600" i="1" dirty="0">
+                <a:highlight>
+                  <a:srgbClr val="FFFF00"/>
+                </a:highlight>
+              </a:rPr>
+              <a:t>    '</a:t>
+            </a:r>
+            <a:r>
+              <a:rPr lang="en-US" sz="1600" i="1" dirty="0" err="1">
+                <a:highlight>
+                  <a:srgbClr val="FFFF00"/>
+                </a:highlight>
+              </a:rPr>
+              <a:t>django.contrib.contenttypes</a:t>
+            </a:r>
+            <a:r>
+              <a:rPr lang="en-US" sz="1600" i="1" dirty="0">
+                <a:highlight>
+                  <a:srgbClr val="FFFF00"/>
+                </a:highlight>
+              </a:rPr>
+              <a:t>',</a:t>
+            </a:r>
+          </a:p>
+          <a:p>
+            <a:pPr lvl="1"/>
+            <a:r>
+              <a:rPr lang="en-US" sz="1600" i="1" dirty="0">
+                <a:highlight>
+                  <a:srgbClr val="FFFF00"/>
+                </a:highlight>
+              </a:rPr>
+              <a:t>    '</a:t>
+            </a:r>
+            <a:r>
+              <a:rPr lang="en-US" sz="1600" i="1" dirty="0" err="1">
+                <a:highlight>
+                  <a:srgbClr val="FFFF00"/>
+                </a:highlight>
+              </a:rPr>
+              <a:t>django.contrib.sessions</a:t>
+            </a:r>
+            <a:r>
+              <a:rPr lang="en-US" sz="1600" i="1" dirty="0">
+                <a:highlight>
+                  <a:srgbClr val="FFFF00"/>
+                </a:highlight>
+              </a:rPr>
+              <a:t>',</a:t>
+            </a:r>
+          </a:p>
+          <a:p>
+            <a:pPr lvl="1"/>
+            <a:r>
+              <a:rPr lang="en-US" sz="1600" i="1" dirty="0">
+                <a:highlight>
+                  <a:srgbClr val="FFFF00"/>
+                </a:highlight>
+              </a:rPr>
+              <a:t>    '</a:t>
+            </a:r>
+            <a:r>
+              <a:rPr lang="en-US" sz="1600" i="1" dirty="0" err="1">
+                <a:highlight>
+                  <a:srgbClr val="FFFF00"/>
+                </a:highlight>
+              </a:rPr>
+              <a:t>django.contrib.messages</a:t>
+            </a:r>
+            <a:r>
+              <a:rPr lang="en-US" sz="1600" i="1" dirty="0">
+                <a:highlight>
+                  <a:srgbClr val="FFFF00"/>
+                </a:highlight>
+              </a:rPr>
+              <a:t>',</a:t>
+            </a:r>
+          </a:p>
+          <a:p>
+            <a:pPr lvl="1"/>
+            <a:r>
+              <a:rPr lang="en-US" sz="1600" i="1" dirty="0">
+                <a:highlight>
+                  <a:srgbClr val="FFFF00"/>
+                </a:highlight>
+              </a:rPr>
+              <a:t>    '</a:t>
+            </a:r>
+            <a:r>
+              <a:rPr lang="en-US" sz="1600" i="1" dirty="0" err="1">
+                <a:highlight>
+                  <a:srgbClr val="FFFF00"/>
+                </a:highlight>
+              </a:rPr>
+              <a:t>django.contrib.staticfiles</a:t>
+            </a:r>
+            <a:r>
+              <a:rPr lang="en-US" sz="1600" i="1" dirty="0">
+                <a:highlight>
+                  <a:srgbClr val="FFFF00"/>
+                </a:highlight>
+              </a:rPr>
+              <a:t>',</a:t>
+            </a:r>
+          </a:p>
+          <a:p>
+            <a:pPr lvl="1"/>
+            <a:r>
+              <a:rPr lang="en-US" sz="1600" i="1" dirty="0">
+                <a:highlight>
+                  <a:srgbClr val="FFFF00"/>
+                </a:highlight>
+              </a:rPr>
+              <a:t>    </a:t>
+            </a:r>
+            <a:r>
+              <a:rPr lang="en-US" sz="1600" b="1" i="1" dirty="0">
+                <a:highlight>
+                  <a:srgbClr val="FFFF00"/>
+                </a:highlight>
+              </a:rPr>
+              <a:t>'members</a:t>
+            </a:r>
+            <a:r>
+              <a:rPr lang="en-US" sz="1600" i="1" dirty="0">
+                <a:highlight>
+                  <a:srgbClr val="FFFF00"/>
+                </a:highlight>
+              </a:rPr>
+              <a:t>'</a:t>
+            </a:r>
+          </a:p>
+          <a:p>
+            <a:pPr lvl="1"/>
+            <a:r>
+              <a:rPr lang="en-US" sz="1600" i="1" dirty="0">
+                <a:highlight>
+                  <a:srgbClr val="FFFF00"/>
+                </a:highlight>
+              </a:rPr>
+              <a:t>]</a:t>
+            </a:r>
+          </a:p>
+          <a:p>
+            <a:endParaRPr lang="en-US" sz="1600" i="1" dirty="0"/>
+          </a:p>
+          <a:p>
+            <a:pPr marL="285750" indent="-285750">
+              <a:buFont typeface="Arial" panose="020B0604020202020204" pitchFamily="34" charset="0"/>
+              <a:buChar char="•"/>
+            </a:pPr>
+            <a:endParaRPr lang="en-US" sz="1600" dirty="0"/>
+          </a:p>
+          <a:p>
+            <a:pPr marL="285750" indent="-285750">
+              <a:buFont typeface="Arial" panose="020B0604020202020204" pitchFamily="34" charset="0"/>
+              <a:buChar char="•"/>
+            </a:pPr>
+            <a:r>
+              <a:rPr lang="en-US" sz="1600" dirty="0"/>
+              <a:t>In app directory, create a folder called </a:t>
+            </a:r>
+            <a:r>
+              <a:rPr lang="en-US" sz="1600" b="1" dirty="0"/>
+              <a:t>templates</a:t>
+            </a:r>
+            <a:r>
+              <a:rPr lang="en-US" sz="1600" dirty="0"/>
+              <a:t> </a:t>
+            </a:r>
+            <a:r>
+              <a:rPr lang="en-US" sz="1600" dirty="0">
+                <a:sym typeface="Wingdings" panose="05000000000000000000" pitchFamily="2" charset="2"/>
+              </a:rPr>
+              <a:t> backend  index.html</a:t>
+            </a:r>
+          </a:p>
+          <a:p>
+            <a:endParaRPr lang="en-US" sz="1600" dirty="0">
+              <a:sym typeface="Wingdings" panose="05000000000000000000" pitchFamily="2" charset="2"/>
+            </a:endParaRPr>
+          </a:p>
+          <a:p>
+            <a:pPr marL="285750" indent="-285750">
+              <a:buFont typeface="Arial" panose="020B0604020202020204" pitchFamily="34" charset="0"/>
+              <a:buChar char="•"/>
+            </a:pPr>
+            <a:r>
+              <a:rPr lang="en-US" sz="1600" dirty="0">
+                <a:sym typeface="Wingdings" panose="05000000000000000000" pitchFamily="2" charset="2"/>
+              </a:rPr>
+              <a:t>Edit index.html</a:t>
+            </a:r>
+            <a:endParaRPr lang="en-US" sz="1600" i="1" dirty="0">
+              <a:latin typeface="Consolas" panose="020B0609020204030204" pitchFamily="49" charset="0"/>
+            </a:endParaRPr>
+          </a:p>
+          <a:p>
+            <a:endParaRPr lang="en-US" sz="1600" dirty="0"/>
+          </a:p>
+          <a:p>
+            <a:endParaRPr lang="en-US" sz="1600" dirty="0"/>
+          </a:p>
+        </p:txBody>
+      </p:sp>
+      <p:grpSp>
+        <p:nvGrpSpPr>
+          <p:cNvPr id="3" name="Group 2">
+            <a:extLst>
+              <a:ext uri="{FF2B5EF4-FFF2-40B4-BE49-F238E27FC236}">
+                <a16:creationId xmlns:a16="http://schemas.microsoft.com/office/drawing/2014/main" id="{4FE7EC7A-6666-410F-870C-017CADCB1003}"/>
+              </a:ext>
+            </a:extLst>
+          </p:cNvPr>
+          <p:cNvGrpSpPr/>
+          <p:nvPr/>
+        </p:nvGrpSpPr>
+        <p:grpSpPr>
+          <a:xfrm>
+            <a:off x="5489824" y="406351"/>
+            <a:ext cx="3912781" cy="3517378"/>
+            <a:chOff x="5653136" y="3340623"/>
+            <a:chExt cx="3912781" cy="3517378"/>
+          </a:xfrm>
+        </p:grpSpPr>
+        <p:sp>
+          <p:nvSpPr>
+            <p:cNvPr id="4" name="Rectangle 3">
+              <a:extLst>
+                <a:ext uri="{FF2B5EF4-FFF2-40B4-BE49-F238E27FC236}">
+                  <a16:creationId xmlns:a16="http://schemas.microsoft.com/office/drawing/2014/main" id="{CAC452F9-1905-4FC8-A8D0-1E4FE6510218}"/>
+                </a:ext>
+              </a:extLst>
+            </p:cNvPr>
+            <p:cNvSpPr/>
+            <p:nvPr/>
+          </p:nvSpPr>
+          <p:spPr>
+            <a:xfrm>
+              <a:off x="5653136" y="3709955"/>
+              <a:ext cx="3912781" cy="3148046"/>
+            </a:xfrm>
+            <a:prstGeom prst="rect">
+              <a:avLst/>
+            </a:prstGeom>
+            <a:solidFill>
+              <a:schemeClr val="bg1"/>
+            </a:solidFill>
+            <a:ln>
+              <a:solidFill>
+                <a:srgbClr val="F0F0F0"/>
+              </a:solidFill>
+            </a:ln>
+          </p:spPr>
+          <p:style>
+            <a:lnRef idx="2">
+              <a:schemeClr val="accent1">
+                <a:shade val="50000"/>
+              </a:schemeClr>
+            </a:lnRef>
+            <a:fillRef idx="1">
+              <a:schemeClr val="accent1"/>
+            </a:fillRef>
+            <a:effectRef idx="0">
+              <a:schemeClr val="accent1"/>
+            </a:effectRef>
+            <a:fontRef idx="minor">
+              <a:schemeClr val="lt1"/>
+            </a:fontRef>
+          </p:style>
+          <p:txBody>
+            <a:bodyPr rtlCol="0" anchor="ctr"/>
+            <a:lstStyle/>
+            <a:p>
+              <a:r>
+                <a:rPr lang="en-US" i="1" dirty="0">
+                  <a:solidFill>
+                    <a:sysClr val="windowText" lastClr="000000"/>
+                  </a:solidFill>
+                  <a:latin typeface="Consolas" panose="020B0609020204030204" pitchFamily="49" charset="0"/>
+                </a:rPr>
+                <a:t>&lt;html &gt;</a:t>
+              </a:r>
+            </a:p>
+            <a:p>
+              <a:endParaRPr lang="en-US" i="1" dirty="0">
+                <a:solidFill>
+                  <a:sysClr val="windowText" lastClr="000000"/>
+                </a:solidFill>
+                <a:latin typeface="Consolas" panose="020B0609020204030204" pitchFamily="49" charset="0"/>
+              </a:endParaRPr>
+            </a:p>
+            <a:p>
+              <a:r>
+                <a:rPr lang="en-US" i="1" dirty="0">
+                  <a:solidFill>
+                    <a:sysClr val="windowText" lastClr="000000"/>
+                  </a:solidFill>
+                  <a:latin typeface="Consolas" panose="020B0609020204030204" pitchFamily="49" charset="0"/>
+                </a:rPr>
+                <a:t>&lt;style&gt;</a:t>
+              </a:r>
+            </a:p>
+            <a:p>
+              <a:r>
+                <a:rPr lang="en-US" i="1" dirty="0">
+                  <a:solidFill>
+                    <a:sysClr val="windowText" lastClr="000000"/>
+                  </a:solidFill>
+                  <a:latin typeface="Consolas" panose="020B0609020204030204" pitchFamily="49" charset="0"/>
+                </a:rPr>
+                <a:t>body {</a:t>
+              </a:r>
+            </a:p>
+            <a:p>
+              <a:r>
+                <a:rPr lang="en-US" i="1" dirty="0">
+                  <a:solidFill>
+                    <a:sysClr val="windowText" lastClr="000000"/>
+                  </a:solidFill>
+                  <a:latin typeface="Consolas" panose="020B0609020204030204" pitchFamily="49" charset="0"/>
+                </a:rPr>
+                <a:t>   background-color: </a:t>
+              </a:r>
+              <a:r>
+                <a:rPr lang="en-US" i="1" dirty="0" err="1">
+                  <a:solidFill>
+                    <a:sysClr val="windowText" lastClr="000000"/>
+                  </a:solidFill>
+                  <a:latin typeface="Consolas" panose="020B0609020204030204" pitchFamily="49" charset="0"/>
+                </a:rPr>
+                <a:t>lightblue</a:t>
+              </a:r>
+              <a:r>
+                <a:rPr lang="en-US" i="1" dirty="0">
+                  <a:solidFill>
+                    <a:sysClr val="windowText" lastClr="000000"/>
+                  </a:solidFill>
+                  <a:latin typeface="Consolas" panose="020B0609020204030204" pitchFamily="49" charset="0"/>
+                </a:rPr>
+                <a:t>;</a:t>
+              </a:r>
+            </a:p>
+            <a:p>
+              <a:r>
+                <a:rPr lang="en-US" i="1" dirty="0">
+                  <a:solidFill>
+                    <a:sysClr val="windowText" lastClr="000000"/>
+                  </a:solidFill>
+                  <a:latin typeface="Consolas" panose="020B0609020204030204" pitchFamily="49" charset="0"/>
+                </a:rPr>
+                <a:t>}</a:t>
+              </a:r>
+            </a:p>
+            <a:p>
+              <a:r>
+                <a:rPr lang="en-US" i="1" dirty="0">
+                  <a:solidFill>
+                    <a:sysClr val="windowText" lastClr="000000"/>
+                  </a:solidFill>
+                  <a:latin typeface="Consolas" panose="020B0609020204030204" pitchFamily="49" charset="0"/>
+                </a:rPr>
+                <a:t>&lt;/style&gt;</a:t>
+              </a:r>
+            </a:p>
+            <a:p>
+              <a:r>
+                <a:rPr lang="en-US" i="1" dirty="0">
+                  <a:solidFill>
+                    <a:sysClr val="windowText" lastClr="000000"/>
+                  </a:solidFill>
+                  <a:latin typeface="Consolas" panose="020B0609020204030204" pitchFamily="49" charset="0"/>
+                </a:rPr>
+                <a:t>&lt;body&gt;</a:t>
+              </a:r>
+            </a:p>
+            <a:p>
+              <a:r>
+                <a:rPr lang="en-US" i="1" dirty="0">
+                  <a:solidFill>
+                    <a:sysClr val="windowText" lastClr="000000"/>
+                  </a:solidFill>
+                  <a:latin typeface="Consolas" panose="020B0609020204030204" pitchFamily="49" charset="0"/>
+                </a:rPr>
+                <a:t>	hey</a:t>
+              </a:r>
+            </a:p>
+            <a:p>
+              <a:r>
+                <a:rPr lang="en-US" i="1" dirty="0">
+                  <a:solidFill>
+                    <a:sysClr val="windowText" lastClr="000000"/>
+                  </a:solidFill>
+                  <a:latin typeface="Consolas" panose="020B0609020204030204" pitchFamily="49" charset="0"/>
+                </a:rPr>
+                <a:t>&lt;/body&gt;</a:t>
+              </a:r>
+            </a:p>
+          </p:txBody>
+        </p:sp>
+        <p:sp>
+          <p:nvSpPr>
+            <p:cNvPr id="5" name="TextBox 4">
+              <a:extLst>
+                <a:ext uri="{FF2B5EF4-FFF2-40B4-BE49-F238E27FC236}">
+                  <a16:creationId xmlns:a16="http://schemas.microsoft.com/office/drawing/2014/main" id="{75975737-BB94-440E-97FF-2E9718A6DD1D}"/>
+                </a:ext>
+              </a:extLst>
+            </p:cNvPr>
+            <p:cNvSpPr txBox="1"/>
+            <p:nvPr/>
+          </p:nvSpPr>
+          <p:spPr>
+            <a:xfrm>
+              <a:off x="5653136" y="3340623"/>
+              <a:ext cx="1302468" cy="369332"/>
+            </a:xfrm>
+            <a:prstGeom prst="rect">
+              <a:avLst/>
+            </a:prstGeom>
+            <a:solidFill>
+              <a:schemeClr val="bg1"/>
+            </a:solidFill>
+            <a:ln>
+              <a:solidFill>
+                <a:srgbClr val="F0F0F0"/>
+              </a:solidFill>
+            </a:ln>
+          </p:spPr>
+          <p:txBody>
+            <a:bodyPr wrap="square" rtlCol="0">
+              <a:spAutoFit/>
+            </a:bodyPr>
+            <a:lstStyle/>
+            <a:p>
+              <a:r>
+                <a:rPr lang="en-US" b="1" dirty="0"/>
+                <a:t>index.html</a:t>
+              </a:r>
+            </a:p>
+          </p:txBody>
+        </p:sp>
+      </p:grpSp>
+    </p:spTree>
+    <p:extLst>
+      <p:ext uri="{BB962C8B-B14F-4D97-AF65-F5344CB8AC3E}">
+        <p14:creationId xmlns:p14="http://schemas.microsoft.com/office/powerpoint/2010/main" val="2207479575"/>
+      </p:ext>
+    </p:extLst>
+  </p:cSld>
+  <p:clrMapOvr>
+    <a:masterClrMapping/>
+  </p:clrMapOvr>
+</p:sld>
+</file>
+
+<file path=ppt/slides/slide7.xml><?xml version="1.0" encoding="utf-8"?>
+<p:sld xmlns:a="http://schemas.openxmlformats.org/drawingml/2006/main" xmlns:r="http://schemas.openxmlformats.org/officeDocument/2006/relationships" xmlns:p="http://schemas.openxmlformats.org/presentationml/2006/main">
+  <p:cSld>
+    <p:spTree>
+      <p:nvGrpSpPr>
+        <p:cNvPr id="1" name=""/>
+        <p:cNvGrpSpPr/>
+        <p:nvPr/>
+      </p:nvGrpSpPr>
+      <p:grpSpPr>
+        <a:xfrm>
+          <a:off x="0" y="0"/>
+          <a:ext cx="0" cy="0"/>
+          <a:chOff x="0" y="0"/>
+          <a:chExt cx="0" cy="0"/>
+        </a:xfrm>
+      </p:grpSpPr>
+      <p:sp>
+        <p:nvSpPr>
+          <p:cNvPr id="2" name="TextBox 1">
+            <a:extLst>
+              <a:ext uri="{FF2B5EF4-FFF2-40B4-BE49-F238E27FC236}">
+                <a16:creationId xmlns:a16="http://schemas.microsoft.com/office/drawing/2014/main" id="{73B9769D-6EA9-433A-88A0-88F2720B1AA3}"/>
+              </a:ext>
+            </a:extLst>
+          </p:cNvPr>
+          <p:cNvSpPr txBox="1"/>
+          <p:nvPr/>
+        </p:nvSpPr>
+        <p:spPr>
+          <a:xfrm>
+            <a:off x="703819" y="406351"/>
+            <a:ext cx="4231351" cy="4832092"/>
+          </a:xfrm>
+          <a:prstGeom prst="rect">
+            <a:avLst/>
+          </a:prstGeom>
+          <a:noFill/>
+        </p:spPr>
+        <p:txBody>
+          <a:bodyPr wrap="square" rtlCol="0">
+            <a:spAutoFit/>
+          </a:bodyPr>
+          <a:lstStyle/>
+          <a:p>
+            <a:endParaRPr lang="en-US" sz="1600" b="1" dirty="0"/>
+          </a:p>
+          <a:p>
+            <a:r>
+              <a:rPr lang="en-US" sz="2000" b="1" dirty="0"/>
+              <a:t>Template - Overview</a:t>
+            </a:r>
+          </a:p>
+          <a:p>
+            <a:endParaRPr lang="en-US" sz="1600" dirty="0">
+              <a:solidFill>
+                <a:prstClr val="black"/>
+              </a:solidFill>
+            </a:endParaRPr>
+          </a:p>
+          <a:p>
+            <a:pPr marL="285750" lvl="0" indent="-285750">
+              <a:buFont typeface="Arial" panose="020B0604020202020204" pitchFamily="34" charset="0"/>
+              <a:buChar char="•"/>
+            </a:pPr>
+            <a:r>
+              <a:rPr lang="en-US" sz="1600" dirty="0">
+                <a:solidFill>
+                  <a:prstClr val="black"/>
+                </a:solidFill>
+              </a:rPr>
+              <a:t>Edit members/views.py</a:t>
+            </a:r>
+          </a:p>
+          <a:p>
+            <a:pPr lvl="0"/>
+            <a:endParaRPr lang="en-US" sz="1600" dirty="0">
+              <a:solidFill>
+                <a:prstClr val="black"/>
+              </a:solidFill>
+            </a:endParaRPr>
+          </a:p>
+          <a:p>
+            <a:pPr marL="285750" lvl="0" indent="-285750">
+              <a:buFont typeface="Arial" panose="020B0604020202020204" pitchFamily="34" charset="0"/>
+              <a:buChar char="•"/>
+            </a:pPr>
+            <a:r>
+              <a:rPr lang="en-US" sz="1600" dirty="0">
+                <a:solidFill>
+                  <a:prstClr val="black"/>
+                </a:solidFill>
+              </a:rPr>
+              <a:t>Add path to </a:t>
+            </a:r>
+            <a:r>
+              <a:rPr lang="en-US" sz="1600" dirty="0" err="1">
+                <a:solidFill>
+                  <a:prstClr val="black"/>
+                </a:solidFill>
+              </a:rPr>
+              <a:t>to</a:t>
+            </a:r>
+            <a:r>
+              <a:rPr lang="en-US" sz="1600" dirty="0">
+                <a:solidFill>
+                  <a:prstClr val="black"/>
+                </a:solidFill>
+              </a:rPr>
+              <a:t> project’s urls.py</a:t>
+            </a:r>
+          </a:p>
+          <a:p>
+            <a:pPr lvl="0"/>
+            <a:endParaRPr lang="en-US" sz="1600" dirty="0">
+              <a:solidFill>
+                <a:prstClr val="black"/>
+              </a:solidFill>
+            </a:endParaRPr>
+          </a:p>
+          <a:p>
+            <a:pPr marL="285750" lvl="0" indent="-285750">
+              <a:buFont typeface="Arial" panose="020B0604020202020204" pitchFamily="34" charset="0"/>
+              <a:buChar char="•"/>
+            </a:pPr>
+            <a:r>
+              <a:rPr lang="en-US" sz="1600" dirty="0" err="1">
+                <a:solidFill>
+                  <a:prstClr val="black"/>
+                </a:solidFill>
+              </a:rPr>
+              <a:t>Makemigrations</a:t>
+            </a:r>
+            <a:endParaRPr lang="en-US" sz="1600" dirty="0">
+              <a:solidFill>
+                <a:prstClr val="black"/>
+              </a:solidFill>
+            </a:endParaRPr>
+          </a:p>
+          <a:p>
+            <a:pPr lvl="0"/>
+            <a:r>
+              <a:rPr lang="en-US" sz="1600" i="1" dirty="0">
+                <a:solidFill>
+                  <a:prstClr val="black"/>
+                </a:solidFill>
+                <a:highlight>
+                  <a:srgbClr val="FFFF00"/>
+                </a:highlight>
+                <a:latin typeface="Consolas" panose="020B0609020204030204" pitchFamily="49" charset="0"/>
+              </a:rPr>
+              <a:t>&gt; practice\</a:t>
+            </a:r>
+            <a:r>
+              <a:rPr lang="en-US" sz="1600" i="1" dirty="0" err="1">
+                <a:solidFill>
+                  <a:prstClr val="black"/>
+                </a:solidFill>
+                <a:highlight>
+                  <a:srgbClr val="FFFF00"/>
+                </a:highlight>
+                <a:latin typeface="Consolas" panose="020B0609020204030204" pitchFamily="49" charset="0"/>
+              </a:rPr>
+              <a:t>gymsite</a:t>
+            </a:r>
+            <a:r>
+              <a:rPr lang="en-US" sz="1600" i="1" dirty="0">
+                <a:solidFill>
+                  <a:prstClr val="black"/>
+                </a:solidFill>
+                <a:highlight>
+                  <a:srgbClr val="FFFF00"/>
+                </a:highlight>
+                <a:latin typeface="Consolas" panose="020B0609020204030204" pitchFamily="49" charset="0"/>
+              </a:rPr>
+              <a:t>\</a:t>
+            </a:r>
+            <a:r>
+              <a:rPr lang="en-US" sz="1600" i="1" dirty="0" err="1">
+                <a:solidFill>
+                  <a:prstClr val="black"/>
+                </a:solidFill>
+                <a:highlight>
+                  <a:srgbClr val="FFFF00"/>
+                </a:highlight>
+                <a:latin typeface="Consolas" panose="020B0609020204030204" pitchFamily="49" charset="0"/>
+              </a:rPr>
+              <a:t>gymsite</a:t>
+            </a:r>
+            <a:r>
+              <a:rPr lang="en-US" sz="1600" i="1" dirty="0">
+                <a:solidFill>
+                  <a:prstClr val="black"/>
+                </a:solidFill>
+                <a:highlight>
+                  <a:srgbClr val="FFFF00"/>
+                </a:highlight>
+                <a:latin typeface="Consolas" panose="020B0609020204030204" pitchFamily="49" charset="0"/>
+              </a:rPr>
+              <a:t>&gt;</a:t>
+            </a:r>
+            <a:r>
+              <a:rPr lang="en-US" sz="1600" b="1" i="1" dirty="0">
+                <a:solidFill>
+                  <a:prstClr val="black"/>
+                </a:solidFill>
+                <a:highlight>
+                  <a:srgbClr val="FFFF00"/>
+                </a:highlight>
+                <a:latin typeface="Consolas" panose="020B0609020204030204" pitchFamily="49" charset="0"/>
+              </a:rPr>
+              <a:t>python manage.py </a:t>
+            </a:r>
+            <a:r>
+              <a:rPr lang="en-US" sz="1600" b="1" i="1" dirty="0" err="1">
+                <a:solidFill>
+                  <a:prstClr val="black"/>
+                </a:solidFill>
+                <a:highlight>
+                  <a:srgbClr val="FFFF00"/>
+                </a:highlight>
+                <a:latin typeface="Consolas" panose="020B0609020204030204" pitchFamily="49" charset="0"/>
+              </a:rPr>
+              <a:t>makemigrations</a:t>
+            </a:r>
+            <a:endParaRPr lang="en-US" sz="1600" b="1" i="1" dirty="0">
+              <a:solidFill>
+                <a:prstClr val="black"/>
+              </a:solidFill>
+              <a:highlight>
+                <a:srgbClr val="FFFF00"/>
+              </a:highlight>
+              <a:latin typeface="Consolas" panose="020B0609020204030204" pitchFamily="49" charset="0"/>
+            </a:endParaRPr>
+          </a:p>
+          <a:p>
+            <a:pPr lvl="0"/>
+            <a:endParaRPr lang="en-US" sz="1600" dirty="0">
+              <a:solidFill>
+                <a:prstClr val="black"/>
+              </a:solidFill>
+            </a:endParaRPr>
+          </a:p>
+          <a:p>
+            <a:pPr marL="285750" lvl="0" indent="-285750">
+              <a:buFont typeface="Arial" panose="020B0604020202020204" pitchFamily="34" charset="0"/>
+              <a:buChar char="•"/>
+            </a:pPr>
+            <a:r>
+              <a:rPr lang="en-US" sz="1600" dirty="0">
+                <a:solidFill>
+                  <a:prstClr val="black"/>
+                </a:solidFill>
+              </a:rPr>
+              <a:t>Migrate</a:t>
+            </a:r>
+          </a:p>
+          <a:p>
+            <a:pPr lvl="0"/>
+            <a:r>
+              <a:rPr lang="en-US" sz="1600" i="1" dirty="0">
+                <a:solidFill>
+                  <a:prstClr val="black"/>
+                </a:solidFill>
+                <a:highlight>
+                  <a:srgbClr val="FFFF00"/>
+                </a:highlight>
+                <a:latin typeface="Consolas" panose="020B0609020204030204" pitchFamily="49" charset="0"/>
+              </a:rPr>
+              <a:t>&gt; practice\</a:t>
+            </a:r>
+            <a:r>
+              <a:rPr lang="en-US" sz="1600" i="1" dirty="0" err="1">
+                <a:solidFill>
+                  <a:prstClr val="black"/>
+                </a:solidFill>
+                <a:highlight>
+                  <a:srgbClr val="FFFF00"/>
+                </a:highlight>
+                <a:latin typeface="Consolas" panose="020B0609020204030204" pitchFamily="49" charset="0"/>
+              </a:rPr>
+              <a:t>gymsite</a:t>
+            </a:r>
+            <a:r>
+              <a:rPr lang="en-US" sz="1600" i="1" dirty="0">
+                <a:solidFill>
+                  <a:prstClr val="black"/>
+                </a:solidFill>
+                <a:highlight>
+                  <a:srgbClr val="FFFF00"/>
+                </a:highlight>
+                <a:latin typeface="Consolas" panose="020B0609020204030204" pitchFamily="49" charset="0"/>
+              </a:rPr>
+              <a:t>\</a:t>
+            </a:r>
+            <a:r>
+              <a:rPr lang="en-US" sz="1600" i="1" dirty="0" err="1">
+                <a:solidFill>
+                  <a:prstClr val="black"/>
+                </a:solidFill>
+                <a:highlight>
+                  <a:srgbClr val="FFFF00"/>
+                </a:highlight>
+                <a:latin typeface="Consolas" panose="020B0609020204030204" pitchFamily="49" charset="0"/>
+              </a:rPr>
+              <a:t>gymsite</a:t>
+            </a:r>
+            <a:r>
+              <a:rPr lang="en-US" sz="1600" i="1" dirty="0">
+                <a:solidFill>
+                  <a:prstClr val="black"/>
+                </a:solidFill>
+                <a:highlight>
+                  <a:srgbClr val="FFFF00"/>
+                </a:highlight>
+                <a:latin typeface="Consolas" panose="020B0609020204030204" pitchFamily="49" charset="0"/>
+              </a:rPr>
+              <a:t>&gt;</a:t>
+            </a:r>
+            <a:r>
+              <a:rPr lang="en-US" sz="1600" b="1" i="1" dirty="0">
+                <a:solidFill>
+                  <a:prstClr val="black"/>
+                </a:solidFill>
+                <a:highlight>
+                  <a:srgbClr val="FFFF00"/>
+                </a:highlight>
+                <a:latin typeface="Consolas" panose="020B0609020204030204" pitchFamily="49" charset="0"/>
+              </a:rPr>
+              <a:t>python manage.py migrate</a:t>
+            </a:r>
+          </a:p>
+          <a:p>
+            <a:pPr lvl="0"/>
+            <a:endParaRPr lang="en-US" sz="1600" b="1" i="1" dirty="0">
+              <a:solidFill>
+                <a:prstClr val="black"/>
+              </a:solidFill>
+              <a:highlight>
+                <a:srgbClr val="FFFF00"/>
+              </a:highlight>
+              <a:latin typeface="Consolas" panose="020B0609020204030204" pitchFamily="49" charset="0"/>
+            </a:endParaRPr>
+          </a:p>
+          <a:p>
+            <a:pPr marL="285750" indent="-285750">
+              <a:buFont typeface="Arial" panose="020B0604020202020204" pitchFamily="34" charset="0"/>
+              <a:buChar char="•"/>
+            </a:pPr>
+            <a:r>
+              <a:rPr lang="en-US" sz="1600" dirty="0" err="1"/>
+              <a:t>Runserver</a:t>
+            </a:r>
+            <a:endParaRPr lang="en-US" sz="1600" dirty="0"/>
+          </a:p>
+          <a:p>
+            <a:r>
+              <a:rPr lang="en-US" sz="1600" i="1" dirty="0">
+                <a:solidFill>
+                  <a:prstClr val="black"/>
+                </a:solidFill>
+                <a:highlight>
+                  <a:srgbClr val="FFFF00"/>
+                </a:highlight>
+                <a:latin typeface="Consolas" panose="020B0609020204030204" pitchFamily="49" charset="0"/>
+              </a:rPr>
+              <a:t>&gt; practice\</a:t>
+            </a:r>
+            <a:r>
+              <a:rPr lang="en-US" sz="1600" i="1" dirty="0" err="1">
+                <a:solidFill>
+                  <a:prstClr val="black"/>
+                </a:solidFill>
+                <a:highlight>
+                  <a:srgbClr val="FFFF00"/>
+                </a:highlight>
+                <a:latin typeface="Consolas" panose="020B0609020204030204" pitchFamily="49" charset="0"/>
+              </a:rPr>
+              <a:t>gymsite</a:t>
+            </a:r>
+            <a:r>
+              <a:rPr lang="en-US" sz="1600" i="1" dirty="0">
+                <a:solidFill>
+                  <a:prstClr val="black"/>
+                </a:solidFill>
+                <a:highlight>
+                  <a:srgbClr val="FFFF00"/>
+                </a:highlight>
+                <a:latin typeface="Consolas" panose="020B0609020204030204" pitchFamily="49" charset="0"/>
+              </a:rPr>
+              <a:t>\</a:t>
+            </a:r>
+            <a:r>
+              <a:rPr lang="en-US" sz="1600" i="1" dirty="0" err="1">
+                <a:solidFill>
+                  <a:prstClr val="black"/>
+                </a:solidFill>
+                <a:highlight>
+                  <a:srgbClr val="FFFF00"/>
+                </a:highlight>
+                <a:latin typeface="Consolas" panose="020B0609020204030204" pitchFamily="49" charset="0"/>
+              </a:rPr>
+              <a:t>gymsite</a:t>
+            </a:r>
+            <a:r>
+              <a:rPr lang="en-US" sz="1600" i="1" dirty="0">
+                <a:solidFill>
+                  <a:prstClr val="black"/>
+                </a:solidFill>
+                <a:highlight>
+                  <a:srgbClr val="FFFF00"/>
+                </a:highlight>
+                <a:latin typeface="Consolas" panose="020B0609020204030204" pitchFamily="49" charset="0"/>
+              </a:rPr>
+              <a:t>&gt;</a:t>
+            </a:r>
+            <a:r>
+              <a:rPr lang="en-US" sz="1600" b="1" i="1" dirty="0">
+                <a:solidFill>
+                  <a:prstClr val="black"/>
+                </a:solidFill>
+                <a:highlight>
+                  <a:srgbClr val="FFFF00"/>
+                </a:highlight>
+                <a:latin typeface="Consolas" panose="020B0609020204030204" pitchFamily="49" charset="0"/>
+              </a:rPr>
+              <a:t>python manage.py </a:t>
+            </a:r>
+            <a:r>
+              <a:rPr lang="en-US" sz="1600" b="1" i="1" dirty="0" err="1">
+                <a:solidFill>
+                  <a:prstClr val="black"/>
+                </a:solidFill>
+                <a:highlight>
+                  <a:srgbClr val="FFFF00"/>
+                </a:highlight>
+                <a:latin typeface="Consolas" panose="020B0609020204030204" pitchFamily="49" charset="0"/>
+              </a:rPr>
+              <a:t>runserver</a:t>
+            </a:r>
+            <a:endParaRPr lang="en-US" sz="1600" dirty="0"/>
+          </a:p>
+          <a:p>
+            <a:endParaRPr lang="en-US" sz="1600" dirty="0"/>
+          </a:p>
+        </p:txBody>
+      </p:sp>
+      <p:grpSp>
+        <p:nvGrpSpPr>
+          <p:cNvPr id="3" name="Group 2">
+            <a:extLst>
+              <a:ext uri="{FF2B5EF4-FFF2-40B4-BE49-F238E27FC236}">
+                <a16:creationId xmlns:a16="http://schemas.microsoft.com/office/drawing/2014/main" id="{CF6EEA84-8D18-4094-B87D-363171BFF7AF}"/>
+              </a:ext>
+            </a:extLst>
+          </p:cNvPr>
+          <p:cNvGrpSpPr/>
+          <p:nvPr/>
+        </p:nvGrpSpPr>
+        <p:grpSpPr>
+          <a:xfrm>
+            <a:off x="4935168" y="742830"/>
+            <a:ext cx="6880261" cy="1556013"/>
+            <a:chOff x="4935170" y="1872987"/>
+            <a:chExt cx="6880261" cy="1556013"/>
+          </a:xfrm>
+        </p:grpSpPr>
+        <p:sp>
+          <p:nvSpPr>
+            <p:cNvPr id="4" name="Rectangle 3">
+              <a:extLst>
+                <a:ext uri="{FF2B5EF4-FFF2-40B4-BE49-F238E27FC236}">
+                  <a16:creationId xmlns:a16="http://schemas.microsoft.com/office/drawing/2014/main" id="{CAC452F9-1905-4FC8-A8D0-1E4FE6510218}"/>
+                </a:ext>
+              </a:extLst>
+            </p:cNvPr>
+            <p:cNvSpPr/>
+            <p:nvPr/>
+          </p:nvSpPr>
+          <p:spPr>
+            <a:xfrm>
+              <a:off x="4935170" y="2242319"/>
+              <a:ext cx="6880261" cy="1186681"/>
+            </a:xfrm>
+            <a:prstGeom prst="rect">
+              <a:avLst/>
+            </a:prstGeom>
+            <a:solidFill>
+              <a:schemeClr val="bg1"/>
+            </a:solidFill>
+            <a:ln>
+              <a:solidFill>
+                <a:srgbClr val="F0F0F0"/>
+              </a:solidFill>
+            </a:ln>
+          </p:spPr>
+          <p:style>
+            <a:lnRef idx="2">
+              <a:schemeClr val="accent1">
+                <a:shade val="50000"/>
+              </a:schemeClr>
+            </a:lnRef>
+            <a:fillRef idx="1">
+              <a:schemeClr val="accent1"/>
+            </a:fillRef>
+            <a:effectRef idx="0">
+              <a:schemeClr val="accent1"/>
+            </a:effectRef>
+            <a:fontRef idx="minor">
+              <a:schemeClr val="lt1"/>
+            </a:fontRef>
+          </p:style>
+          <p:txBody>
+            <a:bodyPr rtlCol="0" anchor="ctr"/>
+            <a:lstStyle/>
+            <a:p>
+              <a:r>
+                <a:rPr lang="en-US" i="1" dirty="0">
+                  <a:solidFill>
+                    <a:sysClr val="windowText" lastClr="000000"/>
+                  </a:solidFill>
+                  <a:latin typeface="Consolas" panose="020B0609020204030204" pitchFamily="49" charset="0"/>
+                </a:rPr>
+                <a:t>def url1(request):</a:t>
+              </a:r>
+            </a:p>
+            <a:p>
+              <a:r>
+                <a:rPr lang="en-US" i="1" dirty="0">
+                  <a:solidFill>
+                    <a:sysClr val="windowText" lastClr="000000"/>
+                  </a:solidFill>
+                  <a:latin typeface="Consolas" panose="020B0609020204030204" pitchFamily="49" charset="0"/>
+                </a:rPr>
+                <a:t>	return render(request, 'backends/blog.html')</a:t>
+              </a:r>
+            </a:p>
+          </p:txBody>
+        </p:sp>
+        <p:sp>
+          <p:nvSpPr>
+            <p:cNvPr id="5" name="TextBox 4">
+              <a:extLst>
+                <a:ext uri="{FF2B5EF4-FFF2-40B4-BE49-F238E27FC236}">
+                  <a16:creationId xmlns:a16="http://schemas.microsoft.com/office/drawing/2014/main" id="{75975737-BB94-440E-97FF-2E9718A6DD1D}"/>
+                </a:ext>
+              </a:extLst>
+            </p:cNvPr>
+            <p:cNvSpPr txBox="1"/>
+            <p:nvPr/>
+          </p:nvSpPr>
+          <p:spPr>
+            <a:xfrm>
+              <a:off x="4935170" y="1872987"/>
+              <a:ext cx="1302468" cy="369332"/>
+            </a:xfrm>
+            <a:prstGeom prst="rect">
+              <a:avLst/>
+            </a:prstGeom>
+            <a:solidFill>
+              <a:schemeClr val="bg1"/>
+            </a:solidFill>
+            <a:ln>
+              <a:solidFill>
+                <a:srgbClr val="F0F0F0"/>
+              </a:solidFill>
+            </a:ln>
+          </p:spPr>
+          <p:txBody>
+            <a:bodyPr wrap="square" rtlCol="0">
+              <a:spAutoFit/>
+            </a:bodyPr>
+            <a:lstStyle/>
+            <a:p>
+              <a:r>
+                <a:rPr lang="en-US" b="1" dirty="0"/>
+                <a:t>views.py</a:t>
+              </a:r>
+            </a:p>
+          </p:txBody>
+        </p:sp>
+      </p:grpSp>
+      <p:grpSp>
+        <p:nvGrpSpPr>
+          <p:cNvPr id="9" name="Group 8">
+            <a:extLst>
+              <a:ext uri="{FF2B5EF4-FFF2-40B4-BE49-F238E27FC236}">
+                <a16:creationId xmlns:a16="http://schemas.microsoft.com/office/drawing/2014/main" id="{8F901361-A59A-4FB0-8EC1-347CE451FFDE}"/>
+              </a:ext>
+            </a:extLst>
+          </p:cNvPr>
+          <p:cNvGrpSpPr/>
+          <p:nvPr/>
+        </p:nvGrpSpPr>
+        <p:grpSpPr>
+          <a:xfrm>
+            <a:off x="4935167" y="3556236"/>
+            <a:ext cx="6880261" cy="2361678"/>
+            <a:chOff x="4935169" y="3967203"/>
+            <a:chExt cx="6880261" cy="2361678"/>
+          </a:xfrm>
+        </p:grpSpPr>
+        <p:sp>
+          <p:nvSpPr>
+            <p:cNvPr id="7" name="Rectangle 6">
+              <a:extLst>
+                <a:ext uri="{FF2B5EF4-FFF2-40B4-BE49-F238E27FC236}">
+                  <a16:creationId xmlns:a16="http://schemas.microsoft.com/office/drawing/2014/main" id="{525532EC-0B5B-4084-B8AE-B8C32CF1860F}"/>
+                </a:ext>
+              </a:extLst>
+            </p:cNvPr>
+            <p:cNvSpPr/>
+            <p:nvPr/>
+          </p:nvSpPr>
+          <p:spPr>
+            <a:xfrm>
+              <a:off x="4935169" y="4336535"/>
+              <a:ext cx="6880261" cy="1992346"/>
+            </a:xfrm>
+            <a:prstGeom prst="rect">
+              <a:avLst/>
+            </a:prstGeom>
+            <a:solidFill>
+              <a:schemeClr val="bg1"/>
+            </a:solidFill>
+            <a:ln>
+              <a:solidFill>
+                <a:srgbClr val="F0F0F0"/>
+              </a:solidFill>
+            </a:ln>
+          </p:spPr>
+          <p:style>
+            <a:lnRef idx="2">
+              <a:schemeClr val="accent1">
+                <a:shade val="50000"/>
+              </a:schemeClr>
+            </a:lnRef>
+            <a:fillRef idx="1">
+              <a:schemeClr val="accent1"/>
+            </a:fillRef>
+            <a:effectRef idx="0">
+              <a:schemeClr val="accent1"/>
+            </a:effectRef>
+            <a:fontRef idx="minor">
+              <a:schemeClr val="lt1"/>
+            </a:fontRef>
+          </p:style>
+          <p:txBody>
+            <a:bodyPr rtlCol="0" anchor="ctr"/>
+            <a:lstStyle/>
+            <a:p>
+              <a:endParaRPr lang="en-US" i="1" dirty="0">
+                <a:solidFill>
+                  <a:sysClr val="windowText" lastClr="000000"/>
+                </a:solidFill>
+                <a:latin typeface="Consolas" panose="020B0609020204030204" pitchFamily="49" charset="0"/>
+              </a:endParaRPr>
+            </a:p>
+            <a:p>
+              <a:r>
+                <a:rPr lang="en-US" b="1" i="1" dirty="0">
+                  <a:solidFill>
+                    <a:sysClr val="windowText" lastClr="000000"/>
+                  </a:solidFill>
+                  <a:latin typeface="Consolas" panose="020B0609020204030204" pitchFamily="49" charset="0"/>
+                </a:rPr>
+                <a:t>from </a:t>
+              </a:r>
+              <a:r>
+                <a:rPr lang="en-US" b="1" i="1" dirty="0" err="1">
+                  <a:solidFill>
+                    <a:sysClr val="windowText" lastClr="000000"/>
+                  </a:solidFill>
+                  <a:latin typeface="Consolas" panose="020B0609020204030204" pitchFamily="49" charset="0"/>
+                </a:rPr>
+                <a:t>members.views</a:t>
+              </a:r>
+              <a:r>
+                <a:rPr lang="en-US" b="1" i="1" dirty="0">
+                  <a:solidFill>
+                    <a:sysClr val="windowText" lastClr="000000"/>
+                  </a:solidFill>
+                  <a:latin typeface="Consolas" panose="020B0609020204030204" pitchFamily="49" charset="0"/>
+                </a:rPr>
+                <a:t> import page</a:t>
+              </a:r>
+            </a:p>
+            <a:p>
+              <a:endParaRPr lang="en-US" i="1" dirty="0">
+                <a:solidFill>
+                  <a:sysClr val="windowText" lastClr="000000"/>
+                </a:solidFill>
+                <a:latin typeface="Consolas" panose="020B0609020204030204" pitchFamily="49" charset="0"/>
+              </a:endParaRPr>
+            </a:p>
+            <a:p>
+              <a:r>
+                <a:rPr lang="en-US" i="1" dirty="0" err="1">
+                  <a:solidFill>
+                    <a:sysClr val="windowText" lastClr="000000"/>
+                  </a:solidFill>
+                  <a:latin typeface="Consolas" panose="020B0609020204030204" pitchFamily="49" charset="0"/>
+                </a:rPr>
+                <a:t>urlpatterns</a:t>
+              </a:r>
+              <a:r>
+                <a:rPr lang="en-US" i="1" dirty="0">
+                  <a:solidFill>
+                    <a:sysClr val="windowText" lastClr="000000"/>
+                  </a:solidFill>
+                  <a:latin typeface="Consolas" panose="020B0609020204030204" pitchFamily="49" charset="0"/>
+                </a:rPr>
+                <a:t> = [</a:t>
+              </a:r>
+            </a:p>
+            <a:p>
+              <a:r>
+                <a:rPr lang="en-US" i="1" dirty="0">
+                  <a:solidFill>
+                    <a:sysClr val="windowText" lastClr="000000"/>
+                  </a:solidFill>
+                  <a:latin typeface="Consolas" panose="020B0609020204030204" pitchFamily="49" charset="0"/>
+                </a:rPr>
+                <a:t>    path('admin/', </a:t>
+              </a:r>
+              <a:r>
+                <a:rPr lang="en-US" i="1" dirty="0" err="1">
+                  <a:solidFill>
+                    <a:sysClr val="windowText" lastClr="000000"/>
+                  </a:solidFill>
+                  <a:latin typeface="Consolas" panose="020B0609020204030204" pitchFamily="49" charset="0"/>
+                </a:rPr>
+                <a:t>admin.site.urls</a:t>
+              </a:r>
+              <a:r>
+                <a:rPr lang="en-US" i="1" dirty="0">
+                  <a:solidFill>
+                    <a:sysClr val="windowText" lastClr="000000"/>
+                  </a:solidFill>
+                  <a:latin typeface="Consolas" panose="020B0609020204030204" pitchFamily="49" charset="0"/>
+                </a:rPr>
+                <a:t>),</a:t>
+              </a:r>
+            </a:p>
+            <a:p>
+              <a:r>
+                <a:rPr lang="en-US" b="1" i="1" dirty="0">
+                  <a:solidFill>
+                    <a:sysClr val="windowText" lastClr="000000"/>
+                  </a:solidFill>
+                  <a:latin typeface="Consolas" panose="020B0609020204030204" pitchFamily="49" charset="0"/>
+                </a:rPr>
+                <a:t>    path('members/', page)</a:t>
+              </a:r>
+            </a:p>
+            <a:p>
+              <a:r>
+                <a:rPr lang="en-US" i="1" dirty="0">
+                  <a:solidFill>
+                    <a:sysClr val="windowText" lastClr="000000"/>
+                  </a:solidFill>
+                  <a:latin typeface="Consolas" panose="020B0609020204030204" pitchFamily="49" charset="0"/>
+                </a:rPr>
+                <a:t>]</a:t>
+              </a:r>
+            </a:p>
+          </p:txBody>
+        </p:sp>
+        <p:sp>
+          <p:nvSpPr>
+            <p:cNvPr id="8" name="TextBox 7">
+              <a:extLst>
+                <a:ext uri="{FF2B5EF4-FFF2-40B4-BE49-F238E27FC236}">
+                  <a16:creationId xmlns:a16="http://schemas.microsoft.com/office/drawing/2014/main" id="{9ECD5BB8-03A1-4F33-A08D-B1C02DA71260}"/>
+                </a:ext>
+              </a:extLst>
+            </p:cNvPr>
+            <p:cNvSpPr txBox="1"/>
+            <p:nvPr/>
+          </p:nvSpPr>
+          <p:spPr>
+            <a:xfrm>
+              <a:off x="4935169" y="3967203"/>
+              <a:ext cx="1302468" cy="369332"/>
+            </a:xfrm>
+            <a:prstGeom prst="rect">
+              <a:avLst/>
+            </a:prstGeom>
+            <a:solidFill>
+              <a:schemeClr val="bg1"/>
+            </a:solidFill>
+            <a:ln>
+              <a:solidFill>
+                <a:srgbClr val="F0F0F0"/>
+              </a:solidFill>
+            </a:ln>
+          </p:spPr>
+          <p:txBody>
+            <a:bodyPr wrap="square" rtlCol="0">
+              <a:spAutoFit/>
+            </a:bodyPr>
+            <a:lstStyle/>
+            <a:p>
+              <a:r>
+                <a:rPr lang="en-US" b="1" dirty="0"/>
+                <a:t>urls.py</a:t>
+              </a:r>
+            </a:p>
+          </p:txBody>
+        </p:sp>
+      </p:grpSp>
+    </p:spTree>
+    <p:extLst>
+      <p:ext uri="{BB962C8B-B14F-4D97-AF65-F5344CB8AC3E}">
+        <p14:creationId xmlns:p14="http://schemas.microsoft.com/office/powerpoint/2010/main" val="1807684088"/>
+      </p:ext>
+    </p:extLst>
+  </p:cSld>
+  <p:clrMapOvr>
+    <a:masterClrMapping/>
+  </p:clrMapOvr>
+</p:sld>
+</file>
+
+<file path=ppt/slides/slide8.xml><?xml version="1.0" encoding="utf-8"?>
+<p:sld xmlns:a="http://schemas.openxmlformats.org/drawingml/2006/main" xmlns:r="http://schemas.openxmlformats.org/officeDocument/2006/relationships" xmlns:p="http://schemas.openxmlformats.org/presentationml/2006/main">
+  <p:cSld>
+    <p:spTree>
+      <p:nvGrpSpPr>
+        <p:cNvPr id="1" name=""/>
+        <p:cNvGrpSpPr/>
+        <p:nvPr/>
+      </p:nvGrpSpPr>
+      <p:grpSpPr>
+        <a:xfrm>
+          <a:off x="0" y="0"/>
+          <a:ext cx="0" cy="0"/>
+          <a:chOff x="0" y="0"/>
+          <a:chExt cx="0" cy="0"/>
+        </a:xfrm>
+      </p:grpSpPr>
+      <p:sp>
+        <p:nvSpPr>
+          <p:cNvPr id="2" name="TextBox 1">
+            <a:extLst>
+              <a:ext uri="{FF2B5EF4-FFF2-40B4-BE49-F238E27FC236}">
+                <a16:creationId xmlns:a16="http://schemas.microsoft.com/office/drawing/2014/main" id="{7E633431-532B-4FCD-8A40-3E82888E6361}"/>
+              </a:ext>
+            </a:extLst>
+          </p:cNvPr>
+          <p:cNvSpPr txBox="1"/>
+          <p:nvPr/>
+        </p:nvSpPr>
+        <p:spPr>
+          <a:xfrm>
+            <a:off x="2752162" y="2397948"/>
+            <a:ext cx="6687675" cy="2062103"/>
+          </a:xfrm>
+          <a:prstGeom prst="rect">
+            <a:avLst/>
+          </a:prstGeom>
+          <a:noFill/>
+        </p:spPr>
+        <p:txBody>
+          <a:bodyPr wrap="square" rtlCol="0">
+            <a:spAutoFit/>
+          </a:bodyPr>
+          <a:lstStyle/>
+          <a:p>
+            <a:endParaRPr lang="en-US" sz="1600" b="1" dirty="0"/>
+          </a:p>
+          <a:p>
+            <a:r>
+              <a:rPr lang="en-US" sz="2400" b="1" dirty="0"/>
+              <a:t>Recap</a:t>
+            </a:r>
+            <a:endParaRPr lang="en-US" sz="2000" b="1" dirty="0"/>
+          </a:p>
+          <a:p>
+            <a:pPr lvl="0"/>
+            <a:endParaRPr lang="en-US" sz="1600" dirty="0">
+              <a:solidFill>
+                <a:prstClr val="black"/>
+              </a:solidFill>
+            </a:endParaRPr>
+          </a:p>
+          <a:p>
+            <a:pPr marL="285750" lvl="0" indent="-285750">
+              <a:buFont typeface="Arial" panose="020B0604020202020204" pitchFamily="34" charset="0"/>
+              <a:buChar char="•"/>
+            </a:pPr>
+            <a:r>
+              <a:rPr lang="en-US" dirty="0"/>
+              <a:t>Settings module – separating dev &amp; prod environments</a:t>
+            </a:r>
+          </a:p>
+          <a:p>
+            <a:pPr marL="285750" lvl="0" indent="-285750">
+              <a:buFont typeface="Arial" panose="020B0604020202020204" pitchFamily="34" charset="0"/>
+              <a:buChar char="•"/>
+            </a:pPr>
+            <a:r>
+              <a:rPr lang="en-US" dirty="0"/>
+              <a:t>Requests &amp; Response</a:t>
+            </a:r>
+          </a:p>
+          <a:p>
+            <a:pPr marL="285750" lvl="0" indent="-285750">
+              <a:buFont typeface="Arial" panose="020B0604020202020204" pitchFamily="34" charset="0"/>
+              <a:buChar char="•"/>
+            </a:pPr>
+            <a:r>
+              <a:rPr lang="en-US" dirty="0"/>
+              <a:t>Running a development server</a:t>
+            </a:r>
+          </a:p>
+          <a:p>
+            <a:pPr marL="285750" lvl="0" indent="-285750">
+              <a:buFont typeface="Arial" panose="020B0604020202020204" pitchFamily="34" charset="0"/>
+              <a:buChar char="•"/>
+            </a:pPr>
+            <a:r>
+              <a:rPr lang="en-US" dirty="0"/>
+              <a:t>Template overview</a:t>
+            </a:r>
+          </a:p>
+        </p:txBody>
+      </p:sp>
+    </p:spTree>
+    <p:extLst>
+      <p:ext uri="{BB962C8B-B14F-4D97-AF65-F5344CB8AC3E}">
+        <p14:creationId xmlns:p14="http://schemas.microsoft.com/office/powerpoint/2010/main" val="1072757309"/>
+      </p:ext>
+    </p:extLst>
+  </p:cSld>
+  <p:clrMapOvr>
+    <a:masterClrMapping/>
+  </p:clrMapOvr>
+</p:sld>
+</file>
+
+<file path=ppt/slides/slide9.xml><?xml version="1.0" encoding="utf-8"?>
+<p:sld xmlns:a="http://schemas.openxmlformats.org/drawingml/2006/main" xmlns:r="http://schemas.openxmlformats.org/officeDocument/2006/relationships" xmlns:p="http://schemas.openxmlformats.org/presentationml/2006/main">
+  <p:cSld>
+    <p:spTree>
+      <p:nvGrpSpPr>
+        <p:cNvPr id="1" name=""/>
+        <p:cNvGrpSpPr/>
+        <p:nvPr/>
+      </p:nvGrpSpPr>
+      <p:grpSpPr>
+        <a:xfrm>
+          <a:off x="0" y="0"/>
+          <a:ext cx="0" cy="0"/>
+          <a:chOff x="0" y="0"/>
+          <a:chExt cx="0" cy="0"/>
+        </a:xfrm>
+      </p:grpSpPr>
+      <p:sp>
+        <p:nvSpPr>
+          <p:cNvPr id="2" name="TextBox 1">
+            <a:extLst>
+              <a:ext uri="{FF2B5EF4-FFF2-40B4-BE49-F238E27FC236}">
+                <a16:creationId xmlns:a16="http://schemas.microsoft.com/office/drawing/2014/main" id="{73B9769D-6EA9-433A-88A0-88F2720B1AA3}"/>
+              </a:ext>
+            </a:extLst>
+          </p:cNvPr>
+          <p:cNvSpPr txBox="1"/>
+          <p:nvPr/>
+        </p:nvSpPr>
+        <p:spPr>
+          <a:xfrm>
+            <a:off x="462280" y="-92333"/>
+            <a:ext cx="11267440" cy="2400657"/>
+          </a:xfrm>
+          <a:prstGeom prst="rect">
+            <a:avLst/>
+          </a:prstGeom>
+          <a:noFill/>
+        </p:spPr>
+        <p:txBody>
+          <a:bodyPr wrap="square" rtlCol="0">
+            <a:spAutoFit/>
+          </a:bodyPr>
+          <a:lstStyle/>
+          <a:p>
+            <a:endParaRPr lang="en-US" sz="1600" b="1" dirty="0"/>
+          </a:p>
+          <a:p>
+            <a:r>
+              <a:rPr lang="en-US" sz="2000" b="1" dirty="0"/>
+              <a:t>Template- </a:t>
+            </a:r>
+            <a:r>
+              <a:rPr lang="en-US" b="1" dirty="0"/>
+              <a:t>Overview</a:t>
+            </a:r>
+          </a:p>
+          <a:p>
+            <a:r>
+              <a:rPr lang="en-US" b="1" dirty="0"/>
+              <a:t>Context</a:t>
+            </a:r>
+          </a:p>
+          <a:p>
+            <a:endParaRPr lang="en-US" sz="1600" dirty="0">
+              <a:solidFill>
+                <a:prstClr val="black"/>
+              </a:solidFill>
+            </a:endParaRPr>
+          </a:p>
+          <a:p>
+            <a:pPr marL="285750" lvl="0" indent="-285750">
+              <a:buFont typeface="Arial" panose="020B0604020202020204" pitchFamily="34" charset="0"/>
+              <a:buChar char="•"/>
+            </a:pPr>
+            <a:r>
+              <a:rPr lang="en-US" sz="1600" dirty="0"/>
+              <a:t>In the app directory, edit views.py</a:t>
+            </a:r>
+          </a:p>
+          <a:p>
+            <a:pPr marL="285750" lvl="0" indent="-285750">
+              <a:buFont typeface="Arial" panose="020B0604020202020204" pitchFamily="34" charset="0"/>
+              <a:buChar char="•"/>
+            </a:pPr>
+            <a:endParaRPr lang="en-US" sz="1600" dirty="0"/>
+          </a:p>
+          <a:p>
+            <a:pPr marL="285750" lvl="0" indent="-285750">
+              <a:buFont typeface="Arial" panose="020B0604020202020204" pitchFamily="34" charset="0"/>
+              <a:buChar char="•"/>
+            </a:pPr>
+            <a:r>
+              <a:rPr lang="en-US" sz="1600" dirty="0"/>
+              <a:t>In the app directory, edit templates </a:t>
+            </a:r>
+            <a:r>
+              <a:rPr lang="en-US" sz="1600" dirty="0">
+                <a:sym typeface="Wingdings" panose="05000000000000000000" pitchFamily="2" charset="2"/>
+              </a:rPr>
+              <a:t> backend  index.html</a:t>
+            </a:r>
+          </a:p>
+          <a:p>
+            <a:pPr marL="285750" lvl="0" indent="-285750">
+              <a:buFont typeface="Arial" panose="020B0604020202020204" pitchFamily="34" charset="0"/>
+              <a:buChar char="•"/>
+            </a:pPr>
+            <a:endParaRPr lang="en-US" sz="1600" dirty="0">
+              <a:sym typeface="Wingdings" panose="05000000000000000000" pitchFamily="2" charset="2"/>
+            </a:endParaRPr>
+          </a:p>
+          <a:p>
+            <a:pPr marL="285750" lvl="0" indent="-285750">
+              <a:buFont typeface="Arial" panose="020B0604020202020204" pitchFamily="34" charset="0"/>
+              <a:buChar char="•"/>
+            </a:pPr>
+            <a:r>
+              <a:rPr lang="en-US" sz="1600" dirty="0">
+                <a:sym typeface="Wingdings" panose="05000000000000000000" pitchFamily="2" charset="2"/>
+              </a:rPr>
+              <a:t>Run the server</a:t>
+            </a:r>
+            <a:endParaRPr lang="en-US" sz="1600" dirty="0"/>
+          </a:p>
+        </p:txBody>
+      </p:sp>
+      <p:grpSp>
+        <p:nvGrpSpPr>
+          <p:cNvPr id="20" name="Group 19">
+            <a:extLst>
+              <a:ext uri="{FF2B5EF4-FFF2-40B4-BE49-F238E27FC236}">
+                <a16:creationId xmlns:a16="http://schemas.microsoft.com/office/drawing/2014/main" id="{20FEB8F2-E019-4C6E-B470-CB75CB9D2EF8}"/>
+              </a:ext>
+            </a:extLst>
+          </p:cNvPr>
+          <p:cNvGrpSpPr/>
+          <p:nvPr/>
+        </p:nvGrpSpPr>
+        <p:grpSpPr>
+          <a:xfrm>
+            <a:off x="25400" y="2492990"/>
+            <a:ext cx="12095480" cy="3517378"/>
+            <a:chOff x="462280" y="2492990"/>
+            <a:chExt cx="12095480" cy="3517378"/>
+          </a:xfrm>
+        </p:grpSpPr>
+        <p:sp>
+          <p:nvSpPr>
+            <p:cNvPr id="5" name="TextBox 4">
+              <a:extLst>
+                <a:ext uri="{FF2B5EF4-FFF2-40B4-BE49-F238E27FC236}">
+                  <a16:creationId xmlns:a16="http://schemas.microsoft.com/office/drawing/2014/main" id="{75975737-BB94-440E-97FF-2E9718A6DD1D}"/>
+                </a:ext>
+              </a:extLst>
+            </p:cNvPr>
+            <p:cNvSpPr txBox="1"/>
+            <p:nvPr/>
+          </p:nvSpPr>
+          <p:spPr>
+            <a:xfrm>
+              <a:off x="4734560" y="2492990"/>
+              <a:ext cx="1302468" cy="369332"/>
+            </a:xfrm>
+            <a:prstGeom prst="rect">
+              <a:avLst/>
+            </a:prstGeom>
+            <a:solidFill>
+              <a:schemeClr val="bg1"/>
+            </a:solidFill>
+            <a:ln>
+              <a:solidFill>
+                <a:srgbClr val="F0F0F0"/>
+              </a:solidFill>
+            </a:ln>
+          </p:spPr>
+          <p:txBody>
+            <a:bodyPr wrap="square" rtlCol="0">
+              <a:spAutoFit/>
+            </a:bodyPr>
+            <a:lstStyle/>
+            <a:p>
+              <a:r>
+                <a:rPr lang="en-US" b="1" dirty="0"/>
+                <a:t>views.py</a:t>
+              </a:r>
+            </a:p>
+          </p:txBody>
+        </p:sp>
+        <p:sp>
+          <p:nvSpPr>
+            <p:cNvPr id="4" name="Rectangle 3">
+              <a:extLst>
+                <a:ext uri="{FF2B5EF4-FFF2-40B4-BE49-F238E27FC236}">
+                  <a16:creationId xmlns:a16="http://schemas.microsoft.com/office/drawing/2014/main" id="{CAC452F9-1905-4FC8-A8D0-1E4FE6510218}"/>
+                </a:ext>
+              </a:extLst>
+            </p:cNvPr>
+            <p:cNvSpPr/>
+            <p:nvPr/>
+          </p:nvSpPr>
+          <p:spPr>
+            <a:xfrm>
+              <a:off x="4734560" y="2862322"/>
+              <a:ext cx="7823200" cy="3148046"/>
+            </a:xfrm>
+            <a:prstGeom prst="rect">
+              <a:avLst/>
+            </a:prstGeom>
+            <a:solidFill>
+              <a:schemeClr val="bg1"/>
+            </a:solidFill>
+            <a:ln>
+              <a:solidFill>
+                <a:srgbClr val="F0F0F0"/>
+              </a:solidFill>
+            </a:ln>
+          </p:spPr>
+          <p:style>
+            <a:lnRef idx="2">
+              <a:schemeClr val="accent1">
+                <a:shade val="50000"/>
+              </a:schemeClr>
+            </a:lnRef>
+            <a:fillRef idx="1">
+              <a:schemeClr val="accent1"/>
+            </a:fillRef>
+            <a:effectRef idx="0">
+              <a:schemeClr val="accent1"/>
+            </a:effectRef>
+            <a:fontRef idx="minor">
+              <a:schemeClr val="lt1"/>
+            </a:fontRef>
+          </p:style>
+          <p:txBody>
+            <a:bodyPr rtlCol="0" anchor="ctr"/>
+            <a:lstStyle/>
+            <a:p>
+              <a:r>
+                <a:rPr lang="en-US" i="1" dirty="0">
+                  <a:solidFill>
+                    <a:sysClr val="windowText" lastClr="000000"/>
+                  </a:solidFill>
+                  <a:latin typeface="Consolas" panose="020B0609020204030204" pitchFamily="49" charset="0"/>
+                </a:rPr>
+                <a:t>from </a:t>
+              </a:r>
+              <a:r>
+                <a:rPr lang="en-US" i="1" dirty="0" err="1">
+                  <a:solidFill>
+                    <a:sysClr val="windowText" lastClr="000000"/>
+                  </a:solidFill>
+                  <a:latin typeface="Consolas" panose="020B0609020204030204" pitchFamily="49" charset="0"/>
+                </a:rPr>
+                <a:t>django.shortcuts</a:t>
+              </a:r>
+              <a:r>
+                <a:rPr lang="en-US" i="1" dirty="0">
+                  <a:solidFill>
+                    <a:sysClr val="windowText" lastClr="000000"/>
+                  </a:solidFill>
+                  <a:latin typeface="Consolas" panose="020B0609020204030204" pitchFamily="49" charset="0"/>
+                </a:rPr>
+                <a:t> import render</a:t>
+              </a:r>
+            </a:p>
+            <a:p>
+              <a:endParaRPr lang="en-US" i="1" dirty="0">
+                <a:solidFill>
+                  <a:sysClr val="windowText" lastClr="000000"/>
+                </a:solidFill>
+                <a:latin typeface="Consolas" panose="020B0609020204030204" pitchFamily="49" charset="0"/>
+              </a:endParaRPr>
+            </a:p>
+            <a:p>
+              <a:r>
+                <a:rPr lang="en-US" i="1" dirty="0">
+                  <a:solidFill>
+                    <a:sysClr val="windowText" lastClr="000000"/>
+                  </a:solidFill>
+                  <a:latin typeface="Consolas" panose="020B0609020204030204" pitchFamily="49" charset="0"/>
+                </a:rPr>
+                <a:t># Create your views here.</a:t>
+              </a:r>
+            </a:p>
+            <a:p>
+              <a:endParaRPr lang="en-US" i="1" dirty="0">
+                <a:solidFill>
+                  <a:sysClr val="windowText" lastClr="000000"/>
+                </a:solidFill>
+                <a:latin typeface="Consolas" panose="020B0609020204030204" pitchFamily="49" charset="0"/>
+              </a:endParaRPr>
+            </a:p>
+            <a:p>
+              <a:r>
+                <a:rPr lang="en-US" b="1" i="1" dirty="0">
+                  <a:solidFill>
+                    <a:sysClr val="windowText" lastClr="000000"/>
+                  </a:solidFill>
+                  <a:latin typeface="Consolas" panose="020B0609020204030204" pitchFamily="49" charset="0"/>
+                </a:rPr>
+                <a:t>context = {'name': '</a:t>
+              </a:r>
+              <a:r>
+                <a:rPr lang="en-US" b="1" i="1" dirty="0" err="1">
+                  <a:solidFill>
+                    <a:sysClr val="windowText" lastClr="000000"/>
+                  </a:solidFill>
+                  <a:latin typeface="Consolas" panose="020B0609020204030204" pitchFamily="49" charset="0"/>
+                </a:rPr>
+                <a:t>hephzi</a:t>
+              </a:r>
+              <a:r>
+                <a:rPr lang="en-US" b="1" i="1" dirty="0">
+                  <a:solidFill>
+                    <a:sysClr val="windowText" lastClr="000000"/>
+                  </a:solidFill>
+                  <a:latin typeface="Consolas" panose="020B0609020204030204" pitchFamily="49" charset="0"/>
+                </a:rPr>
+                <a:t>'}</a:t>
+              </a:r>
+            </a:p>
+            <a:p>
+              <a:endParaRPr lang="en-US" i="1" dirty="0">
+                <a:solidFill>
+                  <a:sysClr val="windowText" lastClr="000000"/>
+                </a:solidFill>
+                <a:latin typeface="Consolas" panose="020B0609020204030204" pitchFamily="49" charset="0"/>
+              </a:endParaRPr>
+            </a:p>
+            <a:p>
+              <a:r>
+                <a:rPr lang="en-US" i="1" dirty="0">
+                  <a:solidFill>
+                    <a:sysClr val="windowText" lastClr="000000"/>
+                  </a:solidFill>
+                  <a:latin typeface="Consolas" panose="020B0609020204030204" pitchFamily="49" charset="0"/>
+                </a:rPr>
+                <a:t>def url1(request):</a:t>
+              </a:r>
+            </a:p>
+            <a:p>
+              <a:r>
+                <a:rPr lang="en-US" i="1" dirty="0">
+                  <a:solidFill>
+                    <a:sysClr val="windowText" lastClr="000000"/>
+                  </a:solidFill>
+                  <a:latin typeface="Consolas" panose="020B0609020204030204" pitchFamily="49" charset="0"/>
+                </a:rPr>
+                <a:t>	return render(request, 'backend/index.html', </a:t>
+              </a:r>
+              <a:r>
+                <a:rPr lang="en-US" b="1" i="1" dirty="0">
+                  <a:solidFill>
+                    <a:sysClr val="windowText" lastClr="000000"/>
+                  </a:solidFill>
+                  <a:latin typeface="Consolas" panose="020B0609020204030204" pitchFamily="49" charset="0"/>
+                </a:rPr>
+                <a:t>context</a:t>
+              </a:r>
+              <a:r>
+                <a:rPr lang="en-US" i="1" dirty="0">
+                  <a:solidFill>
+                    <a:sysClr val="windowText" lastClr="000000"/>
+                  </a:solidFill>
+                  <a:latin typeface="Consolas" panose="020B0609020204030204" pitchFamily="49" charset="0"/>
+                </a:rPr>
+                <a:t>)</a:t>
+              </a:r>
+            </a:p>
+            <a:p>
+              <a:endParaRPr lang="en-US" i="1" dirty="0">
+                <a:solidFill>
+                  <a:sysClr val="windowText" lastClr="000000"/>
+                </a:solidFill>
+                <a:latin typeface="Consolas" panose="020B0609020204030204" pitchFamily="49" charset="0"/>
+              </a:endParaRPr>
+            </a:p>
+          </p:txBody>
+        </p:sp>
+        <p:sp>
+          <p:nvSpPr>
+            <p:cNvPr id="14" name="Rectangle 13">
+              <a:extLst>
+                <a:ext uri="{FF2B5EF4-FFF2-40B4-BE49-F238E27FC236}">
+                  <a16:creationId xmlns:a16="http://schemas.microsoft.com/office/drawing/2014/main" id="{06FEEF5B-D9AC-42C3-8242-3B8CF6BDC2F0}"/>
+                </a:ext>
+              </a:extLst>
+            </p:cNvPr>
+            <p:cNvSpPr/>
+            <p:nvPr/>
+          </p:nvSpPr>
+          <p:spPr>
+            <a:xfrm>
+              <a:off x="462281" y="2862322"/>
+              <a:ext cx="4201159" cy="3148046"/>
+            </a:xfrm>
+            <a:prstGeom prst="rect">
+              <a:avLst/>
+            </a:prstGeom>
+            <a:solidFill>
+              <a:schemeClr val="bg1"/>
+            </a:solidFill>
+            <a:ln>
+              <a:solidFill>
+                <a:srgbClr val="F0F0F0"/>
+              </a:solidFill>
+            </a:ln>
+          </p:spPr>
+          <p:style>
+            <a:lnRef idx="2">
+              <a:schemeClr val="accent1">
+                <a:shade val="50000"/>
+              </a:schemeClr>
+            </a:lnRef>
+            <a:fillRef idx="1">
+              <a:schemeClr val="accent1"/>
+            </a:fillRef>
+            <a:effectRef idx="0">
+              <a:schemeClr val="accent1"/>
+            </a:effectRef>
+            <a:fontRef idx="minor">
+              <a:schemeClr val="lt1"/>
+            </a:fontRef>
+          </p:style>
+          <p:txBody>
+            <a:bodyPr rtlCol="0" anchor="ctr"/>
+            <a:lstStyle/>
+            <a:p>
+              <a:r>
+                <a:rPr lang="en-US" i="1" dirty="0">
+                  <a:solidFill>
+                    <a:sysClr val="windowText" lastClr="000000"/>
+                  </a:solidFill>
+                  <a:latin typeface="Consolas" panose="020B0609020204030204" pitchFamily="49" charset="0"/>
+                </a:rPr>
+                <a:t>&lt;html &gt;</a:t>
+              </a:r>
+            </a:p>
+            <a:p>
+              <a:endParaRPr lang="en-US" i="1" dirty="0">
+                <a:solidFill>
+                  <a:sysClr val="windowText" lastClr="000000"/>
+                </a:solidFill>
+                <a:latin typeface="Consolas" panose="020B0609020204030204" pitchFamily="49" charset="0"/>
+              </a:endParaRPr>
+            </a:p>
+            <a:p>
+              <a:r>
+                <a:rPr lang="en-US" i="1" dirty="0">
+                  <a:solidFill>
+                    <a:sysClr val="windowText" lastClr="000000"/>
+                  </a:solidFill>
+                  <a:latin typeface="Consolas" panose="020B0609020204030204" pitchFamily="49" charset="0"/>
+                </a:rPr>
+                <a:t>&lt;style&gt;</a:t>
+              </a:r>
+            </a:p>
+            <a:p>
+              <a:r>
+                <a:rPr lang="en-US" i="1" dirty="0">
+                  <a:solidFill>
+                    <a:sysClr val="windowText" lastClr="000000"/>
+                  </a:solidFill>
+                  <a:latin typeface="Consolas" panose="020B0609020204030204" pitchFamily="49" charset="0"/>
+                </a:rPr>
+                <a:t>body {</a:t>
+              </a:r>
+            </a:p>
+            <a:p>
+              <a:r>
+                <a:rPr lang="en-US" i="1" dirty="0">
+                  <a:solidFill>
+                    <a:sysClr val="windowText" lastClr="000000"/>
+                  </a:solidFill>
+                  <a:latin typeface="Consolas" panose="020B0609020204030204" pitchFamily="49" charset="0"/>
+                </a:rPr>
+                <a:t>   background-color: </a:t>
+              </a:r>
+              <a:r>
+                <a:rPr lang="en-US" i="1" dirty="0" err="1">
+                  <a:solidFill>
+                    <a:sysClr val="windowText" lastClr="000000"/>
+                  </a:solidFill>
+                  <a:latin typeface="Consolas" panose="020B0609020204030204" pitchFamily="49" charset="0"/>
+                </a:rPr>
+                <a:t>lightblue</a:t>
+              </a:r>
+              <a:r>
+                <a:rPr lang="en-US" i="1" dirty="0">
+                  <a:solidFill>
+                    <a:sysClr val="windowText" lastClr="000000"/>
+                  </a:solidFill>
+                  <a:latin typeface="Consolas" panose="020B0609020204030204" pitchFamily="49" charset="0"/>
+                </a:rPr>
+                <a:t>;</a:t>
+              </a:r>
+            </a:p>
+            <a:p>
+              <a:r>
+                <a:rPr lang="en-US" i="1" dirty="0">
+                  <a:solidFill>
+                    <a:sysClr val="windowText" lastClr="000000"/>
+                  </a:solidFill>
+                  <a:latin typeface="Consolas" panose="020B0609020204030204" pitchFamily="49" charset="0"/>
+                </a:rPr>
+                <a:t>}</a:t>
+              </a:r>
+            </a:p>
+            <a:p>
+              <a:r>
+                <a:rPr lang="en-US" i="1" dirty="0">
+                  <a:solidFill>
+                    <a:sysClr val="windowText" lastClr="000000"/>
+                  </a:solidFill>
+                  <a:latin typeface="Consolas" panose="020B0609020204030204" pitchFamily="49" charset="0"/>
+                </a:rPr>
+                <a:t>&lt;/style&gt;</a:t>
+              </a:r>
+            </a:p>
+            <a:p>
+              <a:r>
+                <a:rPr lang="en-US" i="1" dirty="0">
+                  <a:solidFill>
+                    <a:sysClr val="windowText" lastClr="000000"/>
+                  </a:solidFill>
+                  <a:latin typeface="Consolas" panose="020B0609020204030204" pitchFamily="49" charset="0"/>
+                </a:rPr>
+                <a:t>&lt;body&gt;</a:t>
+              </a:r>
+            </a:p>
+            <a:p>
+              <a:r>
+                <a:rPr lang="en-US" i="1" dirty="0">
+                  <a:solidFill>
+                    <a:sysClr val="windowText" lastClr="000000"/>
+                  </a:solidFill>
+                  <a:latin typeface="Consolas" panose="020B0609020204030204" pitchFamily="49" charset="0"/>
+                </a:rPr>
+                <a:t>	hey </a:t>
+              </a:r>
+              <a:r>
+                <a:rPr lang="en-US" b="1" i="1" dirty="0">
+                  <a:solidFill>
+                    <a:sysClr val="windowText" lastClr="000000"/>
+                  </a:solidFill>
+                  <a:latin typeface="Consolas" panose="020B0609020204030204" pitchFamily="49" charset="0"/>
+                </a:rPr>
+                <a:t>{{name}}</a:t>
+              </a:r>
+            </a:p>
+            <a:p>
+              <a:r>
+                <a:rPr lang="en-US" i="1" dirty="0">
+                  <a:solidFill>
+                    <a:sysClr val="windowText" lastClr="000000"/>
+                  </a:solidFill>
+                  <a:latin typeface="Consolas" panose="020B0609020204030204" pitchFamily="49" charset="0"/>
+                </a:rPr>
+                <a:t>&lt;/body&gt;</a:t>
+              </a:r>
+            </a:p>
+          </p:txBody>
+        </p:sp>
+        <p:sp>
+          <p:nvSpPr>
+            <p:cNvPr id="15" name="TextBox 14">
+              <a:extLst>
+                <a:ext uri="{FF2B5EF4-FFF2-40B4-BE49-F238E27FC236}">
+                  <a16:creationId xmlns:a16="http://schemas.microsoft.com/office/drawing/2014/main" id="{1A8B59F7-57AA-4150-A7F7-2CEC01759370}"/>
+                </a:ext>
+              </a:extLst>
+            </p:cNvPr>
+            <p:cNvSpPr txBox="1"/>
+            <p:nvPr/>
+          </p:nvSpPr>
+          <p:spPr>
+            <a:xfrm>
+              <a:off x="462280" y="2492990"/>
+              <a:ext cx="1302468" cy="369332"/>
+            </a:xfrm>
+            <a:prstGeom prst="rect">
+              <a:avLst/>
+            </a:prstGeom>
+            <a:solidFill>
+              <a:schemeClr val="bg1"/>
+            </a:solidFill>
+            <a:ln>
+              <a:solidFill>
+                <a:srgbClr val="F0F0F0"/>
+              </a:solidFill>
+            </a:ln>
+          </p:spPr>
+          <p:txBody>
+            <a:bodyPr wrap="square" rtlCol="0">
+              <a:spAutoFit/>
+            </a:bodyPr>
+            <a:lstStyle/>
+            <a:p>
+              <a:r>
+                <a:rPr lang="en-US" b="1" dirty="0"/>
+                <a:t>index.html</a:t>
+              </a:r>
+            </a:p>
+          </p:txBody>
+        </p:sp>
+      </p:grpSp>
+    </p:spTree>
+    <p:extLst>
+      <p:ext uri="{BB962C8B-B14F-4D97-AF65-F5344CB8AC3E}">
+        <p14:creationId xmlns:p14="http://schemas.microsoft.com/office/powerpoint/2010/main" val="387244495"/>
       </p:ext>
     </p:extLst>
   </p:cSld>
